--- a/report/02-presentation/presentation.pptx
+++ b/report/02-presentation/presentation.pptx
@@ -3965,7 +3965,52 @@
           <a:bodyPr/>
           <a:lstStyle/>
           <a:p>
-            <a:endParaRPr lang="en-US"/>
+            <a:pPr marL="0" indent="0">
+              <a:buNone/>
+            </a:pPr>
+            <a:r>
+              <a:rPr lang="en-US" dirty="0" smtClean="0"/>
+              <a:t>Distortion of results by junk drives through:</a:t>
+            </a:r>
+            <a:endParaRPr lang="en-US" dirty="0"/>
+          </a:p>
+          <a:p>
+            <a:r>
+              <a:rPr lang="en-US" dirty="0" smtClean="0"/>
+              <a:t>Influencing the model</a:t>
+            </a:r>
+          </a:p>
+          <a:p>
+            <a:r>
+              <a:rPr lang="en-US" dirty="0" smtClean="0"/>
+              <a:t>Distorting the probabilities</a:t>
+            </a:r>
+          </a:p>
+          <a:p>
+            <a:endParaRPr lang="en-US" dirty="0"/>
+          </a:p>
+          <a:p>
+            <a:pPr>
+              <a:buFont typeface="Wingdings" charset="2"/>
+              <a:buChar char="Ø"/>
+            </a:pPr>
+            <a:r>
+              <a:rPr lang="en-US" dirty="0" smtClean="0"/>
+              <a:t>Direct </a:t>
+            </a:r>
+            <a:r>
+              <a:rPr lang="en-US" dirty="0" err="1" smtClean="0"/>
+              <a:t>influency</a:t>
+            </a:r>
+            <a:r>
+              <a:rPr lang="en-US" dirty="0" smtClean="0"/>
+              <a:t> on FPR and TPR -</a:t>
+            </a:r>
+            <a:r>
+              <a:rPr lang="en-US" smtClean="0"/>
+              <a:t>&gt; AUC</a:t>
+            </a:r>
+            <a:endParaRPr lang="en-US" dirty="0" smtClean="0"/>
           </a:p>
         </p:txBody>
       </p:sp>
@@ -4172,7 +4217,7 @@
         </p:blipFill>
         <p:spPr>
           <a:xfrm>
-            <a:off x="609630" y="1520305"/>
+            <a:off x="466755" y="1456805"/>
             <a:ext cx="5096934" cy="4131734"/>
           </a:xfrm>
           <a:prstGeom prst="rect">
@@ -4215,7 +4260,7 @@
         </p:nvSpPr>
         <p:spPr>
           <a:xfrm>
-            <a:off x="5638796" y="3115746"/>
+            <a:off x="5749921" y="2194996"/>
             <a:ext cx="3217333" cy="2350030"/>
           </a:xfrm>
         </p:spPr>
@@ -4236,13 +4281,15 @@
       <p:cxnSp>
         <p:nvCxnSpPr>
           <p:cNvPr id="6" name="Straight Arrow Connector 5"/>
-          <p:cNvCxnSpPr/>
+          <p:cNvCxnSpPr>
+            <a:stCxn id="3" idx="1"/>
+          </p:cNvCxnSpPr>
           <p:nvPr/>
         </p:nvCxnSpPr>
         <p:spPr>
           <a:xfrm flipH="1">
-            <a:off x="4114798" y="3759200"/>
-            <a:ext cx="1405466" cy="118533"/>
+            <a:off x="3968750" y="3370011"/>
+            <a:ext cx="1781171" cy="455864"/>
           </a:xfrm>
           <a:prstGeom prst="straightConnector1">
             <a:avLst/>
@@ -4272,13 +4319,15 @@
       <p:cxnSp>
         <p:nvCxnSpPr>
           <p:cNvPr id="9" name="Straight Arrow Connector 8"/>
-          <p:cNvCxnSpPr/>
+          <p:cNvCxnSpPr>
+            <a:stCxn id="3" idx="1"/>
+          </p:cNvCxnSpPr>
           <p:nvPr/>
         </p:nvCxnSpPr>
         <p:spPr>
           <a:xfrm flipH="1" flipV="1">
-            <a:off x="3081868" y="2980268"/>
-            <a:ext cx="2438396" cy="778932"/>
+            <a:off x="3081868" y="3000375"/>
+            <a:ext cx="2668053" cy="369636"/>
           </a:xfrm>
           <a:prstGeom prst="straightConnector1">
             <a:avLst/>
@@ -4458,8 +4507,8 @@
         </p:blipFill>
         <p:spPr>
           <a:xfrm>
-            <a:off x="3358311" y="3081854"/>
-            <a:ext cx="4735834" cy="3708400"/>
+            <a:off x="4524375" y="3322486"/>
+            <a:ext cx="3982520" cy="3118517"/>
           </a:xfrm>
           <a:prstGeom prst="rect">
             <a:avLst/>
@@ -4501,8 +4550,8 @@
         </p:nvSpPr>
         <p:spPr>
           <a:xfrm>
-            <a:off x="457200" y="2023525"/>
-            <a:ext cx="8229600" cy="1396999"/>
+            <a:off x="158750" y="2023525"/>
+            <a:ext cx="8528050" cy="1396999"/>
           </a:xfrm>
         </p:spPr>
         <p:txBody>
@@ -4597,6 +4646,48 @@
           </a:p>
           <a:p>
             <a:endParaRPr lang="en-US" sz="1100" dirty="0"/>
+          </a:p>
+        </p:txBody>
+      </p:sp>
+      <p:sp>
+        <p:nvSpPr>
+          <p:cNvPr id="7" name="TextBox 6"/>
+          <p:cNvSpPr txBox="1"/>
+          <p:nvPr/>
+        </p:nvSpPr>
+        <p:spPr>
+          <a:xfrm>
+            <a:off x="492125" y="4000500"/>
+            <a:ext cx="3937000" cy="1631216"/>
+          </a:xfrm>
+          <a:prstGeom prst="rect">
+            <a:avLst/>
+          </a:prstGeom>
+          <a:noFill/>
+        </p:spPr>
+        <p:txBody>
+          <a:bodyPr wrap="square" rtlCol="0">
+            <a:spAutoFit/>
+          </a:bodyPr>
+          <a:lstStyle/>
+          <a:p>
+            <a:r>
+              <a:rPr lang="en-US" sz="2000" b="1" dirty="0" smtClean="0"/>
+              <a:t>Fundamental assumption:</a:t>
+            </a:r>
+          </a:p>
+          <a:p>
+            <a:pPr marL="342900" indent="-342900">
+              <a:buFont typeface="Arial"/>
+              <a:buChar char="•"/>
+            </a:pPr>
+            <a:r>
+              <a:rPr lang="en-US" sz="2000" dirty="0" smtClean="0"/>
+              <a:t>Amount of normal data points exceeds the amount of anomalous data points by far</a:t>
+            </a:r>
+          </a:p>
+          <a:p>
+            <a:endParaRPr lang="en-US" sz="2000" b="1" dirty="0"/>
           </a:p>
         </p:txBody>
       </p:sp>
@@ -4740,6 +4831,59 @@
                       </p:childTnLst>
                     </p:cTn>
                   </p:par>
+                  <p:par>
+                    <p:cTn id="11" fill="hold">
+                      <p:stCondLst>
+                        <p:cond delay="indefinite"/>
+                      </p:stCondLst>
+                      <p:childTnLst>
+                        <p:par>
+                          <p:cTn id="12" fill="hold">
+                            <p:stCondLst>
+                              <p:cond delay="0"/>
+                            </p:stCondLst>
+                            <p:childTnLst>
+                              <p:par>
+                                <p:cTn id="13" presetID="16" presetClass="entr" presetSubtype="21" fill="hold" grpId="0" nodeType="clickEffect">
+                                  <p:stCondLst>
+                                    <p:cond delay="0"/>
+                                  </p:stCondLst>
+                                  <p:childTnLst>
+                                    <p:set>
+                                      <p:cBhvr>
+                                        <p:cTn id="14" dur="1" fill="hold">
+                                          <p:stCondLst>
+                                            <p:cond delay="0"/>
+                                          </p:stCondLst>
+                                        </p:cTn>
+                                        <p:tgtEl>
+                                          <p:spTgt spid="7"/>
+                                        </p:tgtEl>
+                                        <p:attrNameLst>
+                                          <p:attrName>style.visibility</p:attrName>
+                                        </p:attrNameLst>
+                                      </p:cBhvr>
+                                      <p:to>
+                                        <p:strVal val="visible"/>
+                                      </p:to>
+                                    </p:set>
+                                    <p:animEffect transition="in" filter="barn(inVertical)">
+                                      <p:cBhvr>
+                                        <p:cTn id="15" dur="500"/>
+                                        <p:tgtEl>
+                                          <p:spTgt spid="7"/>
+                                        </p:tgtEl>
+                                      </p:cBhvr>
+                                    </p:animEffect>
+                                  </p:childTnLst>
+                                </p:cTn>
+                              </p:par>
+                            </p:childTnLst>
+                          </p:cTn>
+                        </p:par>
+                      </p:childTnLst>
+                    </p:cTn>
+                  </p:par>
                 </p:childTnLst>
               </p:cTn>
               <p:prevCondLst>
@@ -4761,6 +4905,9 @@
         </p:cTn>
       </p:par>
     </p:tnLst>
+    <p:bldLst>
+      <p:bldP spid="7" grpId="0"/>
+    </p:bldLst>
   </p:timing>
 </p:sld>
 </file>
@@ -5406,14 +5553,16 @@
         </p:nvSpPr>
         <p:spPr/>
         <p:txBody>
-          <a:bodyPr/>
+          <a:bodyPr>
+            <a:normAutofit/>
+          </a:bodyPr>
           <a:lstStyle/>
           <a:p>
             <a:r>
-              <a:rPr lang="en-US" dirty="0" smtClean="0"/>
-              <a:t>Deep Learning Auto Encoder</a:t>
-            </a:r>
-            <a:endParaRPr lang="en-US" dirty="0"/>
+              <a:rPr lang="en-US" sz="3600" dirty="0" smtClean="0"/>
+              <a:t>Foundations: Deep Learning Auto Encoder</a:t>
+            </a:r>
+            <a:endParaRPr lang="en-US" sz="3600" dirty="0"/>
           </a:p>
         </p:txBody>
       </p:sp>
@@ -5546,7 +5695,7 @@
           <a:graphicData uri="http://schemas.openxmlformats.org/presentationml/2006/ole">
             <mc:AlternateContent xmlns:mc="http://schemas.openxmlformats.org/markup-compatibility/2006">
               <mc:Choice xmlns:v="urn:schemas-microsoft-com:vml" Requires="v">
-                <p:oleObj spid="_x0000_s2059" name="Equation" r:id="rId4" imgW="1625600" imgH="1130300" progId="Equation.3">
+                <p:oleObj spid="_x0000_s2077" name="Equation" r:id="rId4" imgW="1625600" imgH="1130300" progId="Equation.3">
                   <p:embed/>
                 </p:oleObj>
               </mc:Choice>
@@ -5675,7 +5824,7 @@
           <a:graphicData uri="http://schemas.openxmlformats.org/presentationml/2006/ole">
             <mc:AlternateContent xmlns:mc="http://schemas.openxmlformats.org/markup-compatibility/2006">
               <mc:Choice xmlns:v="urn:schemas-microsoft-com:vml" Requires="v">
-                <p:oleObj spid="_x0000_s2060" name="Equation" r:id="rId6" imgW="2336800" imgH="1130300" progId="Equation.3">
+                <p:oleObj spid="_x0000_s2078" name="Equation" r:id="rId6" imgW="2336800" imgH="1130300" progId="Equation.3">
                   <p:embed/>
                 </p:oleObj>
               </mc:Choice>
@@ -5738,13 +5887,8 @@
             </a:pPr>
             <a:r>
               <a:rPr lang="en-US" sz="2400" dirty="0" smtClean="0"/>
-              <a:t>Most common used for dimensionality </a:t>
-            </a:r>
-            <a:r>
-              <a:rPr lang="en-US" sz="2400" smtClean="0"/>
-              <a:t>reduction purposes</a:t>
-            </a:r>
-            <a:endParaRPr lang="en-US" sz="2400" dirty="0" smtClean="0"/>
+              <a:t>Most commonly used for dimensionality reduction purposes</a:t>
+            </a:r>
           </a:p>
           <a:p>
             <a:endParaRPr lang="en-US" sz="2400" dirty="0"/>
@@ -5849,7 +5993,7 @@
           <a:graphicData uri="http://schemas.openxmlformats.org/presentationml/2006/ole">
             <mc:AlternateContent xmlns:mc="http://schemas.openxmlformats.org/markup-compatibility/2006">
               <mc:Choice xmlns:v="urn:schemas-microsoft-com:vml" Requires="v">
-                <p:oleObj spid="_x0000_s2061" name="Equation" r:id="rId8" imgW="266700" imgH="203200" progId="Equation.3">
+                <p:oleObj spid="_x0000_s2079" name="Equation" r:id="rId8" imgW="266700" imgH="203200" progId="Equation.3">
                   <p:embed/>
                 </p:oleObj>
               </mc:Choice>
@@ -5928,7 +6072,7 @@
                                           </p:stCondLst>
                                         </p:cTn>
                                         <p:tgtEl>
-                                          <p:spTgt spid="12"/>
+                                          <p:spTgt spid="9"/>
                                         </p:tgtEl>
                                         <p:attrNameLst>
                                           <p:attrName>style.visibility</p:attrName>
@@ -5942,7 +6086,7 @@
                                       <p:cBhvr additive="base">
                                         <p:cTn id="7" dur="500"/>
                                         <p:tgtEl>
-                                          <p:spTgt spid="12"/>
+                                          <p:spTgt spid="9"/>
                                         </p:tgtEl>
                                         <p:attrNameLst>
                                           <p:attrName>ppt_y</p:attrName>
@@ -5965,7 +6109,7 @@
                                       <p:cBhvr>
                                         <p:cTn id="8" dur="500"/>
                                         <p:tgtEl>
-                                          <p:spTgt spid="12"/>
+                                          <p:spTgt spid="9"/>
                                         </p:tgtEl>
                                       </p:cBhvr>
                                     </p:animEffect>
@@ -6030,15 +6174,167 @@
                                   </p:childTnLst>
                                 </p:cTn>
                               </p:par>
+                            </p:childTnLst>
+                          </p:cTn>
+                        </p:par>
+                      </p:childTnLst>
+                    </p:cTn>
+                  </p:par>
+                  <p:par>
+                    <p:cTn id="13" fill="hold">
+                      <p:stCondLst>
+                        <p:cond delay="indefinite"/>
+                      </p:stCondLst>
+                      <p:childTnLst>
+                        <p:par>
+                          <p:cTn id="14" fill="hold">
+                            <p:stCondLst>
+                              <p:cond delay="0"/>
+                            </p:stCondLst>
+                            <p:childTnLst>
                               <p:par>
-                                <p:cTn id="13" presetID="12" presetClass="entr" presetSubtype="4" fill="hold" nodeType="withEffect">
+                                <p:cTn id="15" presetID="12" presetClass="entr" presetSubtype="4" fill="hold" nodeType="clickEffect">
                                   <p:stCondLst>
                                     <p:cond delay="0"/>
                                   </p:stCondLst>
                                   <p:childTnLst>
                                     <p:set>
                                       <p:cBhvr>
-                                        <p:cTn id="14" dur="1" fill="hold">
+                                        <p:cTn id="16" dur="1" fill="hold">
+                                          <p:stCondLst>
+                                            <p:cond delay="0"/>
+                                          </p:stCondLst>
+                                        </p:cTn>
+                                        <p:tgtEl>
+                                          <p:spTgt spid="12"/>
+                                        </p:tgtEl>
+                                        <p:attrNameLst>
+                                          <p:attrName>style.visibility</p:attrName>
+                                        </p:attrNameLst>
+                                      </p:cBhvr>
+                                      <p:to>
+                                        <p:strVal val="visible"/>
+                                      </p:to>
+                                    </p:set>
+                                    <p:anim calcmode="lin" valueType="num">
+                                      <p:cBhvr additive="base">
+                                        <p:cTn id="17" dur="500"/>
+                                        <p:tgtEl>
+                                          <p:spTgt spid="12"/>
+                                        </p:tgtEl>
+                                        <p:attrNameLst>
+                                          <p:attrName>ppt_y</p:attrName>
+                                        </p:attrNameLst>
+                                      </p:cBhvr>
+                                      <p:tavLst>
+                                        <p:tav tm="0">
+                                          <p:val>
+                                            <p:strVal val="#ppt_y+#ppt_h*1.125000"/>
+                                          </p:val>
+                                        </p:tav>
+                                        <p:tav tm="100000">
+                                          <p:val>
+                                            <p:strVal val="#ppt_y"/>
+                                          </p:val>
+                                        </p:tav>
+                                      </p:tavLst>
+                                    </p:anim>
+                                    <p:animEffect transition="in" filter="wipe(up)">
+                                      <p:cBhvr>
+                                        <p:cTn id="18" dur="500"/>
+                                        <p:tgtEl>
+                                          <p:spTgt spid="12"/>
+                                        </p:tgtEl>
+                                      </p:cBhvr>
+                                    </p:animEffect>
+                                  </p:childTnLst>
+                                </p:cTn>
+                              </p:par>
+                              <p:par>
+                                <p:cTn id="19" presetID="12" presetClass="entr" presetSubtype="4" fill="hold" nodeType="withEffect">
+                                  <p:stCondLst>
+                                    <p:cond delay="0"/>
+                                  </p:stCondLst>
+                                  <p:childTnLst>
+                                    <p:set>
+                                      <p:cBhvr>
+                                        <p:cTn id="20" dur="1" fill="hold">
+                                          <p:stCondLst>
+                                            <p:cond delay="0"/>
+                                          </p:stCondLst>
+                                        </p:cTn>
+                                        <p:tgtEl>
+                                          <p:spTgt spid="13"/>
+                                        </p:tgtEl>
+                                        <p:attrNameLst>
+                                          <p:attrName>style.visibility</p:attrName>
+                                        </p:attrNameLst>
+                                      </p:cBhvr>
+                                      <p:to>
+                                        <p:strVal val="visible"/>
+                                      </p:to>
+                                    </p:set>
+                                    <p:anim calcmode="lin" valueType="num">
+                                      <p:cBhvr additive="base">
+                                        <p:cTn id="21" dur="500"/>
+                                        <p:tgtEl>
+                                          <p:spTgt spid="13"/>
+                                        </p:tgtEl>
+                                        <p:attrNameLst>
+                                          <p:attrName>ppt_y</p:attrName>
+                                        </p:attrNameLst>
+                                      </p:cBhvr>
+                                      <p:tavLst>
+                                        <p:tav tm="0">
+                                          <p:val>
+                                            <p:strVal val="#ppt_y+#ppt_h*1.125000"/>
+                                          </p:val>
+                                        </p:tav>
+                                        <p:tav tm="100000">
+                                          <p:val>
+                                            <p:strVal val="#ppt_y"/>
+                                          </p:val>
+                                        </p:tav>
+                                      </p:tavLst>
+                                    </p:anim>
+                                    <p:animEffect transition="in" filter="wipe(up)">
+                                      <p:cBhvr>
+                                        <p:cTn id="22" dur="500"/>
+                                        <p:tgtEl>
+                                          <p:spTgt spid="13"/>
+                                        </p:tgtEl>
+                                      </p:cBhvr>
+                                    </p:animEffect>
+                                  </p:childTnLst>
+                                </p:cTn>
+                              </p:par>
+                            </p:childTnLst>
+                          </p:cTn>
+                        </p:par>
+                      </p:childTnLst>
+                    </p:cTn>
+                  </p:par>
+                  <p:par>
+                    <p:cTn id="23" fill="hold">
+                      <p:stCondLst>
+                        <p:cond delay="indefinite"/>
+                      </p:stCondLst>
+                      <p:childTnLst>
+                        <p:par>
+                          <p:cTn id="24" fill="hold">
+                            <p:stCondLst>
+                              <p:cond delay="0"/>
+                            </p:stCondLst>
+                            <p:childTnLst>
+                              <p:par>
+                                <p:cTn id="25" presetID="12" presetClass="entr" presetSubtype="4" fill="hold" nodeType="clickEffect">
+                                  <p:stCondLst>
+                                    <p:cond delay="0"/>
+                                  </p:stCondLst>
+                                  <p:childTnLst>
+                                    <p:set>
+                                      <p:cBhvr>
+                                        <p:cTn id="26" dur="1" fill="hold">
                                           <p:stCondLst>
                                             <p:cond delay="0"/>
                                           </p:stCondLst>
@@ -6056,7 +6352,7 @@
                                     </p:set>
                                     <p:anim calcmode="lin" valueType="num">
                                       <p:cBhvr additive="base">
-                                        <p:cTn id="15" dur="500"/>
+                                        <p:cTn id="27" dur="500"/>
                                         <p:tgtEl>
                                           <p:spTgt spid="17"/>
                                         </p:tgtEl>
@@ -6079,7 +6375,7 @@
                                     </p:anim>
                                     <p:animEffect transition="in" filter="wipe(up)">
                                       <p:cBhvr>
-                                        <p:cTn id="16" dur="500"/>
+                                        <p:cTn id="28" dur="500"/>
                                         <p:tgtEl>
                                           <p:spTgt spid="17"/>
                                         </p:tgtEl>
@@ -6089,14 +6385,14 @@
                                 </p:cTn>
                               </p:par>
                               <p:par>
-                                <p:cTn id="17" presetID="12" presetClass="entr" presetSubtype="4" fill="hold" nodeType="withEffect">
+                                <p:cTn id="29" presetID="12" presetClass="entr" presetSubtype="4" fill="hold" nodeType="withEffect">
                                   <p:stCondLst>
                                     <p:cond delay="0"/>
                                   </p:stCondLst>
                                   <p:childTnLst>
                                     <p:set>
                                       <p:cBhvr>
-                                        <p:cTn id="18" dur="1" fill="hold">
+                                        <p:cTn id="30" dur="1" fill="hold">
                                           <p:stCondLst>
                                             <p:cond delay="0"/>
                                           </p:stCondLst>
@@ -6114,7 +6410,7 @@
                                     </p:set>
                                     <p:anim calcmode="lin" valueType="num">
                                       <p:cBhvr additive="base">
-                                        <p:cTn id="19" dur="500"/>
+                                        <p:cTn id="31" dur="500"/>
                                         <p:tgtEl>
                                           <p:spTgt spid="29"/>
                                         </p:tgtEl>
@@ -6137,7 +6433,7 @@
                                     </p:anim>
                                     <p:animEffect transition="in" filter="wipe(up)">
                                       <p:cBhvr>
-                                        <p:cTn id="20" dur="500"/>
+                                        <p:cTn id="32" dur="500"/>
                                         <p:tgtEl>
                                           <p:spTgt spid="29"/>
                                         </p:tgtEl>
@@ -6147,14 +6443,14 @@
                                 </p:cTn>
                               </p:par>
                               <p:par>
-                                <p:cTn id="21" presetID="12" presetClass="entr" presetSubtype="4" fill="hold" nodeType="withEffect">
+                                <p:cTn id="33" presetID="12" presetClass="entr" presetSubtype="4" fill="hold" nodeType="withEffect">
                                   <p:stCondLst>
                                     <p:cond delay="0"/>
                                   </p:stCondLst>
                                   <p:childTnLst>
                                     <p:set>
                                       <p:cBhvr>
-                                        <p:cTn id="22" dur="1" fill="hold">
+                                        <p:cTn id="34" dur="1" fill="hold">
                                           <p:stCondLst>
                                             <p:cond delay="0"/>
                                           </p:stCondLst>
@@ -6172,7 +6468,7 @@
                                     </p:set>
                                     <p:anim calcmode="lin" valueType="num">
                                       <p:cBhvr additive="base">
-                                        <p:cTn id="23" dur="500"/>
+                                        <p:cTn id="35" dur="500"/>
                                         <p:tgtEl>
                                           <p:spTgt spid="20"/>
                                         </p:tgtEl>
@@ -6195,7 +6491,7 @@
                                     </p:anim>
                                     <p:animEffect transition="in" filter="wipe(up)">
                                       <p:cBhvr>
-                                        <p:cTn id="24" dur="500"/>
+                                        <p:cTn id="36" dur="500"/>
                                         <p:tgtEl>
                                           <p:spTgt spid="20"/>
                                         </p:tgtEl>
@@ -6275,22 +6571,937 @@
           </a:p>
         </p:txBody>
       </p:sp>
-      <p:sp>
-        <p:nvSpPr>
-          <p:cNvPr id="3" name="Content Placeholder 2"/>
-          <p:cNvSpPr>
-            <a:spLocks noGrp="1"/>
-          </p:cNvSpPr>
-          <p:nvPr>
-            <p:ph idx="1"/>
-          </p:nvPr>
-        </p:nvSpPr>
-        <p:spPr/>
-        <p:txBody>
-          <a:bodyPr/>
+      <p:pic>
+        <p:nvPicPr>
+          <p:cNvPr id="4" name="Picture 3" descr="h2o-logo.jpg"/>
+          <p:cNvPicPr>
+            <a:picLocks noChangeAspect="1"/>
+          </p:cNvPicPr>
+          <p:nvPr/>
+        </p:nvPicPr>
+        <p:blipFill>
+          <a:blip r:embed="rId3">
+            <a:extLst>
+              <a:ext uri="{28A0092B-C50C-407E-A947-70E740481C1C}">
+                <a14:useLocalDpi xmlns:a14="http://schemas.microsoft.com/office/drawing/2010/main" val="0"/>
+              </a:ext>
+            </a:extLst>
+          </a:blip>
+          <a:stretch>
+            <a:fillRect/>
+          </a:stretch>
+        </p:blipFill>
+        <p:spPr>
+          <a:xfrm>
+            <a:off x="7048499" y="1380431"/>
+            <a:ext cx="1090491" cy="1090491"/>
+          </a:xfrm>
+          <a:prstGeom prst="rect">
+            <a:avLst/>
+          </a:prstGeom>
+        </p:spPr>
+      </p:pic>
+      <p:grpSp>
+        <p:nvGrpSpPr>
+          <p:cNvPr id="32" name="Group 31"/>
+          <p:cNvGrpSpPr/>
+          <p:nvPr/>
+        </p:nvGrpSpPr>
+        <p:grpSpPr>
+          <a:xfrm>
+            <a:off x="117649" y="2346325"/>
+            <a:ext cx="3152601" cy="3529048"/>
+            <a:chOff x="117649" y="2346325"/>
+            <a:chExt cx="3152601" cy="3529048"/>
+          </a:xfrm>
+        </p:grpSpPr>
+        <p:pic>
+          <p:nvPicPr>
+            <p:cNvPr id="21" name="Picture 20" descr="axa-trip.png"/>
+            <p:cNvPicPr>
+              <a:picLocks noChangeAspect="1"/>
+            </p:cNvPicPr>
+            <p:nvPr/>
+          </p:nvPicPr>
+          <p:blipFill>
+            <a:blip r:embed="rId4">
+              <a:extLst>
+                <a:ext uri="{28A0092B-C50C-407E-A947-70E740481C1C}">
+                  <a14:useLocalDpi xmlns:a14="http://schemas.microsoft.com/office/drawing/2010/main" val="0"/>
+                </a:ext>
+              </a:extLst>
+            </a:blip>
+            <a:stretch>
+              <a:fillRect/>
+            </a:stretch>
+          </p:blipFill>
+          <p:spPr>
+            <a:xfrm>
+              <a:off x="117649" y="2856309"/>
+              <a:ext cx="3152601" cy="2955564"/>
+            </a:xfrm>
+            <a:prstGeom prst="rect">
+              <a:avLst/>
+            </a:prstGeom>
+          </p:spPr>
+        </p:pic>
+        <p:pic>
+          <p:nvPicPr>
+            <p:cNvPr id="20" name="Picture 19" descr="axa-logo.png"/>
+            <p:cNvPicPr>
+              <a:picLocks noChangeAspect="1"/>
+            </p:cNvPicPr>
+            <p:nvPr/>
+          </p:nvPicPr>
+          <p:blipFill>
+            <a:blip r:embed="rId5">
+              <a:extLst>
+                <a:ext uri="{28A0092B-C50C-407E-A947-70E740481C1C}">
+                  <a14:useLocalDpi xmlns:a14="http://schemas.microsoft.com/office/drawing/2010/main" val="0"/>
+                </a:ext>
+              </a:extLst>
+            </a:blip>
+            <a:stretch>
+              <a:fillRect/>
+            </a:stretch>
+          </p:blipFill>
+          <p:spPr>
+            <a:xfrm>
+              <a:off x="1160636" y="2346325"/>
+              <a:ext cx="873125" cy="873125"/>
+            </a:xfrm>
+            <a:prstGeom prst="rect">
+              <a:avLst/>
+            </a:prstGeom>
+          </p:spPr>
+        </p:pic>
+        <p:sp>
+          <p:nvSpPr>
+            <p:cNvPr id="22" name="TextBox 21"/>
+            <p:cNvSpPr txBox="1"/>
+            <p:nvPr/>
+          </p:nvSpPr>
+          <p:spPr>
+            <a:xfrm>
+              <a:off x="451024" y="5506041"/>
+              <a:ext cx="2136601" cy="369332"/>
+            </a:xfrm>
+            <a:prstGeom prst="rect">
+              <a:avLst/>
+            </a:prstGeom>
+            <a:noFill/>
+          </p:spPr>
+          <p:txBody>
+            <a:bodyPr wrap="square" rtlCol="0">
+              <a:spAutoFit/>
+            </a:bodyPr>
+            <a:lstStyle/>
+            <a:p>
+              <a:pPr algn="ctr"/>
+              <a:r>
+                <a:rPr lang="en-US" dirty="0" smtClean="0">
+                  <a:latin typeface="Times"/>
+                  <a:cs typeface="Times"/>
+                </a:rPr>
+                <a:t>Dataset</a:t>
+              </a:r>
+              <a:endParaRPr lang="en-US" dirty="0">
+                <a:latin typeface="Times"/>
+                <a:cs typeface="Times"/>
+              </a:endParaRPr>
+            </a:p>
+          </p:txBody>
+        </p:sp>
+      </p:grpSp>
+      <p:grpSp>
+        <p:nvGrpSpPr>
+          <p:cNvPr id="34" name="Group 33"/>
+          <p:cNvGrpSpPr/>
+          <p:nvPr/>
+        </p:nvGrpSpPr>
+        <p:grpSpPr>
+          <a:xfrm>
+            <a:off x="4064000" y="1396306"/>
+            <a:ext cx="1619250" cy="2032694"/>
+            <a:chOff x="4175125" y="1396306"/>
+            <a:chExt cx="1619250" cy="2032694"/>
+          </a:xfrm>
+        </p:grpSpPr>
+        <p:pic>
+          <p:nvPicPr>
+            <p:cNvPr id="5" name="Picture 4" descr="flink-logo.png"/>
+            <p:cNvPicPr>
+              <a:picLocks noChangeAspect="1"/>
+            </p:cNvPicPr>
+            <p:nvPr/>
+          </p:nvPicPr>
+          <p:blipFill>
+            <a:blip r:embed="rId6">
+              <a:extLst>
+                <a:ext uri="{28A0092B-C50C-407E-A947-70E740481C1C}">
+                  <a14:useLocalDpi xmlns:a14="http://schemas.microsoft.com/office/drawing/2010/main" val="0"/>
+                </a:ext>
+              </a:extLst>
+            </a:blip>
+            <a:stretch>
+              <a:fillRect/>
+            </a:stretch>
+          </p:blipFill>
+          <p:spPr>
+            <a:xfrm>
+              <a:off x="4601307" y="1647825"/>
+              <a:ext cx="693615" cy="693615"/>
+            </a:xfrm>
+            <a:prstGeom prst="rect">
+              <a:avLst/>
+            </a:prstGeom>
+          </p:spPr>
+        </p:pic>
+        <p:sp>
+          <p:nvSpPr>
+            <p:cNvPr id="27" name="Rectangle 26"/>
+            <p:cNvSpPr/>
+            <p:nvPr/>
+          </p:nvSpPr>
+          <p:spPr>
+            <a:xfrm>
+              <a:off x="4385935" y="2416785"/>
+              <a:ext cx="1265080" cy="775427"/>
+            </a:xfrm>
+            <a:prstGeom prst="rect">
+              <a:avLst/>
+            </a:prstGeom>
+            <a:solidFill>
+              <a:srgbClr val="FFFFFF"/>
+            </a:solidFill>
+            <a:ln>
+              <a:solidFill>
+                <a:srgbClr val="A6A6A6"/>
+              </a:solidFill>
+            </a:ln>
+          </p:spPr>
+          <p:style>
+            <a:lnRef idx="1">
+              <a:schemeClr val="accent1"/>
+            </a:lnRef>
+            <a:fillRef idx="3">
+              <a:schemeClr val="accent1"/>
+            </a:fillRef>
+            <a:effectRef idx="2">
+              <a:schemeClr val="accent1"/>
+            </a:effectRef>
+            <a:fontRef idx="minor">
+              <a:schemeClr val="lt1"/>
+            </a:fontRef>
+          </p:style>
+          <p:txBody>
+            <a:bodyPr rtlCol="0" anchor="ctr"/>
+            <a:lstStyle/>
+            <a:p>
+              <a:pPr algn="ctr"/>
+              <a:endParaRPr lang="en-US"/>
+            </a:p>
+          </p:txBody>
+        </p:sp>
+        <p:sp>
+          <p:nvSpPr>
+            <p:cNvPr id="28" name="TextBox 27"/>
+            <p:cNvSpPr txBox="1"/>
+            <p:nvPr/>
+          </p:nvSpPr>
+          <p:spPr>
+            <a:xfrm>
+              <a:off x="4358519" y="2500450"/>
+              <a:ext cx="1319911" cy="646331"/>
+            </a:xfrm>
+            <a:prstGeom prst="rect">
+              <a:avLst/>
+            </a:prstGeom>
+            <a:noFill/>
+          </p:spPr>
+          <p:txBody>
+            <a:bodyPr wrap="square" rtlCol="0">
+              <a:spAutoFit/>
+            </a:bodyPr>
+            <a:lstStyle/>
+            <a:p>
+              <a:pPr algn="ctr"/>
+              <a:r>
+                <a:rPr lang="en-US" dirty="0" smtClean="0">
+                  <a:latin typeface="Times"/>
+                  <a:cs typeface="Times"/>
+                </a:rPr>
+                <a:t>Feature Extractor</a:t>
+              </a:r>
+              <a:endParaRPr lang="en-US" dirty="0">
+                <a:latin typeface="Times"/>
+                <a:cs typeface="Times"/>
+              </a:endParaRPr>
+            </a:p>
+          </p:txBody>
+        </p:sp>
+        <p:sp>
+          <p:nvSpPr>
+            <p:cNvPr id="29" name="Rectangle 28"/>
+            <p:cNvSpPr/>
+            <p:nvPr/>
+          </p:nvSpPr>
+          <p:spPr>
+            <a:xfrm>
+              <a:off x="4175125" y="1396306"/>
+              <a:ext cx="1619250" cy="2032694"/>
+            </a:xfrm>
+            <a:prstGeom prst="rect">
+              <a:avLst/>
+            </a:prstGeom>
+            <a:noFill/>
+            <a:ln>
+              <a:solidFill>
+                <a:schemeClr val="tx1"/>
+              </a:solidFill>
+            </a:ln>
+          </p:spPr>
+          <p:style>
+            <a:lnRef idx="1">
+              <a:schemeClr val="accent1"/>
+            </a:lnRef>
+            <a:fillRef idx="3">
+              <a:schemeClr val="accent1"/>
+            </a:fillRef>
+            <a:effectRef idx="2">
+              <a:schemeClr val="accent1"/>
+            </a:effectRef>
+            <a:fontRef idx="minor">
+              <a:schemeClr val="lt1"/>
+            </a:fontRef>
+          </p:style>
+          <p:txBody>
+            <a:bodyPr rtlCol="0" anchor="ctr"/>
+            <a:lstStyle/>
+            <a:p>
+              <a:pPr algn="ctr"/>
+              <a:endParaRPr lang="en-US"/>
+            </a:p>
+          </p:txBody>
+        </p:sp>
+      </p:grpSp>
+      <p:grpSp>
+        <p:nvGrpSpPr>
+          <p:cNvPr id="42" name="Group 41"/>
+          <p:cNvGrpSpPr/>
+          <p:nvPr/>
+        </p:nvGrpSpPr>
+        <p:grpSpPr>
+          <a:xfrm>
+            <a:off x="2921000" y="2692453"/>
+            <a:ext cx="841375" cy="863547"/>
+            <a:chOff x="2921000" y="2692453"/>
+            <a:chExt cx="841375" cy="863547"/>
+          </a:xfrm>
+        </p:grpSpPr>
+        <p:cxnSp>
+          <p:nvCxnSpPr>
+            <p:cNvPr id="25" name="Straight Arrow Connector 24"/>
+            <p:cNvCxnSpPr/>
+            <p:nvPr/>
+          </p:nvCxnSpPr>
+          <p:spPr>
+            <a:xfrm flipV="1">
+              <a:off x="2921000" y="2692453"/>
+              <a:ext cx="841375" cy="863547"/>
+            </a:xfrm>
+            <a:prstGeom prst="straightConnector1">
+              <a:avLst/>
+            </a:prstGeom>
+            <a:ln>
+              <a:solidFill>
+                <a:schemeClr val="bg1">
+                  <a:lumMod val="50000"/>
+                </a:schemeClr>
+              </a:solidFill>
+              <a:tailEnd type="arrow"/>
+            </a:ln>
+          </p:spPr>
+          <p:style>
+            <a:lnRef idx="2">
+              <a:schemeClr val="accent1"/>
+            </a:lnRef>
+            <a:fillRef idx="0">
+              <a:schemeClr val="accent1"/>
+            </a:fillRef>
+            <a:effectRef idx="1">
+              <a:schemeClr val="accent1"/>
+            </a:effectRef>
+            <a:fontRef idx="minor">
+              <a:schemeClr val="tx1"/>
+            </a:fontRef>
+          </p:style>
+        </p:cxnSp>
+        <p:sp>
+          <p:nvSpPr>
+            <p:cNvPr id="39" name="TextBox 38"/>
+            <p:cNvSpPr txBox="1"/>
+            <p:nvPr/>
+          </p:nvSpPr>
+          <p:spPr>
+            <a:xfrm>
+              <a:off x="3048000" y="2692453"/>
+              <a:ext cx="349250" cy="369332"/>
+            </a:xfrm>
+            <a:prstGeom prst="rect">
+              <a:avLst/>
+            </a:prstGeom>
+            <a:noFill/>
+          </p:spPr>
+          <p:txBody>
+            <a:bodyPr wrap="square" rtlCol="0">
+              <a:spAutoFit/>
+            </a:bodyPr>
+            <a:lstStyle/>
+            <a:p>
+              <a:r>
+                <a:rPr lang="en-US" b="1" dirty="0" smtClean="0"/>
+                <a:t>1</a:t>
+              </a:r>
+              <a:endParaRPr lang="en-US" b="1" dirty="0"/>
+            </a:p>
+          </p:txBody>
+        </p:sp>
+      </p:grpSp>
+      <p:grpSp>
+        <p:nvGrpSpPr>
+          <p:cNvPr id="43" name="Group 42"/>
+          <p:cNvGrpSpPr/>
+          <p:nvPr/>
+        </p:nvGrpSpPr>
+        <p:grpSpPr>
+          <a:xfrm>
+            <a:off x="5915025" y="3146781"/>
+            <a:ext cx="625475" cy="1708827"/>
+            <a:chOff x="4188557" y="2368906"/>
+            <a:chExt cx="625475" cy="1708827"/>
+          </a:xfrm>
+        </p:grpSpPr>
+        <p:cxnSp>
+          <p:nvCxnSpPr>
+            <p:cNvPr id="36" name="Straight Arrow Connector 35"/>
+            <p:cNvCxnSpPr/>
+            <p:nvPr/>
+          </p:nvCxnSpPr>
+          <p:spPr>
+            <a:xfrm flipV="1">
+              <a:off x="4188557" y="2368906"/>
+              <a:ext cx="593725" cy="1708827"/>
+            </a:xfrm>
+            <a:prstGeom prst="straightConnector1">
+              <a:avLst/>
+            </a:prstGeom>
+            <a:ln>
+              <a:solidFill>
+                <a:schemeClr val="bg1">
+                  <a:lumMod val="50000"/>
+                </a:schemeClr>
+              </a:solidFill>
+              <a:tailEnd type="arrow"/>
+            </a:ln>
+          </p:spPr>
+          <p:style>
+            <a:lnRef idx="2">
+              <a:schemeClr val="accent1"/>
+            </a:lnRef>
+            <a:fillRef idx="0">
+              <a:schemeClr val="accent1"/>
+            </a:fillRef>
+            <a:effectRef idx="1">
+              <a:schemeClr val="accent1"/>
+            </a:effectRef>
+            <a:fontRef idx="minor">
+              <a:schemeClr val="tx1"/>
+            </a:fontRef>
+          </p:style>
+        </p:cxnSp>
+        <p:sp>
+          <p:nvSpPr>
+            <p:cNvPr id="41" name="TextBox 40"/>
+            <p:cNvSpPr txBox="1"/>
+            <p:nvPr/>
+          </p:nvSpPr>
+          <p:spPr>
+            <a:xfrm>
+              <a:off x="4464782" y="3185527"/>
+              <a:ext cx="349250" cy="369332"/>
+            </a:xfrm>
+            <a:prstGeom prst="rect">
+              <a:avLst/>
+            </a:prstGeom>
+            <a:noFill/>
+          </p:spPr>
+          <p:txBody>
+            <a:bodyPr wrap="square" rtlCol="0">
+              <a:spAutoFit/>
+            </a:bodyPr>
+            <a:lstStyle/>
+            <a:p>
+              <a:r>
+                <a:rPr lang="en-US" b="1" dirty="0" smtClean="0"/>
+                <a:t>3</a:t>
+              </a:r>
+              <a:endParaRPr lang="en-US" b="1" dirty="0"/>
+            </a:p>
+          </p:txBody>
+        </p:sp>
+      </p:grpSp>
+      <p:grpSp>
+        <p:nvGrpSpPr>
+          <p:cNvPr id="60" name="Group 59"/>
+          <p:cNvGrpSpPr/>
+          <p:nvPr/>
+        </p:nvGrpSpPr>
+        <p:grpSpPr>
+          <a:xfrm>
+            <a:off x="4046767" y="3833258"/>
+            <a:ext cx="1685465" cy="2501835"/>
+            <a:chOff x="4046767" y="3833258"/>
+            <a:chExt cx="1685465" cy="2501835"/>
+          </a:xfrm>
+        </p:grpSpPr>
+        <p:graphicFrame>
+          <p:nvGraphicFramePr>
+            <p:cNvPr id="35" name="Object 34"/>
+            <p:cNvGraphicFramePr>
+              <a:graphicFrameLocks noChangeAspect="1"/>
+            </p:cNvGraphicFramePr>
+            <p:nvPr>
+              <p:extLst>
+                <p:ext uri="{D42A27DB-BD31-4B8C-83A1-F6EECF244321}">
+                  <p14:modId xmlns:p14="http://schemas.microsoft.com/office/powerpoint/2010/main" val="699722091"/>
+                </p:ext>
+              </p:extLst>
+            </p:nvPr>
+          </p:nvGraphicFramePr>
+          <p:xfrm>
+            <a:off x="4127500" y="4702508"/>
+            <a:ext cx="1573281" cy="1109365"/>
+          </p:xfrm>
+          <a:graphic>
+            <a:graphicData uri="http://schemas.openxmlformats.org/presentationml/2006/ole">
+              <mc:AlternateContent xmlns:mc="http://schemas.openxmlformats.org/markup-compatibility/2006">
+                <mc:Choice xmlns:v="urn:schemas-microsoft-com:vml" Requires="v">
+                  <p:oleObj spid="_x0000_s3076" name="Equation" r:id="rId7" imgW="1981200" imgH="1397000" progId="Equation.3">
+                    <p:embed/>
+                  </p:oleObj>
+                </mc:Choice>
+                <mc:Fallback>
+                  <p:oleObj name="Equation" r:id="rId7" imgW="1981200" imgH="1397000" progId="Equation.3">
+                    <p:embed/>
+                    <p:pic>
+                      <p:nvPicPr>
+                        <p:cNvPr id="0" name=""/>
+                        <p:cNvPicPr/>
+                        <p:nvPr/>
+                      </p:nvPicPr>
+                      <p:blipFill>
+                        <a:blip r:embed="rId8"/>
+                        <a:stretch>
+                          <a:fillRect/>
+                        </a:stretch>
+                      </p:blipFill>
+                      <p:spPr>
+                        <a:xfrm>
+                          <a:off x="4127500" y="4702508"/>
+                          <a:ext cx="1573281" cy="1109365"/>
+                        </a:xfrm>
+                        <a:prstGeom prst="rect">
+                          <a:avLst/>
+                        </a:prstGeom>
+                      </p:spPr>
+                    </p:pic>
+                  </p:oleObj>
+                </mc:Fallback>
+              </mc:AlternateContent>
+            </a:graphicData>
+          </a:graphic>
+        </p:graphicFrame>
+        <p:sp>
+          <p:nvSpPr>
+            <p:cNvPr id="44" name="TextBox 43"/>
+            <p:cNvSpPr txBox="1"/>
+            <p:nvPr/>
+          </p:nvSpPr>
+          <p:spPr>
+            <a:xfrm>
+              <a:off x="4046767" y="5811873"/>
+              <a:ext cx="1685465" cy="523220"/>
+            </a:xfrm>
+            <a:prstGeom prst="rect">
+              <a:avLst/>
+            </a:prstGeom>
+            <a:noFill/>
+          </p:spPr>
+          <p:txBody>
+            <a:bodyPr wrap="square" rtlCol="0">
+              <a:spAutoFit/>
+            </a:bodyPr>
+            <a:lstStyle/>
+            <a:p>
+              <a:pPr algn="ctr"/>
+              <a:r>
+                <a:rPr lang="en-US" sz="1400" dirty="0" smtClean="0">
+                  <a:latin typeface="Times"/>
+                  <a:cs typeface="Times"/>
+                </a:rPr>
+                <a:t>Sample x Dimension matrix</a:t>
+              </a:r>
+              <a:endParaRPr lang="en-US" sz="1400" dirty="0">
+                <a:latin typeface="Times"/>
+                <a:cs typeface="Times"/>
+              </a:endParaRPr>
+            </a:p>
+          </p:txBody>
+        </p:sp>
+        <p:grpSp>
+          <p:nvGrpSpPr>
+            <p:cNvPr id="45" name="Group 44"/>
+            <p:cNvGrpSpPr/>
+            <p:nvPr/>
+          </p:nvGrpSpPr>
+          <p:grpSpPr>
+            <a:xfrm>
+              <a:off x="4594957" y="3833258"/>
+              <a:ext cx="446943" cy="863599"/>
+              <a:chOff x="4490182" y="3696733"/>
+              <a:chExt cx="446943" cy="863599"/>
+            </a:xfrm>
+          </p:grpSpPr>
+          <p:cxnSp>
+            <p:nvCxnSpPr>
+              <p:cNvPr id="46" name="Straight Arrow Connector 45"/>
+              <p:cNvCxnSpPr/>
+              <p:nvPr/>
+            </p:nvCxnSpPr>
+            <p:spPr>
+              <a:xfrm>
+                <a:off x="4937125" y="3696733"/>
+                <a:ext cx="0" cy="863599"/>
+              </a:xfrm>
+              <a:prstGeom prst="straightConnector1">
+                <a:avLst/>
+              </a:prstGeom>
+              <a:ln>
+                <a:solidFill>
+                  <a:schemeClr val="bg1">
+                    <a:lumMod val="50000"/>
+                  </a:schemeClr>
+                </a:solidFill>
+                <a:tailEnd type="arrow"/>
+              </a:ln>
+            </p:spPr>
+            <p:style>
+              <a:lnRef idx="2">
+                <a:schemeClr val="accent1"/>
+              </a:lnRef>
+              <a:fillRef idx="0">
+                <a:schemeClr val="accent1"/>
+              </a:fillRef>
+              <a:effectRef idx="1">
+                <a:schemeClr val="accent1"/>
+              </a:effectRef>
+              <a:fontRef idx="minor">
+                <a:schemeClr val="tx1"/>
+              </a:fontRef>
+            </p:style>
+          </p:cxnSp>
+          <p:sp>
+            <p:nvSpPr>
+              <p:cNvPr id="47" name="TextBox 46"/>
+              <p:cNvSpPr txBox="1"/>
+              <p:nvPr/>
+            </p:nvSpPr>
+            <p:spPr>
+              <a:xfrm>
+                <a:off x="4490182" y="3821668"/>
+                <a:ext cx="349250" cy="369332"/>
+              </a:xfrm>
+              <a:prstGeom prst="rect">
+                <a:avLst/>
+              </a:prstGeom>
+              <a:noFill/>
+            </p:spPr>
+            <p:txBody>
+              <a:bodyPr wrap="square" rtlCol="0">
+                <a:spAutoFit/>
+              </a:bodyPr>
+              <a:lstStyle/>
+              <a:p>
+                <a:r>
+                  <a:rPr lang="en-US" b="1" dirty="0"/>
+                  <a:t>2</a:t>
+                </a:r>
+              </a:p>
+            </p:txBody>
+          </p:sp>
+        </p:grpSp>
+      </p:grpSp>
+      <p:sp>
+        <p:nvSpPr>
+          <p:cNvPr id="52" name="Rectangle 51"/>
+          <p:cNvSpPr/>
+          <p:nvPr/>
+        </p:nvSpPr>
+        <p:spPr>
+          <a:xfrm>
+            <a:off x="6619875" y="1291531"/>
+            <a:ext cx="1931380" cy="1660028"/>
+          </a:xfrm>
+          <a:prstGeom prst="rect">
+            <a:avLst/>
+          </a:prstGeom>
+          <a:noFill/>
+          <a:ln>
+            <a:solidFill>
+              <a:schemeClr val="tx1"/>
+            </a:solidFill>
+          </a:ln>
+        </p:spPr>
+        <p:style>
+          <a:lnRef idx="1">
+            <a:schemeClr val="accent1"/>
+          </a:lnRef>
+          <a:fillRef idx="3">
+            <a:schemeClr val="accent1"/>
+          </a:fillRef>
+          <a:effectRef idx="2">
+            <a:schemeClr val="accent1"/>
+          </a:effectRef>
+          <a:fontRef idx="minor">
+            <a:schemeClr val="lt1"/>
+          </a:fontRef>
+        </p:style>
+        <p:txBody>
+          <a:bodyPr rtlCol="0" anchor="ctr"/>
           <a:lstStyle/>
           <a:p>
+            <a:pPr algn="ctr"/>
             <a:endParaRPr lang="en-US"/>
+          </a:p>
+        </p:txBody>
+      </p:sp>
+      <p:sp>
+        <p:nvSpPr>
+          <p:cNvPr id="53" name="TextBox 52"/>
+          <p:cNvSpPr txBox="1"/>
+          <p:nvPr/>
+        </p:nvSpPr>
+        <p:spPr>
+          <a:xfrm>
+            <a:off x="6683376" y="2500450"/>
+            <a:ext cx="2003424" cy="338554"/>
+          </a:xfrm>
+          <a:prstGeom prst="rect">
+            <a:avLst/>
+          </a:prstGeom>
+          <a:noFill/>
+        </p:spPr>
+        <p:txBody>
+          <a:bodyPr wrap="square" rtlCol="0">
+            <a:spAutoFit/>
+          </a:bodyPr>
+          <a:lstStyle/>
+          <a:p>
+            <a:r>
+              <a:rPr lang="en-US" sz="1600" dirty="0" smtClean="0">
+                <a:latin typeface="Times"/>
+                <a:cs typeface="Times"/>
+              </a:rPr>
+              <a:t>H</a:t>
+            </a:r>
+            <a:r>
+              <a:rPr lang="en-US" sz="1600" baseline="-25000" dirty="0" smtClean="0">
+                <a:latin typeface="Times"/>
+                <a:cs typeface="Times"/>
+              </a:rPr>
+              <a:t>2</a:t>
+            </a:r>
+            <a:r>
+              <a:rPr lang="en-US" sz="1600" dirty="0" smtClean="0">
+                <a:latin typeface="Times"/>
+                <a:cs typeface="Times"/>
+              </a:rPr>
+              <a:t>O.ai auto-encoder</a:t>
+            </a:r>
+            <a:endParaRPr lang="en-US" sz="1600" dirty="0">
+              <a:latin typeface="Times"/>
+              <a:cs typeface="Times"/>
+            </a:endParaRPr>
+          </a:p>
+        </p:txBody>
+      </p:sp>
+      <p:grpSp>
+        <p:nvGrpSpPr>
+          <p:cNvPr id="54" name="Group 53"/>
+          <p:cNvGrpSpPr/>
+          <p:nvPr/>
+        </p:nvGrpSpPr>
+        <p:grpSpPr>
+          <a:xfrm>
+            <a:off x="7604125" y="3219450"/>
+            <a:ext cx="349250" cy="1289050"/>
+            <a:chOff x="4310917" y="1630163"/>
+            <a:chExt cx="349250" cy="1289050"/>
+          </a:xfrm>
+        </p:grpSpPr>
+        <p:cxnSp>
+          <p:nvCxnSpPr>
+            <p:cNvPr id="55" name="Straight Arrow Connector 54"/>
+            <p:cNvCxnSpPr/>
+            <p:nvPr/>
+          </p:nvCxnSpPr>
+          <p:spPr>
+            <a:xfrm>
+              <a:off x="4310917" y="1630163"/>
+              <a:ext cx="0" cy="1289050"/>
+            </a:xfrm>
+            <a:prstGeom prst="straightConnector1">
+              <a:avLst/>
+            </a:prstGeom>
+            <a:ln>
+              <a:solidFill>
+                <a:schemeClr val="bg1">
+                  <a:lumMod val="50000"/>
+                </a:schemeClr>
+              </a:solidFill>
+              <a:tailEnd type="arrow"/>
+            </a:ln>
+          </p:spPr>
+          <p:style>
+            <a:lnRef idx="2">
+              <a:schemeClr val="accent1"/>
+            </a:lnRef>
+            <a:fillRef idx="0">
+              <a:schemeClr val="accent1"/>
+            </a:fillRef>
+            <a:effectRef idx="1">
+              <a:schemeClr val="accent1"/>
+            </a:effectRef>
+            <a:fontRef idx="minor">
+              <a:schemeClr val="tx1"/>
+            </a:fontRef>
+          </p:style>
+        </p:cxnSp>
+        <p:sp>
+          <p:nvSpPr>
+            <p:cNvPr id="56" name="TextBox 55"/>
+            <p:cNvSpPr txBox="1"/>
+            <p:nvPr/>
+          </p:nvSpPr>
+          <p:spPr>
+            <a:xfrm>
+              <a:off x="4310917" y="2024379"/>
+              <a:ext cx="349250" cy="369332"/>
+            </a:xfrm>
+            <a:prstGeom prst="rect">
+              <a:avLst/>
+            </a:prstGeom>
+            <a:noFill/>
+          </p:spPr>
+          <p:txBody>
+            <a:bodyPr wrap="square" rtlCol="0">
+              <a:spAutoFit/>
+            </a:bodyPr>
+            <a:lstStyle/>
+            <a:p>
+              <a:r>
+                <a:rPr lang="en-US" b="1" dirty="0"/>
+                <a:t>4</a:t>
+              </a:r>
+            </a:p>
+          </p:txBody>
+        </p:sp>
+      </p:grpSp>
+      <p:sp>
+        <p:nvSpPr>
+          <p:cNvPr id="59" name="TextBox 58"/>
+          <p:cNvSpPr txBox="1"/>
+          <p:nvPr/>
+        </p:nvSpPr>
+        <p:spPr>
+          <a:xfrm>
+            <a:off x="6683376" y="4580766"/>
+            <a:ext cx="2069653" cy="1754327"/>
+          </a:xfrm>
+          <a:prstGeom prst="rect">
+            <a:avLst/>
+          </a:prstGeom>
+          <a:noFill/>
+        </p:spPr>
+        <p:txBody>
+          <a:bodyPr wrap="square" rtlCol="0">
+            <a:spAutoFit/>
+          </a:bodyPr>
+          <a:lstStyle/>
+          <a:p>
+            <a:pPr algn="ctr"/>
+            <a:r>
+              <a:rPr lang="en-US" dirty="0" smtClean="0">
+                <a:latin typeface="Times"/>
+                <a:cs typeface="Times"/>
+              </a:rPr>
+              <a:t>0.0021</a:t>
+            </a:r>
+          </a:p>
+          <a:p>
+            <a:pPr algn="ctr"/>
+            <a:r>
+              <a:rPr lang="en-US" dirty="0" smtClean="0">
+                <a:latin typeface="Times"/>
+                <a:cs typeface="Times"/>
+              </a:rPr>
+              <a:t>0.0170</a:t>
+            </a:r>
+          </a:p>
+          <a:p>
+            <a:pPr algn="ctr"/>
+            <a:r>
+              <a:rPr lang="en-US" dirty="0" smtClean="0">
+                <a:latin typeface="Times"/>
+                <a:cs typeface="Times"/>
+              </a:rPr>
+              <a:t>0.0019</a:t>
+            </a:r>
+          </a:p>
+          <a:p>
+            <a:pPr algn="ctr"/>
+            <a:r>
+              <a:rPr lang="en-US" dirty="0" smtClean="0">
+                <a:latin typeface="Times"/>
+                <a:cs typeface="Times"/>
+              </a:rPr>
+              <a:t>.</a:t>
+            </a:r>
+          </a:p>
+          <a:p>
+            <a:pPr algn="ctr"/>
+            <a:r>
+              <a:rPr lang="en-US" dirty="0" smtClean="0">
+                <a:latin typeface="Times"/>
+                <a:cs typeface="Times"/>
+              </a:rPr>
+              <a:t>.</a:t>
+            </a:r>
+          </a:p>
+          <a:p>
+            <a:pPr algn="ctr"/>
+            <a:r>
+              <a:rPr lang="en-US" sz="1600" dirty="0" smtClean="0">
+                <a:latin typeface="Times"/>
+                <a:cs typeface="Times"/>
+              </a:rPr>
+              <a:t>Confidence Scores</a:t>
+            </a:r>
+            <a:endParaRPr lang="en-US" sz="1600" dirty="0">
+              <a:latin typeface="Times"/>
+              <a:cs typeface="Times"/>
+            </a:endParaRPr>
           </a:p>
         </p:txBody>
       </p:sp>
@@ -6307,9 +7518,631 @@
   <p:timing>
     <p:tnLst>
       <p:par>
-        <p:cTn xmlns:p14="http://schemas.microsoft.com/office/powerpoint/2010/main" id="1" dur="indefinite" restart="never" nodeType="tmRoot"/>
+        <p:cTn xmlns:p14="http://schemas.microsoft.com/office/powerpoint/2010/main" id="1" dur="indefinite" restart="never" nodeType="tmRoot">
+          <p:childTnLst>
+            <p:seq concurrent="1" nextAc="seek">
+              <p:cTn id="2" dur="indefinite" nodeType="mainSeq">
+                <p:childTnLst>
+                  <p:par>
+                    <p:cTn id="3" fill="hold">
+                      <p:stCondLst>
+                        <p:cond delay="indefinite"/>
+                      </p:stCondLst>
+                      <p:childTnLst>
+                        <p:par>
+                          <p:cTn id="4" fill="hold">
+                            <p:stCondLst>
+                              <p:cond delay="0"/>
+                            </p:stCondLst>
+                            <p:childTnLst>
+                              <p:par>
+                                <p:cTn id="5" presetID="12" presetClass="entr" presetSubtype="4" fill="hold" nodeType="clickEffect">
+                                  <p:stCondLst>
+                                    <p:cond delay="0"/>
+                                  </p:stCondLst>
+                                  <p:childTnLst>
+                                    <p:set>
+                                      <p:cBhvr>
+                                        <p:cTn id="6" dur="1" fill="hold">
+                                          <p:stCondLst>
+                                            <p:cond delay="0"/>
+                                          </p:stCondLst>
+                                        </p:cTn>
+                                        <p:tgtEl>
+                                          <p:spTgt spid="42"/>
+                                        </p:tgtEl>
+                                        <p:attrNameLst>
+                                          <p:attrName>style.visibility</p:attrName>
+                                        </p:attrNameLst>
+                                      </p:cBhvr>
+                                      <p:to>
+                                        <p:strVal val="visible"/>
+                                      </p:to>
+                                    </p:set>
+                                    <p:anim calcmode="lin" valueType="num">
+                                      <p:cBhvr additive="base">
+                                        <p:cTn id="7" dur="500"/>
+                                        <p:tgtEl>
+                                          <p:spTgt spid="42"/>
+                                        </p:tgtEl>
+                                        <p:attrNameLst>
+                                          <p:attrName>ppt_y</p:attrName>
+                                        </p:attrNameLst>
+                                      </p:cBhvr>
+                                      <p:tavLst>
+                                        <p:tav tm="0">
+                                          <p:val>
+                                            <p:strVal val="#ppt_y+#ppt_h*1.125000"/>
+                                          </p:val>
+                                        </p:tav>
+                                        <p:tav tm="100000">
+                                          <p:val>
+                                            <p:strVal val="#ppt_y"/>
+                                          </p:val>
+                                        </p:tav>
+                                      </p:tavLst>
+                                    </p:anim>
+                                    <p:animEffect transition="in" filter="wipe(up)">
+                                      <p:cBhvr>
+                                        <p:cTn id="8" dur="500"/>
+                                        <p:tgtEl>
+                                          <p:spTgt spid="42"/>
+                                        </p:tgtEl>
+                                      </p:cBhvr>
+                                    </p:animEffect>
+                                  </p:childTnLst>
+                                </p:cTn>
+                              </p:par>
+                              <p:par>
+                                <p:cTn id="9" presetID="12" presetClass="entr" presetSubtype="4" fill="hold" nodeType="withEffect">
+                                  <p:stCondLst>
+                                    <p:cond delay="0"/>
+                                  </p:stCondLst>
+                                  <p:childTnLst>
+                                    <p:set>
+                                      <p:cBhvr>
+                                        <p:cTn id="10" dur="1" fill="hold">
+                                          <p:stCondLst>
+                                            <p:cond delay="0"/>
+                                          </p:stCondLst>
+                                        </p:cTn>
+                                        <p:tgtEl>
+                                          <p:spTgt spid="34"/>
+                                        </p:tgtEl>
+                                        <p:attrNameLst>
+                                          <p:attrName>style.visibility</p:attrName>
+                                        </p:attrNameLst>
+                                      </p:cBhvr>
+                                      <p:to>
+                                        <p:strVal val="visible"/>
+                                      </p:to>
+                                    </p:set>
+                                    <p:anim calcmode="lin" valueType="num">
+                                      <p:cBhvr additive="base">
+                                        <p:cTn id="11" dur="500"/>
+                                        <p:tgtEl>
+                                          <p:spTgt spid="34"/>
+                                        </p:tgtEl>
+                                        <p:attrNameLst>
+                                          <p:attrName>ppt_y</p:attrName>
+                                        </p:attrNameLst>
+                                      </p:cBhvr>
+                                      <p:tavLst>
+                                        <p:tav tm="0">
+                                          <p:val>
+                                            <p:strVal val="#ppt_y+#ppt_h*1.125000"/>
+                                          </p:val>
+                                        </p:tav>
+                                        <p:tav tm="100000">
+                                          <p:val>
+                                            <p:strVal val="#ppt_y"/>
+                                          </p:val>
+                                        </p:tav>
+                                      </p:tavLst>
+                                    </p:anim>
+                                    <p:animEffect transition="in" filter="wipe(up)">
+                                      <p:cBhvr>
+                                        <p:cTn id="12" dur="500"/>
+                                        <p:tgtEl>
+                                          <p:spTgt spid="34"/>
+                                        </p:tgtEl>
+                                      </p:cBhvr>
+                                    </p:animEffect>
+                                  </p:childTnLst>
+                                </p:cTn>
+                              </p:par>
+                            </p:childTnLst>
+                          </p:cTn>
+                        </p:par>
+                      </p:childTnLst>
+                    </p:cTn>
+                  </p:par>
+                  <p:par>
+                    <p:cTn id="13" fill="hold">
+                      <p:stCondLst>
+                        <p:cond delay="indefinite"/>
+                      </p:stCondLst>
+                      <p:childTnLst>
+                        <p:par>
+                          <p:cTn id="14" fill="hold">
+                            <p:stCondLst>
+                              <p:cond delay="0"/>
+                            </p:stCondLst>
+                            <p:childTnLst>
+                              <p:par>
+                                <p:cTn id="15" presetID="12" presetClass="entr" presetSubtype="4" fill="hold" nodeType="clickEffect">
+                                  <p:stCondLst>
+                                    <p:cond delay="0"/>
+                                  </p:stCondLst>
+                                  <p:childTnLst>
+                                    <p:set>
+                                      <p:cBhvr>
+                                        <p:cTn id="16" dur="1" fill="hold">
+                                          <p:stCondLst>
+                                            <p:cond delay="0"/>
+                                          </p:stCondLst>
+                                        </p:cTn>
+                                        <p:tgtEl>
+                                          <p:spTgt spid="60"/>
+                                        </p:tgtEl>
+                                        <p:attrNameLst>
+                                          <p:attrName>style.visibility</p:attrName>
+                                        </p:attrNameLst>
+                                      </p:cBhvr>
+                                      <p:to>
+                                        <p:strVal val="visible"/>
+                                      </p:to>
+                                    </p:set>
+                                    <p:anim calcmode="lin" valueType="num">
+                                      <p:cBhvr additive="base">
+                                        <p:cTn id="17" dur="500"/>
+                                        <p:tgtEl>
+                                          <p:spTgt spid="60"/>
+                                        </p:tgtEl>
+                                        <p:attrNameLst>
+                                          <p:attrName>ppt_y</p:attrName>
+                                        </p:attrNameLst>
+                                      </p:cBhvr>
+                                      <p:tavLst>
+                                        <p:tav tm="0">
+                                          <p:val>
+                                            <p:strVal val="#ppt_y+#ppt_h*1.125000"/>
+                                          </p:val>
+                                        </p:tav>
+                                        <p:tav tm="100000">
+                                          <p:val>
+                                            <p:strVal val="#ppt_y"/>
+                                          </p:val>
+                                        </p:tav>
+                                      </p:tavLst>
+                                    </p:anim>
+                                    <p:animEffect transition="in" filter="wipe(up)">
+                                      <p:cBhvr>
+                                        <p:cTn id="18" dur="500"/>
+                                        <p:tgtEl>
+                                          <p:spTgt spid="60"/>
+                                        </p:tgtEl>
+                                      </p:cBhvr>
+                                    </p:animEffect>
+                                  </p:childTnLst>
+                                </p:cTn>
+                              </p:par>
+                            </p:childTnLst>
+                          </p:cTn>
+                        </p:par>
+                      </p:childTnLst>
+                    </p:cTn>
+                  </p:par>
+                  <p:par>
+                    <p:cTn id="19" fill="hold">
+                      <p:stCondLst>
+                        <p:cond delay="indefinite"/>
+                      </p:stCondLst>
+                      <p:childTnLst>
+                        <p:par>
+                          <p:cTn id="20" fill="hold">
+                            <p:stCondLst>
+                              <p:cond delay="0"/>
+                            </p:stCondLst>
+                            <p:childTnLst>
+                              <p:par>
+                                <p:cTn id="21" presetID="12" presetClass="entr" presetSubtype="4" fill="hold" nodeType="clickEffect">
+                                  <p:stCondLst>
+                                    <p:cond delay="0"/>
+                                  </p:stCondLst>
+                                  <p:childTnLst>
+                                    <p:set>
+                                      <p:cBhvr>
+                                        <p:cTn id="22" dur="1" fill="hold">
+                                          <p:stCondLst>
+                                            <p:cond delay="0"/>
+                                          </p:stCondLst>
+                                        </p:cTn>
+                                        <p:tgtEl>
+                                          <p:spTgt spid="43"/>
+                                        </p:tgtEl>
+                                        <p:attrNameLst>
+                                          <p:attrName>style.visibility</p:attrName>
+                                        </p:attrNameLst>
+                                      </p:cBhvr>
+                                      <p:to>
+                                        <p:strVal val="visible"/>
+                                      </p:to>
+                                    </p:set>
+                                    <p:anim calcmode="lin" valueType="num">
+                                      <p:cBhvr additive="base">
+                                        <p:cTn id="23" dur="500"/>
+                                        <p:tgtEl>
+                                          <p:spTgt spid="43"/>
+                                        </p:tgtEl>
+                                        <p:attrNameLst>
+                                          <p:attrName>ppt_y</p:attrName>
+                                        </p:attrNameLst>
+                                      </p:cBhvr>
+                                      <p:tavLst>
+                                        <p:tav tm="0">
+                                          <p:val>
+                                            <p:strVal val="#ppt_y+#ppt_h*1.125000"/>
+                                          </p:val>
+                                        </p:tav>
+                                        <p:tav tm="100000">
+                                          <p:val>
+                                            <p:strVal val="#ppt_y"/>
+                                          </p:val>
+                                        </p:tav>
+                                      </p:tavLst>
+                                    </p:anim>
+                                    <p:animEffect transition="in" filter="wipe(up)">
+                                      <p:cBhvr>
+                                        <p:cTn id="24" dur="500"/>
+                                        <p:tgtEl>
+                                          <p:spTgt spid="43"/>
+                                        </p:tgtEl>
+                                      </p:cBhvr>
+                                    </p:animEffect>
+                                  </p:childTnLst>
+                                </p:cTn>
+                              </p:par>
+                              <p:par>
+                                <p:cTn id="25" presetID="12" presetClass="entr" presetSubtype="4" fill="hold" nodeType="withEffect">
+                                  <p:stCondLst>
+                                    <p:cond delay="0"/>
+                                  </p:stCondLst>
+                                  <p:childTnLst>
+                                    <p:set>
+                                      <p:cBhvr>
+                                        <p:cTn id="26" dur="1" fill="hold">
+                                          <p:stCondLst>
+                                            <p:cond delay="0"/>
+                                          </p:stCondLst>
+                                        </p:cTn>
+                                        <p:tgtEl>
+                                          <p:spTgt spid="4"/>
+                                        </p:tgtEl>
+                                        <p:attrNameLst>
+                                          <p:attrName>style.visibility</p:attrName>
+                                        </p:attrNameLst>
+                                      </p:cBhvr>
+                                      <p:to>
+                                        <p:strVal val="visible"/>
+                                      </p:to>
+                                    </p:set>
+                                    <p:anim calcmode="lin" valueType="num">
+                                      <p:cBhvr additive="base">
+                                        <p:cTn id="27" dur="500"/>
+                                        <p:tgtEl>
+                                          <p:spTgt spid="4"/>
+                                        </p:tgtEl>
+                                        <p:attrNameLst>
+                                          <p:attrName>ppt_y</p:attrName>
+                                        </p:attrNameLst>
+                                      </p:cBhvr>
+                                      <p:tavLst>
+                                        <p:tav tm="0">
+                                          <p:val>
+                                            <p:strVal val="#ppt_y+#ppt_h*1.125000"/>
+                                          </p:val>
+                                        </p:tav>
+                                        <p:tav tm="100000">
+                                          <p:val>
+                                            <p:strVal val="#ppt_y"/>
+                                          </p:val>
+                                        </p:tav>
+                                      </p:tavLst>
+                                    </p:anim>
+                                    <p:animEffect transition="in" filter="wipe(up)">
+                                      <p:cBhvr>
+                                        <p:cTn id="28" dur="500"/>
+                                        <p:tgtEl>
+                                          <p:spTgt spid="4"/>
+                                        </p:tgtEl>
+                                      </p:cBhvr>
+                                    </p:animEffect>
+                                  </p:childTnLst>
+                                </p:cTn>
+                              </p:par>
+                              <p:par>
+                                <p:cTn id="29" presetID="12" presetClass="entr" presetSubtype="4" fill="hold" grpId="0" nodeType="withEffect">
+                                  <p:stCondLst>
+                                    <p:cond delay="0"/>
+                                  </p:stCondLst>
+                                  <p:childTnLst>
+                                    <p:set>
+                                      <p:cBhvr>
+                                        <p:cTn id="30" dur="1" fill="hold">
+                                          <p:stCondLst>
+                                            <p:cond delay="0"/>
+                                          </p:stCondLst>
+                                        </p:cTn>
+                                        <p:tgtEl>
+                                          <p:spTgt spid="52"/>
+                                        </p:tgtEl>
+                                        <p:attrNameLst>
+                                          <p:attrName>style.visibility</p:attrName>
+                                        </p:attrNameLst>
+                                      </p:cBhvr>
+                                      <p:to>
+                                        <p:strVal val="visible"/>
+                                      </p:to>
+                                    </p:set>
+                                    <p:anim calcmode="lin" valueType="num">
+                                      <p:cBhvr additive="base">
+                                        <p:cTn id="31" dur="500"/>
+                                        <p:tgtEl>
+                                          <p:spTgt spid="52"/>
+                                        </p:tgtEl>
+                                        <p:attrNameLst>
+                                          <p:attrName>ppt_y</p:attrName>
+                                        </p:attrNameLst>
+                                      </p:cBhvr>
+                                      <p:tavLst>
+                                        <p:tav tm="0">
+                                          <p:val>
+                                            <p:strVal val="#ppt_y+#ppt_h*1.125000"/>
+                                          </p:val>
+                                        </p:tav>
+                                        <p:tav tm="100000">
+                                          <p:val>
+                                            <p:strVal val="#ppt_y"/>
+                                          </p:val>
+                                        </p:tav>
+                                      </p:tavLst>
+                                    </p:anim>
+                                    <p:animEffect transition="in" filter="wipe(up)">
+                                      <p:cBhvr>
+                                        <p:cTn id="32" dur="500"/>
+                                        <p:tgtEl>
+                                          <p:spTgt spid="52"/>
+                                        </p:tgtEl>
+                                      </p:cBhvr>
+                                    </p:animEffect>
+                                  </p:childTnLst>
+                                </p:cTn>
+                              </p:par>
+                              <p:par>
+                                <p:cTn id="33" presetID="12" presetClass="entr" presetSubtype="4" fill="hold" grpId="0" nodeType="withEffect">
+                                  <p:stCondLst>
+                                    <p:cond delay="0"/>
+                                  </p:stCondLst>
+                                  <p:childTnLst>
+                                    <p:set>
+                                      <p:cBhvr>
+                                        <p:cTn id="34" dur="1" fill="hold">
+                                          <p:stCondLst>
+                                            <p:cond delay="0"/>
+                                          </p:stCondLst>
+                                        </p:cTn>
+                                        <p:tgtEl>
+                                          <p:spTgt spid="53"/>
+                                        </p:tgtEl>
+                                        <p:attrNameLst>
+                                          <p:attrName>style.visibility</p:attrName>
+                                        </p:attrNameLst>
+                                      </p:cBhvr>
+                                      <p:to>
+                                        <p:strVal val="visible"/>
+                                      </p:to>
+                                    </p:set>
+                                    <p:anim calcmode="lin" valueType="num">
+                                      <p:cBhvr additive="base">
+                                        <p:cTn id="35" dur="500"/>
+                                        <p:tgtEl>
+                                          <p:spTgt spid="53"/>
+                                        </p:tgtEl>
+                                        <p:attrNameLst>
+                                          <p:attrName>ppt_y</p:attrName>
+                                        </p:attrNameLst>
+                                      </p:cBhvr>
+                                      <p:tavLst>
+                                        <p:tav tm="0">
+                                          <p:val>
+                                            <p:strVal val="#ppt_y+#ppt_h*1.125000"/>
+                                          </p:val>
+                                        </p:tav>
+                                        <p:tav tm="100000">
+                                          <p:val>
+                                            <p:strVal val="#ppt_y"/>
+                                          </p:val>
+                                        </p:tav>
+                                      </p:tavLst>
+                                    </p:anim>
+                                    <p:animEffect transition="in" filter="wipe(up)">
+                                      <p:cBhvr>
+                                        <p:cTn id="36" dur="500"/>
+                                        <p:tgtEl>
+                                          <p:spTgt spid="53"/>
+                                        </p:tgtEl>
+                                      </p:cBhvr>
+                                    </p:animEffect>
+                                  </p:childTnLst>
+                                </p:cTn>
+                              </p:par>
+                            </p:childTnLst>
+                          </p:cTn>
+                        </p:par>
+                      </p:childTnLst>
+                    </p:cTn>
+                  </p:par>
+                  <p:par>
+                    <p:cTn id="37" fill="hold">
+                      <p:stCondLst>
+                        <p:cond delay="indefinite"/>
+                      </p:stCondLst>
+                      <p:childTnLst>
+                        <p:par>
+                          <p:cTn id="38" fill="hold">
+                            <p:stCondLst>
+                              <p:cond delay="0"/>
+                            </p:stCondLst>
+                            <p:childTnLst>
+                              <p:par>
+                                <p:cTn id="39" presetID="12" presetClass="entr" presetSubtype="4" fill="hold" nodeType="clickEffect">
+                                  <p:stCondLst>
+                                    <p:cond delay="0"/>
+                                  </p:stCondLst>
+                                  <p:childTnLst>
+                                    <p:set>
+                                      <p:cBhvr>
+                                        <p:cTn id="40" dur="1" fill="hold">
+                                          <p:stCondLst>
+                                            <p:cond delay="0"/>
+                                          </p:stCondLst>
+                                        </p:cTn>
+                                        <p:tgtEl>
+                                          <p:spTgt spid="54"/>
+                                        </p:tgtEl>
+                                        <p:attrNameLst>
+                                          <p:attrName>style.visibility</p:attrName>
+                                        </p:attrNameLst>
+                                      </p:cBhvr>
+                                      <p:to>
+                                        <p:strVal val="visible"/>
+                                      </p:to>
+                                    </p:set>
+                                    <p:anim calcmode="lin" valueType="num">
+                                      <p:cBhvr additive="base">
+                                        <p:cTn id="41" dur="500"/>
+                                        <p:tgtEl>
+                                          <p:spTgt spid="54"/>
+                                        </p:tgtEl>
+                                        <p:attrNameLst>
+                                          <p:attrName>ppt_y</p:attrName>
+                                        </p:attrNameLst>
+                                      </p:cBhvr>
+                                      <p:tavLst>
+                                        <p:tav tm="0">
+                                          <p:val>
+                                            <p:strVal val="#ppt_y+#ppt_h*1.125000"/>
+                                          </p:val>
+                                        </p:tav>
+                                        <p:tav tm="100000">
+                                          <p:val>
+                                            <p:strVal val="#ppt_y"/>
+                                          </p:val>
+                                        </p:tav>
+                                      </p:tavLst>
+                                    </p:anim>
+                                    <p:animEffect transition="in" filter="wipe(up)">
+                                      <p:cBhvr>
+                                        <p:cTn id="42" dur="500"/>
+                                        <p:tgtEl>
+                                          <p:spTgt spid="54"/>
+                                        </p:tgtEl>
+                                      </p:cBhvr>
+                                    </p:animEffect>
+                                  </p:childTnLst>
+                                </p:cTn>
+                              </p:par>
+                              <p:par>
+                                <p:cTn id="43" presetID="12" presetClass="entr" presetSubtype="4" fill="hold" grpId="0" nodeType="withEffect">
+                                  <p:stCondLst>
+                                    <p:cond delay="0"/>
+                                  </p:stCondLst>
+                                  <p:childTnLst>
+                                    <p:set>
+                                      <p:cBhvr>
+                                        <p:cTn id="44" dur="1" fill="hold">
+                                          <p:stCondLst>
+                                            <p:cond delay="0"/>
+                                          </p:stCondLst>
+                                        </p:cTn>
+                                        <p:tgtEl>
+                                          <p:spTgt spid="59"/>
+                                        </p:tgtEl>
+                                        <p:attrNameLst>
+                                          <p:attrName>style.visibility</p:attrName>
+                                        </p:attrNameLst>
+                                      </p:cBhvr>
+                                      <p:to>
+                                        <p:strVal val="visible"/>
+                                      </p:to>
+                                    </p:set>
+                                    <p:anim calcmode="lin" valueType="num">
+                                      <p:cBhvr additive="base">
+                                        <p:cTn id="45" dur="500"/>
+                                        <p:tgtEl>
+                                          <p:spTgt spid="59"/>
+                                        </p:tgtEl>
+                                        <p:attrNameLst>
+                                          <p:attrName>ppt_y</p:attrName>
+                                        </p:attrNameLst>
+                                      </p:cBhvr>
+                                      <p:tavLst>
+                                        <p:tav tm="0">
+                                          <p:val>
+                                            <p:strVal val="#ppt_y+#ppt_h*1.125000"/>
+                                          </p:val>
+                                        </p:tav>
+                                        <p:tav tm="100000">
+                                          <p:val>
+                                            <p:strVal val="#ppt_y"/>
+                                          </p:val>
+                                        </p:tav>
+                                      </p:tavLst>
+                                    </p:anim>
+                                    <p:animEffect transition="in" filter="wipe(up)">
+                                      <p:cBhvr>
+                                        <p:cTn id="46" dur="500"/>
+                                        <p:tgtEl>
+                                          <p:spTgt spid="59"/>
+                                        </p:tgtEl>
+                                      </p:cBhvr>
+                                    </p:animEffect>
+                                  </p:childTnLst>
+                                </p:cTn>
+                              </p:par>
+                            </p:childTnLst>
+                          </p:cTn>
+                        </p:par>
+                      </p:childTnLst>
+                    </p:cTn>
+                  </p:par>
+                </p:childTnLst>
+              </p:cTn>
+              <p:prevCondLst>
+                <p:cond evt="onPrev" delay="0">
+                  <p:tgtEl>
+                    <p:sldTgt/>
+                  </p:tgtEl>
+                </p:cond>
+              </p:prevCondLst>
+              <p:nextCondLst>
+                <p:cond evt="onNext" delay="0">
+                  <p:tgtEl>
+                    <p:sldTgt/>
+                  </p:tgtEl>
+                </p:cond>
+              </p:nextCondLst>
+            </p:seq>
+          </p:childTnLst>
+        </p:cTn>
       </p:par>
     </p:tnLst>
+    <p:bldLst>
+      <p:bldP spid="52" grpId="0" animBg="1"/>
+      <p:bldP spid="53" grpId="0"/>
+      <p:bldP spid="59" grpId="0"/>
+    </p:bldLst>
   </p:timing>
 </p:sld>
 </file>

--- a/report/02-presentation/presentation.pptx
+++ b/report/02-presentation/presentation.pptx
@@ -5,7 +5,7 @@
     <p:sldMasterId id="2147483898" r:id="rId1"/>
   </p:sldMasterIdLst>
   <p:notesMasterIdLst>
-    <p:notesMasterId r:id="rId12"/>
+    <p:notesMasterId r:id="rId20"/>
   </p:notesMasterIdLst>
   <p:sldIdLst>
     <p:sldId id="256" r:id="rId2"/>
@@ -16,8 +16,16 @@
     <p:sldId id="263" r:id="rId7"/>
     <p:sldId id="266" r:id="rId8"/>
     <p:sldId id="260" r:id="rId9"/>
-    <p:sldId id="261" r:id="rId10"/>
-    <p:sldId id="262" r:id="rId11"/>
+    <p:sldId id="268" r:id="rId10"/>
+    <p:sldId id="270" r:id="rId11"/>
+    <p:sldId id="271" r:id="rId12"/>
+    <p:sldId id="267" r:id="rId13"/>
+    <p:sldId id="272" r:id="rId14"/>
+    <p:sldId id="273" r:id="rId15"/>
+    <p:sldId id="275" r:id="rId16"/>
+    <p:sldId id="262" r:id="rId17"/>
+    <p:sldId id="276" r:id="rId18"/>
+    <p:sldId id="274" r:id="rId19"/>
   </p:sldIdLst>
   <p:sldSz cx="9144000" cy="6858000" type="screen4x3"/>
   <p:notesSz cx="6858000" cy="9144000"/>
@@ -689,6 +697,90 @@
     <p:extLst>
       <p:ext uri="{BB962C8B-B14F-4D97-AF65-F5344CB8AC3E}">
         <p14:creationId xmlns:p14="http://schemas.microsoft.com/office/powerpoint/2010/main" val="3161620557"/>
+      </p:ext>
+    </p:extLst>
+  </p:cSld>
+  <p:clrMapOvr>
+    <a:masterClrMapping/>
+  </p:clrMapOvr>
+</p:notes>
+</file>
+
+<file path=ppt/notesSlides/notesSlide3.xml><?xml version="1.0" encoding="utf-8"?>
+<p:notes xmlns:a="http://schemas.openxmlformats.org/drawingml/2006/main" xmlns:r="http://schemas.openxmlformats.org/officeDocument/2006/relationships" xmlns:p="http://schemas.openxmlformats.org/presentationml/2006/main">
+  <p:cSld>
+    <p:spTree>
+      <p:nvGrpSpPr>
+        <p:cNvPr id="1" name=""/>
+        <p:cNvGrpSpPr/>
+        <p:nvPr/>
+      </p:nvGrpSpPr>
+      <p:grpSpPr>
+        <a:xfrm>
+          <a:off x="0" y="0"/>
+          <a:ext cx="0" cy="0"/>
+          <a:chOff x="0" y="0"/>
+          <a:chExt cx="0" cy="0"/>
+        </a:xfrm>
+      </p:grpSpPr>
+      <p:sp>
+        <p:nvSpPr>
+          <p:cNvPr id="2" name="Slide Image Placeholder 1"/>
+          <p:cNvSpPr>
+            <a:spLocks noGrp="1" noRot="1" noChangeAspect="1"/>
+          </p:cNvSpPr>
+          <p:nvPr>
+            <p:ph type="sldImg"/>
+          </p:nvPr>
+        </p:nvSpPr>
+        <p:spPr/>
+      </p:sp>
+      <p:sp>
+        <p:nvSpPr>
+          <p:cNvPr id="3" name="Notes Placeholder 2"/>
+          <p:cNvSpPr>
+            <a:spLocks noGrp="1"/>
+          </p:cNvSpPr>
+          <p:nvPr>
+            <p:ph type="body" idx="1"/>
+          </p:nvPr>
+        </p:nvSpPr>
+        <p:spPr/>
+        <p:txBody>
+          <a:bodyPr/>
+          <a:lstStyle/>
+          <a:p>
+            <a:endParaRPr lang="en-US" dirty="0"/>
+          </a:p>
+        </p:txBody>
+      </p:sp>
+      <p:sp>
+        <p:nvSpPr>
+          <p:cNvPr id="4" name="Slide Number Placeholder 3"/>
+          <p:cNvSpPr>
+            <a:spLocks noGrp="1"/>
+          </p:cNvSpPr>
+          <p:nvPr>
+            <p:ph type="sldNum" sz="quarter" idx="10"/>
+          </p:nvPr>
+        </p:nvSpPr>
+        <p:spPr/>
+        <p:txBody>
+          <a:bodyPr/>
+          <a:lstStyle/>
+          <a:p>
+            <a:fld id="{0364FF6D-903F-CE49-9B56-90D62FD6C047}" type="slidenum">
+              <a:rPr lang="en-US" smtClean="0"/>
+              <a:t>14</a:t>
+            </a:fld>
+            <a:endParaRPr lang="en-US"/>
+          </a:p>
+        </p:txBody>
+      </p:sp>
+    </p:spTree>
+    <p:extLst>
+      <p:ext uri="{BB962C8B-B14F-4D97-AF65-F5344CB8AC3E}">
+        <p14:creationId xmlns:p14="http://schemas.microsoft.com/office/powerpoint/2010/main" val="3033154163"/>
       </p:ext>
     </p:extLst>
   </p:cSld>
@@ -3944,7 +4036,15 @@
           <a:p>
             <a:r>
               <a:rPr lang="en-US" dirty="0" smtClean="0"/>
-              <a:t>Conclusion</a:t>
+              <a:t>Conclusions 1</a:t>
+            </a:r>
+            <a:r>
+              <a:rPr lang="en-US" baseline="30000" dirty="0" smtClean="0"/>
+              <a:t>st</a:t>
+            </a:r>
+            <a:r>
+              <a:rPr lang="en-US" dirty="0" smtClean="0"/>
+              <a:t> Experiment </a:t>
             </a:r>
             <a:endParaRPr lang="en-US" dirty="0"/>
           </a:p>
@@ -3960,57 +4060,2939 @@
             <p:ph idx="1"/>
           </p:nvPr>
         </p:nvSpPr>
-        <p:spPr/>
+        <p:spPr>
+          <a:xfrm>
+            <a:off x="457200" y="3651251"/>
+            <a:ext cx="8229600" cy="2474912"/>
+          </a:xfrm>
+        </p:spPr>
         <p:txBody>
           <a:bodyPr/>
           <a:lstStyle/>
+          <a:p>
+            <a:r>
+              <a:rPr lang="en-US" dirty="0" smtClean="0"/>
+              <a:t>Generalization of model too high</a:t>
+            </a:r>
+          </a:p>
+          <a:p>
+            <a:r>
+              <a:rPr lang="en-US" dirty="0" smtClean="0"/>
+              <a:t>Wide variance between drivers</a:t>
+            </a:r>
+          </a:p>
+          <a:p>
+            <a:r>
+              <a:rPr lang="en-US" dirty="0" smtClean="0"/>
+              <a:t>Finding optimal parameters is tough</a:t>
+            </a:r>
+          </a:p>
+          <a:p>
+            <a:pPr lvl="1"/>
+            <a:r>
+              <a:rPr lang="en-US" dirty="0" smtClean="0"/>
+              <a:t>No labels, means no feedback</a:t>
+            </a:r>
+          </a:p>
+          <a:p>
+            <a:endParaRPr lang="en-US" dirty="0"/>
+          </a:p>
+        </p:txBody>
+      </p:sp>
+      <p:pic>
+        <p:nvPicPr>
+          <p:cNvPr id="4" name="Picture 3" descr="kaggle-result-1.png"/>
+          <p:cNvPicPr>
+            <a:picLocks noChangeAspect="1"/>
+          </p:cNvPicPr>
+          <p:nvPr/>
+        </p:nvPicPr>
+        <p:blipFill rotWithShape="1">
+          <a:blip r:embed="rId2">
+            <a:extLst>
+              <a:ext uri="{28A0092B-C50C-407E-A947-70E740481C1C}">
+                <a14:useLocalDpi xmlns:a14="http://schemas.microsoft.com/office/drawing/2010/main" val="0"/>
+              </a:ext>
+            </a:extLst>
+          </a:blip>
+          <a:srcRect t="17552" b="18103"/>
+          <a:stretch/>
+        </p:blipFill>
+        <p:spPr>
+          <a:xfrm>
+            <a:off x="0" y="1587500"/>
+            <a:ext cx="9144000" cy="1857375"/>
+          </a:xfrm>
+          <a:prstGeom prst="rect">
+            <a:avLst/>
+          </a:prstGeom>
+        </p:spPr>
+      </p:pic>
+    </p:spTree>
+    <p:extLst>
+      <p:ext uri="{BB962C8B-B14F-4D97-AF65-F5344CB8AC3E}">
+        <p14:creationId xmlns:p14="http://schemas.microsoft.com/office/powerpoint/2010/main" val="2030685552"/>
+      </p:ext>
+    </p:extLst>
+  </p:cSld>
+  <p:clrMapOvr>
+    <a:masterClrMapping/>
+  </p:clrMapOvr>
+  <p:timing>
+    <p:tnLst>
+      <p:par>
+        <p:cTn xmlns:p14="http://schemas.microsoft.com/office/powerpoint/2010/main" id="1" dur="indefinite" restart="never" nodeType="tmRoot"/>
+      </p:par>
+    </p:tnLst>
+  </p:timing>
+</p:sld>
+</file>
+
+<file path=ppt/slides/slide11.xml><?xml version="1.0" encoding="utf-8"?>
+<p:sld xmlns:a="http://schemas.openxmlformats.org/drawingml/2006/main" xmlns:r="http://schemas.openxmlformats.org/officeDocument/2006/relationships" xmlns:p="http://schemas.openxmlformats.org/presentationml/2006/main">
+  <p:cSld>
+    <p:spTree>
+      <p:nvGrpSpPr>
+        <p:cNvPr id="1" name=""/>
+        <p:cNvGrpSpPr/>
+        <p:nvPr/>
+      </p:nvGrpSpPr>
+      <p:grpSpPr>
+        <a:xfrm>
+          <a:off x="0" y="0"/>
+          <a:ext cx="0" cy="0"/>
+          <a:chOff x="0" y="0"/>
+          <a:chExt cx="0" cy="0"/>
+        </a:xfrm>
+      </p:grpSpPr>
+      <p:sp>
+        <p:nvSpPr>
+          <p:cNvPr id="2" name="Title 1"/>
+          <p:cNvSpPr>
+            <a:spLocks noGrp="1"/>
+          </p:cNvSpPr>
+          <p:nvPr>
+            <p:ph type="title"/>
+          </p:nvPr>
+        </p:nvSpPr>
+        <p:spPr/>
+        <p:txBody>
+          <a:bodyPr/>
+          <a:lstStyle/>
+          <a:p>
+            <a:r>
+              <a:rPr lang="en-US" dirty="0" smtClean="0"/>
+              <a:t>2</a:t>
+            </a:r>
+            <a:r>
+              <a:rPr lang="en-US" baseline="30000" dirty="0" smtClean="0"/>
+              <a:t>nd</a:t>
+            </a:r>
+            <a:r>
+              <a:rPr lang="en-US" dirty="0" smtClean="0"/>
+              <a:t> Experiment</a:t>
+            </a:r>
+            <a:endParaRPr lang="en-US" dirty="0"/>
+          </a:p>
+        </p:txBody>
+      </p:sp>
+      <p:pic>
+        <p:nvPicPr>
+          <p:cNvPr id="4" name="Picture 3" descr="h2o-logo.jpg"/>
+          <p:cNvPicPr>
+            <a:picLocks noChangeAspect="1"/>
+          </p:cNvPicPr>
+          <p:nvPr/>
+        </p:nvPicPr>
+        <p:blipFill>
+          <a:blip r:embed="rId3">
+            <a:extLst>
+              <a:ext uri="{28A0092B-C50C-407E-A947-70E740481C1C}">
+                <a14:useLocalDpi xmlns:a14="http://schemas.microsoft.com/office/drawing/2010/main" val="0"/>
+              </a:ext>
+            </a:extLst>
+          </a:blip>
+          <a:stretch>
+            <a:fillRect/>
+          </a:stretch>
+        </p:blipFill>
+        <p:spPr>
+          <a:xfrm>
+            <a:off x="6857999" y="1380431"/>
+            <a:ext cx="1090491" cy="1090491"/>
+          </a:xfrm>
+          <a:prstGeom prst="rect">
+            <a:avLst/>
+          </a:prstGeom>
+        </p:spPr>
+      </p:pic>
+      <p:cxnSp>
+        <p:nvCxnSpPr>
+          <p:cNvPr id="36" name="Straight Arrow Connector 35"/>
+          <p:cNvCxnSpPr/>
+          <p:nvPr/>
+        </p:nvCxnSpPr>
+        <p:spPr>
+          <a:xfrm>
+            <a:off x="5144857" y="2127250"/>
+            <a:ext cx="1078143" cy="0"/>
+          </a:xfrm>
+          <a:prstGeom prst="straightConnector1">
+            <a:avLst/>
+          </a:prstGeom>
+          <a:ln>
+            <a:solidFill>
+              <a:schemeClr val="bg1">
+                <a:lumMod val="50000"/>
+              </a:schemeClr>
+            </a:solidFill>
+            <a:tailEnd type="arrow"/>
+          </a:ln>
+        </p:spPr>
+        <p:style>
+          <a:lnRef idx="2">
+            <a:schemeClr val="accent1"/>
+          </a:lnRef>
+          <a:fillRef idx="0">
+            <a:schemeClr val="accent1"/>
+          </a:fillRef>
+          <a:effectRef idx="1">
+            <a:schemeClr val="accent1"/>
+          </a:effectRef>
+          <a:fontRef idx="minor">
+            <a:schemeClr val="tx1"/>
+          </a:fontRef>
+        </p:style>
+      </p:cxnSp>
+      <p:grpSp>
+        <p:nvGrpSpPr>
+          <p:cNvPr id="6" name="Group 5"/>
+          <p:cNvGrpSpPr/>
+          <p:nvPr/>
+        </p:nvGrpSpPr>
+        <p:grpSpPr>
+          <a:xfrm>
+            <a:off x="3380017" y="1401763"/>
+            <a:ext cx="1685465" cy="1632585"/>
+            <a:chOff x="4046767" y="4702508"/>
+            <a:chExt cx="1685465" cy="1632585"/>
+          </a:xfrm>
+        </p:grpSpPr>
+        <p:graphicFrame>
+          <p:nvGraphicFramePr>
+            <p:cNvPr id="35" name="Object 34"/>
+            <p:cNvGraphicFramePr>
+              <a:graphicFrameLocks noChangeAspect="1"/>
+            </p:cNvGraphicFramePr>
+            <p:nvPr>
+              <p:extLst>
+                <p:ext uri="{D42A27DB-BD31-4B8C-83A1-F6EECF244321}">
+                  <p14:modId xmlns:p14="http://schemas.microsoft.com/office/powerpoint/2010/main" val="114503770"/>
+                </p:ext>
+              </p:extLst>
+            </p:nvPr>
+          </p:nvGraphicFramePr>
+          <p:xfrm>
+            <a:off x="4127500" y="4702508"/>
+            <a:ext cx="1573281" cy="1109365"/>
+          </p:xfrm>
+          <a:graphic>
+            <a:graphicData uri="http://schemas.openxmlformats.org/presentationml/2006/ole">
+              <mc:AlternateContent xmlns:mc="http://schemas.openxmlformats.org/markup-compatibility/2006">
+                <mc:Choice xmlns:v="urn:schemas-microsoft-com:vml" Requires="v">
+                  <p:oleObj spid="_x0000_s7175" name="Equation" r:id="rId4" imgW="1981200" imgH="1397000" progId="Equation.3">
+                    <p:embed/>
+                  </p:oleObj>
+                </mc:Choice>
+                <mc:Fallback>
+                  <p:oleObj name="Equation" r:id="rId4" imgW="1981200" imgH="1397000" progId="Equation.3">
+                    <p:embed/>
+                    <p:pic>
+                      <p:nvPicPr>
+                        <p:cNvPr id="0" name=""/>
+                        <p:cNvPicPr/>
+                        <p:nvPr/>
+                      </p:nvPicPr>
+                      <p:blipFill>
+                        <a:blip r:embed="rId5"/>
+                        <a:stretch>
+                          <a:fillRect/>
+                        </a:stretch>
+                      </p:blipFill>
+                      <p:spPr>
+                        <a:xfrm>
+                          <a:off x="4127500" y="4702508"/>
+                          <a:ext cx="1573281" cy="1109365"/>
+                        </a:xfrm>
+                        <a:prstGeom prst="rect">
+                          <a:avLst/>
+                        </a:prstGeom>
+                      </p:spPr>
+                    </p:pic>
+                  </p:oleObj>
+                </mc:Fallback>
+              </mc:AlternateContent>
+            </a:graphicData>
+          </a:graphic>
+        </p:graphicFrame>
+        <p:sp>
+          <p:nvSpPr>
+            <p:cNvPr id="44" name="TextBox 43"/>
+            <p:cNvSpPr txBox="1"/>
+            <p:nvPr/>
+          </p:nvSpPr>
+          <p:spPr>
+            <a:xfrm>
+              <a:off x="4046767" y="5811873"/>
+              <a:ext cx="1685465" cy="523220"/>
+            </a:xfrm>
+            <a:prstGeom prst="rect">
+              <a:avLst/>
+            </a:prstGeom>
+            <a:noFill/>
+          </p:spPr>
+          <p:txBody>
+            <a:bodyPr wrap="square" rtlCol="0">
+              <a:spAutoFit/>
+            </a:bodyPr>
+            <a:lstStyle/>
+            <a:p>
+              <a:pPr algn="ctr"/>
+              <a:r>
+                <a:rPr lang="en-US" sz="1400" dirty="0" smtClean="0">
+                  <a:latin typeface="Times"/>
+                  <a:cs typeface="Times"/>
+                </a:rPr>
+                <a:t>Sample x Dimension matrix</a:t>
+              </a:r>
+              <a:endParaRPr lang="en-US" sz="1400" dirty="0">
+                <a:latin typeface="Times"/>
+                <a:cs typeface="Times"/>
+              </a:endParaRPr>
+            </a:p>
+          </p:txBody>
+        </p:sp>
+      </p:grpSp>
+      <p:sp>
+        <p:nvSpPr>
+          <p:cNvPr id="52" name="Rectangle 51"/>
+          <p:cNvSpPr/>
+          <p:nvPr/>
+        </p:nvSpPr>
+        <p:spPr>
+          <a:xfrm>
+            <a:off x="6429375" y="1291531"/>
+            <a:ext cx="1931380" cy="1660028"/>
+          </a:xfrm>
+          <a:prstGeom prst="rect">
+            <a:avLst/>
+          </a:prstGeom>
+          <a:noFill/>
+          <a:ln>
+            <a:solidFill>
+              <a:schemeClr val="tx1"/>
+            </a:solidFill>
+          </a:ln>
+        </p:spPr>
+        <p:style>
+          <a:lnRef idx="1">
+            <a:schemeClr val="accent1"/>
+          </a:lnRef>
+          <a:fillRef idx="3">
+            <a:schemeClr val="accent1"/>
+          </a:fillRef>
+          <a:effectRef idx="2">
+            <a:schemeClr val="accent1"/>
+          </a:effectRef>
+          <a:fontRef idx="minor">
+            <a:schemeClr val="lt1"/>
+          </a:fontRef>
+        </p:style>
+        <p:txBody>
+          <a:bodyPr rtlCol="0" anchor="ctr"/>
+          <a:lstStyle/>
+          <a:p>
+            <a:pPr algn="ctr"/>
+            <a:endParaRPr lang="en-US"/>
+          </a:p>
+        </p:txBody>
+      </p:sp>
+      <p:sp>
+        <p:nvSpPr>
+          <p:cNvPr id="53" name="TextBox 52"/>
+          <p:cNvSpPr txBox="1"/>
+          <p:nvPr/>
+        </p:nvSpPr>
+        <p:spPr>
+          <a:xfrm>
+            <a:off x="6492876" y="2500450"/>
+            <a:ext cx="2003424" cy="338554"/>
+          </a:xfrm>
+          <a:prstGeom prst="rect">
+            <a:avLst/>
+          </a:prstGeom>
+          <a:noFill/>
+        </p:spPr>
+        <p:txBody>
+          <a:bodyPr wrap="square" rtlCol="0">
+            <a:spAutoFit/>
+          </a:bodyPr>
+          <a:lstStyle/>
+          <a:p>
+            <a:r>
+              <a:rPr lang="en-US" sz="1600" dirty="0" smtClean="0">
+                <a:latin typeface="Times"/>
+                <a:cs typeface="Times"/>
+              </a:rPr>
+              <a:t>H</a:t>
+            </a:r>
+            <a:r>
+              <a:rPr lang="en-US" sz="1600" baseline="-25000" dirty="0" smtClean="0">
+                <a:latin typeface="Times"/>
+                <a:cs typeface="Times"/>
+              </a:rPr>
+              <a:t>2</a:t>
+            </a:r>
+            <a:r>
+              <a:rPr lang="en-US" sz="1600" dirty="0" smtClean="0">
+                <a:latin typeface="Times"/>
+                <a:cs typeface="Times"/>
+              </a:rPr>
+              <a:t>O.ai auto-encoder</a:t>
+            </a:r>
+            <a:endParaRPr lang="en-US" sz="1600" dirty="0">
+              <a:latin typeface="Times"/>
+              <a:cs typeface="Times"/>
+            </a:endParaRPr>
+          </a:p>
+        </p:txBody>
+      </p:sp>
+      <p:cxnSp>
+        <p:nvCxnSpPr>
+          <p:cNvPr id="55" name="Straight Arrow Connector 54"/>
+          <p:cNvCxnSpPr/>
+          <p:nvPr/>
+        </p:nvCxnSpPr>
+        <p:spPr>
+          <a:xfrm flipH="1">
+            <a:off x="5365750" y="3219450"/>
+            <a:ext cx="2047875" cy="304800"/>
+          </a:xfrm>
+          <a:prstGeom prst="straightConnector1">
+            <a:avLst/>
+          </a:prstGeom>
+          <a:ln>
+            <a:solidFill>
+              <a:schemeClr val="bg1">
+                <a:lumMod val="50000"/>
+              </a:schemeClr>
+            </a:solidFill>
+            <a:tailEnd type="arrow"/>
+          </a:ln>
+        </p:spPr>
+        <p:style>
+          <a:lnRef idx="2">
+            <a:schemeClr val="accent1"/>
+          </a:lnRef>
+          <a:fillRef idx="0">
+            <a:schemeClr val="accent1"/>
+          </a:fillRef>
+          <a:effectRef idx="1">
+            <a:schemeClr val="accent1"/>
+          </a:effectRef>
+          <a:fontRef idx="minor">
+            <a:schemeClr val="tx1"/>
+          </a:fontRef>
+        </p:style>
+      </p:cxnSp>
+      <p:sp>
+        <p:nvSpPr>
+          <p:cNvPr id="59" name="TextBox 58"/>
+          <p:cNvSpPr txBox="1"/>
+          <p:nvPr/>
+        </p:nvSpPr>
+        <p:spPr>
+          <a:xfrm>
+            <a:off x="3059329" y="3441700"/>
+            <a:ext cx="2069653" cy="1754327"/>
+          </a:xfrm>
+          <a:prstGeom prst="rect">
+            <a:avLst/>
+          </a:prstGeom>
+          <a:noFill/>
+        </p:spPr>
+        <p:txBody>
+          <a:bodyPr wrap="square" rtlCol="0">
+            <a:spAutoFit/>
+          </a:bodyPr>
+          <a:lstStyle/>
+          <a:p>
+            <a:pPr algn="ctr"/>
+            <a:r>
+              <a:rPr lang="en-US" dirty="0" smtClean="0">
+                <a:latin typeface="Times"/>
+                <a:cs typeface="Times"/>
+              </a:rPr>
+              <a:t>0.0021</a:t>
+            </a:r>
+          </a:p>
+          <a:p>
+            <a:pPr algn="ctr"/>
+            <a:r>
+              <a:rPr lang="en-US" dirty="0" smtClean="0">
+                <a:latin typeface="Times"/>
+                <a:cs typeface="Times"/>
+              </a:rPr>
+              <a:t>0.0170</a:t>
+            </a:r>
+          </a:p>
+          <a:p>
+            <a:pPr algn="ctr"/>
+            <a:r>
+              <a:rPr lang="en-US" dirty="0" smtClean="0">
+                <a:latin typeface="Times"/>
+                <a:cs typeface="Times"/>
+              </a:rPr>
+              <a:t>0.0019</a:t>
+            </a:r>
+          </a:p>
+          <a:p>
+            <a:pPr algn="ctr"/>
+            <a:r>
+              <a:rPr lang="en-US" dirty="0" smtClean="0">
+                <a:latin typeface="Times"/>
+                <a:cs typeface="Times"/>
+              </a:rPr>
+              <a:t>.</a:t>
+            </a:r>
+          </a:p>
+          <a:p>
+            <a:pPr algn="ctr"/>
+            <a:r>
+              <a:rPr lang="en-US" dirty="0" smtClean="0">
+                <a:latin typeface="Times"/>
+                <a:cs typeface="Times"/>
+              </a:rPr>
+              <a:t>.</a:t>
+            </a:r>
+          </a:p>
+          <a:p>
+            <a:pPr algn="ctr"/>
+            <a:r>
+              <a:rPr lang="en-US" sz="1600" dirty="0" smtClean="0">
+                <a:latin typeface="Times"/>
+                <a:cs typeface="Times"/>
+              </a:rPr>
+              <a:t>Confidence Scores</a:t>
+            </a:r>
+            <a:endParaRPr lang="en-US" sz="1600" dirty="0">
+              <a:latin typeface="Times"/>
+              <a:cs typeface="Times"/>
+            </a:endParaRPr>
+          </a:p>
+        </p:txBody>
+      </p:sp>
+      <p:sp>
+        <p:nvSpPr>
+          <p:cNvPr id="10" name="TextBox 9"/>
+          <p:cNvSpPr txBox="1"/>
+          <p:nvPr/>
+        </p:nvSpPr>
+        <p:spPr>
+          <a:xfrm>
+            <a:off x="285750" y="2084388"/>
+            <a:ext cx="3095625" cy="2677656"/>
+          </a:xfrm>
+          <a:prstGeom prst="rect">
+            <a:avLst/>
+          </a:prstGeom>
+          <a:noFill/>
+        </p:spPr>
+        <p:txBody>
+          <a:bodyPr wrap="square" rtlCol="0">
+            <a:spAutoFit/>
+          </a:bodyPr>
+          <a:lstStyle/>
+          <a:p>
+            <a:pPr marL="342900" indent="-342900">
+              <a:buFont typeface="Arial"/>
+              <a:buChar char="•"/>
+            </a:pPr>
+            <a:r>
+              <a:rPr lang="en-US" sz="2800" b="1" dirty="0" smtClean="0"/>
+              <a:t>One single model for each driver</a:t>
+            </a:r>
+          </a:p>
+          <a:p>
+            <a:pPr marL="342900" indent="-342900">
+              <a:buFont typeface="Arial"/>
+              <a:buChar char="•"/>
+            </a:pPr>
+            <a:r>
+              <a:rPr lang="en-US" sz="2800" dirty="0" smtClean="0"/>
+              <a:t>Normalization of resulting confidence scores  </a:t>
+            </a:r>
+            <a:endParaRPr lang="en-US" sz="2800" dirty="0"/>
+          </a:p>
+        </p:txBody>
+      </p:sp>
+      <p:cxnSp>
+        <p:nvCxnSpPr>
+          <p:cNvPr id="38" name="Straight Arrow Connector 37"/>
+          <p:cNvCxnSpPr/>
+          <p:nvPr/>
+        </p:nvCxnSpPr>
+        <p:spPr>
+          <a:xfrm>
+            <a:off x="4669136" y="4017671"/>
+            <a:ext cx="983192" cy="490829"/>
+          </a:xfrm>
+          <a:prstGeom prst="straightConnector1">
+            <a:avLst/>
+          </a:prstGeom>
+          <a:ln>
+            <a:solidFill>
+              <a:srgbClr val="FF0000"/>
+            </a:solidFill>
+            <a:tailEnd type="arrow"/>
+          </a:ln>
+        </p:spPr>
+        <p:style>
+          <a:lnRef idx="2">
+            <a:schemeClr val="accent1"/>
+          </a:lnRef>
+          <a:fillRef idx="0">
+            <a:schemeClr val="accent1"/>
+          </a:fillRef>
+          <a:effectRef idx="1">
+            <a:schemeClr val="accent1"/>
+          </a:effectRef>
+          <a:fontRef idx="minor">
+            <a:schemeClr val="tx1"/>
+          </a:fontRef>
+        </p:style>
+      </p:cxnSp>
+      <p:pic>
+        <p:nvPicPr>
+          <p:cNvPr id="13" name="Picture 12" descr="kaggle-result-1.png"/>
+          <p:cNvPicPr>
+            <a:picLocks noChangeAspect="1"/>
+          </p:cNvPicPr>
+          <p:nvPr/>
+        </p:nvPicPr>
+        <p:blipFill>
+          <a:blip r:embed="rId6">
+            <a:alphaModFix amt="65000"/>
+            <a:extLst>
+              <a:ext uri="{28A0092B-C50C-407E-A947-70E740481C1C}">
+                <a14:useLocalDpi xmlns:a14="http://schemas.microsoft.com/office/drawing/2010/main" val="0"/>
+              </a:ext>
+            </a:extLst>
+          </a:blip>
+          <a:stretch>
+            <a:fillRect/>
+          </a:stretch>
+        </p:blipFill>
+        <p:spPr>
+          <a:xfrm>
+            <a:off x="6223000" y="4391915"/>
+            <a:ext cx="2537433" cy="801017"/>
+          </a:xfrm>
+          <a:prstGeom prst="rect">
+            <a:avLst/>
+          </a:prstGeom>
+        </p:spPr>
+      </p:pic>
+      <p:sp>
+        <p:nvSpPr>
+          <p:cNvPr id="15" name="Oval 14"/>
+          <p:cNvSpPr/>
+          <p:nvPr/>
+        </p:nvSpPr>
+        <p:spPr>
+          <a:xfrm>
+            <a:off x="5849937" y="3952887"/>
+            <a:ext cx="3127375" cy="1802968"/>
+          </a:xfrm>
+          <a:prstGeom prst="ellipse">
+            <a:avLst/>
+          </a:prstGeom>
+          <a:solidFill>
+            <a:schemeClr val="bg1">
+              <a:alpha val="0"/>
+            </a:schemeClr>
+          </a:solidFill>
+          <a:ln>
+            <a:solidFill>
+              <a:srgbClr val="FF0000"/>
+            </a:solidFill>
+          </a:ln>
+        </p:spPr>
+        <p:style>
+          <a:lnRef idx="1">
+            <a:schemeClr val="accent1"/>
+          </a:lnRef>
+          <a:fillRef idx="3">
+            <a:schemeClr val="accent1"/>
+          </a:fillRef>
+          <a:effectRef idx="2">
+            <a:schemeClr val="accent1"/>
+          </a:effectRef>
+          <a:fontRef idx="minor">
+            <a:schemeClr val="lt1"/>
+          </a:fontRef>
+        </p:style>
+        <p:txBody>
+          <a:bodyPr rtlCol="0" anchor="ctr"/>
+          <a:lstStyle/>
+          <a:p>
+            <a:pPr algn="ctr"/>
+            <a:endParaRPr lang="en-US"/>
+          </a:p>
+        </p:txBody>
+      </p:sp>
+      <p:sp>
+        <p:nvSpPr>
+          <p:cNvPr id="18" name="TextBox 17"/>
+          <p:cNvSpPr txBox="1"/>
+          <p:nvPr/>
+        </p:nvSpPr>
+        <p:spPr>
+          <a:xfrm>
+            <a:off x="6635750" y="4277739"/>
+            <a:ext cx="1555750" cy="523220"/>
+          </a:xfrm>
+          <a:prstGeom prst="rect">
+            <a:avLst/>
+          </a:prstGeom>
+          <a:noFill/>
+        </p:spPr>
+        <p:txBody>
+          <a:bodyPr wrap="square" rtlCol="0">
+            <a:spAutoFit/>
+          </a:bodyPr>
+          <a:lstStyle/>
+          <a:p>
+            <a:r>
+              <a:rPr lang="en-US" sz="2800" b="1" dirty="0" smtClean="0"/>
+              <a:t>0.61897</a:t>
+            </a:r>
+            <a:endParaRPr lang="en-US" sz="2800" b="1" dirty="0"/>
+          </a:p>
+        </p:txBody>
+      </p:sp>
+      <p:sp>
+        <p:nvSpPr>
+          <p:cNvPr id="19" name="TextBox 18"/>
+          <p:cNvSpPr txBox="1"/>
+          <p:nvPr/>
+        </p:nvSpPr>
+        <p:spPr>
+          <a:xfrm>
+            <a:off x="6445251" y="4815026"/>
+            <a:ext cx="1915504" cy="377905"/>
+          </a:xfrm>
+          <a:prstGeom prst="rect">
+            <a:avLst/>
+          </a:prstGeom>
+          <a:noFill/>
+        </p:spPr>
+        <p:txBody>
+          <a:bodyPr wrap="square" rtlCol="0">
+            <a:spAutoFit/>
+          </a:bodyPr>
+          <a:lstStyle/>
+          <a:p>
+            <a:pPr algn="ctr"/>
+            <a:r>
+              <a:rPr lang="en-US" b="1" dirty="0" smtClean="0"/>
+              <a:t>AUC value</a:t>
+            </a:r>
+            <a:endParaRPr lang="en-US" b="1" dirty="0"/>
+          </a:p>
+        </p:txBody>
+      </p:sp>
+    </p:spTree>
+    <p:extLst>
+      <p:ext uri="{BB962C8B-B14F-4D97-AF65-F5344CB8AC3E}">
+        <p14:creationId xmlns:p14="http://schemas.microsoft.com/office/powerpoint/2010/main" val="246595241"/>
+      </p:ext>
+    </p:extLst>
+  </p:cSld>
+  <p:clrMapOvr>
+    <a:masterClrMapping/>
+  </p:clrMapOvr>
+  <p:timing>
+    <p:tnLst>
+      <p:par>
+        <p:cTn xmlns:p14="http://schemas.microsoft.com/office/powerpoint/2010/main" id="1" dur="indefinite" restart="never" nodeType="tmRoot">
+          <p:childTnLst>
+            <p:seq concurrent="1" nextAc="seek">
+              <p:cTn id="2" dur="indefinite" nodeType="mainSeq">
+                <p:childTnLst>
+                  <p:par>
+                    <p:cTn id="3" fill="hold">
+                      <p:stCondLst>
+                        <p:cond delay="indefinite"/>
+                      </p:stCondLst>
+                      <p:childTnLst>
+                        <p:par>
+                          <p:cTn id="4" fill="hold">
+                            <p:stCondLst>
+                              <p:cond delay="0"/>
+                            </p:stCondLst>
+                            <p:childTnLst>
+                              <p:par>
+                                <p:cTn id="5" presetID="12" presetClass="entr" presetSubtype="4" fill="hold" nodeType="clickEffect">
+                                  <p:stCondLst>
+                                    <p:cond delay="0"/>
+                                  </p:stCondLst>
+                                  <p:childTnLst>
+                                    <p:set>
+                                      <p:cBhvr>
+                                        <p:cTn id="6" dur="1" fill="hold">
+                                          <p:stCondLst>
+                                            <p:cond delay="0"/>
+                                          </p:stCondLst>
+                                        </p:cTn>
+                                        <p:tgtEl>
+                                          <p:spTgt spid="38"/>
+                                        </p:tgtEl>
+                                        <p:attrNameLst>
+                                          <p:attrName>style.visibility</p:attrName>
+                                        </p:attrNameLst>
+                                      </p:cBhvr>
+                                      <p:to>
+                                        <p:strVal val="visible"/>
+                                      </p:to>
+                                    </p:set>
+                                    <p:anim calcmode="lin" valueType="num">
+                                      <p:cBhvr additive="base">
+                                        <p:cTn id="7" dur="500"/>
+                                        <p:tgtEl>
+                                          <p:spTgt spid="38"/>
+                                        </p:tgtEl>
+                                        <p:attrNameLst>
+                                          <p:attrName>ppt_y</p:attrName>
+                                        </p:attrNameLst>
+                                      </p:cBhvr>
+                                      <p:tavLst>
+                                        <p:tav tm="0">
+                                          <p:val>
+                                            <p:strVal val="#ppt_y+#ppt_h*1.125000"/>
+                                          </p:val>
+                                        </p:tav>
+                                        <p:tav tm="100000">
+                                          <p:val>
+                                            <p:strVal val="#ppt_y"/>
+                                          </p:val>
+                                        </p:tav>
+                                      </p:tavLst>
+                                    </p:anim>
+                                    <p:animEffect transition="in" filter="wipe(up)">
+                                      <p:cBhvr>
+                                        <p:cTn id="8" dur="500"/>
+                                        <p:tgtEl>
+                                          <p:spTgt spid="38"/>
+                                        </p:tgtEl>
+                                      </p:cBhvr>
+                                    </p:animEffect>
+                                  </p:childTnLst>
+                                </p:cTn>
+                              </p:par>
+                              <p:par>
+                                <p:cTn id="9" presetID="12" presetClass="entr" presetSubtype="4" fill="hold" nodeType="withEffect">
+                                  <p:stCondLst>
+                                    <p:cond delay="0"/>
+                                  </p:stCondLst>
+                                  <p:childTnLst>
+                                    <p:set>
+                                      <p:cBhvr>
+                                        <p:cTn id="10" dur="1" fill="hold">
+                                          <p:stCondLst>
+                                            <p:cond delay="0"/>
+                                          </p:stCondLst>
+                                        </p:cTn>
+                                        <p:tgtEl>
+                                          <p:spTgt spid="13"/>
+                                        </p:tgtEl>
+                                        <p:attrNameLst>
+                                          <p:attrName>style.visibility</p:attrName>
+                                        </p:attrNameLst>
+                                      </p:cBhvr>
+                                      <p:to>
+                                        <p:strVal val="visible"/>
+                                      </p:to>
+                                    </p:set>
+                                    <p:anim calcmode="lin" valueType="num">
+                                      <p:cBhvr additive="base">
+                                        <p:cTn id="11" dur="500"/>
+                                        <p:tgtEl>
+                                          <p:spTgt spid="13"/>
+                                        </p:tgtEl>
+                                        <p:attrNameLst>
+                                          <p:attrName>ppt_y</p:attrName>
+                                        </p:attrNameLst>
+                                      </p:cBhvr>
+                                      <p:tavLst>
+                                        <p:tav tm="0">
+                                          <p:val>
+                                            <p:strVal val="#ppt_y+#ppt_h*1.125000"/>
+                                          </p:val>
+                                        </p:tav>
+                                        <p:tav tm="100000">
+                                          <p:val>
+                                            <p:strVal val="#ppt_y"/>
+                                          </p:val>
+                                        </p:tav>
+                                      </p:tavLst>
+                                    </p:anim>
+                                    <p:animEffect transition="in" filter="wipe(up)">
+                                      <p:cBhvr>
+                                        <p:cTn id="12" dur="500"/>
+                                        <p:tgtEl>
+                                          <p:spTgt spid="13"/>
+                                        </p:tgtEl>
+                                      </p:cBhvr>
+                                    </p:animEffect>
+                                  </p:childTnLst>
+                                </p:cTn>
+                              </p:par>
+                              <p:par>
+                                <p:cTn id="13" presetID="12" presetClass="entr" presetSubtype="4" fill="hold" grpId="0" nodeType="withEffect">
+                                  <p:stCondLst>
+                                    <p:cond delay="0"/>
+                                  </p:stCondLst>
+                                  <p:childTnLst>
+                                    <p:set>
+                                      <p:cBhvr>
+                                        <p:cTn id="14" dur="1" fill="hold">
+                                          <p:stCondLst>
+                                            <p:cond delay="0"/>
+                                          </p:stCondLst>
+                                        </p:cTn>
+                                        <p:tgtEl>
+                                          <p:spTgt spid="15"/>
+                                        </p:tgtEl>
+                                        <p:attrNameLst>
+                                          <p:attrName>style.visibility</p:attrName>
+                                        </p:attrNameLst>
+                                      </p:cBhvr>
+                                      <p:to>
+                                        <p:strVal val="visible"/>
+                                      </p:to>
+                                    </p:set>
+                                    <p:anim calcmode="lin" valueType="num">
+                                      <p:cBhvr additive="base">
+                                        <p:cTn id="15" dur="500"/>
+                                        <p:tgtEl>
+                                          <p:spTgt spid="15"/>
+                                        </p:tgtEl>
+                                        <p:attrNameLst>
+                                          <p:attrName>ppt_y</p:attrName>
+                                        </p:attrNameLst>
+                                      </p:cBhvr>
+                                      <p:tavLst>
+                                        <p:tav tm="0">
+                                          <p:val>
+                                            <p:strVal val="#ppt_y+#ppt_h*1.125000"/>
+                                          </p:val>
+                                        </p:tav>
+                                        <p:tav tm="100000">
+                                          <p:val>
+                                            <p:strVal val="#ppt_y"/>
+                                          </p:val>
+                                        </p:tav>
+                                      </p:tavLst>
+                                    </p:anim>
+                                    <p:animEffect transition="in" filter="wipe(up)">
+                                      <p:cBhvr>
+                                        <p:cTn id="16" dur="500"/>
+                                        <p:tgtEl>
+                                          <p:spTgt spid="15"/>
+                                        </p:tgtEl>
+                                      </p:cBhvr>
+                                    </p:animEffect>
+                                  </p:childTnLst>
+                                </p:cTn>
+                              </p:par>
+                              <p:par>
+                                <p:cTn id="17" presetID="12" presetClass="entr" presetSubtype="4" fill="hold" grpId="0" nodeType="withEffect">
+                                  <p:stCondLst>
+                                    <p:cond delay="0"/>
+                                  </p:stCondLst>
+                                  <p:childTnLst>
+                                    <p:set>
+                                      <p:cBhvr>
+                                        <p:cTn id="18" dur="1" fill="hold">
+                                          <p:stCondLst>
+                                            <p:cond delay="0"/>
+                                          </p:stCondLst>
+                                        </p:cTn>
+                                        <p:tgtEl>
+                                          <p:spTgt spid="18"/>
+                                        </p:tgtEl>
+                                        <p:attrNameLst>
+                                          <p:attrName>style.visibility</p:attrName>
+                                        </p:attrNameLst>
+                                      </p:cBhvr>
+                                      <p:to>
+                                        <p:strVal val="visible"/>
+                                      </p:to>
+                                    </p:set>
+                                    <p:anim calcmode="lin" valueType="num">
+                                      <p:cBhvr additive="base">
+                                        <p:cTn id="19" dur="500"/>
+                                        <p:tgtEl>
+                                          <p:spTgt spid="18"/>
+                                        </p:tgtEl>
+                                        <p:attrNameLst>
+                                          <p:attrName>ppt_y</p:attrName>
+                                        </p:attrNameLst>
+                                      </p:cBhvr>
+                                      <p:tavLst>
+                                        <p:tav tm="0">
+                                          <p:val>
+                                            <p:strVal val="#ppt_y+#ppt_h*1.125000"/>
+                                          </p:val>
+                                        </p:tav>
+                                        <p:tav tm="100000">
+                                          <p:val>
+                                            <p:strVal val="#ppt_y"/>
+                                          </p:val>
+                                        </p:tav>
+                                      </p:tavLst>
+                                    </p:anim>
+                                    <p:animEffect transition="in" filter="wipe(up)">
+                                      <p:cBhvr>
+                                        <p:cTn id="20" dur="500"/>
+                                        <p:tgtEl>
+                                          <p:spTgt spid="18"/>
+                                        </p:tgtEl>
+                                      </p:cBhvr>
+                                    </p:animEffect>
+                                  </p:childTnLst>
+                                </p:cTn>
+                              </p:par>
+                              <p:par>
+                                <p:cTn id="21" presetID="12" presetClass="entr" presetSubtype="4" fill="hold" grpId="0" nodeType="withEffect">
+                                  <p:stCondLst>
+                                    <p:cond delay="0"/>
+                                  </p:stCondLst>
+                                  <p:childTnLst>
+                                    <p:set>
+                                      <p:cBhvr>
+                                        <p:cTn id="22" dur="1" fill="hold">
+                                          <p:stCondLst>
+                                            <p:cond delay="0"/>
+                                          </p:stCondLst>
+                                        </p:cTn>
+                                        <p:tgtEl>
+                                          <p:spTgt spid="19"/>
+                                        </p:tgtEl>
+                                        <p:attrNameLst>
+                                          <p:attrName>style.visibility</p:attrName>
+                                        </p:attrNameLst>
+                                      </p:cBhvr>
+                                      <p:to>
+                                        <p:strVal val="visible"/>
+                                      </p:to>
+                                    </p:set>
+                                    <p:anim calcmode="lin" valueType="num">
+                                      <p:cBhvr additive="base">
+                                        <p:cTn id="23" dur="500"/>
+                                        <p:tgtEl>
+                                          <p:spTgt spid="19"/>
+                                        </p:tgtEl>
+                                        <p:attrNameLst>
+                                          <p:attrName>ppt_y</p:attrName>
+                                        </p:attrNameLst>
+                                      </p:cBhvr>
+                                      <p:tavLst>
+                                        <p:tav tm="0">
+                                          <p:val>
+                                            <p:strVal val="#ppt_y+#ppt_h*1.125000"/>
+                                          </p:val>
+                                        </p:tav>
+                                        <p:tav tm="100000">
+                                          <p:val>
+                                            <p:strVal val="#ppt_y"/>
+                                          </p:val>
+                                        </p:tav>
+                                      </p:tavLst>
+                                    </p:anim>
+                                    <p:animEffect transition="in" filter="wipe(up)">
+                                      <p:cBhvr>
+                                        <p:cTn id="24" dur="500"/>
+                                        <p:tgtEl>
+                                          <p:spTgt spid="19"/>
+                                        </p:tgtEl>
+                                      </p:cBhvr>
+                                    </p:animEffect>
+                                  </p:childTnLst>
+                                </p:cTn>
+                              </p:par>
+                            </p:childTnLst>
+                          </p:cTn>
+                        </p:par>
+                      </p:childTnLst>
+                    </p:cTn>
+                  </p:par>
+                </p:childTnLst>
+              </p:cTn>
+              <p:prevCondLst>
+                <p:cond evt="onPrev" delay="0">
+                  <p:tgtEl>
+                    <p:sldTgt/>
+                  </p:tgtEl>
+                </p:cond>
+              </p:prevCondLst>
+              <p:nextCondLst>
+                <p:cond evt="onNext" delay="0">
+                  <p:tgtEl>
+                    <p:sldTgt/>
+                  </p:tgtEl>
+                </p:cond>
+              </p:nextCondLst>
+            </p:seq>
+          </p:childTnLst>
+        </p:cTn>
+      </p:par>
+    </p:tnLst>
+    <p:bldLst>
+      <p:bldP spid="15" grpId="0" animBg="1"/>
+      <p:bldP spid="18" grpId="0"/>
+      <p:bldP spid="19" grpId="0"/>
+    </p:bldLst>
+  </p:timing>
+</p:sld>
+</file>
+
+<file path=ppt/slides/slide12.xml><?xml version="1.0" encoding="utf-8"?>
+<p:sld xmlns:a="http://schemas.openxmlformats.org/drawingml/2006/main" xmlns:r="http://schemas.openxmlformats.org/officeDocument/2006/relationships" xmlns:p="http://schemas.openxmlformats.org/presentationml/2006/main">
+  <p:cSld>
+    <p:spTree>
+      <p:nvGrpSpPr>
+        <p:cNvPr id="1" name=""/>
+        <p:cNvGrpSpPr/>
+        <p:nvPr/>
+      </p:nvGrpSpPr>
+      <p:grpSpPr>
+        <a:xfrm>
+          <a:off x="0" y="0"/>
+          <a:ext cx="0" cy="0"/>
+          <a:chOff x="0" y="0"/>
+          <a:chExt cx="0" cy="0"/>
+        </a:xfrm>
+      </p:grpSpPr>
+      <p:sp>
+        <p:nvSpPr>
+          <p:cNvPr id="2" name="Title 1"/>
+          <p:cNvSpPr>
+            <a:spLocks noGrp="1"/>
+          </p:cNvSpPr>
+          <p:nvPr>
+            <p:ph type="title"/>
+          </p:nvPr>
+        </p:nvSpPr>
+        <p:spPr/>
+        <p:txBody>
+          <a:bodyPr/>
+          <a:lstStyle/>
+          <a:p>
+            <a:r>
+              <a:rPr lang="en-US" dirty="0" smtClean="0"/>
+              <a:t>Qualitative Evaluation</a:t>
+            </a:r>
+            <a:endParaRPr lang="en-US" dirty="0"/>
+          </a:p>
+        </p:txBody>
+      </p:sp>
+      <p:pic>
+        <p:nvPicPr>
+          <p:cNvPr id="5" name="Picture 4" descr="D_1634_with_136.png"/>
+          <p:cNvPicPr>
+            <a:picLocks noChangeAspect="1"/>
+          </p:cNvPicPr>
+          <p:nvPr/>
+        </p:nvPicPr>
+        <p:blipFill>
+          <a:blip r:embed="rId2">
+            <a:extLst>
+              <a:ext uri="{28A0092B-C50C-407E-A947-70E740481C1C}">
+                <a14:useLocalDpi xmlns:a14="http://schemas.microsoft.com/office/drawing/2010/main" val="0"/>
+              </a:ext>
+            </a:extLst>
+          </a:blip>
+          <a:stretch>
+            <a:fillRect/>
+          </a:stretch>
+        </p:blipFill>
+        <p:spPr>
+          <a:xfrm>
+            <a:off x="158749" y="1481138"/>
+            <a:ext cx="3267873" cy="2535237"/>
+          </a:xfrm>
+          <a:prstGeom prst="rect">
+            <a:avLst/>
+          </a:prstGeom>
+        </p:spPr>
+      </p:pic>
+      <p:pic>
+        <p:nvPicPr>
+          <p:cNvPr id="6" name="Picture 5" descr="D_1634_wo_136.png"/>
+          <p:cNvPicPr>
+            <a:picLocks noChangeAspect="1"/>
+          </p:cNvPicPr>
+          <p:nvPr/>
+        </p:nvPicPr>
+        <p:blipFill>
+          <a:blip r:embed="rId3">
+            <a:extLst>
+              <a:ext uri="{28A0092B-C50C-407E-A947-70E740481C1C}">
+                <a14:useLocalDpi xmlns:a14="http://schemas.microsoft.com/office/drawing/2010/main" val="0"/>
+              </a:ext>
+            </a:extLst>
+          </a:blip>
+          <a:stretch>
+            <a:fillRect/>
+          </a:stretch>
+        </p:blipFill>
+        <p:spPr>
+          <a:xfrm>
+            <a:off x="5418927" y="3499088"/>
+            <a:ext cx="3267873" cy="2535237"/>
+          </a:xfrm>
+          <a:prstGeom prst="rect">
+            <a:avLst/>
+          </a:prstGeom>
+        </p:spPr>
+      </p:pic>
+      <p:sp>
+        <p:nvSpPr>
+          <p:cNvPr id="8" name="TextBox 7"/>
+          <p:cNvSpPr txBox="1"/>
+          <p:nvPr/>
+        </p:nvSpPr>
+        <p:spPr>
+          <a:xfrm>
+            <a:off x="457200" y="4206875"/>
+            <a:ext cx="2733675" cy="400110"/>
+          </a:xfrm>
+          <a:prstGeom prst="rect">
+            <a:avLst/>
+          </a:prstGeom>
+          <a:noFill/>
+        </p:spPr>
+        <p:txBody>
+          <a:bodyPr wrap="square" rtlCol="0">
+            <a:spAutoFit/>
+          </a:bodyPr>
+          <a:lstStyle/>
+          <a:p>
+            <a:r>
+              <a:rPr lang="en-US" sz="2000" dirty="0" smtClean="0"/>
+              <a:t>All trips of driver 1634 </a:t>
+            </a:r>
+            <a:endParaRPr lang="en-US" sz="2000" dirty="0"/>
+          </a:p>
+        </p:txBody>
+      </p:sp>
+      <p:sp>
+        <p:nvSpPr>
+          <p:cNvPr id="9" name="TextBox 8"/>
+          <p:cNvSpPr txBox="1"/>
+          <p:nvPr/>
+        </p:nvSpPr>
+        <p:spPr>
+          <a:xfrm>
+            <a:off x="5826125" y="6224825"/>
+            <a:ext cx="2460625" cy="400110"/>
+          </a:xfrm>
+          <a:prstGeom prst="rect">
+            <a:avLst/>
+          </a:prstGeom>
+          <a:noFill/>
+        </p:spPr>
+        <p:txBody>
+          <a:bodyPr wrap="square" rtlCol="0">
+            <a:spAutoFit/>
+          </a:bodyPr>
+          <a:lstStyle/>
+          <a:p>
+            <a:r>
+              <a:rPr lang="en-US" sz="2000" dirty="0" smtClean="0"/>
+              <a:t>All trips but trip #136</a:t>
+            </a:r>
+            <a:endParaRPr lang="en-US" sz="2000" dirty="0"/>
+          </a:p>
+        </p:txBody>
+      </p:sp>
+      <p:sp>
+        <p:nvSpPr>
+          <p:cNvPr id="10" name="TextBox 9"/>
+          <p:cNvSpPr txBox="1"/>
+          <p:nvPr/>
+        </p:nvSpPr>
+        <p:spPr>
+          <a:xfrm>
+            <a:off x="4143375" y="1481138"/>
+            <a:ext cx="3841750" cy="954107"/>
+          </a:xfrm>
+          <a:prstGeom prst="rect">
+            <a:avLst/>
+          </a:prstGeom>
+          <a:noFill/>
+        </p:spPr>
+        <p:txBody>
+          <a:bodyPr wrap="square" rtlCol="0">
+            <a:spAutoFit/>
+          </a:bodyPr>
+          <a:lstStyle/>
+          <a:p>
+            <a:pPr marL="285750" indent="-285750">
+              <a:buFont typeface="Arial"/>
+              <a:buChar char="•"/>
+            </a:pPr>
+            <a:r>
+              <a:rPr lang="en-US" sz="2800" dirty="0" smtClean="0"/>
+              <a:t>Dataset apparently still contains junk drives…</a:t>
+            </a:r>
+            <a:endParaRPr lang="en-US" sz="2800" dirty="0"/>
+          </a:p>
+        </p:txBody>
+      </p:sp>
+      <p:sp>
+        <p:nvSpPr>
+          <p:cNvPr id="11" name="TextBox 10"/>
+          <p:cNvSpPr txBox="1"/>
+          <p:nvPr/>
+        </p:nvSpPr>
+        <p:spPr>
+          <a:xfrm>
+            <a:off x="1009650" y="5080218"/>
+            <a:ext cx="3841750" cy="1384995"/>
+          </a:xfrm>
+          <a:prstGeom prst="rect">
+            <a:avLst/>
+          </a:prstGeom>
+          <a:noFill/>
+        </p:spPr>
+        <p:txBody>
+          <a:bodyPr wrap="square" rtlCol="0">
+            <a:spAutoFit/>
+          </a:bodyPr>
+          <a:lstStyle/>
+          <a:p>
+            <a:pPr marL="285750" indent="-285750">
+              <a:buFont typeface="Arial"/>
+              <a:buChar char="•"/>
+            </a:pPr>
+            <a:r>
+              <a:rPr lang="en-US" sz="2800" dirty="0" smtClean="0"/>
+              <a:t>… that seem to be spoiling the model and / or predictions</a:t>
+            </a:r>
+            <a:endParaRPr lang="en-US" sz="2800" dirty="0"/>
+          </a:p>
+        </p:txBody>
+      </p:sp>
+    </p:spTree>
+    <p:extLst>
+      <p:ext uri="{BB962C8B-B14F-4D97-AF65-F5344CB8AC3E}">
+        <p14:creationId xmlns:p14="http://schemas.microsoft.com/office/powerpoint/2010/main" val="2294131094"/>
+      </p:ext>
+    </p:extLst>
+  </p:cSld>
+  <p:clrMapOvr>
+    <a:masterClrMapping/>
+  </p:clrMapOvr>
+  <p:timing>
+    <p:tnLst>
+      <p:par>
+        <p:cTn xmlns:p14="http://schemas.microsoft.com/office/powerpoint/2010/main" id="1" dur="indefinite" restart="never" nodeType="tmRoot"/>
+      </p:par>
+    </p:tnLst>
+  </p:timing>
+</p:sld>
+</file>
+
+<file path=ppt/slides/slide13.xml><?xml version="1.0" encoding="utf-8"?>
+<p:sld xmlns:a="http://schemas.openxmlformats.org/drawingml/2006/main" xmlns:r="http://schemas.openxmlformats.org/officeDocument/2006/relationships" xmlns:p="http://schemas.openxmlformats.org/presentationml/2006/main">
+  <p:cSld>
+    <p:spTree>
+      <p:nvGrpSpPr>
+        <p:cNvPr id="1" name=""/>
+        <p:cNvGrpSpPr/>
+        <p:nvPr/>
+      </p:nvGrpSpPr>
+      <p:grpSpPr>
+        <a:xfrm>
+          <a:off x="0" y="0"/>
+          <a:ext cx="0" cy="0"/>
+          <a:chOff x="0" y="0"/>
+          <a:chExt cx="0" cy="0"/>
+        </a:xfrm>
+      </p:grpSpPr>
+      <p:sp>
+        <p:nvSpPr>
+          <p:cNvPr id="2" name="Title 1"/>
+          <p:cNvSpPr>
+            <a:spLocks noGrp="1"/>
+          </p:cNvSpPr>
+          <p:nvPr>
+            <p:ph type="title"/>
+          </p:nvPr>
+        </p:nvSpPr>
+        <p:spPr/>
+        <p:txBody>
+          <a:bodyPr/>
+          <a:lstStyle/>
+          <a:p>
+            <a:r>
+              <a:rPr lang="en-US" dirty="0" smtClean="0"/>
+              <a:t>Conclusions 2</a:t>
+            </a:r>
+            <a:r>
+              <a:rPr lang="en-US" baseline="30000" dirty="0" smtClean="0"/>
+              <a:t>nd</a:t>
+            </a:r>
+            <a:r>
+              <a:rPr lang="en-US" dirty="0" smtClean="0"/>
+              <a:t> Experiment </a:t>
+            </a:r>
+            <a:endParaRPr lang="en-US" dirty="0"/>
+          </a:p>
+        </p:txBody>
+      </p:sp>
+      <p:sp>
+        <p:nvSpPr>
+          <p:cNvPr id="3" name="Content Placeholder 2"/>
+          <p:cNvSpPr>
+            <a:spLocks noGrp="1"/>
+          </p:cNvSpPr>
+          <p:nvPr>
+            <p:ph idx="1"/>
+          </p:nvPr>
+        </p:nvSpPr>
+        <p:spPr>
+          <a:xfrm>
+            <a:off x="457200" y="3651251"/>
+            <a:ext cx="8229600" cy="2474912"/>
+          </a:xfrm>
+        </p:spPr>
+        <p:txBody>
+          <a:bodyPr/>
+          <a:lstStyle/>
+          <a:p>
+            <a:r>
+              <a:rPr lang="en-US" dirty="0" smtClean="0"/>
+              <a:t>Noisy data seems to influence our model</a:t>
+            </a:r>
+          </a:p>
+          <a:p>
+            <a:r>
+              <a:rPr lang="en-US" dirty="0" smtClean="0"/>
+              <a:t>Noise is recognized as outliers, but seems to distort the confidence scores and thus probabilities</a:t>
+            </a:r>
+          </a:p>
+        </p:txBody>
+      </p:sp>
+      <p:pic>
+        <p:nvPicPr>
+          <p:cNvPr id="5" name="Picture 4" descr="kaggle-result-2.png"/>
+          <p:cNvPicPr>
+            <a:picLocks noChangeAspect="1"/>
+          </p:cNvPicPr>
+          <p:nvPr/>
+        </p:nvPicPr>
+        <p:blipFill rotWithShape="1">
+          <a:blip r:embed="rId2">
+            <a:extLst>
+              <a:ext uri="{28A0092B-C50C-407E-A947-70E740481C1C}">
+                <a14:useLocalDpi xmlns:a14="http://schemas.microsoft.com/office/drawing/2010/main" val="0"/>
+              </a:ext>
+            </a:extLst>
+          </a:blip>
+          <a:srcRect t="15157" b="17629"/>
+          <a:stretch/>
+        </p:blipFill>
+        <p:spPr>
+          <a:xfrm>
+            <a:off x="15875" y="1587500"/>
+            <a:ext cx="9144000" cy="1936750"/>
+          </a:xfrm>
+          <a:prstGeom prst="rect">
+            <a:avLst/>
+          </a:prstGeom>
+        </p:spPr>
+      </p:pic>
+      <p:pic>
+        <p:nvPicPr>
+          <p:cNvPr id="9" name="Picture 8" descr="CodeCogsEqn.pdf"/>
+          <p:cNvPicPr>
+            <a:picLocks noChangeAspect="1"/>
+          </p:cNvPicPr>
+          <p:nvPr/>
+        </p:nvPicPr>
+        <p:blipFill>
+          <a:blip r:embed="rId3">
+            <a:extLst>
+              <a:ext uri="{28A0092B-C50C-407E-A947-70E740481C1C}">
+                <a14:useLocalDpi xmlns:a14="http://schemas.microsoft.com/office/drawing/2010/main" val="0"/>
+              </a:ext>
+            </a:extLst>
+          </a:blip>
+          <a:stretch>
+            <a:fillRect/>
+          </a:stretch>
+        </p:blipFill>
+        <p:spPr>
+          <a:xfrm>
+            <a:off x="3705225" y="5572125"/>
+            <a:ext cx="3263900" cy="774700"/>
+          </a:xfrm>
+          <a:prstGeom prst="rect">
+            <a:avLst/>
+          </a:prstGeom>
+        </p:spPr>
+      </p:pic>
+    </p:spTree>
+    <p:extLst>
+      <p:ext uri="{BB962C8B-B14F-4D97-AF65-F5344CB8AC3E}">
+        <p14:creationId xmlns:p14="http://schemas.microsoft.com/office/powerpoint/2010/main" val="3472742709"/>
+      </p:ext>
+    </p:extLst>
+  </p:cSld>
+  <p:clrMapOvr>
+    <a:masterClrMapping/>
+  </p:clrMapOvr>
+  <p:timing>
+    <p:tnLst>
+      <p:par>
+        <p:cTn xmlns:p14="http://schemas.microsoft.com/office/powerpoint/2010/main" id="1" dur="indefinite" restart="never" nodeType="tmRoot"/>
+      </p:par>
+    </p:tnLst>
+  </p:timing>
+</p:sld>
+</file>
+
+<file path=ppt/slides/slide14.xml><?xml version="1.0" encoding="utf-8"?>
+<p:sld xmlns:a="http://schemas.openxmlformats.org/drawingml/2006/main" xmlns:r="http://schemas.openxmlformats.org/officeDocument/2006/relationships" xmlns:p="http://schemas.openxmlformats.org/presentationml/2006/main">
+  <p:cSld>
+    <p:spTree>
+      <p:nvGrpSpPr>
+        <p:cNvPr id="1" name=""/>
+        <p:cNvGrpSpPr/>
+        <p:nvPr/>
+      </p:nvGrpSpPr>
+      <p:grpSpPr>
+        <a:xfrm>
+          <a:off x="0" y="0"/>
+          <a:ext cx="0" cy="0"/>
+          <a:chOff x="0" y="0"/>
+          <a:chExt cx="0" cy="0"/>
+        </a:xfrm>
+      </p:grpSpPr>
+      <p:pic>
+        <p:nvPicPr>
+          <p:cNvPr id="3" name="Picture 2" descr="kaggle-result-3.png"/>
+          <p:cNvPicPr>
+            <a:picLocks noChangeAspect="1"/>
+          </p:cNvPicPr>
+          <p:nvPr/>
+        </p:nvPicPr>
+        <p:blipFill>
+          <a:blip r:embed="rId4">
+            <a:extLst>
+              <a:ext uri="{28A0092B-C50C-407E-A947-70E740481C1C}">
+                <a14:useLocalDpi xmlns:a14="http://schemas.microsoft.com/office/drawing/2010/main" val="0"/>
+              </a:ext>
+            </a:extLst>
+          </a:blip>
+          <a:stretch>
+            <a:fillRect/>
+          </a:stretch>
+        </p:blipFill>
+        <p:spPr>
+          <a:xfrm>
+            <a:off x="6207125" y="4430931"/>
+            <a:ext cx="2485010" cy="762000"/>
+          </a:xfrm>
+          <a:prstGeom prst="rect">
+            <a:avLst/>
+          </a:prstGeom>
+        </p:spPr>
+      </p:pic>
+      <p:sp>
+        <p:nvSpPr>
+          <p:cNvPr id="2" name="Title 1"/>
+          <p:cNvSpPr>
+            <a:spLocks noGrp="1"/>
+          </p:cNvSpPr>
+          <p:nvPr>
+            <p:ph type="title"/>
+          </p:nvPr>
+        </p:nvSpPr>
+        <p:spPr/>
+        <p:txBody>
+          <a:bodyPr/>
+          <a:lstStyle/>
+          <a:p>
+            <a:r>
+              <a:rPr lang="en-US" dirty="0" smtClean="0"/>
+              <a:t>3</a:t>
+            </a:r>
+            <a:r>
+              <a:rPr lang="en-US" baseline="30000" dirty="0" smtClean="0"/>
+              <a:t>rd</a:t>
+            </a:r>
+            <a:r>
+              <a:rPr lang="en-US" dirty="0" smtClean="0"/>
+              <a:t> Experiment</a:t>
+            </a:r>
+            <a:endParaRPr lang="en-US" dirty="0"/>
+          </a:p>
+        </p:txBody>
+      </p:sp>
+      <p:pic>
+        <p:nvPicPr>
+          <p:cNvPr id="4" name="Picture 3" descr="h2o-logo.jpg"/>
+          <p:cNvPicPr>
+            <a:picLocks noChangeAspect="1"/>
+          </p:cNvPicPr>
+          <p:nvPr/>
+        </p:nvPicPr>
+        <p:blipFill>
+          <a:blip r:embed="rId5">
+            <a:extLst>
+              <a:ext uri="{28A0092B-C50C-407E-A947-70E740481C1C}">
+                <a14:useLocalDpi xmlns:a14="http://schemas.microsoft.com/office/drawing/2010/main" val="0"/>
+              </a:ext>
+            </a:extLst>
+          </a:blip>
+          <a:stretch>
+            <a:fillRect/>
+          </a:stretch>
+        </p:blipFill>
+        <p:spPr>
+          <a:xfrm>
+            <a:off x="6857999" y="1380431"/>
+            <a:ext cx="1090491" cy="1090491"/>
+          </a:xfrm>
+          <a:prstGeom prst="rect">
+            <a:avLst/>
+          </a:prstGeom>
+        </p:spPr>
+      </p:pic>
+      <p:cxnSp>
+        <p:nvCxnSpPr>
+          <p:cNvPr id="36" name="Straight Arrow Connector 35"/>
+          <p:cNvCxnSpPr/>
+          <p:nvPr/>
+        </p:nvCxnSpPr>
+        <p:spPr>
+          <a:xfrm>
+            <a:off x="5144857" y="2127250"/>
+            <a:ext cx="1078143" cy="0"/>
+          </a:xfrm>
+          <a:prstGeom prst="straightConnector1">
+            <a:avLst/>
+          </a:prstGeom>
+          <a:ln>
+            <a:solidFill>
+              <a:schemeClr val="bg1">
+                <a:lumMod val="50000"/>
+              </a:schemeClr>
+            </a:solidFill>
+            <a:tailEnd type="arrow"/>
+          </a:ln>
+        </p:spPr>
+        <p:style>
+          <a:lnRef idx="2">
+            <a:schemeClr val="accent1"/>
+          </a:lnRef>
+          <a:fillRef idx="0">
+            <a:schemeClr val="accent1"/>
+          </a:fillRef>
+          <a:effectRef idx="1">
+            <a:schemeClr val="accent1"/>
+          </a:effectRef>
+          <a:fontRef idx="minor">
+            <a:schemeClr val="tx1"/>
+          </a:fontRef>
+        </p:style>
+      </p:cxnSp>
+      <p:grpSp>
+        <p:nvGrpSpPr>
+          <p:cNvPr id="6" name="Group 5"/>
+          <p:cNvGrpSpPr/>
+          <p:nvPr/>
+        </p:nvGrpSpPr>
+        <p:grpSpPr>
+          <a:xfrm>
+            <a:off x="3380017" y="1401763"/>
+            <a:ext cx="1685465" cy="1632585"/>
+            <a:chOff x="4046767" y="4702508"/>
+            <a:chExt cx="1685465" cy="1632585"/>
+          </a:xfrm>
+        </p:grpSpPr>
+        <p:graphicFrame>
+          <p:nvGraphicFramePr>
+            <p:cNvPr id="35" name="Object 34"/>
+            <p:cNvGraphicFramePr>
+              <a:graphicFrameLocks noChangeAspect="1"/>
+            </p:cNvGraphicFramePr>
+            <p:nvPr>
+              <p:extLst>
+                <p:ext uri="{D42A27DB-BD31-4B8C-83A1-F6EECF244321}">
+                  <p14:modId xmlns:p14="http://schemas.microsoft.com/office/powerpoint/2010/main" val="423106149"/>
+                </p:ext>
+              </p:extLst>
+            </p:nvPr>
+          </p:nvGraphicFramePr>
+          <p:xfrm>
+            <a:off x="4127500" y="4702508"/>
+            <a:ext cx="1573281" cy="1109365"/>
+          </p:xfrm>
+          <a:graphic>
+            <a:graphicData uri="http://schemas.openxmlformats.org/presentationml/2006/ole">
+              <mc:AlternateContent xmlns:mc="http://schemas.openxmlformats.org/markup-compatibility/2006">
+                <mc:Choice xmlns:v="urn:schemas-microsoft-com:vml" Requires="v">
+                  <p:oleObj spid="_x0000_s8197" name="Equation" r:id="rId6" imgW="1981200" imgH="1397000" progId="Equation.3">
+                    <p:embed/>
+                  </p:oleObj>
+                </mc:Choice>
+                <mc:Fallback>
+                  <p:oleObj name="Equation" r:id="rId6" imgW="1981200" imgH="1397000" progId="Equation.3">
+                    <p:embed/>
+                    <p:pic>
+                      <p:nvPicPr>
+                        <p:cNvPr id="0" name=""/>
+                        <p:cNvPicPr/>
+                        <p:nvPr/>
+                      </p:nvPicPr>
+                      <p:blipFill>
+                        <a:blip r:embed="rId7"/>
+                        <a:stretch>
+                          <a:fillRect/>
+                        </a:stretch>
+                      </p:blipFill>
+                      <p:spPr>
+                        <a:xfrm>
+                          <a:off x="4127500" y="4702508"/>
+                          <a:ext cx="1573281" cy="1109365"/>
+                        </a:xfrm>
+                        <a:prstGeom prst="rect">
+                          <a:avLst/>
+                        </a:prstGeom>
+                      </p:spPr>
+                    </p:pic>
+                  </p:oleObj>
+                </mc:Fallback>
+              </mc:AlternateContent>
+            </a:graphicData>
+          </a:graphic>
+        </p:graphicFrame>
+        <p:sp>
+          <p:nvSpPr>
+            <p:cNvPr id="44" name="TextBox 43"/>
+            <p:cNvSpPr txBox="1"/>
+            <p:nvPr/>
+          </p:nvSpPr>
+          <p:spPr>
+            <a:xfrm>
+              <a:off x="4046767" y="5811873"/>
+              <a:ext cx="1685465" cy="523220"/>
+            </a:xfrm>
+            <a:prstGeom prst="rect">
+              <a:avLst/>
+            </a:prstGeom>
+            <a:noFill/>
+          </p:spPr>
+          <p:txBody>
+            <a:bodyPr wrap="square" rtlCol="0">
+              <a:spAutoFit/>
+            </a:bodyPr>
+            <a:lstStyle/>
+            <a:p>
+              <a:pPr algn="ctr"/>
+              <a:r>
+                <a:rPr lang="en-US" sz="1400" dirty="0" smtClean="0">
+                  <a:latin typeface="Times"/>
+                  <a:cs typeface="Times"/>
+                </a:rPr>
+                <a:t>Sample x Dimension matrix</a:t>
+              </a:r>
+              <a:endParaRPr lang="en-US" sz="1400" dirty="0">
+                <a:latin typeface="Times"/>
+                <a:cs typeface="Times"/>
+              </a:endParaRPr>
+            </a:p>
+          </p:txBody>
+        </p:sp>
+      </p:grpSp>
+      <p:sp>
+        <p:nvSpPr>
+          <p:cNvPr id="52" name="Rectangle 51"/>
+          <p:cNvSpPr/>
+          <p:nvPr/>
+        </p:nvSpPr>
+        <p:spPr>
+          <a:xfrm>
+            <a:off x="6429375" y="1291531"/>
+            <a:ext cx="1931380" cy="1660028"/>
+          </a:xfrm>
+          <a:prstGeom prst="rect">
+            <a:avLst/>
+          </a:prstGeom>
+          <a:noFill/>
+          <a:ln>
+            <a:solidFill>
+              <a:schemeClr val="tx1"/>
+            </a:solidFill>
+          </a:ln>
+        </p:spPr>
+        <p:style>
+          <a:lnRef idx="1">
+            <a:schemeClr val="accent1"/>
+          </a:lnRef>
+          <a:fillRef idx="3">
+            <a:schemeClr val="accent1"/>
+          </a:fillRef>
+          <a:effectRef idx="2">
+            <a:schemeClr val="accent1"/>
+          </a:effectRef>
+          <a:fontRef idx="minor">
+            <a:schemeClr val="lt1"/>
+          </a:fontRef>
+        </p:style>
+        <p:txBody>
+          <a:bodyPr rtlCol="0" anchor="ctr"/>
+          <a:lstStyle/>
+          <a:p>
+            <a:pPr algn="ctr"/>
+            <a:endParaRPr lang="en-US"/>
+          </a:p>
+        </p:txBody>
+      </p:sp>
+      <p:sp>
+        <p:nvSpPr>
+          <p:cNvPr id="53" name="TextBox 52"/>
+          <p:cNvSpPr txBox="1"/>
+          <p:nvPr/>
+        </p:nvSpPr>
+        <p:spPr>
+          <a:xfrm>
+            <a:off x="6492876" y="2500450"/>
+            <a:ext cx="2003424" cy="338554"/>
+          </a:xfrm>
+          <a:prstGeom prst="rect">
+            <a:avLst/>
+          </a:prstGeom>
+          <a:noFill/>
+        </p:spPr>
+        <p:txBody>
+          <a:bodyPr wrap="square" rtlCol="0">
+            <a:spAutoFit/>
+          </a:bodyPr>
+          <a:lstStyle/>
+          <a:p>
+            <a:r>
+              <a:rPr lang="en-US" sz="1600" dirty="0" smtClean="0">
+                <a:latin typeface="Times"/>
+                <a:cs typeface="Times"/>
+              </a:rPr>
+              <a:t>H</a:t>
+            </a:r>
+            <a:r>
+              <a:rPr lang="en-US" sz="1600" baseline="-25000" dirty="0" smtClean="0">
+                <a:latin typeface="Times"/>
+                <a:cs typeface="Times"/>
+              </a:rPr>
+              <a:t>2</a:t>
+            </a:r>
+            <a:r>
+              <a:rPr lang="en-US" sz="1600" dirty="0" smtClean="0">
+                <a:latin typeface="Times"/>
+                <a:cs typeface="Times"/>
+              </a:rPr>
+              <a:t>O.ai auto-encoder</a:t>
+            </a:r>
+            <a:endParaRPr lang="en-US" sz="1600" dirty="0">
+              <a:latin typeface="Times"/>
+              <a:cs typeface="Times"/>
+            </a:endParaRPr>
+          </a:p>
+        </p:txBody>
+      </p:sp>
+      <p:cxnSp>
+        <p:nvCxnSpPr>
+          <p:cNvPr id="55" name="Straight Arrow Connector 54"/>
+          <p:cNvCxnSpPr/>
+          <p:nvPr/>
+        </p:nvCxnSpPr>
+        <p:spPr>
+          <a:xfrm flipH="1">
+            <a:off x="5365750" y="3219450"/>
+            <a:ext cx="2047875" cy="304800"/>
+          </a:xfrm>
+          <a:prstGeom prst="straightConnector1">
+            <a:avLst/>
+          </a:prstGeom>
+          <a:ln>
+            <a:solidFill>
+              <a:schemeClr val="bg1">
+                <a:lumMod val="50000"/>
+              </a:schemeClr>
+            </a:solidFill>
+            <a:tailEnd type="arrow"/>
+          </a:ln>
+        </p:spPr>
+        <p:style>
+          <a:lnRef idx="2">
+            <a:schemeClr val="accent1"/>
+          </a:lnRef>
+          <a:fillRef idx="0">
+            <a:schemeClr val="accent1"/>
+          </a:fillRef>
+          <a:effectRef idx="1">
+            <a:schemeClr val="accent1"/>
+          </a:effectRef>
+          <a:fontRef idx="minor">
+            <a:schemeClr val="tx1"/>
+          </a:fontRef>
+        </p:style>
+      </p:cxnSp>
+      <p:sp>
+        <p:nvSpPr>
+          <p:cNvPr id="59" name="TextBox 58"/>
+          <p:cNvSpPr txBox="1"/>
+          <p:nvPr/>
+        </p:nvSpPr>
+        <p:spPr>
+          <a:xfrm>
+            <a:off x="3059329" y="3441700"/>
+            <a:ext cx="2069653" cy="1754327"/>
+          </a:xfrm>
+          <a:prstGeom prst="rect">
+            <a:avLst/>
+          </a:prstGeom>
+          <a:noFill/>
+        </p:spPr>
+        <p:txBody>
+          <a:bodyPr wrap="square" rtlCol="0">
+            <a:spAutoFit/>
+          </a:bodyPr>
+          <a:lstStyle/>
+          <a:p>
+            <a:pPr algn="ctr"/>
+            <a:r>
+              <a:rPr lang="en-US" dirty="0" smtClean="0">
+                <a:latin typeface="Times"/>
+                <a:cs typeface="Times"/>
+              </a:rPr>
+              <a:t>0.0021</a:t>
+            </a:r>
+          </a:p>
+          <a:p>
+            <a:pPr algn="ctr"/>
+            <a:r>
+              <a:rPr lang="en-US" dirty="0" smtClean="0">
+                <a:latin typeface="Times"/>
+                <a:cs typeface="Times"/>
+              </a:rPr>
+              <a:t>0.0170</a:t>
+            </a:r>
+          </a:p>
+          <a:p>
+            <a:pPr algn="ctr"/>
+            <a:r>
+              <a:rPr lang="en-US" dirty="0" smtClean="0">
+                <a:latin typeface="Times"/>
+                <a:cs typeface="Times"/>
+              </a:rPr>
+              <a:t>0.0019</a:t>
+            </a:r>
+          </a:p>
+          <a:p>
+            <a:pPr algn="ctr"/>
+            <a:r>
+              <a:rPr lang="en-US" dirty="0" smtClean="0">
+                <a:latin typeface="Times"/>
+                <a:cs typeface="Times"/>
+              </a:rPr>
+              <a:t>.</a:t>
+            </a:r>
+          </a:p>
+          <a:p>
+            <a:pPr algn="ctr"/>
+            <a:r>
+              <a:rPr lang="en-US" dirty="0" smtClean="0">
+                <a:latin typeface="Times"/>
+                <a:cs typeface="Times"/>
+              </a:rPr>
+              <a:t>.</a:t>
+            </a:r>
+          </a:p>
+          <a:p>
+            <a:pPr algn="ctr"/>
+            <a:r>
+              <a:rPr lang="en-US" sz="1600" dirty="0" smtClean="0">
+                <a:latin typeface="Times"/>
+                <a:cs typeface="Times"/>
+              </a:rPr>
+              <a:t>Confidence Scores</a:t>
+            </a:r>
+            <a:endParaRPr lang="en-US" sz="1600" dirty="0">
+              <a:latin typeface="Times"/>
+              <a:cs typeface="Times"/>
+            </a:endParaRPr>
+          </a:p>
+        </p:txBody>
+      </p:sp>
+      <p:sp>
+        <p:nvSpPr>
+          <p:cNvPr id="10" name="TextBox 9"/>
+          <p:cNvSpPr txBox="1"/>
+          <p:nvPr/>
+        </p:nvSpPr>
+        <p:spPr>
+          <a:xfrm>
+            <a:off x="285750" y="2084388"/>
+            <a:ext cx="3095625" cy="4832093"/>
+          </a:xfrm>
+          <a:prstGeom prst="rect">
+            <a:avLst/>
+          </a:prstGeom>
+          <a:noFill/>
+        </p:spPr>
+        <p:txBody>
+          <a:bodyPr wrap="square" rtlCol="0">
+            <a:spAutoFit/>
+          </a:bodyPr>
+          <a:lstStyle/>
+          <a:p>
+            <a:pPr marL="342900" indent="-342900">
+              <a:buFont typeface="Arial"/>
+              <a:buChar char="•"/>
+            </a:pPr>
+            <a:r>
+              <a:rPr lang="en-US" sz="2800" dirty="0" smtClean="0"/>
+              <a:t>One single model for each driver</a:t>
+            </a:r>
+          </a:p>
+          <a:p>
+            <a:pPr marL="342900" indent="-342900">
+              <a:buFont typeface="Arial"/>
+              <a:buChar char="•"/>
+            </a:pPr>
+            <a:r>
+              <a:rPr lang="en-US" sz="2800" dirty="0" smtClean="0"/>
+              <a:t>Normalization of resulting confidence scores  </a:t>
+            </a:r>
+          </a:p>
+          <a:p>
+            <a:pPr marL="342900" indent="-342900">
+              <a:buFont typeface="Arial"/>
+              <a:buChar char="•"/>
+            </a:pPr>
+            <a:r>
+              <a:rPr lang="en-US" sz="2800" b="1" dirty="0" smtClean="0"/>
+              <a:t>Discounting highest two confidence scores per driver</a:t>
+            </a:r>
+          </a:p>
+          <a:p>
+            <a:pPr marL="342900" indent="-342900">
+              <a:buFont typeface="Arial"/>
+              <a:buChar char="•"/>
+            </a:pPr>
+            <a:endParaRPr lang="en-US" sz="2800" dirty="0"/>
+          </a:p>
+        </p:txBody>
+      </p:sp>
+      <p:cxnSp>
+        <p:nvCxnSpPr>
+          <p:cNvPr id="38" name="Straight Arrow Connector 37"/>
+          <p:cNvCxnSpPr/>
+          <p:nvPr/>
+        </p:nvCxnSpPr>
+        <p:spPr>
+          <a:xfrm>
+            <a:off x="4669136" y="4017671"/>
+            <a:ext cx="983192" cy="490829"/>
+          </a:xfrm>
+          <a:prstGeom prst="straightConnector1">
+            <a:avLst/>
+          </a:prstGeom>
+          <a:ln>
+            <a:solidFill>
+              <a:srgbClr val="FF0000"/>
+            </a:solidFill>
+            <a:tailEnd type="arrow"/>
+          </a:ln>
+        </p:spPr>
+        <p:style>
+          <a:lnRef idx="2">
+            <a:schemeClr val="accent1"/>
+          </a:lnRef>
+          <a:fillRef idx="0">
+            <a:schemeClr val="accent1"/>
+          </a:fillRef>
+          <a:effectRef idx="1">
+            <a:schemeClr val="accent1"/>
+          </a:effectRef>
+          <a:fontRef idx="minor">
+            <a:schemeClr val="tx1"/>
+          </a:fontRef>
+        </p:style>
+      </p:cxnSp>
+      <p:sp>
+        <p:nvSpPr>
+          <p:cNvPr id="15" name="Oval 14"/>
+          <p:cNvSpPr/>
+          <p:nvPr/>
+        </p:nvSpPr>
+        <p:spPr>
+          <a:xfrm>
+            <a:off x="5849937" y="3952887"/>
+            <a:ext cx="3127375" cy="1802968"/>
+          </a:xfrm>
+          <a:prstGeom prst="ellipse">
+            <a:avLst/>
+          </a:prstGeom>
+          <a:solidFill>
+            <a:schemeClr val="bg1">
+              <a:alpha val="0"/>
+            </a:schemeClr>
+          </a:solidFill>
+          <a:ln>
+            <a:solidFill>
+              <a:srgbClr val="FF0000"/>
+            </a:solidFill>
+          </a:ln>
+        </p:spPr>
+        <p:style>
+          <a:lnRef idx="1">
+            <a:schemeClr val="accent1"/>
+          </a:lnRef>
+          <a:fillRef idx="3">
+            <a:schemeClr val="accent1"/>
+          </a:fillRef>
+          <a:effectRef idx="2">
+            <a:schemeClr val="accent1"/>
+          </a:effectRef>
+          <a:fontRef idx="minor">
+            <a:schemeClr val="lt1"/>
+          </a:fontRef>
+        </p:style>
+        <p:txBody>
+          <a:bodyPr rtlCol="0" anchor="ctr"/>
+          <a:lstStyle/>
+          <a:p>
+            <a:pPr algn="ctr"/>
+            <a:endParaRPr lang="en-US"/>
+          </a:p>
+        </p:txBody>
+      </p:sp>
+      <p:sp>
+        <p:nvSpPr>
+          <p:cNvPr id="18" name="TextBox 17"/>
+          <p:cNvSpPr txBox="1"/>
+          <p:nvPr/>
+        </p:nvSpPr>
+        <p:spPr>
+          <a:xfrm>
+            <a:off x="6635750" y="4277739"/>
+            <a:ext cx="1555750" cy="523220"/>
+          </a:xfrm>
+          <a:prstGeom prst="rect">
+            <a:avLst/>
+          </a:prstGeom>
+          <a:noFill/>
+        </p:spPr>
+        <p:txBody>
+          <a:bodyPr wrap="square" rtlCol="0">
+            <a:spAutoFit/>
+          </a:bodyPr>
+          <a:lstStyle/>
+          <a:p>
+            <a:r>
+              <a:rPr lang="en-US" sz="2800" b="1" dirty="0" smtClean="0"/>
+              <a:t>0.62390</a:t>
+            </a:r>
+            <a:endParaRPr lang="en-US" sz="2800" b="1" dirty="0"/>
+          </a:p>
+        </p:txBody>
+      </p:sp>
+      <p:sp>
+        <p:nvSpPr>
+          <p:cNvPr id="19" name="TextBox 18"/>
+          <p:cNvSpPr txBox="1"/>
+          <p:nvPr/>
+        </p:nvSpPr>
+        <p:spPr>
+          <a:xfrm>
+            <a:off x="6445251" y="4815026"/>
+            <a:ext cx="1915504" cy="377905"/>
+          </a:xfrm>
+          <a:prstGeom prst="rect">
+            <a:avLst/>
+          </a:prstGeom>
+          <a:noFill/>
+        </p:spPr>
+        <p:txBody>
+          <a:bodyPr wrap="square" rtlCol="0">
+            <a:spAutoFit/>
+          </a:bodyPr>
+          <a:lstStyle/>
+          <a:p>
+            <a:pPr algn="ctr"/>
+            <a:r>
+              <a:rPr lang="en-US" b="1" dirty="0" smtClean="0"/>
+              <a:t>AUC value</a:t>
+            </a:r>
+            <a:endParaRPr lang="en-US" b="1" dirty="0"/>
+          </a:p>
+        </p:txBody>
+      </p:sp>
+      <p:sp>
+        <p:nvSpPr>
+          <p:cNvPr id="7" name="TextBox 6"/>
+          <p:cNvSpPr txBox="1"/>
+          <p:nvPr/>
+        </p:nvSpPr>
+        <p:spPr>
+          <a:xfrm>
+            <a:off x="5192482" y="5780835"/>
+            <a:ext cx="2270125" cy="369332"/>
+          </a:xfrm>
+          <a:prstGeom prst="rect">
+            <a:avLst/>
+          </a:prstGeom>
+          <a:noFill/>
+        </p:spPr>
+        <p:txBody>
+          <a:bodyPr wrap="square" rtlCol="0">
+            <a:spAutoFit/>
+          </a:bodyPr>
+          <a:lstStyle/>
+          <a:p>
+            <a:r>
+              <a:rPr lang="en-US" dirty="0" smtClean="0">
+                <a:solidFill>
+                  <a:srgbClr val="FF0000"/>
+                </a:solidFill>
+              </a:rPr>
+              <a:t>952</a:t>
+            </a:r>
+            <a:r>
+              <a:rPr lang="en-US" baseline="30000" dirty="0" smtClean="0">
+                <a:solidFill>
+                  <a:srgbClr val="FF0000"/>
+                </a:solidFill>
+              </a:rPr>
+              <a:t>th</a:t>
+            </a:r>
+            <a:r>
+              <a:rPr lang="en-US" dirty="0" smtClean="0">
+                <a:solidFill>
+                  <a:srgbClr val="FF0000"/>
+                </a:solidFill>
+              </a:rPr>
+              <a:t> out of 1,529 </a:t>
+            </a:r>
+            <a:endParaRPr lang="en-US" dirty="0">
+              <a:solidFill>
+                <a:srgbClr val="FF0000"/>
+              </a:solidFill>
+            </a:endParaRPr>
+          </a:p>
+        </p:txBody>
+      </p:sp>
+    </p:spTree>
+    <p:extLst>
+      <p:ext uri="{BB962C8B-B14F-4D97-AF65-F5344CB8AC3E}">
+        <p14:creationId xmlns:p14="http://schemas.microsoft.com/office/powerpoint/2010/main" val="985064998"/>
+      </p:ext>
+    </p:extLst>
+  </p:cSld>
+  <p:clrMapOvr>
+    <a:masterClrMapping/>
+  </p:clrMapOvr>
+  <p:timing>
+    <p:tnLst>
+      <p:par>
+        <p:cTn xmlns:p14="http://schemas.microsoft.com/office/powerpoint/2010/main" id="1" dur="indefinite" restart="never" nodeType="tmRoot">
+          <p:childTnLst>
+            <p:seq concurrent="1" nextAc="seek">
+              <p:cTn id="2" dur="indefinite" nodeType="mainSeq">
+                <p:childTnLst>
+                  <p:par>
+                    <p:cTn id="3" fill="hold">
+                      <p:stCondLst>
+                        <p:cond delay="indefinite"/>
+                      </p:stCondLst>
+                      <p:childTnLst>
+                        <p:par>
+                          <p:cTn id="4" fill="hold">
+                            <p:stCondLst>
+                              <p:cond delay="0"/>
+                            </p:stCondLst>
+                            <p:childTnLst>
+                              <p:par>
+                                <p:cTn id="5" presetID="12" presetClass="entr" presetSubtype="4" fill="hold" nodeType="clickEffect">
+                                  <p:stCondLst>
+                                    <p:cond delay="0"/>
+                                  </p:stCondLst>
+                                  <p:childTnLst>
+                                    <p:set>
+                                      <p:cBhvr>
+                                        <p:cTn id="6" dur="1" fill="hold">
+                                          <p:stCondLst>
+                                            <p:cond delay="0"/>
+                                          </p:stCondLst>
+                                        </p:cTn>
+                                        <p:tgtEl>
+                                          <p:spTgt spid="3"/>
+                                        </p:tgtEl>
+                                        <p:attrNameLst>
+                                          <p:attrName>style.visibility</p:attrName>
+                                        </p:attrNameLst>
+                                      </p:cBhvr>
+                                      <p:to>
+                                        <p:strVal val="visible"/>
+                                      </p:to>
+                                    </p:set>
+                                    <p:anim calcmode="lin" valueType="num">
+                                      <p:cBhvr additive="base">
+                                        <p:cTn id="7" dur="500"/>
+                                        <p:tgtEl>
+                                          <p:spTgt spid="3"/>
+                                        </p:tgtEl>
+                                        <p:attrNameLst>
+                                          <p:attrName>ppt_y</p:attrName>
+                                        </p:attrNameLst>
+                                      </p:cBhvr>
+                                      <p:tavLst>
+                                        <p:tav tm="0">
+                                          <p:val>
+                                            <p:strVal val="#ppt_y+#ppt_h*1.125000"/>
+                                          </p:val>
+                                        </p:tav>
+                                        <p:tav tm="100000">
+                                          <p:val>
+                                            <p:strVal val="#ppt_y"/>
+                                          </p:val>
+                                        </p:tav>
+                                      </p:tavLst>
+                                    </p:anim>
+                                    <p:animEffect transition="in" filter="wipe(up)">
+                                      <p:cBhvr>
+                                        <p:cTn id="8" dur="500"/>
+                                        <p:tgtEl>
+                                          <p:spTgt spid="3"/>
+                                        </p:tgtEl>
+                                      </p:cBhvr>
+                                    </p:animEffect>
+                                  </p:childTnLst>
+                                </p:cTn>
+                              </p:par>
+                              <p:par>
+                                <p:cTn id="9" presetID="12" presetClass="entr" presetSubtype="4" fill="hold" nodeType="withEffect">
+                                  <p:stCondLst>
+                                    <p:cond delay="0"/>
+                                  </p:stCondLst>
+                                  <p:childTnLst>
+                                    <p:set>
+                                      <p:cBhvr>
+                                        <p:cTn id="10" dur="1" fill="hold">
+                                          <p:stCondLst>
+                                            <p:cond delay="0"/>
+                                          </p:stCondLst>
+                                        </p:cTn>
+                                        <p:tgtEl>
+                                          <p:spTgt spid="38"/>
+                                        </p:tgtEl>
+                                        <p:attrNameLst>
+                                          <p:attrName>style.visibility</p:attrName>
+                                        </p:attrNameLst>
+                                      </p:cBhvr>
+                                      <p:to>
+                                        <p:strVal val="visible"/>
+                                      </p:to>
+                                    </p:set>
+                                    <p:anim calcmode="lin" valueType="num">
+                                      <p:cBhvr additive="base">
+                                        <p:cTn id="11" dur="500"/>
+                                        <p:tgtEl>
+                                          <p:spTgt spid="38"/>
+                                        </p:tgtEl>
+                                        <p:attrNameLst>
+                                          <p:attrName>ppt_y</p:attrName>
+                                        </p:attrNameLst>
+                                      </p:cBhvr>
+                                      <p:tavLst>
+                                        <p:tav tm="0">
+                                          <p:val>
+                                            <p:strVal val="#ppt_y+#ppt_h*1.125000"/>
+                                          </p:val>
+                                        </p:tav>
+                                        <p:tav tm="100000">
+                                          <p:val>
+                                            <p:strVal val="#ppt_y"/>
+                                          </p:val>
+                                        </p:tav>
+                                      </p:tavLst>
+                                    </p:anim>
+                                    <p:animEffect transition="in" filter="wipe(up)">
+                                      <p:cBhvr>
+                                        <p:cTn id="12" dur="500"/>
+                                        <p:tgtEl>
+                                          <p:spTgt spid="38"/>
+                                        </p:tgtEl>
+                                      </p:cBhvr>
+                                    </p:animEffect>
+                                  </p:childTnLst>
+                                </p:cTn>
+                              </p:par>
+                              <p:par>
+                                <p:cTn id="13" presetID="12" presetClass="entr" presetSubtype="4" fill="hold" grpId="0" nodeType="withEffect">
+                                  <p:stCondLst>
+                                    <p:cond delay="0"/>
+                                  </p:stCondLst>
+                                  <p:childTnLst>
+                                    <p:set>
+                                      <p:cBhvr>
+                                        <p:cTn id="14" dur="1" fill="hold">
+                                          <p:stCondLst>
+                                            <p:cond delay="0"/>
+                                          </p:stCondLst>
+                                        </p:cTn>
+                                        <p:tgtEl>
+                                          <p:spTgt spid="15"/>
+                                        </p:tgtEl>
+                                        <p:attrNameLst>
+                                          <p:attrName>style.visibility</p:attrName>
+                                        </p:attrNameLst>
+                                      </p:cBhvr>
+                                      <p:to>
+                                        <p:strVal val="visible"/>
+                                      </p:to>
+                                    </p:set>
+                                    <p:anim calcmode="lin" valueType="num">
+                                      <p:cBhvr additive="base">
+                                        <p:cTn id="15" dur="500"/>
+                                        <p:tgtEl>
+                                          <p:spTgt spid="15"/>
+                                        </p:tgtEl>
+                                        <p:attrNameLst>
+                                          <p:attrName>ppt_y</p:attrName>
+                                        </p:attrNameLst>
+                                      </p:cBhvr>
+                                      <p:tavLst>
+                                        <p:tav tm="0">
+                                          <p:val>
+                                            <p:strVal val="#ppt_y+#ppt_h*1.125000"/>
+                                          </p:val>
+                                        </p:tav>
+                                        <p:tav tm="100000">
+                                          <p:val>
+                                            <p:strVal val="#ppt_y"/>
+                                          </p:val>
+                                        </p:tav>
+                                      </p:tavLst>
+                                    </p:anim>
+                                    <p:animEffect transition="in" filter="wipe(up)">
+                                      <p:cBhvr>
+                                        <p:cTn id="16" dur="500"/>
+                                        <p:tgtEl>
+                                          <p:spTgt spid="15"/>
+                                        </p:tgtEl>
+                                      </p:cBhvr>
+                                    </p:animEffect>
+                                  </p:childTnLst>
+                                </p:cTn>
+                              </p:par>
+                              <p:par>
+                                <p:cTn id="17" presetID="12" presetClass="entr" presetSubtype="4" fill="hold" grpId="0" nodeType="withEffect">
+                                  <p:stCondLst>
+                                    <p:cond delay="0"/>
+                                  </p:stCondLst>
+                                  <p:childTnLst>
+                                    <p:set>
+                                      <p:cBhvr>
+                                        <p:cTn id="18" dur="1" fill="hold">
+                                          <p:stCondLst>
+                                            <p:cond delay="0"/>
+                                          </p:stCondLst>
+                                        </p:cTn>
+                                        <p:tgtEl>
+                                          <p:spTgt spid="18"/>
+                                        </p:tgtEl>
+                                        <p:attrNameLst>
+                                          <p:attrName>style.visibility</p:attrName>
+                                        </p:attrNameLst>
+                                      </p:cBhvr>
+                                      <p:to>
+                                        <p:strVal val="visible"/>
+                                      </p:to>
+                                    </p:set>
+                                    <p:anim calcmode="lin" valueType="num">
+                                      <p:cBhvr additive="base">
+                                        <p:cTn id="19" dur="500"/>
+                                        <p:tgtEl>
+                                          <p:spTgt spid="18"/>
+                                        </p:tgtEl>
+                                        <p:attrNameLst>
+                                          <p:attrName>ppt_y</p:attrName>
+                                        </p:attrNameLst>
+                                      </p:cBhvr>
+                                      <p:tavLst>
+                                        <p:tav tm="0">
+                                          <p:val>
+                                            <p:strVal val="#ppt_y+#ppt_h*1.125000"/>
+                                          </p:val>
+                                        </p:tav>
+                                        <p:tav tm="100000">
+                                          <p:val>
+                                            <p:strVal val="#ppt_y"/>
+                                          </p:val>
+                                        </p:tav>
+                                      </p:tavLst>
+                                    </p:anim>
+                                    <p:animEffect transition="in" filter="wipe(up)">
+                                      <p:cBhvr>
+                                        <p:cTn id="20" dur="500"/>
+                                        <p:tgtEl>
+                                          <p:spTgt spid="18"/>
+                                        </p:tgtEl>
+                                      </p:cBhvr>
+                                    </p:animEffect>
+                                  </p:childTnLst>
+                                </p:cTn>
+                              </p:par>
+                              <p:par>
+                                <p:cTn id="21" presetID="12" presetClass="entr" presetSubtype="4" fill="hold" grpId="0" nodeType="withEffect">
+                                  <p:stCondLst>
+                                    <p:cond delay="0"/>
+                                  </p:stCondLst>
+                                  <p:childTnLst>
+                                    <p:set>
+                                      <p:cBhvr>
+                                        <p:cTn id="22" dur="1" fill="hold">
+                                          <p:stCondLst>
+                                            <p:cond delay="0"/>
+                                          </p:stCondLst>
+                                        </p:cTn>
+                                        <p:tgtEl>
+                                          <p:spTgt spid="19"/>
+                                        </p:tgtEl>
+                                        <p:attrNameLst>
+                                          <p:attrName>style.visibility</p:attrName>
+                                        </p:attrNameLst>
+                                      </p:cBhvr>
+                                      <p:to>
+                                        <p:strVal val="visible"/>
+                                      </p:to>
+                                    </p:set>
+                                    <p:anim calcmode="lin" valueType="num">
+                                      <p:cBhvr additive="base">
+                                        <p:cTn id="23" dur="500"/>
+                                        <p:tgtEl>
+                                          <p:spTgt spid="19"/>
+                                        </p:tgtEl>
+                                        <p:attrNameLst>
+                                          <p:attrName>ppt_y</p:attrName>
+                                        </p:attrNameLst>
+                                      </p:cBhvr>
+                                      <p:tavLst>
+                                        <p:tav tm="0">
+                                          <p:val>
+                                            <p:strVal val="#ppt_y+#ppt_h*1.125000"/>
+                                          </p:val>
+                                        </p:tav>
+                                        <p:tav tm="100000">
+                                          <p:val>
+                                            <p:strVal val="#ppt_y"/>
+                                          </p:val>
+                                        </p:tav>
+                                      </p:tavLst>
+                                    </p:anim>
+                                    <p:animEffect transition="in" filter="wipe(up)">
+                                      <p:cBhvr>
+                                        <p:cTn id="24" dur="500"/>
+                                        <p:tgtEl>
+                                          <p:spTgt spid="19"/>
+                                        </p:tgtEl>
+                                      </p:cBhvr>
+                                    </p:animEffect>
+                                  </p:childTnLst>
+                                </p:cTn>
+                              </p:par>
+                            </p:childTnLst>
+                          </p:cTn>
+                        </p:par>
+                      </p:childTnLst>
+                    </p:cTn>
+                  </p:par>
+                  <p:par>
+                    <p:cTn id="25" fill="hold">
+                      <p:stCondLst>
+                        <p:cond delay="indefinite"/>
+                      </p:stCondLst>
+                      <p:childTnLst>
+                        <p:par>
+                          <p:cTn id="26" fill="hold">
+                            <p:stCondLst>
+                              <p:cond delay="0"/>
+                            </p:stCondLst>
+                            <p:childTnLst>
+                              <p:par>
+                                <p:cTn id="27" presetID="12" presetClass="entr" presetSubtype="4" fill="hold" grpId="0" nodeType="clickEffect">
+                                  <p:stCondLst>
+                                    <p:cond delay="0"/>
+                                  </p:stCondLst>
+                                  <p:childTnLst>
+                                    <p:set>
+                                      <p:cBhvr>
+                                        <p:cTn id="28" dur="1" fill="hold">
+                                          <p:stCondLst>
+                                            <p:cond delay="0"/>
+                                          </p:stCondLst>
+                                        </p:cTn>
+                                        <p:tgtEl>
+                                          <p:spTgt spid="7"/>
+                                        </p:tgtEl>
+                                        <p:attrNameLst>
+                                          <p:attrName>style.visibility</p:attrName>
+                                        </p:attrNameLst>
+                                      </p:cBhvr>
+                                      <p:to>
+                                        <p:strVal val="visible"/>
+                                      </p:to>
+                                    </p:set>
+                                    <p:anim calcmode="lin" valueType="num">
+                                      <p:cBhvr additive="base">
+                                        <p:cTn id="29" dur="500"/>
+                                        <p:tgtEl>
+                                          <p:spTgt spid="7"/>
+                                        </p:tgtEl>
+                                        <p:attrNameLst>
+                                          <p:attrName>ppt_y</p:attrName>
+                                        </p:attrNameLst>
+                                      </p:cBhvr>
+                                      <p:tavLst>
+                                        <p:tav tm="0">
+                                          <p:val>
+                                            <p:strVal val="#ppt_y+#ppt_h*1.125000"/>
+                                          </p:val>
+                                        </p:tav>
+                                        <p:tav tm="100000">
+                                          <p:val>
+                                            <p:strVal val="#ppt_y"/>
+                                          </p:val>
+                                        </p:tav>
+                                      </p:tavLst>
+                                    </p:anim>
+                                    <p:animEffect transition="in" filter="wipe(up)">
+                                      <p:cBhvr>
+                                        <p:cTn id="30" dur="500"/>
+                                        <p:tgtEl>
+                                          <p:spTgt spid="7"/>
+                                        </p:tgtEl>
+                                      </p:cBhvr>
+                                    </p:animEffect>
+                                  </p:childTnLst>
+                                </p:cTn>
+                              </p:par>
+                            </p:childTnLst>
+                          </p:cTn>
+                        </p:par>
+                      </p:childTnLst>
+                    </p:cTn>
+                  </p:par>
+                </p:childTnLst>
+              </p:cTn>
+              <p:prevCondLst>
+                <p:cond evt="onPrev" delay="0">
+                  <p:tgtEl>
+                    <p:sldTgt/>
+                  </p:tgtEl>
+                </p:cond>
+              </p:prevCondLst>
+              <p:nextCondLst>
+                <p:cond evt="onNext" delay="0">
+                  <p:tgtEl>
+                    <p:sldTgt/>
+                  </p:tgtEl>
+                </p:cond>
+              </p:nextCondLst>
+            </p:seq>
+          </p:childTnLst>
+        </p:cTn>
+      </p:par>
+    </p:tnLst>
+    <p:bldLst>
+      <p:bldP spid="15" grpId="0" animBg="1"/>
+      <p:bldP spid="18" grpId="0"/>
+      <p:bldP spid="19" grpId="0"/>
+      <p:bldP spid="7" grpId="0"/>
+    </p:bldLst>
+  </p:timing>
+</p:sld>
+</file>
+
+<file path=ppt/slides/slide15.xml><?xml version="1.0" encoding="utf-8"?>
+<p:sld xmlns:a="http://schemas.openxmlformats.org/drawingml/2006/main" xmlns:r="http://schemas.openxmlformats.org/officeDocument/2006/relationships" xmlns:p="http://schemas.openxmlformats.org/presentationml/2006/main">
+  <p:cSld>
+    <p:spTree>
+      <p:nvGrpSpPr>
+        <p:cNvPr id="1" name=""/>
+        <p:cNvGrpSpPr/>
+        <p:nvPr/>
+      </p:nvGrpSpPr>
+      <p:grpSpPr>
+        <a:xfrm>
+          <a:off x="0" y="0"/>
+          <a:ext cx="0" cy="0"/>
+          <a:chOff x="0" y="0"/>
+          <a:chExt cx="0" cy="0"/>
+        </a:xfrm>
+      </p:grpSpPr>
+      <p:sp>
+        <p:nvSpPr>
+          <p:cNvPr id="2" name="Title 1"/>
+          <p:cNvSpPr>
+            <a:spLocks noGrp="1"/>
+          </p:cNvSpPr>
+          <p:nvPr>
+            <p:ph type="title"/>
+          </p:nvPr>
+        </p:nvSpPr>
+        <p:spPr/>
+        <p:txBody>
+          <a:bodyPr/>
+          <a:lstStyle/>
+          <a:p>
+            <a:r>
+              <a:rPr lang="en-US" dirty="0" smtClean="0"/>
+              <a:t>Conclusions 3rd Experiment </a:t>
+            </a:r>
+            <a:endParaRPr lang="en-US" dirty="0"/>
+          </a:p>
+        </p:txBody>
+      </p:sp>
+      <p:sp>
+        <p:nvSpPr>
+          <p:cNvPr id="3" name="Content Placeholder 2"/>
+          <p:cNvSpPr>
+            <a:spLocks noGrp="1"/>
+          </p:cNvSpPr>
+          <p:nvPr>
+            <p:ph idx="1"/>
+          </p:nvPr>
+        </p:nvSpPr>
+        <p:spPr>
+          <a:xfrm>
+            <a:off x="457200" y="3651251"/>
+            <a:ext cx="8229600" cy="2474912"/>
+          </a:xfrm>
+        </p:spPr>
+        <p:txBody>
+          <a:bodyPr>
+            <a:normAutofit lnSpcReduction="10000"/>
+          </a:bodyPr>
+          <a:lstStyle/>
+          <a:p>
+            <a:r>
+              <a:rPr lang="en-US" dirty="0" smtClean="0"/>
+              <a:t>Better results after accounting for an arbitrary number of junk drives per driver</a:t>
+            </a:r>
+          </a:p>
+          <a:p>
+            <a:r>
+              <a:rPr lang="en-US" dirty="0" smtClean="0"/>
+              <a:t>Noise is recognized as outliers, but seems to distort the confidence scores and thus probabilities</a:t>
+            </a:r>
+          </a:p>
+        </p:txBody>
+      </p:sp>
+      <p:pic>
+        <p:nvPicPr>
+          <p:cNvPr id="5" name="Picture 4" descr="kaggle-result-2.png"/>
+          <p:cNvPicPr>
+            <a:picLocks noChangeAspect="1"/>
+          </p:cNvPicPr>
+          <p:nvPr/>
+        </p:nvPicPr>
+        <p:blipFill rotWithShape="1">
+          <a:blip r:embed="rId2">
+            <a:extLst>
+              <a:ext uri="{28A0092B-C50C-407E-A947-70E740481C1C}">
+                <a14:useLocalDpi xmlns:a14="http://schemas.microsoft.com/office/drawing/2010/main" val="0"/>
+              </a:ext>
+            </a:extLst>
+          </a:blip>
+          <a:srcRect t="15157" b="17629"/>
+          <a:stretch/>
+        </p:blipFill>
+        <p:spPr>
+          <a:xfrm>
+            <a:off x="15875" y="1587500"/>
+            <a:ext cx="9144000" cy="1936750"/>
+          </a:xfrm>
+          <a:prstGeom prst="rect">
+            <a:avLst/>
+          </a:prstGeom>
+        </p:spPr>
+      </p:pic>
+      <p:pic>
+        <p:nvPicPr>
+          <p:cNvPr id="4" name="Picture 3" descr="kaggle-result-3.png"/>
+          <p:cNvPicPr>
+            <a:picLocks noChangeAspect="1"/>
+          </p:cNvPicPr>
+          <p:nvPr/>
+        </p:nvPicPr>
+        <p:blipFill>
+          <a:blip r:embed="rId3">
+            <a:extLst>
+              <a:ext uri="{28A0092B-C50C-407E-A947-70E740481C1C}">
+                <a14:useLocalDpi xmlns:a14="http://schemas.microsoft.com/office/drawing/2010/main" val="0"/>
+              </a:ext>
+            </a:extLst>
+          </a:blip>
+          <a:stretch>
+            <a:fillRect/>
+          </a:stretch>
+        </p:blipFill>
+        <p:spPr>
+          <a:xfrm>
+            <a:off x="0" y="1566674"/>
+            <a:ext cx="9144000" cy="2803903"/>
+          </a:xfrm>
+          <a:prstGeom prst="rect">
+            <a:avLst/>
+          </a:prstGeom>
+        </p:spPr>
+      </p:pic>
+    </p:spTree>
+    <p:extLst>
+      <p:ext uri="{BB962C8B-B14F-4D97-AF65-F5344CB8AC3E}">
+        <p14:creationId xmlns:p14="http://schemas.microsoft.com/office/powerpoint/2010/main" val="2566407561"/>
+      </p:ext>
+    </p:extLst>
+  </p:cSld>
+  <p:clrMapOvr>
+    <a:masterClrMapping/>
+  </p:clrMapOvr>
+  <p:timing>
+    <p:tnLst>
+      <p:par>
+        <p:cTn xmlns:p14="http://schemas.microsoft.com/office/powerpoint/2010/main" id="1" dur="indefinite" restart="never" nodeType="tmRoot"/>
+      </p:par>
+    </p:tnLst>
+  </p:timing>
+</p:sld>
+</file>
+
+<file path=ppt/slides/slide16.xml><?xml version="1.0" encoding="utf-8"?>
+<p:sld xmlns:a="http://schemas.openxmlformats.org/drawingml/2006/main" xmlns:r="http://schemas.openxmlformats.org/officeDocument/2006/relationships" xmlns:p="http://schemas.openxmlformats.org/presentationml/2006/main">
+  <p:cSld>
+    <p:spTree>
+      <p:nvGrpSpPr>
+        <p:cNvPr id="1" name=""/>
+        <p:cNvGrpSpPr/>
+        <p:nvPr/>
+      </p:nvGrpSpPr>
+      <p:grpSpPr>
+        <a:xfrm>
+          <a:off x="0" y="0"/>
+          <a:ext cx="0" cy="0"/>
+          <a:chOff x="0" y="0"/>
+          <a:chExt cx="0" cy="0"/>
+        </a:xfrm>
+      </p:grpSpPr>
+      <p:sp>
+        <p:nvSpPr>
+          <p:cNvPr id="2" name="Title 1"/>
+          <p:cNvSpPr>
+            <a:spLocks noGrp="1"/>
+          </p:cNvSpPr>
+          <p:nvPr>
+            <p:ph type="title"/>
+          </p:nvPr>
+        </p:nvSpPr>
+        <p:spPr/>
+        <p:txBody>
+          <a:bodyPr/>
+          <a:lstStyle/>
+          <a:p>
+            <a:r>
+              <a:rPr lang="en-US" dirty="0" smtClean="0"/>
+              <a:t>Conclusion</a:t>
+            </a:r>
+            <a:endParaRPr lang="en-US" dirty="0"/>
+          </a:p>
+        </p:txBody>
+      </p:sp>
+      <p:sp>
+        <p:nvSpPr>
+          <p:cNvPr id="3" name="Content Placeholder 2"/>
+          <p:cNvSpPr>
+            <a:spLocks noGrp="1"/>
+          </p:cNvSpPr>
+          <p:nvPr>
+            <p:ph idx="1"/>
+          </p:nvPr>
+        </p:nvSpPr>
+        <p:spPr/>
+        <p:txBody>
+          <a:bodyPr>
+            <a:normAutofit lnSpcReduction="10000"/>
+          </a:bodyPr>
+          <a:lstStyle/>
+          <a:p>
+            <a:r>
+              <a:rPr lang="en-US" dirty="0" smtClean="0"/>
+              <a:t>AUC score of 0.62390 far from reliable outlier detection</a:t>
+            </a:r>
+          </a:p>
+          <a:p>
+            <a:r>
+              <a:rPr lang="en-US" dirty="0" smtClean="0"/>
+              <a:t>But still better than the 0.5 benchmark</a:t>
+            </a:r>
+          </a:p>
+          <a:p>
+            <a:r>
+              <a:rPr lang="en-US" dirty="0" smtClean="0"/>
+              <a:t>Spend more time on cleaning the data</a:t>
+            </a:r>
+          </a:p>
+          <a:p>
+            <a:endParaRPr lang="en-US" dirty="0" smtClean="0"/>
+          </a:p>
           <a:p>
             <a:pPr marL="0" indent="0">
               <a:buNone/>
             </a:pPr>
             <a:r>
               <a:rPr lang="en-US" dirty="0" smtClean="0"/>
-              <a:t>Distortion of results by junk drives through:</a:t>
-            </a:r>
-            <a:endParaRPr lang="en-US" dirty="0"/>
+              <a:t>Recommendations for future work:</a:t>
+            </a:r>
           </a:p>
           <a:p>
             <a:r>
               <a:rPr lang="en-US" dirty="0" smtClean="0"/>
-              <a:t>Influencing the model</a:t>
+              <a:t>Use cleaner dataset</a:t>
             </a:r>
           </a:p>
           <a:p>
             <a:r>
               <a:rPr lang="en-US" dirty="0" smtClean="0"/>
-              <a:t>Distorting the probabilities</a:t>
-            </a:r>
-          </a:p>
-          <a:p>
-            <a:endParaRPr lang="en-US" dirty="0"/>
-          </a:p>
-          <a:p>
-            <a:pPr>
-              <a:buFont typeface="Wingdings" charset="2"/>
-              <a:buChar char="Ø"/>
-            </a:pPr>
-            <a:r>
-              <a:rPr lang="en-US" dirty="0" smtClean="0"/>
-              <a:t>Direct </a:t>
-            </a:r>
-            <a:r>
-              <a:rPr lang="en-US" dirty="0" err="1" smtClean="0"/>
-              <a:t>influency</a:t>
-            </a:r>
-            <a:r>
-              <a:rPr lang="en-US" dirty="0" smtClean="0"/>
-              <a:t> on FPR and TPR -</a:t>
-            </a:r>
-            <a:r>
-              <a:rPr lang="en-US" smtClean="0"/>
-              <a:t>&gt; AUC</a:t>
-            </a:r>
-            <a:endParaRPr lang="en-US" dirty="0" smtClean="0"/>
+              <a:t>If possible with features already given</a:t>
+            </a:r>
           </a:p>
         </p:txBody>
       </p:sp>
@@ -4027,10 +7009,818 @@
   <p:timing>
     <p:tnLst>
       <p:par>
+        <p:cTn xmlns:p14="http://schemas.microsoft.com/office/powerpoint/2010/main" id="1" dur="indefinite" restart="never" nodeType="tmRoot">
+          <p:childTnLst>
+            <p:seq concurrent="1" nextAc="seek">
+              <p:cTn id="2" dur="indefinite" nodeType="mainSeq">
+                <p:childTnLst>
+                  <p:par>
+                    <p:cTn id="3" fill="hold">
+                      <p:stCondLst>
+                        <p:cond delay="indefinite"/>
+                      </p:stCondLst>
+                      <p:childTnLst>
+                        <p:par>
+                          <p:cTn id="4" fill="hold">
+                            <p:stCondLst>
+                              <p:cond delay="0"/>
+                            </p:stCondLst>
+                            <p:childTnLst>
+                              <p:par>
+                                <p:cTn id="5" presetID="12" presetClass="entr" presetSubtype="4" fill="hold" nodeType="clickEffect">
+                                  <p:stCondLst>
+                                    <p:cond delay="0"/>
+                                  </p:stCondLst>
+                                  <p:childTnLst>
+                                    <p:set>
+                                      <p:cBhvr>
+                                        <p:cTn id="6" dur="1" fill="hold">
+                                          <p:stCondLst>
+                                            <p:cond delay="0"/>
+                                          </p:stCondLst>
+                                        </p:cTn>
+                                        <p:tgtEl>
+                                          <p:spTgt spid="3">
+                                            <p:txEl>
+                                              <p:pRg st="1" end="1"/>
+                                            </p:txEl>
+                                          </p:spTgt>
+                                        </p:tgtEl>
+                                        <p:attrNameLst>
+                                          <p:attrName>style.visibility</p:attrName>
+                                        </p:attrNameLst>
+                                      </p:cBhvr>
+                                      <p:to>
+                                        <p:strVal val="visible"/>
+                                      </p:to>
+                                    </p:set>
+                                    <p:anim calcmode="lin" valueType="num">
+                                      <p:cBhvr additive="base">
+                                        <p:cTn id="7" dur="500"/>
+                                        <p:tgtEl>
+                                          <p:spTgt spid="3">
+                                            <p:txEl>
+                                              <p:pRg st="1" end="1"/>
+                                            </p:txEl>
+                                          </p:spTgt>
+                                        </p:tgtEl>
+                                        <p:attrNameLst>
+                                          <p:attrName>ppt_y</p:attrName>
+                                        </p:attrNameLst>
+                                      </p:cBhvr>
+                                      <p:tavLst>
+                                        <p:tav tm="0">
+                                          <p:val>
+                                            <p:strVal val="#ppt_y+#ppt_h*1.125000"/>
+                                          </p:val>
+                                        </p:tav>
+                                        <p:tav tm="100000">
+                                          <p:val>
+                                            <p:strVal val="#ppt_y"/>
+                                          </p:val>
+                                        </p:tav>
+                                      </p:tavLst>
+                                    </p:anim>
+                                    <p:animEffect transition="in" filter="wipe(up)">
+                                      <p:cBhvr>
+                                        <p:cTn id="8" dur="500"/>
+                                        <p:tgtEl>
+                                          <p:spTgt spid="3">
+                                            <p:txEl>
+                                              <p:pRg st="1" end="1"/>
+                                            </p:txEl>
+                                          </p:spTgt>
+                                        </p:tgtEl>
+                                      </p:cBhvr>
+                                    </p:animEffect>
+                                  </p:childTnLst>
+                                </p:cTn>
+                              </p:par>
+                            </p:childTnLst>
+                          </p:cTn>
+                        </p:par>
+                      </p:childTnLst>
+                    </p:cTn>
+                  </p:par>
+                  <p:par>
+                    <p:cTn id="9" fill="hold">
+                      <p:stCondLst>
+                        <p:cond delay="indefinite"/>
+                      </p:stCondLst>
+                      <p:childTnLst>
+                        <p:par>
+                          <p:cTn id="10" fill="hold">
+                            <p:stCondLst>
+                              <p:cond delay="0"/>
+                            </p:stCondLst>
+                            <p:childTnLst>
+                              <p:par>
+                                <p:cTn id="11" presetID="12" presetClass="entr" presetSubtype="4" fill="hold" nodeType="clickEffect">
+                                  <p:stCondLst>
+                                    <p:cond delay="0"/>
+                                  </p:stCondLst>
+                                  <p:childTnLst>
+                                    <p:set>
+                                      <p:cBhvr>
+                                        <p:cTn id="12" dur="1" fill="hold">
+                                          <p:stCondLst>
+                                            <p:cond delay="0"/>
+                                          </p:stCondLst>
+                                        </p:cTn>
+                                        <p:tgtEl>
+                                          <p:spTgt spid="3">
+                                            <p:txEl>
+                                              <p:pRg st="2" end="2"/>
+                                            </p:txEl>
+                                          </p:spTgt>
+                                        </p:tgtEl>
+                                        <p:attrNameLst>
+                                          <p:attrName>style.visibility</p:attrName>
+                                        </p:attrNameLst>
+                                      </p:cBhvr>
+                                      <p:to>
+                                        <p:strVal val="visible"/>
+                                      </p:to>
+                                    </p:set>
+                                    <p:anim calcmode="lin" valueType="num">
+                                      <p:cBhvr additive="base">
+                                        <p:cTn id="13" dur="500"/>
+                                        <p:tgtEl>
+                                          <p:spTgt spid="3">
+                                            <p:txEl>
+                                              <p:pRg st="2" end="2"/>
+                                            </p:txEl>
+                                          </p:spTgt>
+                                        </p:tgtEl>
+                                        <p:attrNameLst>
+                                          <p:attrName>ppt_y</p:attrName>
+                                        </p:attrNameLst>
+                                      </p:cBhvr>
+                                      <p:tavLst>
+                                        <p:tav tm="0">
+                                          <p:val>
+                                            <p:strVal val="#ppt_y+#ppt_h*1.125000"/>
+                                          </p:val>
+                                        </p:tav>
+                                        <p:tav tm="100000">
+                                          <p:val>
+                                            <p:strVal val="#ppt_y"/>
+                                          </p:val>
+                                        </p:tav>
+                                      </p:tavLst>
+                                    </p:anim>
+                                    <p:animEffect transition="in" filter="wipe(up)">
+                                      <p:cBhvr>
+                                        <p:cTn id="14" dur="500"/>
+                                        <p:tgtEl>
+                                          <p:spTgt spid="3">
+                                            <p:txEl>
+                                              <p:pRg st="2" end="2"/>
+                                            </p:txEl>
+                                          </p:spTgt>
+                                        </p:tgtEl>
+                                      </p:cBhvr>
+                                    </p:animEffect>
+                                  </p:childTnLst>
+                                </p:cTn>
+                              </p:par>
+                            </p:childTnLst>
+                          </p:cTn>
+                        </p:par>
+                      </p:childTnLst>
+                    </p:cTn>
+                  </p:par>
+                  <p:par>
+                    <p:cTn id="15" fill="hold">
+                      <p:stCondLst>
+                        <p:cond delay="indefinite"/>
+                      </p:stCondLst>
+                      <p:childTnLst>
+                        <p:par>
+                          <p:cTn id="16" fill="hold">
+                            <p:stCondLst>
+                              <p:cond delay="0"/>
+                            </p:stCondLst>
+                            <p:childTnLst>
+                              <p:par>
+                                <p:cTn id="17" presetID="12" presetClass="entr" presetSubtype="4" fill="hold" nodeType="clickEffect">
+                                  <p:stCondLst>
+                                    <p:cond delay="0"/>
+                                  </p:stCondLst>
+                                  <p:childTnLst>
+                                    <p:set>
+                                      <p:cBhvr>
+                                        <p:cTn id="18" dur="1" fill="hold">
+                                          <p:stCondLst>
+                                            <p:cond delay="0"/>
+                                          </p:stCondLst>
+                                        </p:cTn>
+                                        <p:tgtEl>
+                                          <p:spTgt spid="3">
+                                            <p:txEl>
+                                              <p:pRg st="4" end="4"/>
+                                            </p:txEl>
+                                          </p:spTgt>
+                                        </p:tgtEl>
+                                        <p:attrNameLst>
+                                          <p:attrName>style.visibility</p:attrName>
+                                        </p:attrNameLst>
+                                      </p:cBhvr>
+                                      <p:to>
+                                        <p:strVal val="visible"/>
+                                      </p:to>
+                                    </p:set>
+                                    <p:anim calcmode="lin" valueType="num">
+                                      <p:cBhvr additive="base">
+                                        <p:cTn id="19" dur="500"/>
+                                        <p:tgtEl>
+                                          <p:spTgt spid="3">
+                                            <p:txEl>
+                                              <p:pRg st="4" end="4"/>
+                                            </p:txEl>
+                                          </p:spTgt>
+                                        </p:tgtEl>
+                                        <p:attrNameLst>
+                                          <p:attrName>ppt_y</p:attrName>
+                                        </p:attrNameLst>
+                                      </p:cBhvr>
+                                      <p:tavLst>
+                                        <p:tav tm="0">
+                                          <p:val>
+                                            <p:strVal val="#ppt_y+#ppt_h*1.125000"/>
+                                          </p:val>
+                                        </p:tav>
+                                        <p:tav tm="100000">
+                                          <p:val>
+                                            <p:strVal val="#ppt_y"/>
+                                          </p:val>
+                                        </p:tav>
+                                      </p:tavLst>
+                                    </p:anim>
+                                    <p:animEffect transition="in" filter="wipe(up)">
+                                      <p:cBhvr>
+                                        <p:cTn id="20" dur="500"/>
+                                        <p:tgtEl>
+                                          <p:spTgt spid="3">
+                                            <p:txEl>
+                                              <p:pRg st="4" end="4"/>
+                                            </p:txEl>
+                                          </p:spTgt>
+                                        </p:tgtEl>
+                                      </p:cBhvr>
+                                    </p:animEffect>
+                                  </p:childTnLst>
+                                </p:cTn>
+                              </p:par>
+                            </p:childTnLst>
+                          </p:cTn>
+                        </p:par>
+                      </p:childTnLst>
+                    </p:cTn>
+                  </p:par>
+                  <p:par>
+                    <p:cTn id="21" fill="hold">
+                      <p:stCondLst>
+                        <p:cond delay="indefinite"/>
+                      </p:stCondLst>
+                      <p:childTnLst>
+                        <p:par>
+                          <p:cTn id="22" fill="hold">
+                            <p:stCondLst>
+                              <p:cond delay="0"/>
+                            </p:stCondLst>
+                            <p:childTnLst>
+                              <p:par>
+                                <p:cTn id="23" presetID="12" presetClass="entr" presetSubtype="4" fill="hold" nodeType="clickEffect">
+                                  <p:stCondLst>
+                                    <p:cond delay="0"/>
+                                  </p:stCondLst>
+                                  <p:childTnLst>
+                                    <p:set>
+                                      <p:cBhvr>
+                                        <p:cTn id="24" dur="1" fill="hold">
+                                          <p:stCondLst>
+                                            <p:cond delay="0"/>
+                                          </p:stCondLst>
+                                        </p:cTn>
+                                        <p:tgtEl>
+                                          <p:spTgt spid="3">
+                                            <p:txEl>
+                                              <p:pRg st="5" end="5"/>
+                                            </p:txEl>
+                                          </p:spTgt>
+                                        </p:tgtEl>
+                                        <p:attrNameLst>
+                                          <p:attrName>style.visibility</p:attrName>
+                                        </p:attrNameLst>
+                                      </p:cBhvr>
+                                      <p:to>
+                                        <p:strVal val="visible"/>
+                                      </p:to>
+                                    </p:set>
+                                    <p:anim calcmode="lin" valueType="num">
+                                      <p:cBhvr additive="base">
+                                        <p:cTn id="25" dur="500"/>
+                                        <p:tgtEl>
+                                          <p:spTgt spid="3">
+                                            <p:txEl>
+                                              <p:pRg st="5" end="5"/>
+                                            </p:txEl>
+                                          </p:spTgt>
+                                        </p:tgtEl>
+                                        <p:attrNameLst>
+                                          <p:attrName>ppt_y</p:attrName>
+                                        </p:attrNameLst>
+                                      </p:cBhvr>
+                                      <p:tavLst>
+                                        <p:tav tm="0">
+                                          <p:val>
+                                            <p:strVal val="#ppt_y+#ppt_h*1.125000"/>
+                                          </p:val>
+                                        </p:tav>
+                                        <p:tav tm="100000">
+                                          <p:val>
+                                            <p:strVal val="#ppt_y"/>
+                                          </p:val>
+                                        </p:tav>
+                                      </p:tavLst>
+                                    </p:anim>
+                                    <p:animEffect transition="in" filter="wipe(up)">
+                                      <p:cBhvr>
+                                        <p:cTn id="26" dur="500"/>
+                                        <p:tgtEl>
+                                          <p:spTgt spid="3">
+                                            <p:txEl>
+                                              <p:pRg st="5" end="5"/>
+                                            </p:txEl>
+                                          </p:spTgt>
+                                        </p:tgtEl>
+                                      </p:cBhvr>
+                                    </p:animEffect>
+                                  </p:childTnLst>
+                                </p:cTn>
+                              </p:par>
+                            </p:childTnLst>
+                          </p:cTn>
+                        </p:par>
+                      </p:childTnLst>
+                    </p:cTn>
+                  </p:par>
+                  <p:par>
+                    <p:cTn id="27" fill="hold">
+                      <p:stCondLst>
+                        <p:cond delay="indefinite"/>
+                      </p:stCondLst>
+                      <p:childTnLst>
+                        <p:par>
+                          <p:cTn id="28" fill="hold">
+                            <p:stCondLst>
+                              <p:cond delay="0"/>
+                            </p:stCondLst>
+                            <p:childTnLst>
+                              <p:par>
+                                <p:cTn id="29" presetID="12" presetClass="entr" presetSubtype="4" fill="hold" nodeType="clickEffect">
+                                  <p:stCondLst>
+                                    <p:cond delay="0"/>
+                                  </p:stCondLst>
+                                  <p:childTnLst>
+                                    <p:set>
+                                      <p:cBhvr>
+                                        <p:cTn id="30" dur="1" fill="hold">
+                                          <p:stCondLst>
+                                            <p:cond delay="0"/>
+                                          </p:stCondLst>
+                                        </p:cTn>
+                                        <p:tgtEl>
+                                          <p:spTgt spid="3">
+                                            <p:txEl>
+                                              <p:pRg st="6" end="6"/>
+                                            </p:txEl>
+                                          </p:spTgt>
+                                        </p:tgtEl>
+                                        <p:attrNameLst>
+                                          <p:attrName>style.visibility</p:attrName>
+                                        </p:attrNameLst>
+                                      </p:cBhvr>
+                                      <p:to>
+                                        <p:strVal val="visible"/>
+                                      </p:to>
+                                    </p:set>
+                                    <p:anim calcmode="lin" valueType="num">
+                                      <p:cBhvr additive="base">
+                                        <p:cTn id="31" dur="500"/>
+                                        <p:tgtEl>
+                                          <p:spTgt spid="3">
+                                            <p:txEl>
+                                              <p:pRg st="6" end="6"/>
+                                            </p:txEl>
+                                          </p:spTgt>
+                                        </p:tgtEl>
+                                        <p:attrNameLst>
+                                          <p:attrName>ppt_y</p:attrName>
+                                        </p:attrNameLst>
+                                      </p:cBhvr>
+                                      <p:tavLst>
+                                        <p:tav tm="0">
+                                          <p:val>
+                                            <p:strVal val="#ppt_y+#ppt_h*1.125000"/>
+                                          </p:val>
+                                        </p:tav>
+                                        <p:tav tm="100000">
+                                          <p:val>
+                                            <p:strVal val="#ppt_y"/>
+                                          </p:val>
+                                        </p:tav>
+                                      </p:tavLst>
+                                    </p:anim>
+                                    <p:animEffect transition="in" filter="wipe(up)">
+                                      <p:cBhvr>
+                                        <p:cTn id="32" dur="500"/>
+                                        <p:tgtEl>
+                                          <p:spTgt spid="3">
+                                            <p:txEl>
+                                              <p:pRg st="6" end="6"/>
+                                            </p:txEl>
+                                          </p:spTgt>
+                                        </p:tgtEl>
+                                      </p:cBhvr>
+                                    </p:animEffect>
+                                  </p:childTnLst>
+                                </p:cTn>
+                              </p:par>
+                            </p:childTnLst>
+                          </p:cTn>
+                        </p:par>
+                      </p:childTnLst>
+                    </p:cTn>
+                  </p:par>
+                </p:childTnLst>
+              </p:cTn>
+              <p:prevCondLst>
+                <p:cond evt="onPrev" delay="0">
+                  <p:tgtEl>
+                    <p:sldTgt/>
+                  </p:tgtEl>
+                </p:cond>
+              </p:prevCondLst>
+              <p:nextCondLst>
+                <p:cond evt="onNext" delay="0">
+                  <p:tgtEl>
+                    <p:sldTgt/>
+                  </p:tgtEl>
+                </p:cond>
+              </p:nextCondLst>
+            </p:seq>
+          </p:childTnLst>
+        </p:cTn>
+      </p:par>
+    </p:tnLst>
+  </p:timing>
+</p:sld>
+</file>
+
+<file path=ppt/slides/slide17.xml><?xml version="1.0" encoding="utf-8"?>
+<p:sld xmlns:a="http://schemas.openxmlformats.org/drawingml/2006/main" xmlns:r="http://schemas.openxmlformats.org/officeDocument/2006/relationships" xmlns:p="http://schemas.openxmlformats.org/presentationml/2006/main">
+  <p:cSld>
+    <p:spTree>
+      <p:nvGrpSpPr>
+        <p:cNvPr id="1" name=""/>
+        <p:cNvGrpSpPr/>
+        <p:nvPr/>
+      </p:nvGrpSpPr>
+      <p:grpSpPr>
+        <a:xfrm>
+          <a:off x="0" y="0"/>
+          <a:ext cx="0" cy="0"/>
+          <a:chOff x="0" y="0"/>
+          <a:chExt cx="0" cy="0"/>
+        </a:xfrm>
+      </p:grpSpPr>
+      <p:sp>
+        <p:nvSpPr>
+          <p:cNvPr id="2" name="Title 1"/>
+          <p:cNvSpPr>
+            <a:spLocks noGrp="1"/>
+          </p:cNvSpPr>
+          <p:nvPr>
+            <p:ph type="ctrTitle"/>
+          </p:nvPr>
+        </p:nvSpPr>
+        <p:spPr>
+          <a:xfrm>
+            <a:off x="685800" y="2466447"/>
+            <a:ext cx="7772400" cy="1470025"/>
+          </a:xfrm>
+        </p:spPr>
+        <p:txBody>
+          <a:bodyPr>
+            <a:normAutofit/>
+          </a:bodyPr>
+          <a:lstStyle/>
+          <a:p>
+            <a:r>
+              <a:rPr lang="en-US" dirty="0" smtClean="0"/>
+              <a:t>Thank you for your attention!</a:t>
+            </a:r>
+            <a:endParaRPr lang="en-US" dirty="0"/>
+          </a:p>
+        </p:txBody>
+      </p:sp>
+      <p:sp>
+        <p:nvSpPr>
+          <p:cNvPr id="3" name="Subtitle 2"/>
+          <p:cNvSpPr>
+            <a:spLocks noGrp="1"/>
+          </p:cNvSpPr>
+          <p:nvPr>
+            <p:ph type="subTitle" idx="1"/>
+          </p:nvPr>
+        </p:nvSpPr>
+        <p:spPr>
+          <a:xfrm>
+            <a:off x="1371600" y="6185636"/>
+            <a:ext cx="6400800" cy="409388"/>
+          </a:xfrm>
+        </p:spPr>
+        <p:txBody>
+          <a:bodyPr>
+            <a:normAutofit fontScale="92500"/>
+          </a:bodyPr>
+          <a:lstStyle/>
+          <a:p>
+            <a:r>
+              <a:rPr lang="de-DE" sz="1800" dirty="0" smtClean="0"/>
+              <a:t>Peter Schrott, Julian </a:t>
+            </a:r>
+            <a:r>
+              <a:rPr lang="de-DE" sz="1800" dirty="0" err="1" smtClean="0"/>
+              <a:t>Voelkel</a:t>
+            </a:r>
+            <a:r>
+              <a:rPr lang="de-DE" sz="1800" dirty="0" smtClean="0"/>
+              <a:t> | </a:t>
+            </a:r>
+            <a:r>
+              <a:rPr lang="de-DE" sz="1800" dirty="0" err="1" smtClean="0"/>
+              <a:t>Scalable</a:t>
+            </a:r>
+            <a:r>
+              <a:rPr lang="de-DE" sz="1800" dirty="0" smtClean="0"/>
+              <a:t> Data Analysis </a:t>
+            </a:r>
+            <a:r>
+              <a:rPr lang="de-DE" sz="1800" dirty="0" err="1" smtClean="0"/>
+              <a:t>and</a:t>
+            </a:r>
+            <a:r>
+              <a:rPr lang="de-DE" sz="1800" dirty="0" smtClean="0"/>
+              <a:t> Data Mining</a:t>
+            </a:r>
+          </a:p>
+          <a:p>
+            <a:endParaRPr lang="en-US" sz="1800" dirty="0"/>
+          </a:p>
+        </p:txBody>
+      </p:sp>
+      <p:pic>
+        <p:nvPicPr>
+          <p:cNvPr id="5" name="Picture 4" descr="dima-logo.png"/>
+          <p:cNvPicPr>
+            <a:picLocks noChangeAspect="1"/>
+          </p:cNvPicPr>
+          <p:nvPr/>
+        </p:nvPicPr>
+        <p:blipFill>
+          <a:blip r:embed="rId2">
+            <a:extLst>
+              <a:ext uri="{28A0092B-C50C-407E-A947-70E740481C1C}">
+                <a14:useLocalDpi xmlns:a14="http://schemas.microsoft.com/office/drawing/2010/main" val="0"/>
+              </a:ext>
+            </a:extLst>
+          </a:blip>
+          <a:stretch>
+            <a:fillRect/>
+          </a:stretch>
+        </p:blipFill>
+        <p:spPr>
+          <a:xfrm>
+            <a:off x="7622990" y="313766"/>
+            <a:ext cx="825500" cy="825500"/>
+          </a:xfrm>
+          <a:prstGeom prst="rect">
+            <a:avLst/>
+          </a:prstGeom>
+        </p:spPr>
+      </p:pic>
+      <p:pic>
+        <p:nvPicPr>
+          <p:cNvPr id="6" name="Picture 5" descr="tub_logo.png"/>
+          <p:cNvPicPr>
+            <a:picLocks noChangeAspect="1"/>
+          </p:cNvPicPr>
+          <p:nvPr/>
+        </p:nvPicPr>
+        <p:blipFill>
+          <a:blip r:embed="rId3">
+            <a:extLst>
+              <a:ext uri="{28A0092B-C50C-407E-A947-70E740481C1C}">
+                <a14:useLocalDpi xmlns:a14="http://schemas.microsoft.com/office/drawing/2010/main" val="0"/>
+              </a:ext>
+            </a:extLst>
+          </a:blip>
+          <a:stretch>
+            <a:fillRect/>
+          </a:stretch>
+        </p:blipFill>
+        <p:spPr>
+          <a:xfrm>
+            <a:off x="685800" y="373530"/>
+            <a:ext cx="1112803" cy="827367"/>
+          </a:xfrm>
+          <a:prstGeom prst="rect">
+            <a:avLst/>
+          </a:prstGeom>
+        </p:spPr>
+      </p:pic>
+    </p:spTree>
+    <p:extLst>
+      <p:ext uri="{BB962C8B-B14F-4D97-AF65-F5344CB8AC3E}">
+        <p14:creationId xmlns:p14="http://schemas.microsoft.com/office/powerpoint/2010/main" val="14930359"/>
+      </p:ext>
+    </p:extLst>
+  </p:cSld>
+  <p:clrMapOvr>
+    <a:masterClrMapping/>
+  </p:clrMapOvr>
+  <p:timing>
+    <p:tnLst>
+      <p:par>
         <p:cTn xmlns:p14="http://schemas.microsoft.com/office/powerpoint/2010/main" id="1" dur="indefinite" restart="never" nodeType="tmRoot"/>
       </p:par>
     </p:tnLst>
   </p:timing>
+</p:sld>
+</file>
+
+<file path=ppt/slides/slide18.xml><?xml version="1.0" encoding="utf-8"?>
+<p:sld xmlns:a="http://schemas.openxmlformats.org/drawingml/2006/main" xmlns:r="http://schemas.openxmlformats.org/officeDocument/2006/relationships" xmlns:p="http://schemas.openxmlformats.org/presentationml/2006/main">
+  <p:cSld>
+    <p:spTree>
+      <p:nvGrpSpPr>
+        <p:cNvPr id="1" name=""/>
+        <p:cNvGrpSpPr/>
+        <p:nvPr/>
+      </p:nvGrpSpPr>
+      <p:grpSpPr>
+        <a:xfrm>
+          <a:off x="0" y="0"/>
+          <a:ext cx="0" cy="0"/>
+          <a:chOff x="0" y="0"/>
+          <a:chExt cx="0" cy="0"/>
+        </a:xfrm>
+      </p:grpSpPr>
+      <p:sp>
+        <p:nvSpPr>
+          <p:cNvPr id="3" name="Content Placeholder 2"/>
+          <p:cNvSpPr>
+            <a:spLocks noGrp="1"/>
+          </p:cNvSpPr>
+          <p:nvPr>
+            <p:ph idx="1"/>
+          </p:nvPr>
+        </p:nvSpPr>
+        <p:spPr>
+          <a:xfrm>
+            <a:off x="457200" y="492126"/>
+            <a:ext cx="8229600" cy="5634038"/>
+          </a:xfrm>
+        </p:spPr>
+        <p:txBody>
+          <a:bodyPr/>
+          <a:lstStyle/>
+          <a:p>
+            <a:pPr marL="0" indent="0">
+              <a:buNone/>
+            </a:pPr>
+            <a:r>
+              <a:rPr lang="en-US" b="1" dirty="0" smtClean="0"/>
+              <a:t>Were you surprised by any of your findings?</a:t>
+            </a:r>
+          </a:p>
+          <a:p>
+            <a:pPr marL="0" indent="0" algn="ctr">
+              <a:buNone/>
+            </a:pPr>
+            <a:endParaRPr lang="en-US" dirty="0" smtClean="0">
+              <a:latin typeface="Times"/>
+              <a:cs typeface="Times"/>
+            </a:endParaRPr>
+          </a:p>
+          <a:p>
+            <a:pPr marL="0" indent="0" algn="ctr">
+              <a:buNone/>
+            </a:pPr>
+            <a:endParaRPr lang="en-US" dirty="0" smtClean="0">
+              <a:latin typeface="Times"/>
+              <a:cs typeface="Times"/>
+            </a:endParaRPr>
+          </a:p>
+          <a:p>
+            <a:pPr marL="0" indent="0" algn="ctr">
+              <a:buNone/>
+            </a:pPr>
+            <a:r>
+              <a:rPr lang="en-US" dirty="0" smtClean="0">
+                <a:latin typeface="Times"/>
+                <a:cs typeface="Times"/>
+              </a:rPr>
+              <a:t>I was surprised at the number of junk runs there were. Some of the drivers had 30, 40 or more junk runs!</a:t>
+            </a:r>
+          </a:p>
+          <a:p>
+            <a:pPr>
+              <a:buFontTx/>
+              <a:buChar char="-"/>
+            </a:pPr>
+            <a:r>
+              <a:rPr lang="en-US" sz="2000" dirty="0" smtClean="0">
+                <a:latin typeface="Times"/>
+                <a:cs typeface="Times"/>
+              </a:rPr>
+              <a:t>Scott </a:t>
+            </a:r>
+            <a:r>
+              <a:rPr lang="en-US" sz="2000" dirty="0" err="1" smtClean="0">
+                <a:latin typeface="Times"/>
+                <a:cs typeface="Times"/>
+              </a:rPr>
+              <a:t>Hartshorn</a:t>
+            </a:r>
+            <a:r>
+              <a:rPr lang="en-US" sz="2000" dirty="0" smtClean="0">
+                <a:latin typeface="Times"/>
+                <a:cs typeface="Times"/>
+              </a:rPr>
+              <a:t> (2</a:t>
+            </a:r>
+            <a:r>
+              <a:rPr lang="en-US" sz="2000" baseline="30000" dirty="0" smtClean="0">
+                <a:latin typeface="Times"/>
+                <a:cs typeface="Times"/>
+              </a:rPr>
+              <a:t>nd</a:t>
+            </a:r>
+            <a:r>
+              <a:rPr lang="en-US" sz="2000" dirty="0" smtClean="0">
+                <a:latin typeface="Times"/>
+                <a:cs typeface="Times"/>
+              </a:rPr>
+              <a:t> place in the AXA Driver Telematics </a:t>
+            </a:r>
+            <a:br>
+              <a:rPr lang="en-US" sz="2000" dirty="0" smtClean="0">
+                <a:latin typeface="Times"/>
+                <a:cs typeface="Times"/>
+              </a:rPr>
+            </a:br>
+            <a:r>
+              <a:rPr lang="en-US" sz="2000" dirty="0" smtClean="0">
+                <a:latin typeface="Times"/>
+                <a:cs typeface="Times"/>
+              </a:rPr>
+              <a:t>challenge on </a:t>
+            </a:r>
+            <a:r>
+              <a:rPr lang="en-US" sz="2000" dirty="0" err="1" smtClean="0">
+                <a:latin typeface="Times"/>
+                <a:cs typeface="Times"/>
+              </a:rPr>
+              <a:t>Kaggle.com</a:t>
+            </a:r>
+            <a:r>
+              <a:rPr lang="en-US" sz="2000" dirty="0" smtClean="0">
+                <a:latin typeface="Times"/>
+                <a:cs typeface="Times"/>
+              </a:rPr>
+              <a:t>)</a:t>
+            </a:r>
+            <a:endParaRPr lang="en-US" sz="2000" dirty="0">
+              <a:latin typeface="Times"/>
+              <a:cs typeface="Times"/>
+            </a:endParaRPr>
+          </a:p>
+        </p:txBody>
+      </p:sp>
+    </p:spTree>
+    <p:extLst>
+      <p:ext uri="{BB962C8B-B14F-4D97-AF65-F5344CB8AC3E}">
+        <p14:creationId xmlns:p14="http://schemas.microsoft.com/office/powerpoint/2010/main" val="1050184192"/>
+      </p:ext>
+    </p:extLst>
+  </p:cSld>
+  <p:clrMapOvr>
+    <a:masterClrMapping/>
+  </p:clrMapOvr>
 </p:sld>
 </file>
 
@@ -5695,7 +9485,7 @@
           <a:graphicData uri="http://schemas.openxmlformats.org/presentationml/2006/ole">
             <mc:AlternateContent xmlns:mc="http://schemas.openxmlformats.org/markup-compatibility/2006">
               <mc:Choice xmlns:v="urn:schemas-microsoft-com:vml" Requires="v">
-                <p:oleObj spid="_x0000_s2077" name="Equation" r:id="rId4" imgW="1625600" imgH="1130300" progId="Equation.3">
+                <p:oleObj spid="_x0000_s2095" name="Equation" r:id="rId4" imgW="1625600" imgH="1130300" progId="Equation.3">
                   <p:embed/>
                 </p:oleObj>
               </mc:Choice>
@@ -5824,7 +9614,7 @@
           <a:graphicData uri="http://schemas.openxmlformats.org/presentationml/2006/ole">
             <mc:AlternateContent xmlns:mc="http://schemas.openxmlformats.org/markup-compatibility/2006">
               <mc:Choice xmlns:v="urn:schemas-microsoft-com:vml" Requires="v">
-                <p:oleObj spid="_x0000_s2078" name="Equation" r:id="rId6" imgW="2336800" imgH="1130300" progId="Equation.3">
+                <p:oleObj spid="_x0000_s2096" name="Equation" r:id="rId6" imgW="2336800" imgH="1130300" progId="Equation.3">
                   <p:embed/>
                 </p:oleObj>
               </mc:Choice>
@@ -5993,7 +9783,7 @@
           <a:graphicData uri="http://schemas.openxmlformats.org/presentationml/2006/ole">
             <mc:AlternateContent xmlns:mc="http://schemas.openxmlformats.org/markup-compatibility/2006">
               <mc:Choice xmlns:v="urn:schemas-microsoft-com:vml" Requires="v">
-                <p:oleObj spid="_x0000_s2079" name="Equation" r:id="rId8" imgW="266700" imgH="203200" progId="Equation.3">
+                <p:oleObj spid="_x0000_s2097" name="Equation" r:id="rId8" imgW="266700" imgH="203200" progId="Equation.3">
                   <p:embed/>
                 </p:oleObj>
               </mc:Choice>
@@ -7087,7 +10877,7 @@
             <a:graphicData uri="http://schemas.openxmlformats.org/presentationml/2006/ole">
               <mc:AlternateContent xmlns:mc="http://schemas.openxmlformats.org/markup-compatibility/2006">
                 <mc:Choice xmlns:v="urn:schemas-microsoft-com:vml" Requires="v">
-                  <p:oleObj spid="_x0000_s3076" name="Equation" r:id="rId7" imgW="1981200" imgH="1397000" progId="Equation.3">
+                  <p:oleObj spid="_x0000_s3083" name="Equation" r:id="rId7" imgW="1981200" imgH="1397000" progId="Equation.3">
                     <p:embed/>
                   </p:oleObj>
                 </mc:Choice>
@@ -8181,35 +11971,640 @@
           <a:p>
             <a:r>
               <a:rPr lang="en-US" dirty="0" smtClean="0"/>
-              <a:t>Experiments</a:t>
+              <a:t>1</a:t>
+            </a:r>
+            <a:r>
+              <a:rPr lang="en-US" baseline="30000" dirty="0" smtClean="0"/>
+              <a:t>st</a:t>
+            </a:r>
+            <a:r>
+              <a:rPr lang="en-US" dirty="0" smtClean="0"/>
+              <a:t> Experiment</a:t>
             </a:r>
             <a:endParaRPr lang="en-US" dirty="0"/>
           </a:p>
         </p:txBody>
       </p:sp>
-      <p:sp>
-        <p:nvSpPr>
-          <p:cNvPr id="3" name="Content Placeholder 2"/>
-          <p:cNvSpPr>
-            <a:spLocks noGrp="1"/>
-          </p:cNvSpPr>
-          <p:nvPr>
-            <p:ph idx="1"/>
-          </p:nvPr>
-        </p:nvSpPr>
-        <p:spPr/>
-        <p:txBody>
-          <a:bodyPr/>
+      <p:pic>
+        <p:nvPicPr>
+          <p:cNvPr id="4" name="Picture 3" descr="h2o-logo.jpg"/>
+          <p:cNvPicPr>
+            <a:picLocks noChangeAspect="1"/>
+          </p:cNvPicPr>
+          <p:nvPr/>
+        </p:nvPicPr>
+        <p:blipFill>
+          <a:blip r:embed="rId3">
+            <a:extLst>
+              <a:ext uri="{28A0092B-C50C-407E-A947-70E740481C1C}">
+                <a14:useLocalDpi xmlns:a14="http://schemas.microsoft.com/office/drawing/2010/main" val="0"/>
+              </a:ext>
+            </a:extLst>
+          </a:blip>
+          <a:stretch>
+            <a:fillRect/>
+          </a:stretch>
+        </p:blipFill>
+        <p:spPr>
+          <a:xfrm>
+            <a:off x="6857999" y="1380431"/>
+            <a:ext cx="1090491" cy="1090491"/>
+          </a:xfrm>
+          <a:prstGeom prst="rect">
+            <a:avLst/>
+          </a:prstGeom>
+        </p:spPr>
+      </p:pic>
+      <p:cxnSp>
+        <p:nvCxnSpPr>
+          <p:cNvPr id="36" name="Straight Arrow Connector 35"/>
+          <p:cNvCxnSpPr/>
+          <p:nvPr/>
+        </p:nvCxnSpPr>
+        <p:spPr>
+          <a:xfrm>
+            <a:off x="5144857" y="2127250"/>
+            <a:ext cx="1078143" cy="0"/>
+          </a:xfrm>
+          <a:prstGeom prst="straightConnector1">
+            <a:avLst/>
+          </a:prstGeom>
+          <a:ln>
+            <a:solidFill>
+              <a:schemeClr val="bg1">
+                <a:lumMod val="50000"/>
+              </a:schemeClr>
+            </a:solidFill>
+            <a:tailEnd type="arrow"/>
+          </a:ln>
+        </p:spPr>
+        <p:style>
+          <a:lnRef idx="2">
+            <a:schemeClr val="accent1"/>
+          </a:lnRef>
+          <a:fillRef idx="0">
+            <a:schemeClr val="accent1"/>
+          </a:fillRef>
+          <a:effectRef idx="1">
+            <a:schemeClr val="accent1"/>
+          </a:effectRef>
+          <a:fontRef idx="minor">
+            <a:schemeClr val="tx1"/>
+          </a:fontRef>
+        </p:style>
+      </p:cxnSp>
+      <p:grpSp>
+        <p:nvGrpSpPr>
+          <p:cNvPr id="6" name="Group 5"/>
+          <p:cNvGrpSpPr/>
+          <p:nvPr/>
+        </p:nvGrpSpPr>
+        <p:grpSpPr>
+          <a:xfrm>
+            <a:off x="3380017" y="1401763"/>
+            <a:ext cx="1685465" cy="1632585"/>
+            <a:chOff x="4046767" y="4702508"/>
+            <a:chExt cx="1685465" cy="1632585"/>
+          </a:xfrm>
+        </p:grpSpPr>
+        <p:graphicFrame>
+          <p:nvGraphicFramePr>
+            <p:cNvPr id="35" name="Object 34"/>
+            <p:cNvGraphicFramePr>
+              <a:graphicFrameLocks noChangeAspect="1"/>
+            </p:cNvGraphicFramePr>
+            <p:nvPr>
+              <p:extLst>
+                <p:ext uri="{D42A27DB-BD31-4B8C-83A1-F6EECF244321}">
+                  <p14:modId xmlns:p14="http://schemas.microsoft.com/office/powerpoint/2010/main" val="3323711360"/>
+                </p:ext>
+              </p:extLst>
+            </p:nvPr>
+          </p:nvGraphicFramePr>
+          <p:xfrm>
+            <a:off x="4127500" y="4702508"/>
+            <a:ext cx="1573281" cy="1109365"/>
+          </p:xfrm>
+          <a:graphic>
+            <a:graphicData uri="http://schemas.openxmlformats.org/presentationml/2006/ole">
+              <mc:AlternateContent xmlns:mc="http://schemas.openxmlformats.org/markup-compatibility/2006">
+                <mc:Choice xmlns:v="urn:schemas-microsoft-com:vml" Requires="v">
+                  <p:oleObj spid="_x0000_s5129" name="Equation" r:id="rId4" imgW="1981200" imgH="1397000" progId="Equation.3">
+                    <p:embed/>
+                  </p:oleObj>
+                </mc:Choice>
+                <mc:Fallback>
+                  <p:oleObj name="Equation" r:id="rId4" imgW="1981200" imgH="1397000" progId="Equation.3">
+                    <p:embed/>
+                    <p:pic>
+                      <p:nvPicPr>
+                        <p:cNvPr id="0" name=""/>
+                        <p:cNvPicPr/>
+                        <p:nvPr/>
+                      </p:nvPicPr>
+                      <p:blipFill>
+                        <a:blip r:embed="rId5"/>
+                        <a:stretch>
+                          <a:fillRect/>
+                        </a:stretch>
+                      </p:blipFill>
+                      <p:spPr>
+                        <a:xfrm>
+                          <a:off x="4127500" y="4702508"/>
+                          <a:ext cx="1573281" cy="1109365"/>
+                        </a:xfrm>
+                        <a:prstGeom prst="rect">
+                          <a:avLst/>
+                        </a:prstGeom>
+                      </p:spPr>
+                    </p:pic>
+                  </p:oleObj>
+                </mc:Fallback>
+              </mc:AlternateContent>
+            </a:graphicData>
+          </a:graphic>
+        </p:graphicFrame>
+        <p:sp>
+          <p:nvSpPr>
+            <p:cNvPr id="44" name="TextBox 43"/>
+            <p:cNvSpPr txBox="1"/>
+            <p:nvPr/>
+          </p:nvSpPr>
+          <p:spPr>
+            <a:xfrm>
+              <a:off x="4046767" y="5811873"/>
+              <a:ext cx="1685465" cy="523220"/>
+            </a:xfrm>
+            <a:prstGeom prst="rect">
+              <a:avLst/>
+            </a:prstGeom>
+            <a:noFill/>
+          </p:spPr>
+          <p:txBody>
+            <a:bodyPr wrap="square" rtlCol="0">
+              <a:spAutoFit/>
+            </a:bodyPr>
+            <a:lstStyle/>
+            <a:p>
+              <a:pPr algn="ctr"/>
+              <a:r>
+                <a:rPr lang="en-US" sz="1400" dirty="0" smtClean="0">
+                  <a:latin typeface="Times"/>
+                  <a:cs typeface="Times"/>
+                </a:rPr>
+                <a:t>Sample x Dimension matrix</a:t>
+              </a:r>
+              <a:endParaRPr lang="en-US" sz="1400" dirty="0">
+                <a:latin typeface="Times"/>
+                <a:cs typeface="Times"/>
+              </a:endParaRPr>
+            </a:p>
+          </p:txBody>
+        </p:sp>
+      </p:grpSp>
+      <p:sp>
+        <p:nvSpPr>
+          <p:cNvPr id="52" name="Rectangle 51"/>
+          <p:cNvSpPr/>
+          <p:nvPr/>
+        </p:nvSpPr>
+        <p:spPr>
+          <a:xfrm>
+            <a:off x="6429375" y="1291531"/>
+            <a:ext cx="1931380" cy="1660028"/>
+          </a:xfrm>
+          <a:prstGeom prst="rect">
+            <a:avLst/>
+          </a:prstGeom>
+          <a:noFill/>
+          <a:ln>
+            <a:solidFill>
+              <a:schemeClr val="tx1"/>
+            </a:solidFill>
+          </a:ln>
+        </p:spPr>
+        <p:style>
+          <a:lnRef idx="1">
+            <a:schemeClr val="accent1"/>
+          </a:lnRef>
+          <a:fillRef idx="3">
+            <a:schemeClr val="accent1"/>
+          </a:fillRef>
+          <a:effectRef idx="2">
+            <a:schemeClr val="accent1"/>
+          </a:effectRef>
+          <a:fontRef idx="minor">
+            <a:schemeClr val="lt1"/>
+          </a:fontRef>
+        </p:style>
+        <p:txBody>
+          <a:bodyPr rtlCol="0" anchor="ctr"/>
           <a:lstStyle/>
           <a:p>
+            <a:pPr algn="ctr"/>
             <a:endParaRPr lang="en-US"/>
+          </a:p>
+        </p:txBody>
+      </p:sp>
+      <p:sp>
+        <p:nvSpPr>
+          <p:cNvPr id="53" name="TextBox 52"/>
+          <p:cNvSpPr txBox="1"/>
+          <p:nvPr/>
+        </p:nvSpPr>
+        <p:spPr>
+          <a:xfrm>
+            <a:off x="6492876" y="2500450"/>
+            <a:ext cx="2003424" cy="338554"/>
+          </a:xfrm>
+          <a:prstGeom prst="rect">
+            <a:avLst/>
+          </a:prstGeom>
+          <a:noFill/>
+        </p:spPr>
+        <p:txBody>
+          <a:bodyPr wrap="square" rtlCol="0">
+            <a:spAutoFit/>
+          </a:bodyPr>
+          <a:lstStyle/>
+          <a:p>
+            <a:r>
+              <a:rPr lang="en-US" sz="1600" dirty="0" smtClean="0">
+                <a:latin typeface="Times"/>
+                <a:cs typeface="Times"/>
+              </a:rPr>
+              <a:t>H</a:t>
+            </a:r>
+            <a:r>
+              <a:rPr lang="en-US" sz="1600" baseline="-25000" dirty="0" smtClean="0">
+                <a:latin typeface="Times"/>
+                <a:cs typeface="Times"/>
+              </a:rPr>
+              <a:t>2</a:t>
+            </a:r>
+            <a:r>
+              <a:rPr lang="en-US" sz="1600" dirty="0" smtClean="0">
+                <a:latin typeface="Times"/>
+                <a:cs typeface="Times"/>
+              </a:rPr>
+              <a:t>O.ai auto-encoder</a:t>
+            </a:r>
+            <a:endParaRPr lang="en-US" sz="1600" dirty="0">
+              <a:latin typeface="Times"/>
+              <a:cs typeface="Times"/>
+            </a:endParaRPr>
+          </a:p>
+        </p:txBody>
+      </p:sp>
+      <p:cxnSp>
+        <p:nvCxnSpPr>
+          <p:cNvPr id="55" name="Straight Arrow Connector 54"/>
+          <p:cNvCxnSpPr/>
+          <p:nvPr/>
+        </p:nvCxnSpPr>
+        <p:spPr>
+          <a:xfrm flipH="1">
+            <a:off x="5365750" y="3219450"/>
+            <a:ext cx="2047875" cy="304800"/>
+          </a:xfrm>
+          <a:prstGeom prst="straightConnector1">
+            <a:avLst/>
+          </a:prstGeom>
+          <a:ln>
+            <a:solidFill>
+              <a:schemeClr val="bg1">
+                <a:lumMod val="50000"/>
+              </a:schemeClr>
+            </a:solidFill>
+            <a:tailEnd type="arrow"/>
+          </a:ln>
+        </p:spPr>
+        <p:style>
+          <a:lnRef idx="2">
+            <a:schemeClr val="accent1"/>
+          </a:lnRef>
+          <a:fillRef idx="0">
+            <a:schemeClr val="accent1"/>
+          </a:fillRef>
+          <a:effectRef idx="1">
+            <a:schemeClr val="accent1"/>
+          </a:effectRef>
+          <a:fontRef idx="minor">
+            <a:schemeClr val="tx1"/>
+          </a:fontRef>
+        </p:style>
+      </p:cxnSp>
+      <p:sp>
+        <p:nvSpPr>
+          <p:cNvPr id="59" name="TextBox 58"/>
+          <p:cNvSpPr txBox="1"/>
+          <p:nvPr/>
+        </p:nvSpPr>
+        <p:spPr>
+          <a:xfrm>
+            <a:off x="3059329" y="3441700"/>
+            <a:ext cx="2069653" cy="1754327"/>
+          </a:xfrm>
+          <a:prstGeom prst="rect">
+            <a:avLst/>
+          </a:prstGeom>
+          <a:noFill/>
+        </p:spPr>
+        <p:txBody>
+          <a:bodyPr wrap="square" rtlCol="0">
+            <a:spAutoFit/>
+          </a:bodyPr>
+          <a:lstStyle/>
+          <a:p>
+            <a:pPr algn="ctr"/>
+            <a:r>
+              <a:rPr lang="en-US" dirty="0" smtClean="0">
+                <a:latin typeface="Times"/>
+                <a:cs typeface="Times"/>
+              </a:rPr>
+              <a:t>0.0021</a:t>
+            </a:r>
+          </a:p>
+          <a:p>
+            <a:pPr algn="ctr"/>
+            <a:r>
+              <a:rPr lang="en-US" dirty="0" smtClean="0">
+                <a:latin typeface="Times"/>
+                <a:cs typeface="Times"/>
+              </a:rPr>
+              <a:t>0.0170</a:t>
+            </a:r>
+          </a:p>
+          <a:p>
+            <a:pPr algn="ctr"/>
+            <a:r>
+              <a:rPr lang="en-US" dirty="0" smtClean="0">
+                <a:latin typeface="Times"/>
+                <a:cs typeface="Times"/>
+              </a:rPr>
+              <a:t>0.0019</a:t>
+            </a:r>
+          </a:p>
+          <a:p>
+            <a:pPr algn="ctr"/>
+            <a:r>
+              <a:rPr lang="en-US" dirty="0" smtClean="0">
+                <a:latin typeface="Times"/>
+                <a:cs typeface="Times"/>
+              </a:rPr>
+              <a:t>.</a:t>
+            </a:r>
+          </a:p>
+          <a:p>
+            <a:pPr algn="ctr"/>
+            <a:r>
+              <a:rPr lang="en-US" dirty="0" smtClean="0">
+                <a:latin typeface="Times"/>
+                <a:cs typeface="Times"/>
+              </a:rPr>
+              <a:t>.</a:t>
+            </a:r>
+          </a:p>
+          <a:p>
+            <a:pPr algn="ctr"/>
+            <a:r>
+              <a:rPr lang="en-US" sz="1600" dirty="0" smtClean="0">
+                <a:latin typeface="Times"/>
+                <a:cs typeface="Times"/>
+              </a:rPr>
+              <a:t>Confidence Scores</a:t>
+            </a:r>
+            <a:endParaRPr lang="en-US" sz="1600" dirty="0">
+              <a:latin typeface="Times"/>
+              <a:cs typeface="Times"/>
+            </a:endParaRPr>
+          </a:p>
+        </p:txBody>
+      </p:sp>
+      <p:sp>
+        <p:nvSpPr>
+          <p:cNvPr id="10" name="TextBox 9"/>
+          <p:cNvSpPr txBox="1"/>
+          <p:nvPr/>
+        </p:nvSpPr>
+        <p:spPr>
+          <a:xfrm>
+            <a:off x="285750" y="2084388"/>
+            <a:ext cx="3095625" cy="3108544"/>
+          </a:xfrm>
+          <a:prstGeom prst="rect">
+            <a:avLst/>
+          </a:prstGeom>
+          <a:noFill/>
+        </p:spPr>
+        <p:txBody>
+          <a:bodyPr wrap="square" rtlCol="0">
+            <a:spAutoFit/>
+          </a:bodyPr>
+          <a:lstStyle/>
+          <a:p>
+            <a:pPr marL="342900" indent="-342900">
+              <a:buFont typeface="Arial"/>
+              <a:buChar char="•"/>
+            </a:pPr>
+            <a:r>
+              <a:rPr lang="en-US" sz="2800" dirty="0" smtClean="0"/>
+              <a:t>One general model for all drivers</a:t>
+            </a:r>
+          </a:p>
+          <a:p>
+            <a:pPr marL="342900" indent="-342900">
+              <a:buFont typeface="Arial"/>
+              <a:buChar char="•"/>
+            </a:pPr>
+            <a:r>
+              <a:rPr lang="en-US" sz="2800" dirty="0" smtClean="0"/>
+              <a:t>Normalization of resulting confidence scores  </a:t>
+            </a:r>
+            <a:endParaRPr lang="en-US" sz="2800" dirty="0"/>
+          </a:p>
+        </p:txBody>
+      </p:sp>
+      <p:cxnSp>
+        <p:nvCxnSpPr>
+          <p:cNvPr id="38" name="Straight Arrow Connector 37"/>
+          <p:cNvCxnSpPr/>
+          <p:nvPr/>
+        </p:nvCxnSpPr>
+        <p:spPr>
+          <a:xfrm>
+            <a:off x="4669136" y="4017671"/>
+            <a:ext cx="983192" cy="490829"/>
+          </a:xfrm>
+          <a:prstGeom prst="straightConnector1">
+            <a:avLst/>
+          </a:prstGeom>
+          <a:ln>
+            <a:solidFill>
+              <a:srgbClr val="FF0000"/>
+            </a:solidFill>
+            <a:tailEnd type="arrow"/>
+          </a:ln>
+        </p:spPr>
+        <p:style>
+          <a:lnRef idx="2">
+            <a:schemeClr val="accent1"/>
+          </a:lnRef>
+          <a:fillRef idx="0">
+            <a:schemeClr val="accent1"/>
+          </a:fillRef>
+          <a:effectRef idx="1">
+            <a:schemeClr val="accent1"/>
+          </a:effectRef>
+          <a:fontRef idx="minor">
+            <a:schemeClr val="tx1"/>
+          </a:fontRef>
+        </p:style>
+      </p:cxnSp>
+      <p:pic>
+        <p:nvPicPr>
+          <p:cNvPr id="13" name="Picture 12" descr="kaggle-result-1.png"/>
+          <p:cNvPicPr>
+            <a:picLocks noChangeAspect="1"/>
+          </p:cNvPicPr>
+          <p:nvPr/>
+        </p:nvPicPr>
+        <p:blipFill>
+          <a:blip r:embed="rId6">
+            <a:alphaModFix amt="65000"/>
+            <a:extLst>
+              <a:ext uri="{28A0092B-C50C-407E-A947-70E740481C1C}">
+                <a14:useLocalDpi xmlns:a14="http://schemas.microsoft.com/office/drawing/2010/main" val="0"/>
+              </a:ext>
+            </a:extLst>
+          </a:blip>
+          <a:stretch>
+            <a:fillRect/>
+          </a:stretch>
+        </p:blipFill>
+        <p:spPr>
+          <a:xfrm>
+            <a:off x="6223000" y="4391915"/>
+            <a:ext cx="2537433" cy="801017"/>
+          </a:xfrm>
+          <a:prstGeom prst="rect">
+            <a:avLst/>
+          </a:prstGeom>
+        </p:spPr>
+      </p:pic>
+      <p:sp>
+        <p:nvSpPr>
+          <p:cNvPr id="15" name="Oval 14"/>
+          <p:cNvSpPr/>
+          <p:nvPr/>
+        </p:nvSpPr>
+        <p:spPr>
+          <a:xfrm>
+            <a:off x="5849937" y="3952887"/>
+            <a:ext cx="3127375" cy="1802968"/>
+          </a:xfrm>
+          <a:prstGeom prst="ellipse">
+            <a:avLst/>
+          </a:prstGeom>
+          <a:solidFill>
+            <a:schemeClr val="bg1">
+              <a:alpha val="0"/>
+            </a:schemeClr>
+          </a:solidFill>
+          <a:ln>
+            <a:solidFill>
+              <a:srgbClr val="FF0000"/>
+            </a:solidFill>
+          </a:ln>
+        </p:spPr>
+        <p:style>
+          <a:lnRef idx="1">
+            <a:schemeClr val="accent1"/>
+          </a:lnRef>
+          <a:fillRef idx="3">
+            <a:schemeClr val="accent1"/>
+          </a:fillRef>
+          <a:effectRef idx="2">
+            <a:schemeClr val="accent1"/>
+          </a:effectRef>
+          <a:fontRef idx="minor">
+            <a:schemeClr val="lt1"/>
+          </a:fontRef>
+        </p:style>
+        <p:txBody>
+          <a:bodyPr rtlCol="0" anchor="ctr"/>
+          <a:lstStyle/>
+          <a:p>
+            <a:pPr algn="ctr"/>
+            <a:endParaRPr lang="en-US"/>
+          </a:p>
+        </p:txBody>
+      </p:sp>
+      <p:sp>
+        <p:nvSpPr>
+          <p:cNvPr id="18" name="TextBox 17"/>
+          <p:cNvSpPr txBox="1"/>
+          <p:nvPr/>
+        </p:nvSpPr>
+        <p:spPr>
+          <a:xfrm>
+            <a:off x="6635750" y="4277739"/>
+            <a:ext cx="1555750" cy="523220"/>
+          </a:xfrm>
+          <a:prstGeom prst="rect">
+            <a:avLst/>
+          </a:prstGeom>
+          <a:noFill/>
+        </p:spPr>
+        <p:txBody>
+          <a:bodyPr wrap="square" rtlCol="0">
+            <a:spAutoFit/>
+          </a:bodyPr>
+          <a:lstStyle/>
+          <a:p>
+            <a:r>
+              <a:rPr lang="en-US" sz="2800" b="1" dirty="0" smtClean="0"/>
+              <a:t>0.53014</a:t>
+            </a:r>
+            <a:endParaRPr lang="en-US" sz="2800" b="1" dirty="0"/>
+          </a:p>
+        </p:txBody>
+      </p:sp>
+      <p:sp>
+        <p:nvSpPr>
+          <p:cNvPr id="19" name="TextBox 18"/>
+          <p:cNvSpPr txBox="1"/>
+          <p:nvPr/>
+        </p:nvSpPr>
+        <p:spPr>
+          <a:xfrm>
+            <a:off x="6445251" y="4815026"/>
+            <a:ext cx="1915504" cy="377905"/>
+          </a:xfrm>
+          <a:prstGeom prst="rect">
+            <a:avLst/>
+          </a:prstGeom>
+          <a:noFill/>
+        </p:spPr>
+        <p:txBody>
+          <a:bodyPr wrap="square" rtlCol="0">
+            <a:spAutoFit/>
+          </a:bodyPr>
+          <a:lstStyle/>
+          <a:p>
+            <a:pPr algn="ctr"/>
+            <a:r>
+              <a:rPr lang="en-US" b="1" dirty="0" smtClean="0"/>
+              <a:t>AUC value</a:t>
+            </a:r>
+            <a:endParaRPr lang="en-US" b="1" dirty="0"/>
           </a:p>
         </p:txBody>
       </p:sp>
     </p:spTree>
     <p:extLst>
       <p:ext uri="{BB962C8B-B14F-4D97-AF65-F5344CB8AC3E}">
-        <p14:creationId xmlns:p14="http://schemas.microsoft.com/office/powerpoint/2010/main" val="1015420088"/>
+        <p14:creationId xmlns:p14="http://schemas.microsoft.com/office/powerpoint/2010/main" val="1259661460"/>
       </p:ext>
     </p:extLst>
   </p:cSld>
@@ -8219,9 +12614,345 @@
   <p:timing>
     <p:tnLst>
       <p:par>
-        <p:cTn xmlns:p14="http://schemas.microsoft.com/office/powerpoint/2010/main" id="1" dur="indefinite" restart="never" nodeType="tmRoot"/>
+        <p:cTn xmlns:p14="http://schemas.microsoft.com/office/powerpoint/2010/main" id="1" dur="indefinite" restart="never" nodeType="tmRoot">
+          <p:childTnLst>
+            <p:seq concurrent="1" nextAc="seek">
+              <p:cTn id="2" dur="indefinite" nodeType="mainSeq">
+                <p:childTnLst>
+                  <p:par>
+                    <p:cTn id="3" fill="hold">
+                      <p:stCondLst>
+                        <p:cond delay="indefinite"/>
+                      </p:stCondLst>
+                      <p:childTnLst>
+                        <p:par>
+                          <p:cTn id="4" fill="hold">
+                            <p:stCondLst>
+                              <p:cond delay="0"/>
+                            </p:stCondLst>
+                            <p:childTnLst>
+                              <p:par>
+                                <p:cTn id="5" presetID="12" presetClass="entr" presetSubtype="4" fill="hold" nodeType="clickEffect">
+                                  <p:stCondLst>
+                                    <p:cond delay="0"/>
+                                  </p:stCondLst>
+                                  <p:childTnLst>
+                                    <p:set>
+                                      <p:cBhvr>
+                                        <p:cTn id="6" dur="1" fill="hold">
+                                          <p:stCondLst>
+                                            <p:cond delay="0"/>
+                                          </p:stCondLst>
+                                        </p:cTn>
+                                        <p:tgtEl>
+                                          <p:spTgt spid="38"/>
+                                        </p:tgtEl>
+                                        <p:attrNameLst>
+                                          <p:attrName>style.visibility</p:attrName>
+                                        </p:attrNameLst>
+                                      </p:cBhvr>
+                                      <p:to>
+                                        <p:strVal val="visible"/>
+                                      </p:to>
+                                    </p:set>
+                                    <p:anim calcmode="lin" valueType="num">
+                                      <p:cBhvr additive="base">
+                                        <p:cTn id="7" dur="500"/>
+                                        <p:tgtEl>
+                                          <p:spTgt spid="38"/>
+                                        </p:tgtEl>
+                                        <p:attrNameLst>
+                                          <p:attrName>ppt_y</p:attrName>
+                                        </p:attrNameLst>
+                                      </p:cBhvr>
+                                      <p:tavLst>
+                                        <p:tav tm="0">
+                                          <p:val>
+                                            <p:strVal val="#ppt_y+#ppt_h*1.125000"/>
+                                          </p:val>
+                                        </p:tav>
+                                        <p:tav tm="100000">
+                                          <p:val>
+                                            <p:strVal val="#ppt_y"/>
+                                          </p:val>
+                                        </p:tav>
+                                      </p:tavLst>
+                                    </p:anim>
+                                    <p:animEffect transition="in" filter="wipe(up)">
+                                      <p:cBhvr>
+                                        <p:cTn id="8" dur="500"/>
+                                        <p:tgtEl>
+                                          <p:spTgt spid="38"/>
+                                        </p:tgtEl>
+                                      </p:cBhvr>
+                                    </p:animEffect>
+                                  </p:childTnLst>
+                                </p:cTn>
+                              </p:par>
+                              <p:par>
+                                <p:cTn id="9" presetID="12" presetClass="entr" presetSubtype="4" fill="hold" nodeType="withEffect">
+                                  <p:stCondLst>
+                                    <p:cond delay="0"/>
+                                  </p:stCondLst>
+                                  <p:childTnLst>
+                                    <p:set>
+                                      <p:cBhvr>
+                                        <p:cTn id="10" dur="1" fill="hold">
+                                          <p:stCondLst>
+                                            <p:cond delay="0"/>
+                                          </p:stCondLst>
+                                        </p:cTn>
+                                        <p:tgtEl>
+                                          <p:spTgt spid="13"/>
+                                        </p:tgtEl>
+                                        <p:attrNameLst>
+                                          <p:attrName>style.visibility</p:attrName>
+                                        </p:attrNameLst>
+                                      </p:cBhvr>
+                                      <p:to>
+                                        <p:strVal val="visible"/>
+                                      </p:to>
+                                    </p:set>
+                                    <p:anim calcmode="lin" valueType="num">
+                                      <p:cBhvr additive="base">
+                                        <p:cTn id="11" dur="500"/>
+                                        <p:tgtEl>
+                                          <p:spTgt spid="13"/>
+                                        </p:tgtEl>
+                                        <p:attrNameLst>
+                                          <p:attrName>ppt_y</p:attrName>
+                                        </p:attrNameLst>
+                                      </p:cBhvr>
+                                      <p:tavLst>
+                                        <p:tav tm="0">
+                                          <p:val>
+                                            <p:strVal val="#ppt_y+#ppt_h*1.125000"/>
+                                          </p:val>
+                                        </p:tav>
+                                        <p:tav tm="100000">
+                                          <p:val>
+                                            <p:strVal val="#ppt_y"/>
+                                          </p:val>
+                                        </p:tav>
+                                      </p:tavLst>
+                                    </p:anim>
+                                    <p:animEffect transition="in" filter="wipe(up)">
+                                      <p:cBhvr>
+                                        <p:cTn id="12" dur="500"/>
+                                        <p:tgtEl>
+                                          <p:spTgt spid="13"/>
+                                        </p:tgtEl>
+                                      </p:cBhvr>
+                                    </p:animEffect>
+                                  </p:childTnLst>
+                                </p:cTn>
+                              </p:par>
+                              <p:par>
+                                <p:cTn id="13" presetID="12" presetClass="entr" presetSubtype="4" fill="hold" grpId="0" nodeType="withEffect">
+                                  <p:stCondLst>
+                                    <p:cond delay="0"/>
+                                  </p:stCondLst>
+                                  <p:childTnLst>
+                                    <p:set>
+                                      <p:cBhvr>
+                                        <p:cTn id="14" dur="1" fill="hold">
+                                          <p:stCondLst>
+                                            <p:cond delay="0"/>
+                                          </p:stCondLst>
+                                        </p:cTn>
+                                        <p:tgtEl>
+                                          <p:spTgt spid="15"/>
+                                        </p:tgtEl>
+                                        <p:attrNameLst>
+                                          <p:attrName>style.visibility</p:attrName>
+                                        </p:attrNameLst>
+                                      </p:cBhvr>
+                                      <p:to>
+                                        <p:strVal val="visible"/>
+                                      </p:to>
+                                    </p:set>
+                                    <p:anim calcmode="lin" valueType="num">
+                                      <p:cBhvr additive="base">
+                                        <p:cTn id="15" dur="500"/>
+                                        <p:tgtEl>
+                                          <p:spTgt spid="15"/>
+                                        </p:tgtEl>
+                                        <p:attrNameLst>
+                                          <p:attrName>ppt_y</p:attrName>
+                                        </p:attrNameLst>
+                                      </p:cBhvr>
+                                      <p:tavLst>
+                                        <p:tav tm="0">
+                                          <p:val>
+                                            <p:strVal val="#ppt_y+#ppt_h*1.125000"/>
+                                          </p:val>
+                                        </p:tav>
+                                        <p:tav tm="100000">
+                                          <p:val>
+                                            <p:strVal val="#ppt_y"/>
+                                          </p:val>
+                                        </p:tav>
+                                      </p:tavLst>
+                                    </p:anim>
+                                    <p:animEffect transition="in" filter="wipe(up)">
+                                      <p:cBhvr>
+                                        <p:cTn id="16" dur="500"/>
+                                        <p:tgtEl>
+                                          <p:spTgt spid="15"/>
+                                        </p:tgtEl>
+                                      </p:cBhvr>
+                                    </p:animEffect>
+                                  </p:childTnLst>
+                                </p:cTn>
+                              </p:par>
+                              <p:par>
+                                <p:cTn id="17" presetID="12" presetClass="entr" presetSubtype="4" fill="hold" grpId="0" nodeType="withEffect">
+                                  <p:stCondLst>
+                                    <p:cond delay="0"/>
+                                  </p:stCondLst>
+                                  <p:childTnLst>
+                                    <p:set>
+                                      <p:cBhvr>
+                                        <p:cTn id="18" dur="1" fill="hold">
+                                          <p:stCondLst>
+                                            <p:cond delay="0"/>
+                                          </p:stCondLst>
+                                        </p:cTn>
+                                        <p:tgtEl>
+                                          <p:spTgt spid="18"/>
+                                        </p:tgtEl>
+                                        <p:attrNameLst>
+                                          <p:attrName>style.visibility</p:attrName>
+                                        </p:attrNameLst>
+                                      </p:cBhvr>
+                                      <p:to>
+                                        <p:strVal val="visible"/>
+                                      </p:to>
+                                    </p:set>
+                                    <p:anim calcmode="lin" valueType="num">
+                                      <p:cBhvr additive="base">
+                                        <p:cTn id="19" dur="500"/>
+                                        <p:tgtEl>
+                                          <p:spTgt spid="18"/>
+                                        </p:tgtEl>
+                                        <p:attrNameLst>
+                                          <p:attrName>ppt_y</p:attrName>
+                                        </p:attrNameLst>
+                                      </p:cBhvr>
+                                      <p:tavLst>
+                                        <p:tav tm="0">
+                                          <p:val>
+                                            <p:strVal val="#ppt_y+#ppt_h*1.125000"/>
+                                          </p:val>
+                                        </p:tav>
+                                        <p:tav tm="100000">
+                                          <p:val>
+                                            <p:strVal val="#ppt_y"/>
+                                          </p:val>
+                                        </p:tav>
+                                      </p:tavLst>
+                                    </p:anim>
+                                    <p:animEffect transition="in" filter="wipe(up)">
+                                      <p:cBhvr>
+                                        <p:cTn id="20" dur="500"/>
+                                        <p:tgtEl>
+                                          <p:spTgt spid="18"/>
+                                        </p:tgtEl>
+                                      </p:cBhvr>
+                                    </p:animEffect>
+                                  </p:childTnLst>
+                                </p:cTn>
+                              </p:par>
+                              <p:par>
+                                <p:cTn id="21" presetID="12" presetClass="entr" presetSubtype="4" fill="hold" grpId="0" nodeType="withEffect">
+                                  <p:stCondLst>
+                                    <p:cond delay="0"/>
+                                  </p:stCondLst>
+                                  <p:childTnLst>
+                                    <p:set>
+                                      <p:cBhvr>
+                                        <p:cTn id="22" dur="1" fill="hold">
+                                          <p:stCondLst>
+                                            <p:cond delay="0"/>
+                                          </p:stCondLst>
+                                        </p:cTn>
+                                        <p:tgtEl>
+                                          <p:spTgt spid="19"/>
+                                        </p:tgtEl>
+                                        <p:attrNameLst>
+                                          <p:attrName>style.visibility</p:attrName>
+                                        </p:attrNameLst>
+                                      </p:cBhvr>
+                                      <p:to>
+                                        <p:strVal val="visible"/>
+                                      </p:to>
+                                    </p:set>
+                                    <p:anim calcmode="lin" valueType="num">
+                                      <p:cBhvr additive="base">
+                                        <p:cTn id="23" dur="500"/>
+                                        <p:tgtEl>
+                                          <p:spTgt spid="19"/>
+                                        </p:tgtEl>
+                                        <p:attrNameLst>
+                                          <p:attrName>ppt_y</p:attrName>
+                                        </p:attrNameLst>
+                                      </p:cBhvr>
+                                      <p:tavLst>
+                                        <p:tav tm="0">
+                                          <p:val>
+                                            <p:strVal val="#ppt_y+#ppt_h*1.125000"/>
+                                          </p:val>
+                                        </p:tav>
+                                        <p:tav tm="100000">
+                                          <p:val>
+                                            <p:strVal val="#ppt_y"/>
+                                          </p:val>
+                                        </p:tav>
+                                      </p:tavLst>
+                                    </p:anim>
+                                    <p:animEffect transition="in" filter="wipe(up)">
+                                      <p:cBhvr>
+                                        <p:cTn id="24" dur="500"/>
+                                        <p:tgtEl>
+                                          <p:spTgt spid="19"/>
+                                        </p:tgtEl>
+                                      </p:cBhvr>
+                                    </p:animEffect>
+                                  </p:childTnLst>
+                                </p:cTn>
+                              </p:par>
+                            </p:childTnLst>
+                          </p:cTn>
+                        </p:par>
+                      </p:childTnLst>
+                    </p:cTn>
+                  </p:par>
+                </p:childTnLst>
+              </p:cTn>
+              <p:prevCondLst>
+                <p:cond evt="onPrev" delay="0">
+                  <p:tgtEl>
+                    <p:sldTgt/>
+                  </p:tgtEl>
+                </p:cond>
+              </p:prevCondLst>
+              <p:nextCondLst>
+                <p:cond evt="onNext" delay="0">
+                  <p:tgtEl>
+                    <p:sldTgt/>
+                  </p:tgtEl>
+                </p:cond>
+              </p:nextCondLst>
+            </p:seq>
+          </p:childTnLst>
+        </p:cTn>
       </p:par>
     </p:tnLst>
+    <p:bldLst>
+      <p:bldP spid="15" grpId="0" animBg="1"/>
+      <p:bldP spid="18" grpId="0"/>
+      <p:bldP spid="19" grpId="0"/>
+    </p:bldLst>
   </p:timing>
 </p:sld>
 </file>

--- a/report/02-presentation/presentation.pptx
+++ b/report/02-presentation/presentation.pptx
@@ -209,7 +209,7 @@
           <a:p>
             <a:fld id="{0E583D0F-5092-0143-B30E-21CA42EDA099}" type="datetimeFigureOut">
               <a:rPr lang="en-US" smtClean="0"/>
-              <a:t>7/13/15</a:t>
+              <a:t>7/14/15</a:t>
             </a:fld>
             <a:endParaRPr lang="en-US"/>
           </a:p>
@@ -971,7 +971,7 @@
           <a:p>
             <a:fld id="{543DBFE0-A62E-9C4A-800D-59BFF5B4310D}" type="datetimeFigureOut">
               <a:rPr lang="en-US" smtClean="0"/>
-              <a:t>7/13/15</a:t>
+              <a:t>7/14/15</a:t>
             </a:fld>
             <a:endParaRPr lang="en-US"/>
           </a:p>
@@ -1141,7 +1141,7 @@
           <a:p>
             <a:fld id="{543DBFE0-A62E-9C4A-800D-59BFF5B4310D}" type="datetimeFigureOut">
               <a:rPr lang="en-US" smtClean="0"/>
-              <a:t>7/13/15</a:t>
+              <a:t>7/14/15</a:t>
             </a:fld>
             <a:endParaRPr lang="en-US"/>
           </a:p>
@@ -1321,7 +1321,7 @@
           <a:p>
             <a:fld id="{543DBFE0-A62E-9C4A-800D-59BFF5B4310D}" type="datetimeFigureOut">
               <a:rPr lang="en-US" smtClean="0"/>
-              <a:t>7/13/15</a:t>
+              <a:t>7/14/15</a:t>
             </a:fld>
             <a:endParaRPr lang="en-US"/>
           </a:p>
@@ -1491,7 +1491,7 @@
           <a:p>
             <a:fld id="{543DBFE0-A62E-9C4A-800D-59BFF5B4310D}" type="datetimeFigureOut">
               <a:rPr lang="en-US" smtClean="0"/>
-              <a:t>7/13/15</a:t>
+              <a:t>7/14/15</a:t>
             </a:fld>
             <a:endParaRPr lang="en-US"/>
           </a:p>
@@ -1737,7 +1737,7 @@
           <a:p>
             <a:fld id="{543DBFE0-A62E-9C4A-800D-59BFF5B4310D}" type="datetimeFigureOut">
               <a:rPr lang="en-US" smtClean="0"/>
-              <a:t>7/13/15</a:t>
+              <a:t>7/14/15</a:t>
             </a:fld>
             <a:endParaRPr lang="en-US"/>
           </a:p>
@@ -2025,7 +2025,7 @@
           <a:p>
             <a:fld id="{543DBFE0-A62E-9C4A-800D-59BFF5B4310D}" type="datetimeFigureOut">
               <a:rPr lang="en-US" smtClean="0"/>
-              <a:t>7/13/15</a:t>
+              <a:t>7/14/15</a:t>
             </a:fld>
             <a:endParaRPr lang="en-US"/>
           </a:p>
@@ -2447,7 +2447,7 @@
           <a:p>
             <a:fld id="{543DBFE0-A62E-9C4A-800D-59BFF5B4310D}" type="datetimeFigureOut">
               <a:rPr lang="en-US" smtClean="0"/>
-              <a:t>7/13/15</a:t>
+              <a:t>7/14/15</a:t>
             </a:fld>
             <a:endParaRPr lang="en-US"/>
           </a:p>
@@ -2565,7 +2565,7 @@
           <a:p>
             <a:fld id="{543DBFE0-A62E-9C4A-800D-59BFF5B4310D}" type="datetimeFigureOut">
               <a:rPr lang="en-US" smtClean="0"/>
-              <a:t>7/13/15</a:t>
+              <a:t>7/14/15</a:t>
             </a:fld>
             <a:endParaRPr lang="en-US"/>
           </a:p>
@@ -2660,7 +2660,7 @@
           <a:p>
             <a:fld id="{543DBFE0-A62E-9C4A-800D-59BFF5B4310D}" type="datetimeFigureOut">
               <a:rPr lang="en-US" smtClean="0"/>
-              <a:t>7/13/15</a:t>
+              <a:t>7/14/15</a:t>
             </a:fld>
             <a:endParaRPr lang="en-US"/>
           </a:p>
@@ -2937,7 +2937,7 @@
           <a:p>
             <a:fld id="{543DBFE0-A62E-9C4A-800D-59BFF5B4310D}" type="datetimeFigureOut">
               <a:rPr lang="en-US" smtClean="0"/>
-              <a:t>7/13/15</a:t>
+              <a:t>7/14/15</a:t>
             </a:fld>
             <a:endParaRPr lang="en-US"/>
           </a:p>
@@ -3191,7 +3191,7 @@
           <a:p>
             <a:fld id="{543DBFE0-A62E-9C4A-800D-59BFF5B4310D}" type="datetimeFigureOut">
               <a:rPr lang="en-US" smtClean="0"/>
-              <a:t>7/13/15</a:t>
+              <a:t>7/14/15</a:t>
             </a:fld>
             <a:endParaRPr lang="en-US"/>
           </a:p>
@@ -3404,7 +3404,7 @@
           <a:p>
             <a:fld id="{543DBFE0-A62E-9C4A-800D-59BFF5B4310D}" type="datetimeFigureOut">
               <a:rPr lang="en-US" smtClean="0"/>
-              <a:t>7/13/15</a:t>
+              <a:t>7/14/15</a:t>
             </a:fld>
             <a:endParaRPr lang="en-US"/>
           </a:p>
@@ -4300,7 +4300,7 @@
             <a:graphicData uri="http://schemas.openxmlformats.org/presentationml/2006/ole">
               <mc:AlternateContent xmlns:mc="http://schemas.openxmlformats.org/markup-compatibility/2006">
                 <mc:Choice xmlns:v="urn:schemas-microsoft-com:vml" Requires="v">
-                  <p:oleObj spid="_x0000_s7175" name="Equation" r:id="rId4" imgW="1981200" imgH="1397000" progId="Equation.3">
+                  <p:oleObj spid="_x0000_s7178" name="Equation" r:id="rId4" imgW="1981200" imgH="1397000" progId="Equation.3">
                     <p:embed/>
                   </p:oleObj>
                 </mc:Choice>
@@ -5758,7 +5758,7 @@
             <a:graphicData uri="http://schemas.openxmlformats.org/presentationml/2006/ole">
               <mc:AlternateContent xmlns:mc="http://schemas.openxmlformats.org/markup-compatibility/2006">
                 <mc:Choice xmlns:v="urn:schemas-microsoft-com:vml" Requires="v">
-                  <p:oleObj spid="_x0000_s8197" name="Equation" r:id="rId6" imgW="1981200" imgH="1397000" progId="Equation.3">
+                  <p:oleObj spid="_x0000_s8200" name="Equation" r:id="rId6" imgW="1981200" imgH="1397000" progId="Equation.3">
                     <p:embed/>
                   </p:oleObj>
                 </mc:Choice>
@@ -6819,7 +6819,7 @@
       </p:sp>
       <p:pic>
         <p:nvPicPr>
-          <p:cNvPr id="5" name="Picture 4" descr="kaggle-result-2.png"/>
+          <p:cNvPr id="4" name="Picture 3" descr="kaggle-result-3.png"/>
           <p:cNvPicPr>
             <a:picLocks noChangeAspect="1"/>
           </p:cNvPicPr>
@@ -6833,43 +6833,13 @@
               </a:ext>
             </a:extLst>
           </a:blip>
-          <a:srcRect t="15157" b="17629"/>
+          <a:srcRect b="26397"/>
           <a:stretch/>
         </p:blipFill>
         <p:spPr>
           <a:xfrm>
-            <a:off x="15875" y="1587500"/>
-            <a:ext cx="9144000" cy="1936750"/>
-          </a:xfrm>
-          <a:prstGeom prst="rect">
-            <a:avLst/>
-          </a:prstGeom>
-        </p:spPr>
-      </p:pic>
-      <p:pic>
-        <p:nvPicPr>
-          <p:cNvPr id="4" name="Picture 3" descr="kaggle-result-3.png"/>
-          <p:cNvPicPr>
-            <a:picLocks noChangeAspect="1"/>
-          </p:cNvPicPr>
-          <p:nvPr/>
-        </p:nvPicPr>
-        <p:blipFill>
-          <a:blip r:embed="rId3">
-            <a:extLst>
-              <a:ext uri="{28A0092B-C50C-407E-A947-70E740481C1C}">
-                <a14:useLocalDpi xmlns:a14="http://schemas.microsoft.com/office/drawing/2010/main" val="0"/>
-              </a:ext>
-            </a:extLst>
-          </a:blip>
-          <a:stretch>
-            <a:fillRect/>
-          </a:stretch>
-        </p:blipFill>
-        <p:spPr>
-          <a:xfrm>
-            <a:off x="0" y="1566674"/>
-            <a:ext cx="9144000" cy="2803903"/>
+            <a:off x="0" y="1587500"/>
+            <a:ext cx="9144000" cy="2063751"/>
           </a:xfrm>
           <a:prstGeom prst="rect">
             <a:avLst/>
@@ -7904,7 +7874,6 @@
               <a:rPr lang="en-US" dirty="0" smtClean="0"/>
               <a:t>Problem Statement</a:t>
             </a:r>
-            <a:endParaRPr lang="en-US" dirty="0" smtClean="0"/>
           </a:p>
           <a:p>
             <a:pPr marL="514350" indent="-514350">
@@ -8420,14 +8389,7 @@
                 <a:latin typeface="Times"/>
                 <a:cs typeface="Times"/>
               </a:rPr>
-              <a:t> </a:t>
-            </a:r>
-            <a:r>
-              <a:rPr lang="en-US" sz="1100" dirty="0" smtClean="0">
-                <a:latin typeface="Times"/>
-                <a:cs typeface="Times"/>
-              </a:rPr>
-              <a:t>Practical Machine Learning: A new Look at Anomaly Detection</a:t>
+              <a:t> Practical Machine Learning: A new Look at Anomaly Detection</a:t>
             </a:r>
             <a:endParaRPr lang="en-US" sz="2000" dirty="0" smtClean="0">
               <a:latin typeface="Times"/>
@@ -9485,7 +9447,7 @@
           <a:graphicData uri="http://schemas.openxmlformats.org/presentationml/2006/ole">
             <mc:AlternateContent xmlns:mc="http://schemas.openxmlformats.org/markup-compatibility/2006">
               <mc:Choice xmlns:v="urn:schemas-microsoft-com:vml" Requires="v">
-                <p:oleObj spid="_x0000_s2095" name="Equation" r:id="rId4" imgW="1625600" imgH="1130300" progId="Equation.3">
+                <p:oleObj spid="_x0000_s2102" name="Equation" r:id="rId4" imgW="1625600" imgH="1130300" progId="Equation.3">
                   <p:embed/>
                 </p:oleObj>
               </mc:Choice>
@@ -9614,7 +9576,7 @@
           <a:graphicData uri="http://schemas.openxmlformats.org/presentationml/2006/ole">
             <mc:AlternateContent xmlns:mc="http://schemas.openxmlformats.org/markup-compatibility/2006">
               <mc:Choice xmlns:v="urn:schemas-microsoft-com:vml" Requires="v">
-                <p:oleObj spid="_x0000_s2096" name="Equation" r:id="rId6" imgW="2336800" imgH="1130300" progId="Equation.3">
+                <p:oleObj spid="_x0000_s2103" name="Equation" r:id="rId6" imgW="2336800" imgH="1130300" progId="Equation.3">
                   <p:embed/>
                 </p:oleObj>
               </mc:Choice>
@@ -9783,7 +9745,7 @@
           <a:graphicData uri="http://schemas.openxmlformats.org/presentationml/2006/ole">
             <mc:AlternateContent xmlns:mc="http://schemas.openxmlformats.org/markup-compatibility/2006">
               <mc:Choice xmlns:v="urn:schemas-microsoft-com:vml" Requires="v">
-                <p:oleObj spid="_x0000_s2097" name="Equation" r:id="rId8" imgW="266700" imgH="203200" progId="Equation.3">
+                <p:oleObj spid="_x0000_s2104" name="Equation" r:id="rId8" imgW="266700" imgH="203200" progId="Equation.3">
                   <p:embed/>
                 </p:oleObj>
               </mc:Choice>
@@ -10877,7 +10839,7 @@
             <a:graphicData uri="http://schemas.openxmlformats.org/presentationml/2006/ole">
               <mc:AlternateContent xmlns:mc="http://schemas.openxmlformats.org/markup-compatibility/2006">
                 <mc:Choice xmlns:v="urn:schemas-microsoft-com:vml" Requires="v">
-                  <p:oleObj spid="_x0000_s3083" name="Equation" r:id="rId7" imgW="1981200" imgH="1397000" progId="Equation.3">
+                  <p:oleObj spid="_x0000_s3086" name="Equation" r:id="rId7" imgW="1981200" imgH="1397000" progId="Equation.3">
                     <p:embed/>
                   </p:oleObj>
                 </mc:Choice>
@@ -12089,7 +12051,7 @@
             <a:graphicData uri="http://schemas.openxmlformats.org/presentationml/2006/ole">
               <mc:AlternateContent xmlns:mc="http://schemas.openxmlformats.org/markup-compatibility/2006">
                 <mc:Choice xmlns:v="urn:schemas-microsoft-com:vml" Requires="v">
-                  <p:oleObj spid="_x0000_s5129" name="Equation" r:id="rId4" imgW="1981200" imgH="1397000" progId="Equation.3">
+                  <p:oleObj spid="_x0000_s5132" name="Equation" r:id="rId4" imgW="1981200" imgH="1397000" progId="Equation.3">
                     <p:embed/>
                   </p:oleObj>
                 </mc:Choice>

--- a/report/02-presentation/presentation.pptx
+++ b/report/02-presentation/presentation.pptx
@@ -5,7 +5,7 @@
     <p:sldMasterId id="2147483898" r:id="rId1"/>
   </p:sldMasterIdLst>
   <p:notesMasterIdLst>
-    <p:notesMasterId r:id="rId20"/>
+    <p:notesMasterId r:id="rId23"/>
   </p:notesMasterIdLst>
   <p:sldIdLst>
     <p:sldId id="256" r:id="rId2"/>
@@ -16,16 +16,19 @@
     <p:sldId id="263" r:id="rId7"/>
     <p:sldId id="266" r:id="rId8"/>
     <p:sldId id="260" r:id="rId9"/>
-    <p:sldId id="268" r:id="rId10"/>
-    <p:sldId id="270" r:id="rId11"/>
-    <p:sldId id="271" r:id="rId12"/>
-    <p:sldId id="267" r:id="rId13"/>
-    <p:sldId id="272" r:id="rId14"/>
-    <p:sldId id="273" r:id="rId15"/>
-    <p:sldId id="275" r:id="rId16"/>
-    <p:sldId id="262" r:id="rId17"/>
-    <p:sldId id="276" r:id="rId18"/>
-    <p:sldId id="274" r:id="rId19"/>
+    <p:sldId id="277" r:id="rId10"/>
+    <p:sldId id="268" r:id="rId11"/>
+    <p:sldId id="270" r:id="rId12"/>
+    <p:sldId id="271" r:id="rId13"/>
+    <p:sldId id="267" r:id="rId14"/>
+    <p:sldId id="279" r:id="rId15"/>
+    <p:sldId id="278" r:id="rId16"/>
+    <p:sldId id="272" r:id="rId17"/>
+    <p:sldId id="273" r:id="rId18"/>
+    <p:sldId id="275" r:id="rId19"/>
+    <p:sldId id="262" r:id="rId20"/>
+    <p:sldId id="276" r:id="rId21"/>
+    <p:sldId id="274" r:id="rId22"/>
   </p:sldIdLst>
   <p:sldSz cx="9144000" cy="6858000" type="screen4x3"/>
   <p:notesSz cx="6858000" cy="9144000"/>
@@ -771,7 +774,7 @@
           <a:p>
             <a:fld id="{0364FF6D-903F-CE49-9B56-90D62FD6C047}" type="slidenum">
               <a:rPr lang="en-US" smtClean="0"/>
-              <a:t>14</a:t>
+              <a:t>17</a:t>
             </a:fld>
             <a:endParaRPr lang="en-US"/>
           </a:p>
@@ -4036,157 +4039,11 @@
           <a:p>
             <a:r>
               <a:rPr lang="en-US" dirty="0" smtClean="0"/>
-              <a:t>Conclusions 1</a:t>
+              <a:t>1</a:t>
             </a:r>
             <a:r>
               <a:rPr lang="en-US" baseline="30000" dirty="0" smtClean="0"/>
               <a:t>st</a:t>
-            </a:r>
-            <a:r>
-              <a:rPr lang="en-US" dirty="0" smtClean="0"/>
-              <a:t> Experiment </a:t>
-            </a:r>
-            <a:endParaRPr lang="en-US" dirty="0"/>
-          </a:p>
-        </p:txBody>
-      </p:sp>
-      <p:sp>
-        <p:nvSpPr>
-          <p:cNvPr id="3" name="Content Placeholder 2"/>
-          <p:cNvSpPr>
-            <a:spLocks noGrp="1"/>
-          </p:cNvSpPr>
-          <p:nvPr>
-            <p:ph idx="1"/>
-          </p:nvPr>
-        </p:nvSpPr>
-        <p:spPr>
-          <a:xfrm>
-            <a:off x="457200" y="3651251"/>
-            <a:ext cx="8229600" cy="2474912"/>
-          </a:xfrm>
-        </p:spPr>
-        <p:txBody>
-          <a:bodyPr/>
-          <a:lstStyle/>
-          <a:p>
-            <a:r>
-              <a:rPr lang="en-US" dirty="0" smtClean="0"/>
-              <a:t>Generalization of model too high</a:t>
-            </a:r>
-          </a:p>
-          <a:p>
-            <a:r>
-              <a:rPr lang="en-US" dirty="0" smtClean="0"/>
-              <a:t>Wide variance between drivers</a:t>
-            </a:r>
-          </a:p>
-          <a:p>
-            <a:r>
-              <a:rPr lang="en-US" dirty="0" smtClean="0"/>
-              <a:t>Finding optimal parameters is tough</a:t>
-            </a:r>
-          </a:p>
-          <a:p>
-            <a:pPr lvl="1"/>
-            <a:r>
-              <a:rPr lang="en-US" dirty="0" smtClean="0"/>
-              <a:t>No labels, means no feedback</a:t>
-            </a:r>
-          </a:p>
-          <a:p>
-            <a:endParaRPr lang="en-US" dirty="0"/>
-          </a:p>
-        </p:txBody>
-      </p:sp>
-      <p:pic>
-        <p:nvPicPr>
-          <p:cNvPr id="4" name="Picture 3" descr="kaggle-result-1.png"/>
-          <p:cNvPicPr>
-            <a:picLocks noChangeAspect="1"/>
-          </p:cNvPicPr>
-          <p:nvPr/>
-        </p:nvPicPr>
-        <p:blipFill rotWithShape="1">
-          <a:blip r:embed="rId2">
-            <a:extLst>
-              <a:ext uri="{28A0092B-C50C-407E-A947-70E740481C1C}">
-                <a14:useLocalDpi xmlns:a14="http://schemas.microsoft.com/office/drawing/2010/main" val="0"/>
-              </a:ext>
-            </a:extLst>
-          </a:blip>
-          <a:srcRect t="17552" b="18103"/>
-          <a:stretch/>
-        </p:blipFill>
-        <p:spPr>
-          <a:xfrm>
-            <a:off x="0" y="1587500"/>
-            <a:ext cx="9144000" cy="1857375"/>
-          </a:xfrm>
-          <a:prstGeom prst="rect">
-            <a:avLst/>
-          </a:prstGeom>
-        </p:spPr>
-      </p:pic>
-    </p:spTree>
-    <p:extLst>
-      <p:ext uri="{BB962C8B-B14F-4D97-AF65-F5344CB8AC3E}">
-        <p14:creationId xmlns:p14="http://schemas.microsoft.com/office/powerpoint/2010/main" val="2030685552"/>
-      </p:ext>
-    </p:extLst>
-  </p:cSld>
-  <p:clrMapOvr>
-    <a:masterClrMapping/>
-  </p:clrMapOvr>
-  <p:timing>
-    <p:tnLst>
-      <p:par>
-        <p:cTn xmlns:p14="http://schemas.microsoft.com/office/powerpoint/2010/main" id="1" dur="indefinite" restart="never" nodeType="tmRoot"/>
-      </p:par>
-    </p:tnLst>
-  </p:timing>
-</p:sld>
-</file>
-
-<file path=ppt/slides/slide11.xml><?xml version="1.0" encoding="utf-8"?>
-<p:sld xmlns:a="http://schemas.openxmlformats.org/drawingml/2006/main" xmlns:r="http://schemas.openxmlformats.org/officeDocument/2006/relationships" xmlns:p="http://schemas.openxmlformats.org/presentationml/2006/main">
-  <p:cSld>
-    <p:spTree>
-      <p:nvGrpSpPr>
-        <p:cNvPr id="1" name=""/>
-        <p:cNvGrpSpPr/>
-        <p:nvPr/>
-      </p:nvGrpSpPr>
-      <p:grpSpPr>
-        <a:xfrm>
-          <a:off x="0" y="0"/>
-          <a:ext cx="0" cy="0"/>
-          <a:chOff x="0" y="0"/>
-          <a:chExt cx="0" cy="0"/>
-        </a:xfrm>
-      </p:grpSpPr>
-      <p:sp>
-        <p:nvSpPr>
-          <p:cNvPr id="2" name="Title 1"/>
-          <p:cNvSpPr>
-            <a:spLocks noGrp="1"/>
-          </p:cNvSpPr>
-          <p:nvPr>
-            <p:ph type="title"/>
-          </p:nvPr>
-        </p:nvSpPr>
-        <p:spPr/>
-        <p:txBody>
-          <a:bodyPr/>
-          <a:lstStyle/>
-          <a:p>
-            <a:r>
-              <a:rPr lang="en-US" dirty="0" smtClean="0"/>
-              <a:t>2</a:t>
-            </a:r>
-            <a:r>
-              <a:rPr lang="en-US" baseline="30000" dirty="0" smtClean="0"/>
-              <a:t>nd</a:t>
             </a:r>
             <a:r>
               <a:rPr lang="en-US" dirty="0" smtClean="0"/>
@@ -4287,7 +4144,7 @@
             <p:nvPr>
               <p:extLst>
                 <p:ext uri="{D42A27DB-BD31-4B8C-83A1-F6EECF244321}">
-                  <p14:modId xmlns:p14="http://schemas.microsoft.com/office/powerpoint/2010/main" val="114503770"/>
+                  <p14:modId xmlns:p14="http://schemas.microsoft.com/office/powerpoint/2010/main" val="3323711360"/>
                 </p:ext>
               </p:extLst>
             </p:nvPr>
@@ -4300,7 +4157,7 @@
             <a:graphicData uri="http://schemas.openxmlformats.org/presentationml/2006/ole">
               <mc:AlternateContent xmlns:mc="http://schemas.openxmlformats.org/markup-compatibility/2006">
                 <mc:Choice xmlns:v="urn:schemas-microsoft-com:vml" Requires="v">
-                  <p:oleObj spid="_x0000_s7178" name="Equation" r:id="rId4" imgW="1981200" imgH="1397000" progId="Equation.3">
+                  <p:oleObj spid="_x0000_s5141" name="Equation" r:id="rId4" imgW="1981200" imgH="1397000" progId="Equation.3">
                     <p:embed/>
                   </p:oleObj>
                 </mc:Choice>
@@ -4601,7 +4458,7 @@
         <p:spPr>
           <a:xfrm>
             <a:off x="285750" y="2084388"/>
-            <a:ext cx="3095625" cy="2677656"/>
+            <a:ext cx="3095625" cy="3108544"/>
           </a:xfrm>
           <a:prstGeom prst="rect">
             <a:avLst/>
@@ -4619,8 +4476,8 @@
               <a:buChar char="•"/>
             </a:pPr>
             <a:r>
-              <a:rPr lang="en-US" sz="2800" b="1" dirty="0" smtClean="0"/>
-              <a:t>One single model for each driver</a:t>
+              <a:rPr lang="en-US" sz="2800" dirty="0" smtClean="0"/>
+              <a:t>One general model for all drivers</a:t>
             </a:r>
           </a:p>
           <a:p>
@@ -4775,7 +4632,7 @@
           <a:p>
             <a:r>
               <a:rPr lang="en-US" sz="2800" b="1" dirty="0" smtClean="0"/>
-              <a:t>0.61897</a:t>
+              <a:t>0.53014</a:t>
             </a:r>
             <a:endParaRPr lang="en-US" sz="2800" b="1" dirty="0"/>
           </a:p>
@@ -4812,10 +4669,40 @@
           </a:p>
         </p:txBody>
       </p:sp>
+      <p:sp>
+        <p:nvSpPr>
+          <p:cNvPr id="20" name="TextBox 19"/>
+          <p:cNvSpPr txBox="1"/>
+          <p:nvPr/>
+        </p:nvSpPr>
+        <p:spPr>
+          <a:xfrm>
+            <a:off x="8626475" y="6339959"/>
+            <a:ext cx="301660" cy="369332"/>
+          </a:xfrm>
+          <a:prstGeom prst="rect">
+            <a:avLst/>
+          </a:prstGeom>
+          <a:noFill/>
+        </p:spPr>
+        <p:txBody>
+          <a:bodyPr wrap="none" rtlCol="0">
+            <a:spAutoFit/>
+          </a:bodyPr>
+          <a:lstStyle/>
+          <a:p>
+            <a:r>
+              <a:rPr lang="en-US" dirty="0" smtClean="0"/>
+              <a:t>9</a:t>
+            </a:r>
+            <a:endParaRPr lang="en-US" dirty="0"/>
+          </a:p>
+        </p:txBody>
+      </p:sp>
     </p:spTree>
     <p:extLst>
       <p:ext uri="{BB962C8B-B14F-4D97-AF65-F5344CB8AC3E}">
-        <p14:creationId xmlns:p14="http://schemas.microsoft.com/office/powerpoint/2010/main" val="246595241"/>
+        <p14:creationId xmlns:p14="http://schemas.microsoft.com/office/powerpoint/2010/main" val="1259661460"/>
       </p:ext>
     </p:extLst>
   </p:cSld>
@@ -4843,7 +4730,7 @@
                             </p:stCondLst>
                             <p:childTnLst>
                               <p:par>
-                                <p:cTn id="5" presetID="12" presetClass="entr" presetSubtype="4" fill="hold" nodeType="clickEffect">
+                                <p:cTn id="5" presetID="1" presetClass="entr" presetSubtype="0" fill="hold" nodeType="clickEffect">
                                   <p:stCondLst>
                                     <p:cond delay="0"/>
                                   </p:stCondLst>
@@ -4866,49 +4753,18 @@
                                         <p:strVal val="visible"/>
                                       </p:to>
                                     </p:set>
-                                    <p:anim calcmode="lin" valueType="num">
-                                      <p:cBhvr additive="base">
-                                        <p:cTn id="7" dur="500"/>
-                                        <p:tgtEl>
-                                          <p:spTgt spid="38"/>
-                                        </p:tgtEl>
-                                        <p:attrNameLst>
-                                          <p:attrName>ppt_y</p:attrName>
-                                        </p:attrNameLst>
-                                      </p:cBhvr>
-                                      <p:tavLst>
-                                        <p:tav tm="0">
-                                          <p:val>
-                                            <p:strVal val="#ppt_y+#ppt_h*1.125000"/>
-                                          </p:val>
-                                        </p:tav>
-                                        <p:tav tm="100000">
-                                          <p:val>
-                                            <p:strVal val="#ppt_y"/>
-                                          </p:val>
-                                        </p:tav>
-                                      </p:tavLst>
-                                    </p:anim>
-                                    <p:animEffect transition="in" filter="wipe(up)">
-                                      <p:cBhvr>
-                                        <p:cTn id="8" dur="500"/>
-                                        <p:tgtEl>
-                                          <p:spTgt spid="38"/>
-                                        </p:tgtEl>
-                                      </p:cBhvr>
-                                    </p:animEffect>
                                   </p:childTnLst>
                                 </p:cTn>
                               </p:par>
                               <p:par>
-                                <p:cTn id="9" presetID="12" presetClass="entr" presetSubtype="4" fill="hold" nodeType="withEffect">
+                                <p:cTn id="7" presetID="1" presetClass="entr" presetSubtype="0" fill="hold" nodeType="withEffect">
                                   <p:stCondLst>
                                     <p:cond delay="0"/>
                                   </p:stCondLst>
                                   <p:childTnLst>
                                     <p:set>
                                       <p:cBhvr>
-                                        <p:cTn id="10" dur="1" fill="hold">
+                                        <p:cTn id="8" dur="1" fill="hold">
                                           <p:stCondLst>
                                             <p:cond delay="0"/>
                                           </p:stCondLst>
@@ -4924,49 +4780,18 @@
                                         <p:strVal val="visible"/>
                                       </p:to>
                                     </p:set>
-                                    <p:anim calcmode="lin" valueType="num">
-                                      <p:cBhvr additive="base">
-                                        <p:cTn id="11" dur="500"/>
-                                        <p:tgtEl>
-                                          <p:spTgt spid="13"/>
-                                        </p:tgtEl>
-                                        <p:attrNameLst>
-                                          <p:attrName>ppt_y</p:attrName>
-                                        </p:attrNameLst>
-                                      </p:cBhvr>
-                                      <p:tavLst>
-                                        <p:tav tm="0">
-                                          <p:val>
-                                            <p:strVal val="#ppt_y+#ppt_h*1.125000"/>
-                                          </p:val>
-                                        </p:tav>
-                                        <p:tav tm="100000">
-                                          <p:val>
-                                            <p:strVal val="#ppt_y"/>
-                                          </p:val>
-                                        </p:tav>
-                                      </p:tavLst>
-                                    </p:anim>
-                                    <p:animEffect transition="in" filter="wipe(up)">
-                                      <p:cBhvr>
-                                        <p:cTn id="12" dur="500"/>
-                                        <p:tgtEl>
-                                          <p:spTgt spid="13"/>
-                                        </p:tgtEl>
-                                      </p:cBhvr>
-                                    </p:animEffect>
                                   </p:childTnLst>
                                 </p:cTn>
                               </p:par>
                               <p:par>
-                                <p:cTn id="13" presetID="12" presetClass="entr" presetSubtype="4" fill="hold" grpId="0" nodeType="withEffect">
+                                <p:cTn id="9" presetID="1" presetClass="entr" presetSubtype="0" fill="hold" grpId="0" nodeType="withEffect">
                                   <p:stCondLst>
                                     <p:cond delay="0"/>
                                   </p:stCondLst>
                                   <p:childTnLst>
                                     <p:set>
                                       <p:cBhvr>
-                                        <p:cTn id="14" dur="1" fill="hold">
+                                        <p:cTn id="10" dur="1" fill="hold">
                                           <p:stCondLst>
                                             <p:cond delay="0"/>
                                           </p:stCondLst>
@@ -4982,49 +4807,18 @@
                                         <p:strVal val="visible"/>
                                       </p:to>
                                     </p:set>
-                                    <p:anim calcmode="lin" valueType="num">
-                                      <p:cBhvr additive="base">
-                                        <p:cTn id="15" dur="500"/>
-                                        <p:tgtEl>
-                                          <p:spTgt spid="15"/>
-                                        </p:tgtEl>
-                                        <p:attrNameLst>
-                                          <p:attrName>ppt_y</p:attrName>
-                                        </p:attrNameLst>
-                                      </p:cBhvr>
-                                      <p:tavLst>
-                                        <p:tav tm="0">
-                                          <p:val>
-                                            <p:strVal val="#ppt_y+#ppt_h*1.125000"/>
-                                          </p:val>
-                                        </p:tav>
-                                        <p:tav tm="100000">
-                                          <p:val>
-                                            <p:strVal val="#ppt_y"/>
-                                          </p:val>
-                                        </p:tav>
-                                      </p:tavLst>
-                                    </p:anim>
-                                    <p:animEffect transition="in" filter="wipe(up)">
-                                      <p:cBhvr>
-                                        <p:cTn id="16" dur="500"/>
-                                        <p:tgtEl>
-                                          <p:spTgt spid="15"/>
-                                        </p:tgtEl>
-                                      </p:cBhvr>
-                                    </p:animEffect>
                                   </p:childTnLst>
                                 </p:cTn>
                               </p:par>
                               <p:par>
-                                <p:cTn id="17" presetID="12" presetClass="entr" presetSubtype="4" fill="hold" grpId="0" nodeType="withEffect">
+                                <p:cTn id="11" presetID="1" presetClass="entr" presetSubtype="0" fill="hold" grpId="0" nodeType="withEffect">
                                   <p:stCondLst>
                                     <p:cond delay="0"/>
                                   </p:stCondLst>
                                   <p:childTnLst>
                                     <p:set>
                                       <p:cBhvr>
-                                        <p:cTn id="18" dur="1" fill="hold">
+                                        <p:cTn id="12" dur="1" fill="hold">
                                           <p:stCondLst>
                                             <p:cond delay="0"/>
                                           </p:stCondLst>
@@ -5040,49 +4834,18 @@
                                         <p:strVal val="visible"/>
                                       </p:to>
                                     </p:set>
-                                    <p:anim calcmode="lin" valueType="num">
-                                      <p:cBhvr additive="base">
-                                        <p:cTn id="19" dur="500"/>
-                                        <p:tgtEl>
-                                          <p:spTgt spid="18"/>
-                                        </p:tgtEl>
-                                        <p:attrNameLst>
-                                          <p:attrName>ppt_y</p:attrName>
-                                        </p:attrNameLst>
-                                      </p:cBhvr>
-                                      <p:tavLst>
-                                        <p:tav tm="0">
-                                          <p:val>
-                                            <p:strVal val="#ppt_y+#ppt_h*1.125000"/>
-                                          </p:val>
-                                        </p:tav>
-                                        <p:tav tm="100000">
-                                          <p:val>
-                                            <p:strVal val="#ppt_y"/>
-                                          </p:val>
-                                        </p:tav>
-                                      </p:tavLst>
-                                    </p:anim>
-                                    <p:animEffect transition="in" filter="wipe(up)">
-                                      <p:cBhvr>
-                                        <p:cTn id="20" dur="500"/>
-                                        <p:tgtEl>
-                                          <p:spTgt spid="18"/>
-                                        </p:tgtEl>
-                                      </p:cBhvr>
-                                    </p:animEffect>
                                   </p:childTnLst>
                                 </p:cTn>
                               </p:par>
                               <p:par>
-                                <p:cTn id="21" presetID="12" presetClass="entr" presetSubtype="4" fill="hold" grpId="0" nodeType="withEffect">
+                                <p:cTn id="13" presetID="1" presetClass="entr" presetSubtype="0" fill="hold" grpId="0" nodeType="withEffect">
                                   <p:stCondLst>
                                     <p:cond delay="0"/>
                                   </p:stCondLst>
                                   <p:childTnLst>
                                     <p:set>
                                       <p:cBhvr>
-                                        <p:cTn id="22" dur="1" fill="hold">
+                                        <p:cTn id="14" dur="1" fill="hold">
                                           <p:stCondLst>
                                             <p:cond delay="0"/>
                                           </p:stCondLst>
@@ -5098,37 +4861,6 @@
                                         <p:strVal val="visible"/>
                                       </p:to>
                                     </p:set>
-                                    <p:anim calcmode="lin" valueType="num">
-                                      <p:cBhvr additive="base">
-                                        <p:cTn id="23" dur="500"/>
-                                        <p:tgtEl>
-                                          <p:spTgt spid="19"/>
-                                        </p:tgtEl>
-                                        <p:attrNameLst>
-                                          <p:attrName>ppt_y</p:attrName>
-                                        </p:attrNameLst>
-                                      </p:cBhvr>
-                                      <p:tavLst>
-                                        <p:tav tm="0">
-                                          <p:val>
-                                            <p:strVal val="#ppt_y+#ppt_h*1.125000"/>
-                                          </p:val>
-                                        </p:tav>
-                                        <p:tav tm="100000">
-                                          <p:val>
-                                            <p:strVal val="#ppt_y"/>
-                                          </p:val>
-                                        </p:tav>
-                                      </p:tavLst>
-                                    </p:anim>
-                                    <p:animEffect transition="in" filter="wipe(up)">
-                                      <p:cBhvr>
-                                        <p:cTn id="24" dur="500"/>
-                                        <p:tgtEl>
-                                          <p:spTgt spid="19"/>
-                                        </p:tgtEl>
-                                      </p:cBhvr>
-                                    </p:animEffect>
                                   </p:childTnLst>
                                 </p:cTn>
                               </p:par>
@@ -5168,6 +4900,182 @@
 </p:sld>
 </file>
 
+<file path=ppt/slides/slide11.xml><?xml version="1.0" encoding="utf-8"?>
+<p:sld xmlns:a="http://schemas.openxmlformats.org/drawingml/2006/main" xmlns:r="http://schemas.openxmlformats.org/officeDocument/2006/relationships" xmlns:p="http://schemas.openxmlformats.org/presentationml/2006/main">
+  <p:cSld>
+    <p:spTree>
+      <p:nvGrpSpPr>
+        <p:cNvPr id="1" name=""/>
+        <p:cNvGrpSpPr/>
+        <p:nvPr/>
+      </p:nvGrpSpPr>
+      <p:grpSpPr>
+        <a:xfrm>
+          <a:off x="0" y="0"/>
+          <a:ext cx="0" cy="0"/>
+          <a:chOff x="0" y="0"/>
+          <a:chExt cx="0" cy="0"/>
+        </a:xfrm>
+      </p:grpSpPr>
+      <p:sp>
+        <p:nvSpPr>
+          <p:cNvPr id="2" name="Title 1"/>
+          <p:cNvSpPr>
+            <a:spLocks noGrp="1"/>
+          </p:cNvSpPr>
+          <p:nvPr>
+            <p:ph type="title"/>
+          </p:nvPr>
+        </p:nvSpPr>
+        <p:spPr/>
+        <p:txBody>
+          <a:bodyPr/>
+          <a:lstStyle/>
+          <a:p>
+            <a:r>
+              <a:rPr lang="en-US" dirty="0" smtClean="0"/>
+              <a:t>Conclusions 1</a:t>
+            </a:r>
+            <a:r>
+              <a:rPr lang="en-US" baseline="30000" dirty="0" smtClean="0"/>
+              <a:t>st</a:t>
+            </a:r>
+            <a:r>
+              <a:rPr lang="en-US" dirty="0" smtClean="0"/>
+              <a:t> Experiment </a:t>
+            </a:r>
+            <a:endParaRPr lang="en-US" dirty="0"/>
+          </a:p>
+        </p:txBody>
+      </p:sp>
+      <p:sp>
+        <p:nvSpPr>
+          <p:cNvPr id="3" name="Content Placeholder 2"/>
+          <p:cNvSpPr>
+            <a:spLocks noGrp="1"/>
+          </p:cNvSpPr>
+          <p:nvPr>
+            <p:ph idx="1"/>
+          </p:nvPr>
+        </p:nvSpPr>
+        <p:spPr>
+          <a:xfrm>
+            <a:off x="457200" y="3651251"/>
+            <a:ext cx="8229600" cy="2474912"/>
+          </a:xfrm>
+        </p:spPr>
+        <p:txBody>
+          <a:bodyPr/>
+          <a:lstStyle/>
+          <a:p>
+            <a:r>
+              <a:rPr lang="en-US" dirty="0" smtClean="0"/>
+              <a:t>Generalization of model too high</a:t>
+            </a:r>
+          </a:p>
+          <a:p>
+            <a:r>
+              <a:rPr lang="en-US" dirty="0" smtClean="0"/>
+              <a:t>Wide variance between drivers</a:t>
+            </a:r>
+          </a:p>
+          <a:p>
+            <a:r>
+              <a:rPr lang="en-US" dirty="0" smtClean="0"/>
+              <a:t>Finding optimal parameters is tough</a:t>
+            </a:r>
+          </a:p>
+          <a:p>
+            <a:pPr lvl="1"/>
+            <a:r>
+              <a:rPr lang="en-US" dirty="0" smtClean="0"/>
+              <a:t>No labels, means no feedback</a:t>
+            </a:r>
+          </a:p>
+          <a:p>
+            <a:endParaRPr lang="en-US" dirty="0"/>
+          </a:p>
+        </p:txBody>
+      </p:sp>
+      <p:pic>
+        <p:nvPicPr>
+          <p:cNvPr id="4" name="Picture 3" descr="kaggle-result-1.png"/>
+          <p:cNvPicPr>
+            <a:picLocks noChangeAspect="1"/>
+          </p:cNvPicPr>
+          <p:nvPr/>
+        </p:nvPicPr>
+        <p:blipFill rotWithShape="1">
+          <a:blip r:embed="rId2">
+            <a:extLst>
+              <a:ext uri="{28A0092B-C50C-407E-A947-70E740481C1C}">
+                <a14:useLocalDpi xmlns:a14="http://schemas.microsoft.com/office/drawing/2010/main" val="0"/>
+              </a:ext>
+            </a:extLst>
+          </a:blip>
+          <a:srcRect t="17552" b="18103"/>
+          <a:stretch/>
+        </p:blipFill>
+        <p:spPr>
+          <a:xfrm>
+            <a:off x="0" y="1587500"/>
+            <a:ext cx="9144000" cy="1857375"/>
+          </a:xfrm>
+          <a:prstGeom prst="rect">
+            <a:avLst/>
+          </a:prstGeom>
+        </p:spPr>
+      </p:pic>
+      <p:sp>
+        <p:nvSpPr>
+          <p:cNvPr id="6" name="TextBox 5"/>
+          <p:cNvSpPr txBox="1"/>
+          <p:nvPr/>
+        </p:nvSpPr>
+        <p:spPr>
+          <a:xfrm>
+            <a:off x="8626475" y="6339959"/>
+            <a:ext cx="418654" cy="369332"/>
+          </a:xfrm>
+          <a:prstGeom prst="rect">
+            <a:avLst/>
+          </a:prstGeom>
+          <a:noFill/>
+        </p:spPr>
+        <p:txBody>
+          <a:bodyPr wrap="none" rtlCol="0">
+            <a:spAutoFit/>
+          </a:bodyPr>
+          <a:lstStyle/>
+          <a:p>
+            <a:r>
+              <a:rPr lang="en-US" dirty="0" smtClean="0"/>
+              <a:t>10</a:t>
+            </a:r>
+            <a:endParaRPr lang="en-US" dirty="0"/>
+          </a:p>
+        </p:txBody>
+      </p:sp>
+    </p:spTree>
+    <p:extLst>
+      <p:ext uri="{BB962C8B-B14F-4D97-AF65-F5344CB8AC3E}">
+        <p14:creationId xmlns:p14="http://schemas.microsoft.com/office/powerpoint/2010/main" val="2030685552"/>
+      </p:ext>
+    </p:extLst>
+  </p:cSld>
+  <p:clrMapOvr>
+    <a:masterClrMapping/>
+  </p:clrMapOvr>
+  <p:timing>
+    <p:tnLst>
+      <p:par>
+        <p:cTn xmlns:p14="http://schemas.microsoft.com/office/powerpoint/2010/main" id="1" dur="indefinite" restart="never" nodeType="tmRoot"/>
+      </p:par>
+    </p:tnLst>
+  </p:timing>
+</p:sld>
+</file>
+
 <file path=ppt/slides/slide12.xml><?xml version="1.0" encoding="utf-8"?>
 <p:sld xmlns:a="http://schemas.openxmlformats.org/drawingml/2006/main" xmlns:r="http://schemas.openxmlformats.org/officeDocument/2006/relationships" xmlns:p="http://schemas.openxmlformats.org/presentationml/2006/main">
   <p:cSld>
@@ -5202,7 +5110,1071 @@
           <a:p>
             <a:r>
               <a:rPr lang="en-US" dirty="0" smtClean="0"/>
-              <a:t>Qualitative Evaluation</a:t>
+              <a:t>2</a:t>
+            </a:r>
+            <a:r>
+              <a:rPr lang="en-US" baseline="30000" dirty="0" smtClean="0"/>
+              <a:t>nd</a:t>
+            </a:r>
+            <a:r>
+              <a:rPr lang="en-US" dirty="0" smtClean="0"/>
+              <a:t> Experiment</a:t>
+            </a:r>
+            <a:endParaRPr lang="en-US" dirty="0"/>
+          </a:p>
+        </p:txBody>
+      </p:sp>
+      <p:pic>
+        <p:nvPicPr>
+          <p:cNvPr id="4" name="Picture 3" descr="h2o-logo.jpg"/>
+          <p:cNvPicPr>
+            <a:picLocks noChangeAspect="1"/>
+          </p:cNvPicPr>
+          <p:nvPr/>
+        </p:nvPicPr>
+        <p:blipFill>
+          <a:blip r:embed="rId3">
+            <a:extLst>
+              <a:ext uri="{28A0092B-C50C-407E-A947-70E740481C1C}">
+                <a14:useLocalDpi xmlns:a14="http://schemas.microsoft.com/office/drawing/2010/main" val="0"/>
+              </a:ext>
+            </a:extLst>
+          </a:blip>
+          <a:stretch>
+            <a:fillRect/>
+          </a:stretch>
+        </p:blipFill>
+        <p:spPr>
+          <a:xfrm>
+            <a:off x="6857999" y="1380431"/>
+            <a:ext cx="1090491" cy="1090491"/>
+          </a:xfrm>
+          <a:prstGeom prst="rect">
+            <a:avLst/>
+          </a:prstGeom>
+        </p:spPr>
+      </p:pic>
+      <p:cxnSp>
+        <p:nvCxnSpPr>
+          <p:cNvPr id="36" name="Straight Arrow Connector 35"/>
+          <p:cNvCxnSpPr/>
+          <p:nvPr/>
+        </p:nvCxnSpPr>
+        <p:spPr>
+          <a:xfrm>
+            <a:off x="5144857" y="2127250"/>
+            <a:ext cx="1078143" cy="0"/>
+          </a:xfrm>
+          <a:prstGeom prst="straightConnector1">
+            <a:avLst/>
+          </a:prstGeom>
+          <a:ln>
+            <a:solidFill>
+              <a:schemeClr val="bg1">
+                <a:lumMod val="50000"/>
+              </a:schemeClr>
+            </a:solidFill>
+            <a:tailEnd type="arrow"/>
+          </a:ln>
+        </p:spPr>
+        <p:style>
+          <a:lnRef idx="2">
+            <a:schemeClr val="accent1"/>
+          </a:lnRef>
+          <a:fillRef idx="0">
+            <a:schemeClr val="accent1"/>
+          </a:fillRef>
+          <a:effectRef idx="1">
+            <a:schemeClr val="accent1"/>
+          </a:effectRef>
+          <a:fontRef idx="minor">
+            <a:schemeClr val="tx1"/>
+          </a:fontRef>
+        </p:style>
+      </p:cxnSp>
+      <p:grpSp>
+        <p:nvGrpSpPr>
+          <p:cNvPr id="6" name="Group 5"/>
+          <p:cNvGrpSpPr/>
+          <p:nvPr/>
+        </p:nvGrpSpPr>
+        <p:grpSpPr>
+          <a:xfrm>
+            <a:off x="3380017" y="1401763"/>
+            <a:ext cx="1685465" cy="1632585"/>
+            <a:chOff x="4046767" y="4702508"/>
+            <a:chExt cx="1685465" cy="1632585"/>
+          </a:xfrm>
+        </p:grpSpPr>
+        <p:graphicFrame>
+          <p:nvGraphicFramePr>
+            <p:cNvPr id="35" name="Object 34"/>
+            <p:cNvGraphicFramePr>
+              <a:graphicFrameLocks noChangeAspect="1"/>
+            </p:cNvGraphicFramePr>
+            <p:nvPr>
+              <p:extLst>
+                <p:ext uri="{D42A27DB-BD31-4B8C-83A1-F6EECF244321}">
+                  <p14:modId xmlns:p14="http://schemas.microsoft.com/office/powerpoint/2010/main" val="114503770"/>
+                </p:ext>
+              </p:extLst>
+            </p:nvPr>
+          </p:nvGraphicFramePr>
+          <p:xfrm>
+            <a:off x="4127500" y="4702508"/>
+            <a:ext cx="1573281" cy="1109365"/>
+          </p:xfrm>
+          <a:graphic>
+            <a:graphicData uri="http://schemas.openxmlformats.org/presentationml/2006/ole">
+              <mc:AlternateContent xmlns:mc="http://schemas.openxmlformats.org/markup-compatibility/2006">
+                <mc:Choice xmlns:v="urn:schemas-microsoft-com:vml" Requires="v">
+                  <p:oleObj spid="_x0000_s7186" name="Equation" r:id="rId4" imgW="1981200" imgH="1397000" progId="Equation.3">
+                    <p:embed/>
+                  </p:oleObj>
+                </mc:Choice>
+                <mc:Fallback>
+                  <p:oleObj name="Equation" r:id="rId4" imgW="1981200" imgH="1397000" progId="Equation.3">
+                    <p:embed/>
+                    <p:pic>
+                      <p:nvPicPr>
+                        <p:cNvPr id="0" name=""/>
+                        <p:cNvPicPr/>
+                        <p:nvPr/>
+                      </p:nvPicPr>
+                      <p:blipFill>
+                        <a:blip r:embed="rId5"/>
+                        <a:stretch>
+                          <a:fillRect/>
+                        </a:stretch>
+                      </p:blipFill>
+                      <p:spPr>
+                        <a:xfrm>
+                          <a:off x="4127500" y="4702508"/>
+                          <a:ext cx="1573281" cy="1109365"/>
+                        </a:xfrm>
+                        <a:prstGeom prst="rect">
+                          <a:avLst/>
+                        </a:prstGeom>
+                      </p:spPr>
+                    </p:pic>
+                  </p:oleObj>
+                </mc:Fallback>
+              </mc:AlternateContent>
+            </a:graphicData>
+          </a:graphic>
+        </p:graphicFrame>
+        <p:sp>
+          <p:nvSpPr>
+            <p:cNvPr id="44" name="TextBox 43"/>
+            <p:cNvSpPr txBox="1"/>
+            <p:nvPr/>
+          </p:nvSpPr>
+          <p:spPr>
+            <a:xfrm>
+              <a:off x="4046767" y="5811873"/>
+              <a:ext cx="1685465" cy="523220"/>
+            </a:xfrm>
+            <a:prstGeom prst="rect">
+              <a:avLst/>
+            </a:prstGeom>
+            <a:noFill/>
+          </p:spPr>
+          <p:txBody>
+            <a:bodyPr wrap="square" rtlCol="0">
+              <a:spAutoFit/>
+            </a:bodyPr>
+            <a:lstStyle/>
+            <a:p>
+              <a:pPr algn="ctr"/>
+              <a:r>
+                <a:rPr lang="en-US" sz="1400" dirty="0" smtClean="0">
+                  <a:latin typeface="Times"/>
+                  <a:cs typeface="Times"/>
+                </a:rPr>
+                <a:t>Sample x Dimension matrix</a:t>
+              </a:r>
+              <a:endParaRPr lang="en-US" sz="1400" dirty="0">
+                <a:latin typeface="Times"/>
+                <a:cs typeface="Times"/>
+              </a:endParaRPr>
+            </a:p>
+          </p:txBody>
+        </p:sp>
+      </p:grpSp>
+      <p:sp>
+        <p:nvSpPr>
+          <p:cNvPr id="52" name="Rectangle 51"/>
+          <p:cNvSpPr/>
+          <p:nvPr/>
+        </p:nvSpPr>
+        <p:spPr>
+          <a:xfrm>
+            <a:off x="6429375" y="1291531"/>
+            <a:ext cx="1931380" cy="1660028"/>
+          </a:xfrm>
+          <a:prstGeom prst="rect">
+            <a:avLst/>
+          </a:prstGeom>
+          <a:noFill/>
+          <a:ln>
+            <a:solidFill>
+              <a:schemeClr val="tx1"/>
+            </a:solidFill>
+          </a:ln>
+        </p:spPr>
+        <p:style>
+          <a:lnRef idx="1">
+            <a:schemeClr val="accent1"/>
+          </a:lnRef>
+          <a:fillRef idx="3">
+            <a:schemeClr val="accent1"/>
+          </a:fillRef>
+          <a:effectRef idx="2">
+            <a:schemeClr val="accent1"/>
+          </a:effectRef>
+          <a:fontRef idx="minor">
+            <a:schemeClr val="lt1"/>
+          </a:fontRef>
+        </p:style>
+        <p:txBody>
+          <a:bodyPr rtlCol="0" anchor="ctr"/>
+          <a:lstStyle/>
+          <a:p>
+            <a:pPr algn="ctr"/>
+            <a:endParaRPr lang="en-US"/>
+          </a:p>
+        </p:txBody>
+      </p:sp>
+      <p:sp>
+        <p:nvSpPr>
+          <p:cNvPr id="53" name="TextBox 52"/>
+          <p:cNvSpPr txBox="1"/>
+          <p:nvPr/>
+        </p:nvSpPr>
+        <p:spPr>
+          <a:xfrm>
+            <a:off x="6492876" y="2500450"/>
+            <a:ext cx="2003424" cy="338554"/>
+          </a:xfrm>
+          <a:prstGeom prst="rect">
+            <a:avLst/>
+          </a:prstGeom>
+          <a:noFill/>
+        </p:spPr>
+        <p:txBody>
+          <a:bodyPr wrap="square" rtlCol="0">
+            <a:spAutoFit/>
+          </a:bodyPr>
+          <a:lstStyle/>
+          <a:p>
+            <a:r>
+              <a:rPr lang="en-US" sz="1600" dirty="0" smtClean="0">
+                <a:latin typeface="Times"/>
+                <a:cs typeface="Times"/>
+              </a:rPr>
+              <a:t>H</a:t>
+            </a:r>
+            <a:r>
+              <a:rPr lang="en-US" sz="1600" baseline="-25000" dirty="0" smtClean="0">
+                <a:latin typeface="Times"/>
+                <a:cs typeface="Times"/>
+              </a:rPr>
+              <a:t>2</a:t>
+            </a:r>
+            <a:r>
+              <a:rPr lang="en-US" sz="1600" dirty="0" smtClean="0">
+                <a:latin typeface="Times"/>
+                <a:cs typeface="Times"/>
+              </a:rPr>
+              <a:t>O.ai auto-encoder</a:t>
+            </a:r>
+            <a:endParaRPr lang="en-US" sz="1600" dirty="0">
+              <a:latin typeface="Times"/>
+              <a:cs typeface="Times"/>
+            </a:endParaRPr>
+          </a:p>
+        </p:txBody>
+      </p:sp>
+      <p:cxnSp>
+        <p:nvCxnSpPr>
+          <p:cNvPr id="55" name="Straight Arrow Connector 54"/>
+          <p:cNvCxnSpPr/>
+          <p:nvPr/>
+        </p:nvCxnSpPr>
+        <p:spPr>
+          <a:xfrm flipH="1">
+            <a:off x="5365750" y="3219450"/>
+            <a:ext cx="2047875" cy="304800"/>
+          </a:xfrm>
+          <a:prstGeom prst="straightConnector1">
+            <a:avLst/>
+          </a:prstGeom>
+          <a:ln>
+            <a:solidFill>
+              <a:schemeClr val="bg1">
+                <a:lumMod val="50000"/>
+              </a:schemeClr>
+            </a:solidFill>
+            <a:tailEnd type="arrow"/>
+          </a:ln>
+        </p:spPr>
+        <p:style>
+          <a:lnRef idx="2">
+            <a:schemeClr val="accent1"/>
+          </a:lnRef>
+          <a:fillRef idx="0">
+            <a:schemeClr val="accent1"/>
+          </a:fillRef>
+          <a:effectRef idx="1">
+            <a:schemeClr val="accent1"/>
+          </a:effectRef>
+          <a:fontRef idx="minor">
+            <a:schemeClr val="tx1"/>
+          </a:fontRef>
+        </p:style>
+      </p:cxnSp>
+      <p:sp>
+        <p:nvSpPr>
+          <p:cNvPr id="59" name="TextBox 58"/>
+          <p:cNvSpPr txBox="1"/>
+          <p:nvPr/>
+        </p:nvSpPr>
+        <p:spPr>
+          <a:xfrm>
+            <a:off x="3059329" y="3441700"/>
+            <a:ext cx="2069653" cy="1754327"/>
+          </a:xfrm>
+          <a:prstGeom prst="rect">
+            <a:avLst/>
+          </a:prstGeom>
+          <a:noFill/>
+        </p:spPr>
+        <p:txBody>
+          <a:bodyPr wrap="square" rtlCol="0">
+            <a:spAutoFit/>
+          </a:bodyPr>
+          <a:lstStyle/>
+          <a:p>
+            <a:pPr algn="ctr"/>
+            <a:r>
+              <a:rPr lang="en-US" dirty="0" smtClean="0">
+                <a:latin typeface="Times"/>
+                <a:cs typeface="Times"/>
+              </a:rPr>
+              <a:t>0.0021</a:t>
+            </a:r>
+          </a:p>
+          <a:p>
+            <a:pPr algn="ctr"/>
+            <a:r>
+              <a:rPr lang="en-US" dirty="0" smtClean="0">
+                <a:latin typeface="Times"/>
+                <a:cs typeface="Times"/>
+              </a:rPr>
+              <a:t>0.0170</a:t>
+            </a:r>
+          </a:p>
+          <a:p>
+            <a:pPr algn="ctr"/>
+            <a:r>
+              <a:rPr lang="en-US" dirty="0" smtClean="0">
+                <a:latin typeface="Times"/>
+                <a:cs typeface="Times"/>
+              </a:rPr>
+              <a:t>0.0019</a:t>
+            </a:r>
+          </a:p>
+          <a:p>
+            <a:pPr algn="ctr"/>
+            <a:r>
+              <a:rPr lang="en-US" dirty="0" smtClean="0">
+                <a:latin typeface="Times"/>
+                <a:cs typeface="Times"/>
+              </a:rPr>
+              <a:t>.</a:t>
+            </a:r>
+          </a:p>
+          <a:p>
+            <a:pPr algn="ctr"/>
+            <a:r>
+              <a:rPr lang="en-US" dirty="0" smtClean="0">
+                <a:latin typeface="Times"/>
+                <a:cs typeface="Times"/>
+              </a:rPr>
+              <a:t>.</a:t>
+            </a:r>
+          </a:p>
+          <a:p>
+            <a:pPr algn="ctr"/>
+            <a:r>
+              <a:rPr lang="en-US" sz="1600" dirty="0" smtClean="0">
+                <a:latin typeface="Times"/>
+                <a:cs typeface="Times"/>
+              </a:rPr>
+              <a:t>Confidence Scores</a:t>
+            </a:r>
+            <a:endParaRPr lang="en-US" sz="1600" dirty="0">
+              <a:latin typeface="Times"/>
+              <a:cs typeface="Times"/>
+            </a:endParaRPr>
+          </a:p>
+        </p:txBody>
+      </p:sp>
+      <p:sp>
+        <p:nvSpPr>
+          <p:cNvPr id="10" name="TextBox 9"/>
+          <p:cNvSpPr txBox="1"/>
+          <p:nvPr/>
+        </p:nvSpPr>
+        <p:spPr>
+          <a:xfrm>
+            <a:off x="285750" y="2084388"/>
+            <a:ext cx="3095625" cy="2677656"/>
+          </a:xfrm>
+          <a:prstGeom prst="rect">
+            <a:avLst/>
+          </a:prstGeom>
+          <a:noFill/>
+        </p:spPr>
+        <p:txBody>
+          <a:bodyPr wrap="square" rtlCol="0">
+            <a:spAutoFit/>
+          </a:bodyPr>
+          <a:lstStyle/>
+          <a:p>
+            <a:pPr marL="342900" indent="-342900">
+              <a:buFont typeface="Arial"/>
+              <a:buChar char="•"/>
+            </a:pPr>
+            <a:r>
+              <a:rPr lang="en-US" sz="2800" b="1" dirty="0" smtClean="0"/>
+              <a:t>One single model for each driver</a:t>
+            </a:r>
+          </a:p>
+          <a:p>
+            <a:pPr marL="342900" indent="-342900">
+              <a:buFont typeface="Arial"/>
+              <a:buChar char="•"/>
+            </a:pPr>
+            <a:r>
+              <a:rPr lang="en-US" sz="2800" dirty="0" smtClean="0"/>
+              <a:t>Normalization of resulting confidence scores  </a:t>
+            </a:r>
+            <a:endParaRPr lang="en-US" sz="2800" dirty="0"/>
+          </a:p>
+        </p:txBody>
+      </p:sp>
+      <p:cxnSp>
+        <p:nvCxnSpPr>
+          <p:cNvPr id="38" name="Straight Arrow Connector 37"/>
+          <p:cNvCxnSpPr/>
+          <p:nvPr/>
+        </p:nvCxnSpPr>
+        <p:spPr>
+          <a:xfrm>
+            <a:off x="4669136" y="4017671"/>
+            <a:ext cx="983192" cy="490829"/>
+          </a:xfrm>
+          <a:prstGeom prst="straightConnector1">
+            <a:avLst/>
+          </a:prstGeom>
+          <a:ln>
+            <a:solidFill>
+              <a:srgbClr val="FF0000"/>
+            </a:solidFill>
+            <a:tailEnd type="arrow"/>
+          </a:ln>
+        </p:spPr>
+        <p:style>
+          <a:lnRef idx="2">
+            <a:schemeClr val="accent1"/>
+          </a:lnRef>
+          <a:fillRef idx="0">
+            <a:schemeClr val="accent1"/>
+          </a:fillRef>
+          <a:effectRef idx="1">
+            <a:schemeClr val="accent1"/>
+          </a:effectRef>
+          <a:fontRef idx="minor">
+            <a:schemeClr val="tx1"/>
+          </a:fontRef>
+        </p:style>
+      </p:cxnSp>
+      <p:pic>
+        <p:nvPicPr>
+          <p:cNvPr id="13" name="Picture 12" descr="kaggle-result-1.png"/>
+          <p:cNvPicPr>
+            <a:picLocks noChangeAspect="1"/>
+          </p:cNvPicPr>
+          <p:nvPr/>
+        </p:nvPicPr>
+        <p:blipFill>
+          <a:blip r:embed="rId6">
+            <a:alphaModFix amt="65000"/>
+            <a:extLst>
+              <a:ext uri="{28A0092B-C50C-407E-A947-70E740481C1C}">
+                <a14:useLocalDpi xmlns:a14="http://schemas.microsoft.com/office/drawing/2010/main" val="0"/>
+              </a:ext>
+            </a:extLst>
+          </a:blip>
+          <a:stretch>
+            <a:fillRect/>
+          </a:stretch>
+        </p:blipFill>
+        <p:spPr>
+          <a:xfrm>
+            <a:off x="6223000" y="4391915"/>
+            <a:ext cx="2537433" cy="801017"/>
+          </a:xfrm>
+          <a:prstGeom prst="rect">
+            <a:avLst/>
+          </a:prstGeom>
+        </p:spPr>
+      </p:pic>
+      <p:sp>
+        <p:nvSpPr>
+          <p:cNvPr id="15" name="Oval 14"/>
+          <p:cNvSpPr/>
+          <p:nvPr/>
+        </p:nvSpPr>
+        <p:spPr>
+          <a:xfrm>
+            <a:off x="5849937" y="3952887"/>
+            <a:ext cx="3127375" cy="1802968"/>
+          </a:xfrm>
+          <a:prstGeom prst="ellipse">
+            <a:avLst/>
+          </a:prstGeom>
+          <a:solidFill>
+            <a:schemeClr val="bg1">
+              <a:alpha val="0"/>
+            </a:schemeClr>
+          </a:solidFill>
+          <a:ln>
+            <a:solidFill>
+              <a:srgbClr val="FF0000"/>
+            </a:solidFill>
+          </a:ln>
+        </p:spPr>
+        <p:style>
+          <a:lnRef idx="1">
+            <a:schemeClr val="accent1"/>
+          </a:lnRef>
+          <a:fillRef idx="3">
+            <a:schemeClr val="accent1"/>
+          </a:fillRef>
+          <a:effectRef idx="2">
+            <a:schemeClr val="accent1"/>
+          </a:effectRef>
+          <a:fontRef idx="minor">
+            <a:schemeClr val="lt1"/>
+          </a:fontRef>
+        </p:style>
+        <p:txBody>
+          <a:bodyPr rtlCol="0" anchor="ctr"/>
+          <a:lstStyle/>
+          <a:p>
+            <a:pPr algn="ctr"/>
+            <a:endParaRPr lang="en-US"/>
+          </a:p>
+        </p:txBody>
+      </p:sp>
+      <p:sp>
+        <p:nvSpPr>
+          <p:cNvPr id="18" name="TextBox 17"/>
+          <p:cNvSpPr txBox="1"/>
+          <p:nvPr/>
+        </p:nvSpPr>
+        <p:spPr>
+          <a:xfrm>
+            <a:off x="6635750" y="4277739"/>
+            <a:ext cx="1555750" cy="523220"/>
+          </a:xfrm>
+          <a:prstGeom prst="rect">
+            <a:avLst/>
+          </a:prstGeom>
+          <a:noFill/>
+        </p:spPr>
+        <p:txBody>
+          <a:bodyPr wrap="square" rtlCol="0">
+            <a:spAutoFit/>
+          </a:bodyPr>
+          <a:lstStyle/>
+          <a:p>
+            <a:r>
+              <a:rPr lang="en-US" sz="2800" b="1" dirty="0" smtClean="0"/>
+              <a:t>0.61897</a:t>
+            </a:r>
+            <a:endParaRPr lang="en-US" sz="2800" b="1" dirty="0"/>
+          </a:p>
+        </p:txBody>
+      </p:sp>
+      <p:sp>
+        <p:nvSpPr>
+          <p:cNvPr id="19" name="TextBox 18"/>
+          <p:cNvSpPr txBox="1"/>
+          <p:nvPr/>
+        </p:nvSpPr>
+        <p:spPr>
+          <a:xfrm>
+            <a:off x="6445251" y="4815026"/>
+            <a:ext cx="1915504" cy="377905"/>
+          </a:xfrm>
+          <a:prstGeom prst="rect">
+            <a:avLst/>
+          </a:prstGeom>
+          <a:noFill/>
+        </p:spPr>
+        <p:txBody>
+          <a:bodyPr wrap="square" rtlCol="0">
+            <a:spAutoFit/>
+          </a:bodyPr>
+          <a:lstStyle/>
+          <a:p>
+            <a:pPr algn="ctr"/>
+            <a:r>
+              <a:rPr lang="en-US" b="1" dirty="0" smtClean="0"/>
+              <a:t>AUC value</a:t>
+            </a:r>
+            <a:endParaRPr lang="en-US" b="1" dirty="0"/>
+          </a:p>
+        </p:txBody>
+      </p:sp>
+      <p:sp>
+        <p:nvSpPr>
+          <p:cNvPr id="20" name="TextBox 19"/>
+          <p:cNvSpPr txBox="1"/>
+          <p:nvPr/>
+        </p:nvSpPr>
+        <p:spPr>
+          <a:xfrm>
+            <a:off x="8626475" y="6339959"/>
+            <a:ext cx="418654" cy="369332"/>
+          </a:xfrm>
+          <a:prstGeom prst="rect">
+            <a:avLst/>
+          </a:prstGeom>
+          <a:noFill/>
+        </p:spPr>
+        <p:txBody>
+          <a:bodyPr wrap="none" rtlCol="0">
+            <a:spAutoFit/>
+          </a:bodyPr>
+          <a:lstStyle/>
+          <a:p>
+            <a:r>
+              <a:rPr lang="en-US" dirty="0" smtClean="0"/>
+              <a:t>11</a:t>
+            </a:r>
+            <a:endParaRPr lang="en-US" dirty="0"/>
+          </a:p>
+        </p:txBody>
+      </p:sp>
+    </p:spTree>
+    <p:extLst>
+      <p:ext uri="{BB962C8B-B14F-4D97-AF65-F5344CB8AC3E}">
+        <p14:creationId xmlns:p14="http://schemas.microsoft.com/office/powerpoint/2010/main" val="246595241"/>
+      </p:ext>
+    </p:extLst>
+  </p:cSld>
+  <p:clrMapOvr>
+    <a:masterClrMapping/>
+  </p:clrMapOvr>
+  <p:timing>
+    <p:tnLst>
+      <p:par>
+        <p:cTn xmlns:p14="http://schemas.microsoft.com/office/powerpoint/2010/main" id="1" dur="indefinite" restart="never" nodeType="tmRoot">
+          <p:childTnLst>
+            <p:seq concurrent="1" nextAc="seek">
+              <p:cTn id="2" dur="indefinite" nodeType="mainSeq">
+                <p:childTnLst>
+                  <p:par>
+                    <p:cTn id="3" fill="hold">
+                      <p:stCondLst>
+                        <p:cond delay="indefinite"/>
+                      </p:stCondLst>
+                      <p:childTnLst>
+                        <p:par>
+                          <p:cTn id="4" fill="hold">
+                            <p:stCondLst>
+                              <p:cond delay="0"/>
+                            </p:stCondLst>
+                            <p:childTnLst>
+                              <p:par>
+                                <p:cTn id="5" presetID="1" presetClass="entr" presetSubtype="0" fill="hold" nodeType="clickEffect">
+                                  <p:stCondLst>
+                                    <p:cond delay="0"/>
+                                  </p:stCondLst>
+                                  <p:childTnLst>
+                                    <p:set>
+                                      <p:cBhvr>
+                                        <p:cTn id="6" dur="1" fill="hold">
+                                          <p:stCondLst>
+                                            <p:cond delay="0"/>
+                                          </p:stCondLst>
+                                        </p:cTn>
+                                        <p:tgtEl>
+                                          <p:spTgt spid="38"/>
+                                        </p:tgtEl>
+                                        <p:attrNameLst>
+                                          <p:attrName>style.visibility</p:attrName>
+                                        </p:attrNameLst>
+                                      </p:cBhvr>
+                                      <p:to>
+                                        <p:strVal val="visible"/>
+                                      </p:to>
+                                    </p:set>
+                                  </p:childTnLst>
+                                </p:cTn>
+                              </p:par>
+                              <p:par>
+                                <p:cTn id="7" presetID="1" presetClass="entr" presetSubtype="0" fill="hold" nodeType="withEffect">
+                                  <p:stCondLst>
+                                    <p:cond delay="0"/>
+                                  </p:stCondLst>
+                                  <p:childTnLst>
+                                    <p:set>
+                                      <p:cBhvr>
+                                        <p:cTn id="8" dur="1" fill="hold">
+                                          <p:stCondLst>
+                                            <p:cond delay="0"/>
+                                          </p:stCondLst>
+                                        </p:cTn>
+                                        <p:tgtEl>
+                                          <p:spTgt spid="13"/>
+                                        </p:tgtEl>
+                                        <p:attrNameLst>
+                                          <p:attrName>style.visibility</p:attrName>
+                                        </p:attrNameLst>
+                                      </p:cBhvr>
+                                      <p:to>
+                                        <p:strVal val="visible"/>
+                                      </p:to>
+                                    </p:set>
+                                  </p:childTnLst>
+                                </p:cTn>
+                              </p:par>
+                              <p:par>
+                                <p:cTn id="9" presetID="1" presetClass="entr" presetSubtype="0" fill="hold" grpId="0" nodeType="withEffect">
+                                  <p:stCondLst>
+                                    <p:cond delay="0"/>
+                                  </p:stCondLst>
+                                  <p:childTnLst>
+                                    <p:set>
+                                      <p:cBhvr>
+                                        <p:cTn id="10" dur="1" fill="hold">
+                                          <p:stCondLst>
+                                            <p:cond delay="0"/>
+                                          </p:stCondLst>
+                                        </p:cTn>
+                                        <p:tgtEl>
+                                          <p:spTgt spid="15"/>
+                                        </p:tgtEl>
+                                        <p:attrNameLst>
+                                          <p:attrName>style.visibility</p:attrName>
+                                        </p:attrNameLst>
+                                      </p:cBhvr>
+                                      <p:to>
+                                        <p:strVal val="visible"/>
+                                      </p:to>
+                                    </p:set>
+                                  </p:childTnLst>
+                                </p:cTn>
+                              </p:par>
+                              <p:par>
+                                <p:cTn id="11" presetID="1" presetClass="entr" presetSubtype="0" fill="hold" grpId="0" nodeType="withEffect">
+                                  <p:stCondLst>
+                                    <p:cond delay="0"/>
+                                  </p:stCondLst>
+                                  <p:childTnLst>
+                                    <p:set>
+                                      <p:cBhvr>
+                                        <p:cTn id="12" dur="1" fill="hold">
+                                          <p:stCondLst>
+                                            <p:cond delay="0"/>
+                                          </p:stCondLst>
+                                        </p:cTn>
+                                        <p:tgtEl>
+                                          <p:spTgt spid="18"/>
+                                        </p:tgtEl>
+                                        <p:attrNameLst>
+                                          <p:attrName>style.visibility</p:attrName>
+                                        </p:attrNameLst>
+                                      </p:cBhvr>
+                                      <p:to>
+                                        <p:strVal val="visible"/>
+                                      </p:to>
+                                    </p:set>
+                                  </p:childTnLst>
+                                </p:cTn>
+                              </p:par>
+                              <p:par>
+                                <p:cTn id="13" presetID="1" presetClass="entr" presetSubtype="0" fill="hold" grpId="0" nodeType="withEffect">
+                                  <p:stCondLst>
+                                    <p:cond delay="0"/>
+                                  </p:stCondLst>
+                                  <p:childTnLst>
+                                    <p:set>
+                                      <p:cBhvr>
+                                        <p:cTn id="14" dur="1" fill="hold">
+                                          <p:stCondLst>
+                                            <p:cond delay="0"/>
+                                          </p:stCondLst>
+                                        </p:cTn>
+                                        <p:tgtEl>
+                                          <p:spTgt spid="19"/>
+                                        </p:tgtEl>
+                                        <p:attrNameLst>
+                                          <p:attrName>style.visibility</p:attrName>
+                                        </p:attrNameLst>
+                                      </p:cBhvr>
+                                      <p:to>
+                                        <p:strVal val="visible"/>
+                                      </p:to>
+                                    </p:set>
+                                  </p:childTnLst>
+                                </p:cTn>
+                              </p:par>
+                            </p:childTnLst>
+                          </p:cTn>
+                        </p:par>
+                      </p:childTnLst>
+                    </p:cTn>
+                  </p:par>
+                </p:childTnLst>
+              </p:cTn>
+              <p:prevCondLst>
+                <p:cond evt="onPrev" delay="0">
+                  <p:tgtEl>
+                    <p:sldTgt/>
+                  </p:tgtEl>
+                </p:cond>
+              </p:prevCondLst>
+              <p:nextCondLst>
+                <p:cond evt="onNext" delay="0">
+                  <p:tgtEl>
+                    <p:sldTgt/>
+                  </p:tgtEl>
+                </p:cond>
+              </p:nextCondLst>
+            </p:seq>
+          </p:childTnLst>
+        </p:cTn>
+      </p:par>
+    </p:tnLst>
+    <p:bldLst>
+      <p:bldP spid="15" grpId="0" animBg="1"/>
+      <p:bldP spid="18" grpId="0"/>
+      <p:bldP spid="19" grpId="0"/>
+    </p:bldLst>
+  </p:timing>
+</p:sld>
+</file>
+
+<file path=ppt/slides/slide13.xml><?xml version="1.0" encoding="utf-8"?>
+<p:sld xmlns:a="http://schemas.openxmlformats.org/drawingml/2006/main" xmlns:r="http://schemas.openxmlformats.org/officeDocument/2006/relationships" xmlns:p="http://schemas.openxmlformats.org/presentationml/2006/main">
+  <p:cSld>
+    <p:spTree>
+      <p:nvGrpSpPr>
+        <p:cNvPr id="1" name=""/>
+        <p:cNvGrpSpPr/>
+        <p:nvPr/>
+      </p:nvGrpSpPr>
+      <p:grpSpPr>
+        <a:xfrm>
+          <a:off x="0" y="0"/>
+          <a:ext cx="0" cy="0"/>
+          <a:chOff x="0" y="0"/>
+          <a:chExt cx="0" cy="0"/>
+        </a:xfrm>
+      </p:grpSpPr>
+      <p:sp>
+        <p:nvSpPr>
+          <p:cNvPr id="2" name="Title 1"/>
+          <p:cNvSpPr>
+            <a:spLocks noGrp="1"/>
+          </p:cNvSpPr>
+          <p:nvPr>
+            <p:ph type="title"/>
+          </p:nvPr>
+        </p:nvSpPr>
+        <p:spPr/>
+        <p:txBody>
+          <a:bodyPr/>
+          <a:lstStyle/>
+          <a:p>
+            <a:r>
+              <a:rPr lang="en-US" dirty="0" smtClean="0"/>
+              <a:t>Visual Exploration</a:t>
+            </a:r>
+            <a:endParaRPr lang="en-US" dirty="0"/>
+          </a:p>
+        </p:txBody>
+      </p:sp>
+      <p:sp>
+        <p:nvSpPr>
+          <p:cNvPr id="12" name="TextBox 11"/>
+          <p:cNvSpPr txBox="1"/>
+          <p:nvPr/>
+        </p:nvSpPr>
+        <p:spPr>
+          <a:xfrm>
+            <a:off x="8626475" y="6339959"/>
+            <a:ext cx="418654" cy="369332"/>
+          </a:xfrm>
+          <a:prstGeom prst="rect">
+            <a:avLst/>
+          </a:prstGeom>
+          <a:noFill/>
+        </p:spPr>
+        <p:txBody>
+          <a:bodyPr wrap="none" rtlCol="0">
+            <a:spAutoFit/>
+          </a:bodyPr>
+          <a:lstStyle/>
+          <a:p>
+            <a:r>
+              <a:rPr lang="en-US" dirty="0" smtClean="0"/>
+              <a:t>12</a:t>
+            </a:r>
+            <a:endParaRPr lang="en-US" dirty="0"/>
+          </a:p>
+        </p:txBody>
+      </p:sp>
+      <p:sp>
+        <p:nvSpPr>
+          <p:cNvPr id="13" name="Content Placeholder 2"/>
+          <p:cNvSpPr>
+            <a:spLocks noGrp="1"/>
+          </p:cNvSpPr>
+          <p:nvPr>
+            <p:ph idx="1"/>
+          </p:nvPr>
+        </p:nvSpPr>
+        <p:spPr>
+          <a:xfrm>
+            <a:off x="457200" y="1762126"/>
+            <a:ext cx="8229600" cy="2474912"/>
+          </a:xfrm>
+        </p:spPr>
+        <p:txBody>
+          <a:bodyPr/>
+          <a:lstStyle/>
+          <a:p>
+            <a:r>
+              <a:rPr lang="en-US" dirty="0" smtClean="0"/>
+              <a:t>Find 15 trips with highes</a:t>
+            </a:r>
+            <a:r>
+              <a:rPr lang="en-US" dirty="0" smtClean="0"/>
+              <a:t>t reconstruction error</a:t>
+            </a:r>
+          </a:p>
+          <a:p>
+            <a:r>
+              <a:rPr lang="en-US" dirty="0" smtClean="0"/>
+              <a:t>Visualize trips with </a:t>
+            </a:r>
+            <a:r>
+              <a:rPr lang="en-US" dirty="0" err="1" smtClean="0"/>
+              <a:t>matplot</a:t>
+            </a:r>
+            <a:r>
+              <a:rPr lang="en-US" dirty="0" smtClean="0"/>
+              <a:t>-lib</a:t>
+            </a:r>
+            <a:endParaRPr lang="en-US" dirty="0" smtClean="0"/>
+          </a:p>
+          <a:p>
+            <a:endParaRPr lang="en-US" dirty="0"/>
+          </a:p>
+        </p:txBody>
+      </p:sp>
+    </p:spTree>
+    <p:extLst>
+      <p:ext uri="{BB962C8B-B14F-4D97-AF65-F5344CB8AC3E}">
+        <p14:creationId xmlns:p14="http://schemas.microsoft.com/office/powerpoint/2010/main" val="2294131094"/>
+      </p:ext>
+    </p:extLst>
+  </p:cSld>
+  <p:clrMapOvr>
+    <a:masterClrMapping/>
+  </p:clrMapOvr>
+  <p:timing>
+    <p:tnLst>
+      <p:par>
+        <p:cTn xmlns:p14="http://schemas.microsoft.com/office/powerpoint/2010/main" id="1" dur="indefinite" restart="never" nodeType="tmRoot"/>
+      </p:par>
+    </p:tnLst>
+  </p:timing>
+</p:sld>
+</file>
+
+<file path=ppt/slides/slide14.xml><?xml version="1.0" encoding="utf-8"?>
+<p:sld xmlns:a="http://schemas.openxmlformats.org/drawingml/2006/main" xmlns:r="http://schemas.openxmlformats.org/officeDocument/2006/relationships" xmlns:p="http://schemas.openxmlformats.org/presentationml/2006/main">
+  <p:cSld>
+    <p:spTree>
+      <p:nvGrpSpPr>
+        <p:cNvPr id="1" name=""/>
+        <p:cNvGrpSpPr/>
+        <p:nvPr/>
+      </p:nvGrpSpPr>
+      <p:grpSpPr>
+        <a:xfrm>
+          <a:off x="0" y="0"/>
+          <a:ext cx="0" cy="0"/>
+          <a:chOff x="0" y="0"/>
+          <a:chExt cx="0" cy="0"/>
+        </a:xfrm>
+      </p:grpSpPr>
+      <p:sp>
+        <p:nvSpPr>
+          <p:cNvPr id="2" name="Title 1"/>
+          <p:cNvSpPr>
+            <a:spLocks noGrp="1"/>
+          </p:cNvSpPr>
+          <p:nvPr>
+            <p:ph type="title"/>
+          </p:nvPr>
+        </p:nvSpPr>
+        <p:spPr/>
+        <p:txBody>
+          <a:bodyPr/>
+          <a:lstStyle/>
+          <a:p>
+            <a:r>
+              <a:rPr lang="en-US" dirty="0" smtClean="0"/>
+              <a:t>Visual Exploration</a:t>
+            </a:r>
+            <a:endParaRPr lang="en-US" dirty="0"/>
+          </a:p>
+        </p:txBody>
+      </p:sp>
+      <p:sp>
+        <p:nvSpPr>
+          <p:cNvPr id="12" name="TextBox 11"/>
+          <p:cNvSpPr txBox="1"/>
+          <p:nvPr/>
+        </p:nvSpPr>
+        <p:spPr>
+          <a:xfrm>
+            <a:off x="8626475" y="6339959"/>
+            <a:ext cx="418654" cy="369332"/>
+          </a:xfrm>
+          <a:prstGeom prst="rect">
+            <a:avLst/>
+          </a:prstGeom>
+          <a:noFill/>
+        </p:spPr>
+        <p:txBody>
+          <a:bodyPr wrap="none" rtlCol="0">
+            <a:spAutoFit/>
+          </a:bodyPr>
+          <a:lstStyle/>
+          <a:p>
+            <a:r>
+              <a:rPr lang="en-US" dirty="0" smtClean="0"/>
+              <a:t>13</a:t>
             </a:r>
             <a:endParaRPr lang="en-US" dirty="0"/>
           </a:p>
@@ -5230,7 +6202,97 @@
         </p:blipFill>
         <p:spPr>
           <a:xfrm>
-            <a:off x="158749" y="1481138"/>
+            <a:off x="1381124" y="1376639"/>
+            <a:ext cx="6397626" cy="4963320"/>
+          </a:xfrm>
+          <a:prstGeom prst="rect">
+            <a:avLst/>
+          </a:prstGeom>
+        </p:spPr>
+      </p:pic>
+    </p:spTree>
+    <p:extLst>
+      <p:ext uri="{BB962C8B-B14F-4D97-AF65-F5344CB8AC3E}">
+        <p14:creationId xmlns:p14="http://schemas.microsoft.com/office/powerpoint/2010/main" val="1074855606"/>
+      </p:ext>
+    </p:extLst>
+  </p:cSld>
+  <p:clrMapOvr>
+    <a:masterClrMapping/>
+  </p:clrMapOvr>
+  <p:timing>
+    <p:tnLst>
+      <p:par>
+        <p:cTn xmlns:p14="http://schemas.microsoft.com/office/powerpoint/2010/main" id="1" dur="indefinite" restart="never" nodeType="tmRoot"/>
+      </p:par>
+    </p:tnLst>
+  </p:timing>
+</p:sld>
+</file>
+
+<file path=ppt/slides/slide15.xml><?xml version="1.0" encoding="utf-8"?>
+<p:sld xmlns:a="http://schemas.openxmlformats.org/drawingml/2006/main" xmlns:r="http://schemas.openxmlformats.org/officeDocument/2006/relationships" xmlns:p="http://schemas.openxmlformats.org/presentationml/2006/main">
+  <p:cSld>
+    <p:spTree>
+      <p:nvGrpSpPr>
+        <p:cNvPr id="1" name=""/>
+        <p:cNvGrpSpPr/>
+        <p:nvPr/>
+      </p:nvGrpSpPr>
+      <p:grpSpPr>
+        <a:xfrm>
+          <a:off x="0" y="0"/>
+          <a:ext cx="0" cy="0"/>
+          <a:chOff x="0" y="0"/>
+          <a:chExt cx="0" cy="0"/>
+        </a:xfrm>
+      </p:grpSpPr>
+      <p:sp>
+        <p:nvSpPr>
+          <p:cNvPr id="2" name="Title 1"/>
+          <p:cNvSpPr>
+            <a:spLocks noGrp="1"/>
+          </p:cNvSpPr>
+          <p:nvPr>
+            <p:ph type="title"/>
+          </p:nvPr>
+        </p:nvSpPr>
+        <p:spPr/>
+        <p:txBody>
+          <a:bodyPr/>
+          <a:lstStyle/>
+          <a:p>
+            <a:r>
+              <a:rPr lang="en-US" dirty="0" smtClean="0"/>
+              <a:t>Visual Exploration</a:t>
+            </a:r>
+            <a:endParaRPr lang="en-US" dirty="0"/>
+          </a:p>
+        </p:txBody>
+      </p:sp>
+      <p:pic>
+        <p:nvPicPr>
+          <p:cNvPr id="5" name="Picture 4" descr="D_1634_with_136.png"/>
+          <p:cNvPicPr>
+            <a:picLocks noChangeAspect="1"/>
+          </p:cNvPicPr>
+          <p:nvPr/>
+        </p:nvPicPr>
+        <p:blipFill>
+          <a:blip r:embed="rId2">
+            <a:extLst>
+              <a:ext uri="{28A0092B-C50C-407E-A947-70E740481C1C}">
+                <a14:useLocalDpi xmlns:a14="http://schemas.microsoft.com/office/drawing/2010/main" val="0"/>
+              </a:ext>
+            </a:extLst>
+          </a:blip>
+          <a:stretch>
+            <a:fillRect/>
+          </a:stretch>
+        </p:blipFill>
+        <p:spPr>
+          <a:xfrm>
+            <a:off x="396874" y="1481138"/>
             <a:ext cx="3267873" cy="2535237"/>
           </a:xfrm>
           <a:prstGeom prst="rect">
@@ -5260,7 +6322,7 @@
         </p:blipFill>
         <p:spPr>
           <a:xfrm>
-            <a:off x="5418927" y="3499088"/>
+            <a:off x="5418927" y="3292713"/>
             <a:ext cx="3267873" cy="2535237"/>
           </a:xfrm>
           <a:prstGeom prst="rect">
@@ -5306,7 +6368,7 @@
         </p:nvSpPr>
         <p:spPr>
           <a:xfrm>
-            <a:off x="5826125" y="6224825"/>
+            <a:off x="5826125" y="6018450"/>
             <a:ext cx="2460625" cy="400110"/>
           </a:xfrm>
           <a:prstGeom prst="rect">
@@ -5370,7 +6432,7 @@
         </p:nvSpPr>
         <p:spPr>
           <a:xfrm>
-            <a:off x="1009650" y="5080218"/>
+            <a:off x="581025" y="4905593"/>
             <a:ext cx="3841750" cy="1384995"/>
           </a:xfrm>
           <a:prstGeom prst="rect">
@@ -5396,10 +6458,40 @@
           </a:p>
         </p:txBody>
       </p:sp>
+      <p:sp>
+        <p:nvSpPr>
+          <p:cNvPr id="12" name="TextBox 11"/>
+          <p:cNvSpPr txBox="1"/>
+          <p:nvPr/>
+        </p:nvSpPr>
+        <p:spPr>
+          <a:xfrm>
+            <a:off x="8626475" y="6339959"/>
+            <a:ext cx="418654" cy="369332"/>
+          </a:xfrm>
+          <a:prstGeom prst="rect">
+            <a:avLst/>
+          </a:prstGeom>
+          <a:noFill/>
+        </p:spPr>
+        <p:txBody>
+          <a:bodyPr wrap="none" rtlCol="0">
+            <a:spAutoFit/>
+          </a:bodyPr>
+          <a:lstStyle/>
+          <a:p>
+            <a:r>
+              <a:rPr lang="en-US" dirty="0" smtClean="0"/>
+              <a:t>14</a:t>
+            </a:r>
+            <a:endParaRPr lang="en-US" dirty="0"/>
+          </a:p>
+        </p:txBody>
+      </p:sp>
     </p:spTree>
     <p:extLst>
       <p:ext uri="{BB962C8B-B14F-4D97-AF65-F5344CB8AC3E}">
-        <p14:creationId xmlns:p14="http://schemas.microsoft.com/office/powerpoint/2010/main" val="2294131094"/>
+        <p14:creationId xmlns:p14="http://schemas.microsoft.com/office/powerpoint/2010/main" val="477293519"/>
       </p:ext>
     </p:extLst>
   </p:cSld>
@@ -5416,7 +6508,7 @@
 </p:sld>
 </file>
 
-<file path=ppt/slides/slide13.xml><?xml version="1.0" encoding="utf-8"?>
+<file path=ppt/slides/slide16.xml><?xml version="1.0" encoding="utf-8"?>
 <p:sld xmlns:a="http://schemas.openxmlformats.org/drawingml/2006/main" xmlns:r="http://schemas.openxmlformats.org/officeDocument/2006/relationships" xmlns:p="http://schemas.openxmlformats.org/presentationml/2006/main">
   <p:cSld>
     <p:spTree>
@@ -5548,7 +6640,7 @@
         </p:blipFill>
         <p:spPr>
           <a:xfrm>
-            <a:off x="3705225" y="5572125"/>
+            <a:off x="4133850" y="5745163"/>
             <a:ext cx="3263900" cy="774700"/>
           </a:xfrm>
           <a:prstGeom prst="rect">
@@ -5556,6 +6648,36 @@
           </a:prstGeom>
         </p:spPr>
       </p:pic>
+      <p:sp>
+        <p:nvSpPr>
+          <p:cNvPr id="6" name="TextBox 5"/>
+          <p:cNvSpPr txBox="1"/>
+          <p:nvPr/>
+        </p:nvSpPr>
+        <p:spPr>
+          <a:xfrm>
+            <a:off x="8626475" y="6339959"/>
+            <a:ext cx="418654" cy="369332"/>
+          </a:xfrm>
+          <a:prstGeom prst="rect">
+            <a:avLst/>
+          </a:prstGeom>
+          <a:noFill/>
+        </p:spPr>
+        <p:txBody>
+          <a:bodyPr wrap="none" rtlCol="0">
+            <a:spAutoFit/>
+          </a:bodyPr>
+          <a:lstStyle/>
+          <a:p>
+            <a:r>
+              <a:rPr lang="en-US" dirty="0" smtClean="0"/>
+              <a:t>15</a:t>
+            </a:r>
+            <a:endParaRPr lang="en-US" dirty="0"/>
+          </a:p>
+        </p:txBody>
+      </p:sp>
     </p:spTree>
     <p:extLst>
       <p:ext uri="{BB962C8B-B14F-4D97-AF65-F5344CB8AC3E}">
@@ -5576,7 +6698,7 @@
 </p:sld>
 </file>
 
-<file path=ppt/slides/slide14.xml><?xml version="1.0" encoding="utf-8"?>
+<file path=ppt/slides/slide17.xml><?xml version="1.0" encoding="utf-8"?>
 <p:sld xmlns:a="http://schemas.openxmlformats.org/drawingml/2006/main" xmlns:r="http://schemas.openxmlformats.org/officeDocument/2006/relationships" xmlns:p="http://schemas.openxmlformats.org/presentationml/2006/main">
   <p:cSld>
     <p:spTree>
@@ -5758,7 +6880,7 @@
             <a:graphicData uri="http://schemas.openxmlformats.org/presentationml/2006/ole">
               <mc:AlternateContent xmlns:mc="http://schemas.openxmlformats.org/markup-compatibility/2006">
                 <mc:Choice xmlns:v="urn:schemas-microsoft-com:vml" Requires="v">
-                  <p:oleObj spid="_x0000_s8200" name="Equation" r:id="rId6" imgW="1981200" imgH="1397000" progId="Equation.3">
+                  <p:oleObj spid="_x0000_s8208" name="Equation" r:id="rId6" imgW="1981200" imgH="1397000" progId="Equation.3">
                     <p:embed/>
                   </p:oleObj>
                 </mc:Choice>
@@ -6263,8 +7385,8 @@
         </p:nvSpPr>
         <p:spPr>
           <a:xfrm>
-            <a:off x="5192482" y="5780835"/>
-            <a:ext cx="2270125" cy="369332"/>
+            <a:off x="4414077" y="5609481"/>
+            <a:ext cx="2667001" cy="461665"/>
           </a:xfrm>
           <a:prstGeom prst="rect">
             <a:avLst/>
@@ -6278,7 +7400,7 @@
           <a:lstStyle/>
           <a:p>
             <a:r>
-              <a:rPr lang="en-US" dirty="0" smtClean="0">
+              <a:rPr lang="en-US" sz="2400" b="1" dirty="0" smtClean="0">
                 <a:solidFill>
                   <a:srgbClr val="FF0000"/>
                 </a:solidFill>
@@ -6286,7 +7408,7 @@
               <a:t>952</a:t>
             </a:r>
             <a:r>
-              <a:rPr lang="en-US" baseline="30000" dirty="0" smtClean="0">
+              <a:rPr lang="en-US" sz="2400" b="1" baseline="30000" dirty="0" smtClean="0">
                 <a:solidFill>
                   <a:srgbClr val="FF0000"/>
                 </a:solidFill>
@@ -6294,18 +7416,48 @@
               <a:t>th</a:t>
             </a:r>
             <a:r>
-              <a:rPr lang="en-US" dirty="0" smtClean="0">
+              <a:rPr lang="en-US" sz="2400" b="1" dirty="0" smtClean="0">
                 <a:solidFill>
                   <a:srgbClr val="FF0000"/>
                 </a:solidFill>
               </a:rPr>
               <a:t> out of 1,529 </a:t>
             </a:r>
-            <a:endParaRPr lang="en-US" dirty="0">
+            <a:endParaRPr lang="en-US" sz="2400" b="1" dirty="0">
               <a:solidFill>
                 <a:srgbClr val="FF0000"/>
               </a:solidFill>
             </a:endParaRPr>
+          </a:p>
+        </p:txBody>
+      </p:sp>
+      <p:sp>
+        <p:nvSpPr>
+          <p:cNvPr id="20" name="TextBox 19"/>
+          <p:cNvSpPr txBox="1"/>
+          <p:nvPr/>
+        </p:nvSpPr>
+        <p:spPr>
+          <a:xfrm>
+            <a:off x="8626475" y="6339959"/>
+            <a:ext cx="418654" cy="369332"/>
+          </a:xfrm>
+          <a:prstGeom prst="rect">
+            <a:avLst/>
+          </a:prstGeom>
+          <a:noFill/>
+        </p:spPr>
+        <p:txBody>
+          <a:bodyPr wrap="none" rtlCol="0">
+            <a:spAutoFit/>
+          </a:bodyPr>
+          <a:lstStyle/>
+          <a:p>
+            <a:r>
+              <a:rPr lang="en-US" dirty="0" smtClean="0"/>
+              <a:t>16</a:t>
+            </a:r>
+            <a:endParaRPr lang="en-US" dirty="0"/>
           </a:p>
         </p:txBody>
       </p:sp>
@@ -6340,7 +7492,7 @@
                             </p:stCondLst>
                             <p:childTnLst>
                               <p:par>
-                                <p:cTn id="5" presetID="12" presetClass="entr" presetSubtype="4" fill="hold" nodeType="clickEffect">
+                                <p:cTn id="5" presetID="1" presetClass="entr" presetSubtype="0" fill="hold" nodeType="clickEffect">
                                   <p:stCondLst>
                                     <p:cond delay="0"/>
                                   </p:stCondLst>
@@ -6363,42 +7515,38 @@
                                         <p:strVal val="visible"/>
                                       </p:to>
                                     </p:set>
-                                    <p:anim calcmode="lin" valueType="num">
-                                      <p:cBhvr additive="base">
-                                        <p:cTn id="7" dur="500"/>
-                                        <p:tgtEl>
-                                          <p:spTgt spid="3"/>
-                                        </p:tgtEl>
-                                        <p:attrNameLst>
-                                          <p:attrName>ppt_y</p:attrName>
-                                        </p:attrNameLst>
-                                      </p:cBhvr>
-                                      <p:tavLst>
-                                        <p:tav tm="0">
-                                          <p:val>
-                                            <p:strVal val="#ppt_y+#ppt_h*1.125000"/>
-                                          </p:val>
-                                        </p:tav>
-                                        <p:tav tm="100000">
-                                          <p:val>
-                                            <p:strVal val="#ppt_y"/>
-                                          </p:val>
-                                        </p:tav>
-                                      </p:tavLst>
-                                    </p:anim>
-                                    <p:animEffect transition="in" filter="wipe(up)">
-                                      <p:cBhvr>
-                                        <p:cTn id="8" dur="500"/>
-                                        <p:tgtEl>
-                                          <p:spTgt spid="3"/>
-                                        </p:tgtEl>
-                                      </p:cBhvr>
-                                    </p:animEffect>
                                   </p:childTnLst>
                                 </p:cTn>
                               </p:par>
                               <p:par>
-                                <p:cTn id="9" presetID="12" presetClass="entr" presetSubtype="4" fill="hold" nodeType="withEffect">
+                                <p:cTn id="7" presetID="1" presetClass="entr" presetSubtype="0" fill="hold" nodeType="withEffect">
+                                  <p:stCondLst>
+                                    <p:cond delay="0"/>
+                                  </p:stCondLst>
+                                  <p:childTnLst>
+                                    <p:set>
+                                      <p:cBhvr>
+                                        <p:cTn id="8" dur="1" fill="hold">
+                                          <p:stCondLst>
+                                            <p:cond delay="0"/>
+                                          </p:stCondLst>
+                                        </p:cTn>
+                                        <p:tgtEl>
+                                          <p:spTgt spid="55"/>
+                                        </p:tgtEl>
+                                        <p:attrNameLst>
+                                          <p:attrName>style.visibility</p:attrName>
+                                        </p:attrNameLst>
+                                      </p:cBhvr>
+                                      <p:to>
+                                        <p:strVal val="visible"/>
+                                      </p:to>
+                                    </p:set>
+                                  </p:childTnLst>
+                                </p:cTn>
+                              </p:par>
+                              <p:par>
+                                <p:cTn id="9" presetID="1" presetClass="entr" presetSubtype="0" fill="hold" nodeType="withEffect">
                                   <p:stCondLst>
                                     <p:cond delay="0"/>
                                   </p:stCondLst>
@@ -6421,49 +7569,18 @@
                                         <p:strVal val="visible"/>
                                       </p:to>
                                     </p:set>
-                                    <p:anim calcmode="lin" valueType="num">
-                                      <p:cBhvr additive="base">
-                                        <p:cTn id="11" dur="500"/>
-                                        <p:tgtEl>
-                                          <p:spTgt spid="38"/>
-                                        </p:tgtEl>
-                                        <p:attrNameLst>
-                                          <p:attrName>ppt_y</p:attrName>
-                                        </p:attrNameLst>
-                                      </p:cBhvr>
-                                      <p:tavLst>
-                                        <p:tav tm="0">
-                                          <p:val>
-                                            <p:strVal val="#ppt_y+#ppt_h*1.125000"/>
-                                          </p:val>
-                                        </p:tav>
-                                        <p:tav tm="100000">
-                                          <p:val>
-                                            <p:strVal val="#ppt_y"/>
-                                          </p:val>
-                                        </p:tav>
-                                      </p:tavLst>
-                                    </p:anim>
-                                    <p:animEffect transition="in" filter="wipe(up)">
-                                      <p:cBhvr>
-                                        <p:cTn id="12" dur="500"/>
-                                        <p:tgtEl>
-                                          <p:spTgt spid="38"/>
-                                        </p:tgtEl>
-                                      </p:cBhvr>
-                                    </p:animEffect>
                                   </p:childTnLst>
                                 </p:cTn>
                               </p:par>
                               <p:par>
-                                <p:cTn id="13" presetID="12" presetClass="entr" presetSubtype="4" fill="hold" grpId="0" nodeType="withEffect">
+                                <p:cTn id="11" presetID="1" presetClass="entr" presetSubtype="0" fill="hold" grpId="0" nodeType="withEffect">
                                   <p:stCondLst>
                                     <p:cond delay="0"/>
                                   </p:stCondLst>
                                   <p:childTnLst>
                                     <p:set>
                                       <p:cBhvr>
-                                        <p:cTn id="14" dur="1" fill="hold">
+                                        <p:cTn id="12" dur="1" fill="hold">
                                           <p:stCondLst>
                                             <p:cond delay="0"/>
                                           </p:stCondLst>
@@ -6479,49 +7596,18 @@
                                         <p:strVal val="visible"/>
                                       </p:to>
                                     </p:set>
-                                    <p:anim calcmode="lin" valueType="num">
-                                      <p:cBhvr additive="base">
-                                        <p:cTn id="15" dur="500"/>
-                                        <p:tgtEl>
-                                          <p:spTgt spid="15"/>
-                                        </p:tgtEl>
-                                        <p:attrNameLst>
-                                          <p:attrName>ppt_y</p:attrName>
-                                        </p:attrNameLst>
-                                      </p:cBhvr>
-                                      <p:tavLst>
-                                        <p:tav tm="0">
-                                          <p:val>
-                                            <p:strVal val="#ppt_y+#ppt_h*1.125000"/>
-                                          </p:val>
-                                        </p:tav>
-                                        <p:tav tm="100000">
-                                          <p:val>
-                                            <p:strVal val="#ppt_y"/>
-                                          </p:val>
-                                        </p:tav>
-                                      </p:tavLst>
-                                    </p:anim>
-                                    <p:animEffect transition="in" filter="wipe(up)">
-                                      <p:cBhvr>
-                                        <p:cTn id="16" dur="500"/>
-                                        <p:tgtEl>
-                                          <p:spTgt spid="15"/>
-                                        </p:tgtEl>
-                                      </p:cBhvr>
-                                    </p:animEffect>
                                   </p:childTnLst>
                                 </p:cTn>
                               </p:par>
                               <p:par>
-                                <p:cTn id="17" presetID="12" presetClass="entr" presetSubtype="4" fill="hold" grpId="0" nodeType="withEffect">
+                                <p:cTn id="13" presetID="1" presetClass="entr" presetSubtype="0" fill="hold" grpId="0" nodeType="withEffect">
                                   <p:stCondLst>
                                     <p:cond delay="0"/>
                                   </p:stCondLst>
                                   <p:childTnLst>
                                     <p:set>
                                       <p:cBhvr>
-                                        <p:cTn id="18" dur="1" fill="hold">
+                                        <p:cTn id="14" dur="1" fill="hold">
                                           <p:stCondLst>
                                             <p:cond delay="0"/>
                                           </p:stCondLst>
@@ -6537,49 +7623,18 @@
                                         <p:strVal val="visible"/>
                                       </p:to>
                                     </p:set>
-                                    <p:anim calcmode="lin" valueType="num">
-                                      <p:cBhvr additive="base">
-                                        <p:cTn id="19" dur="500"/>
-                                        <p:tgtEl>
-                                          <p:spTgt spid="18"/>
-                                        </p:tgtEl>
-                                        <p:attrNameLst>
-                                          <p:attrName>ppt_y</p:attrName>
-                                        </p:attrNameLst>
-                                      </p:cBhvr>
-                                      <p:tavLst>
-                                        <p:tav tm="0">
-                                          <p:val>
-                                            <p:strVal val="#ppt_y+#ppt_h*1.125000"/>
-                                          </p:val>
-                                        </p:tav>
-                                        <p:tav tm="100000">
-                                          <p:val>
-                                            <p:strVal val="#ppt_y"/>
-                                          </p:val>
-                                        </p:tav>
-                                      </p:tavLst>
-                                    </p:anim>
-                                    <p:animEffect transition="in" filter="wipe(up)">
-                                      <p:cBhvr>
-                                        <p:cTn id="20" dur="500"/>
-                                        <p:tgtEl>
-                                          <p:spTgt spid="18"/>
-                                        </p:tgtEl>
-                                      </p:cBhvr>
-                                    </p:animEffect>
                                   </p:childTnLst>
                                 </p:cTn>
                               </p:par>
                               <p:par>
-                                <p:cTn id="21" presetID="12" presetClass="entr" presetSubtype="4" fill="hold" grpId="0" nodeType="withEffect">
+                                <p:cTn id="15" presetID="1" presetClass="entr" presetSubtype="0" fill="hold" grpId="0" nodeType="withEffect">
                                   <p:stCondLst>
                                     <p:cond delay="0"/>
                                   </p:stCondLst>
                                   <p:childTnLst>
                                     <p:set>
                                       <p:cBhvr>
-                                        <p:cTn id="22" dur="1" fill="hold">
+                                        <p:cTn id="16" dur="1" fill="hold">
                                           <p:stCondLst>
                                             <p:cond delay="0"/>
                                           </p:stCondLst>
@@ -6595,37 +7650,6 @@
                                         <p:strVal val="visible"/>
                                       </p:to>
                                     </p:set>
-                                    <p:anim calcmode="lin" valueType="num">
-                                      <p:cBhvr additive="base">
-                                        <p:cTn id="23" dur="500"/>
-                                        <p:tgtEl>
-                                          <p:spTgt spid="19"/>
-                                        </p:tgtEl>
-                                        <p:attrNameLst>
-                                          <p:attrName>ppt_y</p:attrName>
-                                        </p:attrNameLst>
-                                      </p:cBhvr>
-                                      <p:tavLst>
-                                        <p:tav tm="0">
-                                          <p:val>
-                                            <p:strVal val="#ppt_y+#ppt_h*1.125000"/>
-                                          </p:val>
-                                        </p:tav>
-                                        <p:tav tm="100000">
-                                          <p:val>
-                                            <p:strVal val="#ppt_y"/>
-                                          </p:val>
-                                        </p:tav>
-                                      </p:tavLst>
-                                    </p:anim>
-                                    <p:animEffect transition="in" filter="wipe(up)">
-                                      <p:cBhvr>
-                                        <p:cTn id="24" dur="500"/>
-                                        <p:tgtEl>
-                                          <p:spTgt spid="19"/>
-                                        </p:tgtEl>
-                                      </p:cBhvr>
-                                    </p:animEffect>
                                   </p:childTnLst>
                                 </p:cTn>
                               </p:par>
@@ -6636,26 +7660,26 @@
                     </p:cTn>
                   </p:par>
                   <p:par>
-                    <p:cTn id="25" fill="hold">
+                    <p:cTn id="17" fill="hold">
                       <p:stCondLst>
                         <p:cond delay="indefinite"/>
                       </p:stCondLst>
                       <p:childTnLst>
                         <p:par>
-                          <p:cTn id="26" fill="hold">
+                          <p:cTn id="18" fill="hold">
                             <p:stCondLst>
                               <p:cond delay="0"/>
                             </p:stCondLst>
                             <p:childTnLst>
                               <p:par>
-                                <p:cTn id="27" presetID="12" presetClass="entr" presetSubtype="4" fill="hold" grpId="0" nodeType="clickEffect">
+                                <p:cTn id="19" presetID="2" presetClass="entr" presetSubtype="9" fill="hold" grpId="0" nodeType="clickEffect">
                                   <p:stCondLst>
                                     <p:cond delay="0"/>
                                   </p:stCondLst>
                                   <p:childTnLst>
                                     <p:set>
                                       <p:cBhvr>
-                                        <p:cTn id="28" dur="1" fill="hold">
+                                        <p:cTn id="20" dur="1" fill="hold">
                                           <p:stCondLst>
                                             <p:cond delay="0"/>
                                           </p:stCondLst>
@@ -6673,7 +7697,30 @@
                                     </p:set>
                                     <p:anim calcmode="lin" valueType="num">
                                       <p:cBhvr additive="base">
-                                        <p:cTn id="29" dur="500"/>
+                                        <p:cTn id="21" dur="500" fill="hold"/>
+                                        <p:tgtEl>
+                                          <p:spTgt spid="7"/>
+                                        </p:tgtEl>
+                                        <p:attrNameLst>
+                                          <p:attrName>ppt_x</p:attrName>
+                                        </p:attrNameLst>
+                                      </p:cBhvr>
+                                      <p:tavLst>
+                                        <p:tav tm="0">
+                                          <p:val>
+                                            <p:strVal val="0-#ppt_w/2"/>
+                                          </p:val>
+                                        </p:tav>
+                                        <p:tav tm="100000">
+                                          <p:val>
+                                            <p:strVal val="#ppt_x"/>
+                                          </p:val>
+                                        </p:tav>
+                                      </p:tavLst>
+                                    </p:anim>
+                                    <p:anim calcmode="lin" valueType="num">
+                                      <p:cBhvr additive="base">
+                                        <p:cTn id="22" dur="500" fill="hold"/>
                                         <p:tgtEl>
                                           <p:spTgt spid="7"/>
                                         </p:tgtEl>
@@ -6684,7 +7731,7 @@
                                       <p:tavLst>
                                         <p:tav tm="0">
                                           <p:val>
-                                            <p:strVal val="#ppt_y+#ppt_h*1.125000"/>
+                                            <p:strVal val="0-#ppt_h/2"/>
                                           </p:val>
                                         </p:tav>
                                         <p:tav tm="100000">
@@ -6694,14 +7741,32 @@
                                         </p:tav>
                                       </p:tavLst>
                                     </p:anim>
-                                    <p:animEffect transition="in" filter="wipe(up)">
+                                  </p:childTnLst>
+                                </p:cTn>
+                              </p:par>
+                              <p:par>
+                                <p:cTn id="23" presetID="26" presetClass="emph" presetSubtype="0" fill="hold" grpId="1" nodeType="withEffect">
+                                  <p:stCondLst>
+                                    <p:cond delay="0"/>
+                                  </p:stCondLst>
+                                  <p:childTnLst>
+                                    <p:animEffect transition="out" filter="fade">
                                       <p:cBhvr>
-                                        <p:cTn id="30" dur="500"/>
+                                        <p:cTn id="24" dur="500" tmFilter="0, 0; .2, .5; .8, .5; 1, 0"/>
                                         <p:tgtEl>
                                           <p:spTgt spid="7"/>
                                         </p:tgtEl>
                                       </p:cBhvr>
                                     </p:animEffect>
+                                    <p:animScale>
+                                      <p:cBhvr>
+                                        <p:cTn id="25" dur="250" autoRev="1" fill="hold"/>
+                                        <p:tgtEl>
+                                          <p:spTgt spid="7"/>
+                                        </p:tgtEl>
+                                      </p:cBhvr>
+                                      <p:by x="105000" y="105000"/>
+                                    </p:animScale>
                                   </p:childTnLst>
                                 </p:cTn>
                               </p:par>
@@ -6737,12 +7802,13 @@
       <p:bldP spid="18" grpId="0"/>
       <p:bldP spid="19" grpId="0"/>
       <p:bldP spid="7" grpId="0"/>
+      <p:bldP spid="7" grpId="1"/>
     </p:bldLst>
   </p:timing>
 </p:sld>
 </file>
 
-<file path=ppt/slides/slide15.xml><?xml version="1.0" encoding="utf-8"?>
+<file path=ppt/slides/slide18.xml><?xml version="1.0" encoding="utf-8"?>
 <p:sld xmlns:a="http://schemas.openxmlformats.org/drawingml/2006/main" xmlns:r="http://schemas.openxmlformats.org/officeDocument/2006/relationships" xmlns:p="http://schemas.openxmlformats.org/presentationml/2006/main">
   <p:cSld>
     <p:spTree>
@@ -6776,7 +7842,19 @@
           <a:p>
             <a:r>
               <a:rPr lang="en-US" dirty="0" smtClean="0"/>
-              <a:t>Conclusions 3rd Experiment </a:t>
+              <a:t>Conclusions </a:t>
+            </a:r>
+            <a:r>
+              <a:rPr lang="en-US" dirty="0" smtClean="0"/>
+              <a:t>3</a:t>
+            </a:r>
+            <a:r>
+              <a:rPr lang="en-US" baseline="30000" dirty="0" smtClean="0"/>
+              <a:t>rd</a:t>
+            </a:r>
+            <a:r>
+              <a:rPr lang="en-US" dirty="0" smtClean="0"/>
+              <a:t> Experiment </a:t>
             </a:r>
             <a:endParaRPr lang="en-US" dirty="0"/>
           </a:p>
@@ -6846,6 +7924,36 @@
           </a:prstGeom>
         </p:spPr>
       </p:pic>
+      <p:sp>
+        <p:nvSpPr>
+          <p:cNvPr id="5" name="TextBox 4"/>
+          <p:cNvSpPr txBox="1"/>
+          <p:nvPr/>
+        </p:nvSpPr>
+        <p:spPr>
+          <a:xfrm>
+            <a:off x="8626475" y="6339959"/>
+            <a:ext cx="418654" cy="369332"/>
+          </a:xfrm>
+          <a:prstGeom prst="rect">
+            <a:avLst/>
+          </a:prstGeom>
+          <a:noFill/>
+        </p:spPr>
+        <p:txBody>
+          <a:bodyPr wrap="none" rtlCol="0">
+            <a:spAutoFit/>
+          </a:bodyPr>
+          <a:lstStyle/>
+          <a:p>
+            <a:r>
+              <a:rPr lang="en-US" dirty="0" smtClean="0"/>
+              <a:t>17</a:t>
+            </a:r>
+            <a:endParaRPr lang="en-US" dirty="0"/>
+          </a:p>
+        </p:txBody>
+      </p:sp>
     </p:spTree>
     <p:extLst>
       <p:ext uri="{BB962C8B-B14F-4D97-AF65-F5344CB8AC3E}">
@@ -6866,7 +7974,7 @@
 </p:sld>
 </file>
 
-<file path=ppt/slides/slide16.xml><?xml version="1.0" encoding="utf-8"?>
+<file path=ppt/slides/slide19.xml><?xml version="1.0" encoding="utf-8"?>
 <p:sld xmlns:a="http://schemas.openxmlformats.org/drawingml/2006/main" xmlns:r="http://schemas.openxmlformats.org/officeDocument/2006/relationships" xmlns:p="http://schemas.openxmlformats.org/presentationml/2006/main">
   <p:cSld>
     <p:spTree>
@@ -6963,6 +8071,36 @@
               <a:rPr lang="en-US" dirty="0" smtClean="0"/>
               <a:t>If possible with features already given</a:t>
             </a:r>
+          </a:p>
+        </p:txBody>
+      </p:sp>
+      <p:sp>
+        <p:nvSpPr>
+          <p:cNvPr id="4" name="TextBox 3"/>
+          <p:cNvSpPr txBox="1"/>
+          <p:nvPr/>
+        </p:nvSpPr>
+        <p:spPr>
+          <a:xfrm>
+            <a:off x="8626475" y="6339959"/>
+            <a:ext cx="418654" cy="369332"/>
+          </a:xfrm>
+          <a:prstGeom prst="rect">
+            <a:avLst/>
+          </a:prstGeom>
+          <a:noFill/>
+        </p:spPr>
+        <p:txBody>
+          <a:bodyPr wrap="none" rtlCol="0">
+            <a:spAutoFit/>
+          </a:bodyPr>
+          <a:lstStyle/>
+          <a:p>
+            <a:r>
+              <a:rPr lang="en-US" dirty="0" smtClean="0"/>
+              <a:t>18</a:t>
+            </a:r>
+            <a:endParaRPr lang="en-US" dirty="0"/>
           </a:p>
         </p:txBody>
       </p:sp>
@@ -7449,7 +8587,181 @@
 </p:sld>
 </file>
 
-<file path=ppt/slides/slide17.xml><?xml version="1.0" encoding="utf-8"?>
+<file path=ppt/slides/slide2.xml><?xml version="1.0" encoding="utf-8"?>
+<p:sld xmlns:a="http://schemas.openxmlformats.org/drawingml/2006/main" xmlns:r="http://schemas.openxmlformats.org/officeDocument/2006/relationships" xmlns:p="http://schemas.openxmlformats.org/presentationml/2006/main">
+  <p:cSld>
+    <p:spTree>
+      <p:nvGrpSpPr>
+        <p:cNvPr id="1" name=""/>
+        <p:cNvGrpSpPr/>
+        <p:nvPr/>
+      </p:nvGrpSpPr>
+      <p:grpSpPr>
+        <a:xfrm>
+          <a:off x="0" y="0"/>
+          <a:ext cx="0" cy="0"/>
+          <a:chOff x="0" y="0"/>
+          <a:chExt cx="0" cy="0"/>
+        </a:xfrm>
+      </p:grpSpPr>
+      <p:sp>
+        <p:nvSpPr>
+          <p:cNvPr id="2" name="Title 1"/>
+          <p:cNvSpPr>
+            <a:spLocks noGrp="1"/>
+          </p:cNvSpPr>
+          <p:nvPr>
+            <p:ph type="title"/>
+          </p:nvPr>
+        </p:nvSpPr>
+        <p:spPr/>
+        <p:txBody>
+          <a:bodyPr/>
+          <a:lstStyle/>
+          <a:p>
+            <a:r>
+              <a:rPr lang="en-US" dirty="0" smtClean="0"/>
+              <a:t>Agenda</a:t>
+            </a:r>
+            <a:endParaRPr lang="en-US" dirty="0"/>
+          </a:p>
+        </p:txBody>
+      </p:sp>
+      <p:sp>
+        <p:nvSpPr>
+          <p:cNvPr id="3" name="Content Placeholder 2"/>
+          <p:cNvSpPr>
+            <a:spLocks noGrp="1"/>
+          </p:cNvSpPr>
+          <p:nvPr>
+            <p:ph idx="1"/>
+          </p:nvPr>
+        </p:nvSpPr>
+        <p:spPr>
+          <a:xfrm>
+            <a:off x="2558544" y="1874554"/>
+            <a:ext cx="4033922" cy="3703195"/>
+          </a:xfrm>
+        </p:spPr>
+        <p:txBody>
+          <a:bodyPr>
+            <a:normAutofit/>
+          </a:bodyPr>
+          <a:lstStyle/>
+          <a:p>
+            <a:pPr marL="514350" indent="-514350">
+              <a:buFont typeface="+mj-lt"/>
+              <a:buAutoNum type="arabicPeriod"/>
+            </a:pPr>
+            <a:r>
+              <a:rPr lang="en-US" dirty="0" smtClean="0"/>
+              <a:t>Introduction</a:t>
+            </a:r>
+          </a:p>
+          <a:p>
+            <a:pPr marL="514350" indent="-514350">
+              <a:buFont typeface="+mj-lt"/>
+              <a:buAutoNum type="arabicPeriod"/>
+            </a:pPr>
+            <a:r>
+              <a:rPr lang="en-US" dirty="0" smtClean="0"/>
+              <a:t>Problem Statement</a:t>
+            </a:r>
+          </a:p>
+          <a:p>
+            <a:pPr marL="514350" indent="-514350">
+              <a:buFont typeface="+mj-lt"/>
+              <a:buAutoNum type="arabicPeriod"/>
+            </a:pPr>
+            <a:r>
+              <a:rPr lang="en-US" dirty="0" smtClean="0"/>
+              <a:t>Methodology</a:t>
+            </a:r>
+          </a:p>
+          <a:p>
+            <a:pPr marL="514350" indent="-514350">
+              <a:buFont typeface="+mj-lt"/>
+              <a:buAutoNum type="arabicPeriod"/>
+            </a:pPr>
+            <a:r>
+              <a:rPr lang="en-US" dirty="0" smtClean="0"/>
+              <a:t>Experiments</a:t>
+            </a:r>
+          </a:p>
+          <a:p>
+            <a:pPr marL="514350" indent="-514350">
+              <a:buFont typeface="+mj-lt"/>
+              <a:buAutoNum type="arabicPeriod"/>
+            </a:pPr>
+            <a:r>
+              <a:rPr lang="en-US" dirty="0" smtClean="0"/>
+              <a:t>Results</a:t>
+            </a:r>
+          </a:p>
+          <a:p>
+            <a:pPr marL="514350" indent="-514350">
+              <a:buFont typeface="+mj-lt"/>
+              <a:buAutoNum type="arabicPeriod"/>
+            </a:pPr>
+            <a:r>
+              <a:rPr lang="en-US" dirty="0" smtClean="0"/>
+              <a:t>Conclusion</a:t>
+            </a:r>
+            <a:endParaRPr lang="en-US" dirty="0"/>
+          </a:p>
+        </p:txBody>
+      </p:sp>
+      <p:sp>
+        <p:nvSpPr>
+          <p:cNvPr id="4" name="TextBox 3"/>
+          <p:cNvSpPr txBox="1"/>
+          <p:nvPr/>
+        </p:nvSpPr>
+        <p:spPr>
+          <a:xfrm>
+            <a:off x="8626475" y="6339959"/>
+            <a:ext cx="301660" cy="369332"/>
+          </a:xfrm>
+          <a:prstGeom prst="rect">
+            <a:avLst/>
+          </a:prstGeom>
+          <a:noFill/>
+        </p:spPr>
+        <p:txBody>
+          <a:bodyPr wrap="none" rtlCol="0">
+            <a:spAutoFit/>
+          </a:bodyPr>
+          <a:lstStyle/>
+          <a:p>
+            <a:r>
+              <a:rPr lang="en-US" dirty="0"/>
+              <a:t>2</a:t>
+            </a:r>
+            <a:endParaRPr lang="en-US" dirty="0"/>
+          </a:p>
+        </p:txBody>
+      </p:sp>
+    </p:spTree>
+    <p:extLst>
+      <p:ext uri="{BB962C8B-B14F-4D97-AF65-F5344CB8AC3E}">
+        <p14:creationId xmlns:p14="http://schemas.microsoft.com/office/powerpoint/2010/main" val="1960255043"/>
+      </p:ext>
+    </p:extLst>
+  </p:cSld>
+  <p:clrMapOvr>
+    <a:masterClrMapping/>
+  </p:clrMapOvr>
+  <p:timing>
+    <p:tnLst>
+      <p:par>
+        <p:cTn xmlns:p14="http://schemas.microsoft.com/office/powerpoint/2010/main" id="1" dur="indefinite" restart="never" nodeType="tmRoot"/>
+      </p:par>
+    </p:tnLst>
+  </p:timing>
+</p:sld>
+</file>
+
+<file path=ppt/slides/slide20.xml><?xml version="1.0" encoding="utf-8"?>
 <p:sld xmlns:a="http://schemas.openxmlformats.org/drawingml/2006/main" xmlns:r="http://schemas.openxmlformats.org/officeDocument/2006/relationships" xmlns:p="http://schemas.openxmlformats.org/presentationml/2006/main">
   <p:cSld>
     <p:spTree>
@@ -7632,7 +8944,7 @@
 </p:sld>
 </file>
 
-<file path=ppt/slides/slide18.xml><?xml version="1.0" encoding="utf-8"?>
+<file path=ppt/slides/slide21.xml><?xml version="1.0" encoding="utf-8"?>
 <p:sld xmlns:a="http://schemas.openxmlformats.org/drawingml/2006/main" xmlns:r="http://schemas.openxmlformats.org/officeDocument/2006/relationships" xmlns:p="http://schemas.openxmlformats.org/presentationml/2006/main">
   <p:cSld>
     <p:spTree>
@@ -7781,147 +9093,40 @@
           </a:p>
         </p:txBody>
       </p:sp>
+      <p:sp>
+        <p:nvSpPr>
+          <p:cNvPr id="4" name="TextBox 3"/>
+          <p:cNvSpPr txBox="1"/>
+          <p:nvPr/>
+        </p:nvSpPr>
+        <p:spPr>
+          <a:xfrm>
+            <a:off x="8626475" y="6339959"/>
+            <a:ext cx="418654" cy="369332"/>
+          </a:xfrm>
+          <a:prstGeom prst="rect">
+            <a:avLst/>
+          </a:prstGeom>
+          <a:noFill/>
+        </p:spPr>
+        <p:txBody>
+          <a:bodyPr wrap="none" rtlCol="0">
+            <a:spAutoFit/>
+          </a:bodyPr>
+          <a:lstStyle/>
+          <a:p>
+            <a:r>
+              <a:rPr lang="en-US" dirty="0" smtClean="0"/>
+              <a:t>20</a:t>
+            </a:r>
+            <a:endParaRPr lang="en-US" dirty="0"/>
+          </a:p>
+        </p:txBody>
+      </p:sp>
     </p:spTree>
     <p:extLst>
       <p:ext uri="{BB962C8B-B14F-4D97-AF65-F5344CB8AC3E}">
         <p14:creationId xmlns:p14="http://schemas.microsoft.com/office/powerpoint/2010/main" val="1050184192"/>
-      </p:ext>
-    </p:extLst>
-  </p:cSld>
-  <p:clrMapOvr>
-    <a:masterClrMapping/>
-  </p:clrMapOvr>
-</p:sld>
-</file>
-
-<file path=ppt/slides/slide2.xml><?xml version="1.0" encoding="utf-8"?>
-<p:sld xmlns:a="http://schemas.openxmlformats.org/drawingml/2006/main" xmlns:r="http://schemas.openxmlformats.org/officeDocument/2006/relationships" xmlns:p="http://schemas.openxmlformats.org/presentationml/2006/main">
-  <p:cSld>
-    <p:spTree>
-      <p:nvGrpSpPr>
-        <p:cNvPr id="1" name=""/>
-        <p:cNvGrpSpPr/>
-        <p:nvPr/>
-      </p:nvGrpSpPr>
-      <p:grpSpPr>
-        <a:xfrm>
-          <a:off x="0" y="0"/>
-          <a:ext cx="0" cy="0"/>
-          <a:chOff x="0" y="0"/>
-          <a:chExt cx="0" cy="0"/>
-        </a:xfrm>
-      </p:grpSpPr>
-      <p:sp>
-        <p:nvSpPr>
-          <p:cNvPr id="2" name="Title 1"/>
-          <p:cNvSpPr>
-            <a:spLocks noGrp="1"/>
-          </p:cNvSpPr>
-          <p:nvPr>
-            <p:ph type="title"/>
-          </p:nvPr>
-        </p:nvSpPr>
-        <p:spPr/>
-        <p:txBody>
-          <a:bodyPr/>
-          <a:lstStyle/>
-          <a:p>
-            <a:r>
-              <a:rPr lang="en-US" dirty="0" smtClean="0"/>
-              <a:t>Agenda</a:t>
-            </a:r>
-            <a:endParaRPr lang="en-US" dirty="0"/>
-          </a:p>
-        </p:txBody>
-      </p:sp>
-      <p:sp>
-        <p:nvSpPr>
-          <p:cNvPr id="3" name="Content Placeholder 2"/>
-          <p:cNvSpPr>
-            <a:spLocks noGrp="1"/>
-          </p:cNvSpPr>
-          <p:nvPr>
-            <p:ph idx="1"/>
-          </p:nvPr>
-        </p:nvSpPr>
-        <p:spPr>
-          <a:xfrm>
-            <a:off x="2558544" y="1874554"/>
-            <a:ext cx="4033922" cy="3703195"/>
-          </a:xfrm>
-        </p:spPr>
-        <p:txBody>
-          <a:bodyPr>
-            <a:normAutofit/>
-          </a:bodyPr>
-          <a:lstStyle/>
-          <a:p>
-            <a:pPr marL="514350" indent="-514350">
-              <a:buFont typeface="+mj-lt"/>
-              <a:buAutoNum type="arabicPeriod"/>
-            </a:pPr>
-            <a:r>
-              <a:rPr lang="en-US" dirty="0" smtClean="0"/>
-              <a:t>Introduction</a:t>
-            </a:r>
-          </a:p>
-          <a:p>
-            <a:pPr marL="514350" indent="-514350">
-              <a:buFont typeface="+mj-lt"/>
-              <a:buAutoNum type="arabicPeriod"/>
-            </a:pPr>
-            <a:r>
-              <a:rPr lang="en-US" dirty="0" smtClean="0"/>
-              <a:t>Problem Statement</a:t>
-            </a:r>
-          </a:p>
-          <a:p>
-            <a:pPr marL="514350" indent="-514350">
-              <a:buFont typeface="+mj-lt"/>
-              <a:buAutoNum type="arabicPeriod"/>
-            </a:pPr>
-            <a:r>
-              <a:rPr lang="en-US" dirty="0" smtClean="0"/>
-              <a:t>Methodology</a:t>
-            </a:r>
-          </a:p>
-          <a:p>
-            <a:pPr marL="514350" indent="-514350">
-              <a:buFont typeface="+mj-lt"/>
-              <a:buAutoNum type="arabicPeriod"/>
-            </a:pPr>
-            <a:r>
-              <a:rPr lang="en-US" dirty="0" smtClean="0"/>
-              <a:t>Experiments</a:t>
-            </a:r>
-          </a:p>
-          <a:p>
-            <a:pPr marL="514350" indent="-514350">
-              <a:buFont typeface="+mj-lt"/>
-              <a:buAutoNum type="arabicPeriod"/>
-            </a:pPr>
-            <a:r>
-              <a:rPr lang="en-US" dirty="0" smtClean="0"/>
-              <a:t>Results</a:t>
-            </a:r>
-          </a:p>
-          <a:p>
-            <a:pPr marL="514350" indent="-514350">
-              <a:buFont typeface="+mj-lt"/>
-              <a:buAutoNum type="arabicPeriod"/>
-            </a:pPr>
-            <a:r>
-              <a:rPr lang="en-US" dirty="0" smtClean="0"/>
-              <a:t>Conclusion</a:t>
-            </a:r>
-            <a:endParaRPr lang="en-US" dirty="0"/>
-          </a:p>
-        </p:txBody>
-      </p:sp>
-    </p:spTree>
-    <p:extLst>
-      <p:ext uri="{BB962C8B-B14F-4D97-AF65-F5344CB8AC3E}">
-        <p14:creationId xmlns:p14="http://schemas.microsoft.com/office/powerpoint/2010/main" val="1960255043"/>
       </p:ext>
     </p:extLst>
   </p:cSld>
@@ -8019,7 +9224,7 @@
         </p:nvSpPr>
         <p:spPr>
           <a:xfrm>
-            <a:off x="5749921" y="2194996"/>
+            <a:off x="5749921" y="2401371"/>
             <a:ext cx="3217333" cy="2350030"/>
           </a:xfrm>
         </p:spPr>
@@ -8029,6 +9234,9 @@
           </a:bodyPr>
           <a:lstStyle/>
           <a:p>
+            <a:pPr marL="0" indent="0">
+              <a:buNone/>
+            </a:pPr>
             <a:r>
               <a:rPr lang="en-US" sz="2800" dirty="0" smtClean="0"/>
               <a:t>Identify data points that do not fit the pattern of the data</a:t>
@@ -8040,14 +9248,12 @@
       <p:cxnSp>
         <p:nvCxnSpPr>
           <p:cNvPr id="6" name="Straight Arrow Connector 5"/>
-          <p:cNvCxnSpPr>
-            <a:stCxn id="3" idx="1"/>
-          </p:cNvCxnSpPr>
+          <p:cNvCxnSpPr/>
           <p:nvPr/>
         </p:nvCxnSpPr>
         <p:spPr>
           <a:xfrm flipH="1">
-            <a:off x="3968750" y="3370011"/>
+            <a:off x="3968750" y="3322386"/>
             <a:ext cx="1781171" cy="455864"/>
           </a:xfrm>
           <a:prstGeom prst="straightConnector1">
@@ -8078,14 +9284,12 @@
       <p:cxnSp>
         <p:nvCxnSpPr>
           <p:cNvPr id="9" name="Straight Arrow Connector 8"/>
-          <p:cNvCxnSpPr>
-            <a:stCxn id="3" idx="1"/>
-          </p:cNvCxnSpPr>
+          <p:cNvCxnSpPr/>
           <p:nvPr/>
         </p:nvCxnSpPr>
         <p:spPr>
           <a:xfrm flipH="1" flipV="1">
-            <a:off x="3081868" y="3000375"/>
+            <a:off x="3081868" y="2952750"/>
             <a:ext cx="2668053" cy="369636"/>
           </a:xfrm>
           <a:prstGeom prst="straightConnector1">
@@ -8113,6 +9317,36 @@
           </a:fontRef>
         </p:style>
       </p:cxnSp>
+      <p:sp>
+        <p:nvSpPr>
+          <p:cNvPr id="7" name="TextBox 6"/>
+          <p:cNvSpPr txBox="1"/>
+          <p:nvPr/>
+        </p:nvSpPr>
+        <p:spPr>
+          <a:xfrm>
+            <a:off x="8626475" y="6339959"/>
+            <a:ext cx="301660" cy="369332"/>
+          </a:xfrm>
+          <a:prstGeom prst="rect">
+            <a:avLst/>
+          </a:prstGeom>
+          <a:noFill/>
+        </p:spPr>
+        <p:txBody>
+          <a:bodyPr wrap="none" rtlCol="0">
+            <a:spAutoFit/>
+          </a:bodyPr>
+          <a:lstStyle/>
+          <a:p>
+            <a:r>
+              <a:rPr lang="en-US" dirty="0"/>
+              <a:t>3</a:t>
+            </a:r>
+            <a:endParaRPr lang="en-US" dirty="0"/>
+          </a:p>
+        </p:txBody>
+      </p:sp>
     </p:spTree>
     <p:extLst>
       <p:ext uri="{BB962C8B-B14F-4D97-AF65-F5344CB8AC3E}">
@@ -8443,6 +9677,36 @@
           </a:p>
         </p:txBody>
       </p:sp>
+      <p:sp>
+        <p:nvSpPr>
+          <p:cNvPr id="8" name="TextBox 7"/>
+          <p:cNvSpPr txBox="1"/>
+          <p:nvPr/>
+        </p:nvSpPr>
+        <p:spPr>
+          <a:xfrm>
+            <a:off x="8626475" y="6339959"/>
+            <a:ext cx="301660" cy="369332"/>
+          </a:xfrm>
+          <a:prstGeom prst="rect">
+            <a:avLst/>
+          </a:prstGeom>
+          <a:noFill/>
+        </p:spPr>
+        <p:txBody>
+          <a:bodyPr wrap="none" rtlCol="0">
+            <a:spAutoFit/>
+          </a:bodyPr>
+          <a:lstStyle/>
+          <a:p>
+            <a:r>
+              <a:rPr lang="en-US" dirty="0"/>
+              <a:t>4</a:t>
+            </a:r>
+            <a:endParaRPr lang="en-US" dirty="0"/>
+          </a:p>
+        </p:txBody>
+      </p:sp>
     </p:spTree>
     <p:extLst>
       <p:ext uri="{BB962C8B-B14F-4D97-AF65-F5344CB8AC3E}">
@@ -8474,7 +9738,7 @@
                             </p:stCondLst>
                             <p:childTnLst>
                               <p:par>
-                                <p:cTn id="5" presetID="31" presetClass="entr" presetSubtype="0" fill="hold" nodeType="clickEffect">
+                                <p:cTn id="5" presetID="1" presetClass="entr" presetSubtype="0" fill="hold" nodeType="clickEffect">
                                   <p:stCondLst>
                                     <p:cond delay="0"/>
                                   </p:stCondLst>
@@ -8497,83 +9761,6 @@
                                         <p:strVal val="visible"/>
                                       </p:to>
                                     </p:set>
-                                    <p:anim calcmode="lin" valueType="num">
-                                      <p:cBhvr>
-                                        <p:cTn id="7" dur="1000" fill="hold"/>
-                                        <p:tgtEl>
-                                          <p:spTgt spid="4"/>
-                                        </p:tgtEl>
-                                        <p:attrNameLst>
-                                          <p:attrName>ppt_w</p:attrName>
-                                        </p:attrNameLst>
-                                      </p:cBhvr>
-                                      <p:tavLst>
-                                        <p:tav tm="0">
-                                          <p:val>
-                                            <p:fltVal val="0"/>
-                                          </p:val>
-                                        </p:tav>
-                                        <p:tav tm="100000">
-                                          <p:val>
-                                            <p:strVal val="#ppt_w"/>
-                                          </p:val>
-                                        </p:tav>
-                                      </p:tavLst>
-                                    </p:anim>
-                                    <p:anim calcmode="lin" valueType="num">
-                                      <p:cBhvr>
-                                        <p:cTn id="8" dur="1000" fill="hold"/>
-                                        <p:tgtEl>
-                                          <p:spTgt spid="4"/>
-                                        </p:tgtEl>
-                                        <p:attrNameLst>
-                                          <p:attrName>ppt_h</p:attrName>
-                                        </p:attrNameLst>
-                                      </p:cBhvr>
-                                      <p:tavLst>
-                                        <p:tav tm="0">
-                                          <p:val>
-                                            <p:fltVal val="0"/>
-                                          </p:val>
-                                        </p:tav>
-                                        <p:tav tm="100000">
-                                          <p:val>
-                                            <p:strVal val="#ppt_h"/>
-                                          </p:val>
-                                        </p:tav>
-                                      </p:tavLst>
-                                    </p:anim>
-                                    <p:anim calcmode="lin" valueType="num">
-                                      <p:cBhvr>
-                                        <p:cTn id="9" dur="1000" fill="hold"/>
-                                        <p:tgtEl>
-                                          <p:spTgt spid="4"/>
-                                        </p:tgtEl>
-                                        <p:attrNameLst>
-                                          <p:attrName>style.rotation</p:attrName>
-                                        </p:attrNameLst>
-                                      </p:cBhvr>
-                                      <p:tavLst>
-                                        <p:tav tm="0">
-                                          <p:val>
-                                            <p:fltVal val="90"/>
-                                          </p:val>
-                                        </p:tav>
-                                        <p:tav tm="100000">
-                                          <p:val>
-                                            <p:fltVal val="0"/>
-                                          </p:val>
-                                        </p:tav>
-                                      </p:tavLst>
-                                    </p:anim>
-                                    <p:animEffect transition="in" filter="fade">
-                                      <p:cBhvr>
-                                        <p:cTn id="10" dur="1000"/>
-                                        <p:tgtEl>
-                                          <p:spTgt spid="4"/>
-                                        </p:tgtEl>
-                                      </p:cBhvr>
-                                    </p:animEffect>
                                   </p:childTnLst>
                                 </p:cTn>
                               </p:par>
@@ -8584,26 +9771,26 @@
                     </p:cTn>
                   </p:par>
                   <p:par>
-                    <p:cTn id="11" fill="hold">
+                    <p:cTn id="7" fill="hold">
                       <p:stCondLst>
                         <p:cond delay="indefinite"/>
                       </p:stCondLst>
                       <p:childTnLst>
                         <p:par>
-                          <p:cTn id="12" fill="hold">
+                          <p:cTn id="8" fill="hold">
                             <p:stCondLst>
                               <p:cond delay="0"/>
                             </p:stCondLst>
                             <p:childTnLst>
                               <p:par>
-                                <p:cTn id="13" presetID="16" presetClass="entr" presetSubtype="21" fill="hold" grpId="0" nodeType="clickEffect">
+                                <p:cTn id="9" presetID="1" presetClass="entr" presetSubtype="0" fill="hold" grpId="0" nodeType="clickEffect">
                                   <p:stCondLst>
                                     <p:cond delay="0"/>
                                   </p:stCondLst>
                                   <p:childTnLst>
                                     <p:set>
                                       <p:cBhvr>
-                                        <p:cTn id="14" dur="1" fill="hold">
+                                        <p:cTn id="10" dur="1" fill="hold">
                                           <p:stCondLst>
                                             <p:cond delay="0"/>
                                           </p:stCondLst>
@@ -8619,14 +9806,6 @@
                                         <p:strVal val="visible"/>
                                       </p:to>
                                     </p:set>
-                                    <p:animEffect transition="in" filter="barn(inVertical)">
-                                      <p:cBhvr>
-                                        <p:cTn id="15" dur="500"/>
-                                        <p:tgtEl>
-                                          <p:spTgt spid="7"/>
-                                        </p:tgtEl>
-                                      </p:cBhvr>
-                                    </p:animEffect>
                                   </p:childTnLst>
                                 </p:cTn>
                               </p:par>
@@ -8875,6 +10054,36 @@
           </a:p>
         </p:txBody>
       </p:sp>
+      <p:sp>
+        <p:nvSpPr>
+          <p:cNvPr id="4" name="TextBox 3"/>
+          <p:cNvSpPr txBox="1"/>
+          <p:nvPr/>
+        </p:nvSpPr>
+        <p:spPr>
+          <a:xfrm>
+            <a:off x="8626475" y="6339959"/>
+            <a:ext cx="301660" cy="369332"/>
+          </a:xfrm>
+          <a:prstGeom prst="rect">
+            <a:avLst/>
+          </a:prstGeom>
+          <a:noFill/>
+        </p:spPr>
+        <p:txBody>
+          <a:bodyPr wrap="none" rtlCol="0">
+            <a:spAutoFit/>
+          </a:bodyPr>
+          <a:lstStyle/>
+          <a:p>
+            <a:r>
+              <a:rPr lang="en-US" dirty="0" smtClean="0"/>
+              <a:t>5</a:t>
+            </a:r>
+            <a:endParaRPr lang="en-US" dirty="0"/>
+          </a:p>
+        </p:txBody>
+      </p:sp>
     </p:spTree>
     <p:extLst>
       <p:ext uri="{BB962C8B-B14F-4D97-AF65-F5344CB8AC3E}">
@@ -9256,6 +10465,36 @@
           </a:p>
         </p:txBody>
       </p:sp>
+      <p:sp>
+        <p:nvSpPr>
+          <p:cNvPr id="9" name="TextBox 8"/>
+          <p:cNvSpPr txBox="1"/>
+          <p:nvPr/>
+        </p:nvSpPr>
+        <p:spPr>
+          <a:xfrm>
+            <a:off x="8626475" y="6339959"/>
+            <a:ext cx="301660" cy="369332"/>
+          </a:xfrm>
+          <a:prstGeom prst="rect">
+            <a:avLst/>
+          </a:prstGeom>
+          <a:noFill/>
+        </p:spPr>
+        <p:txBody>
+          <a:bodyPr wrap="none" rtlCol="0">
+            <a:spAutoFit/>
+          </a:bodyPr>
+          <a:lstStyle/>
+          <a:p>
+            <a:r>
+              <a:rPr lang="en-US" dirty="0" smtClean="0"/>
+              <a:t>5</a:t>
+            </a:r>
+            <a:endParaRPr lang="en-US" dirty="0"/>
+          </a:p>
+        </p:txBody>
+      </p:sp>
     </p:spTree>
     <p:extLst>
       <p:ext uri="{BB962C8B-B14F-4D97-AF65-F5344CB8AC3E}">
@@ -9400,7 +10639,7 @@
         </p:nvSpPr>
         <p:spPr>
           <a:xfrm>
-            <a:off x="4176576" y="3829112"/>
+            <a:off x="4176576" y="3832349"/>
             <a:ext cx="4859871" cy="1200328"/>
           </a:xfrm>
           <a:prstGeom prst="rect">
@@ -9420,8 +10659,13 @@
             </a:pPr>
             <a:r>
               <a:rPr lang="en-US" sz="2400" dirty="0" smtClean="0"/>
-              <a:t>Auto-encoder learns a compressed representation of input</a:t>
-            </a:r>
+              <a:t>Auto-encoder learns a compressed representation of </a:t>
+            </a:r>
+            <a:r>
+              <a:rPr lang="en-US" sz="2400" dirty="0" smtClean="0"/>
+              <a:t>input</a:t>
+            </a:r>
+            <a:endParaRPr lang="en-US" sz="2400" dirty="0" smtClean="0"/>
           </a:p>
         </p:txBody>
       </p:sp>
@@ -9447,7 +10691,7 @@
           <a:graphicData uri="http://schemas.openxmlformats.org/presentationml/2006/ole">
             <mc:AlternateContent xmlns:mc="http://schemas.openxmlformats.org/markup-compatibility/2006">
               <mc:Choice xmlns:v="urn:schemas-microsoft-com:vml" Requires="v">
-                <p:oleObj spid="_x0000_s2102" name="Equation" r:id="rId4" imgW="1625600" imgH="1130300" progId="Equation.3">
+                <p:oleObj spid="_x0000_s2121" name="Equation" r:id="rId4" imgW="1625600" imgH="1130300" progId="Equation.3">
                   <p:embed/>
                 </p:oleObj>
               </mc:Choice>
@@ -9576,7 +10820,7 @@
           <a:graphicData uri="http://schemas.openxmlformats.org/presentationml/2006/ole">
             <mc:AlternateContent xmlns:mc="http://schemas.openxmlformats.org/markup-compatibility/2006">
               <mc:Choice xmlns:v="urn:schemas-microsoft-com:vml" Requires="v">
-                <p:oleObj spid="_x0000_s2103" name="Equation" r:id="rId6" imgW="2336800" imgH="1130300" progId="Equation.3">
+                <p:oleObj spid="_x0000_s2122" name="Equation" r:id="rId6" imgW="2336800" imgH="1130300" progId="Equation.3">
                   <p:embed/>
                 </p:oleObj>
               </mc:Choice>
@@ -9619,8 +10863,8 @@
         </p:nvSpPr>
         <p:spPr>
           <a:xfrm>
-            <a:off x="193027" y="5152110"/>
-            <a:ext cx="5609438" cy="1200328"/>
+            <a:off x="193027" y="5390235"/>
+            <a:ext cx="8735108" cy="830997"/>
           </a:xfrm>
           <a:prstGeom prst="rect">
             <a:avLst/>
@@ -9633,7 +10877,7 @@
           </a:bodyPr>
           <a:lstStyle/>
           <a:p>
-            <a:pPr marL="285750" indent="-285750">
+            <a:pPr marL="285750" indent="-285750" algn="ctr">
               <a:buFont typeface="Wingdings" charset="2"/>
               <a:buChar char="Ø"/>
             </a:pPr>
@@ -9643,6 +10887,7 @@
             </a:r>
           </a:p>
           <a:p>
+            <a:pPr algn="ctr"/>
             <a:endParaRPr lang="en-US" sz="2400" dirty="0"/>
           </a:p>
         </p:txBody>
@@ -9745,7 +10990,7 @@
           <a:graphicData uri="http://schemas.openxmlformats.org/presentationml/2006/ole">
             <mc:AlternateContent xmlns:mc="http://schemas.openxmlformats.org/markup-compatibility/2006">
               <mc:Choice xmlns:v="urn:schemas-microsoft-com:vml" Requires="v">
-                <p:oleObj spid="_x0000_s2104" name="Equation" r:id="rId8" imgW="266700" imgH="203200" progId="Equation.3">
+                <p:oleObj spid="_x0000_s2123" name="Equation" r:id="rId8" imgW="266700" imgH="203200" progId="Equation.3">
                   <p:embed/>
                 </p:oleObj>
               </mc:Choice>
@@ -9780,6 +11025,35 @@
           </a:graphicData>
         </a:graphic>
       </p:graphicFrame>
+      <p:sp>
+        <p:nvSpPr>
+          <p:cNvPr id="14" name="TextBox 13"/>
+          <p:cNvSpPr txBox="1"/>
+          <p:nvPr/>
+        </p:nvSpPr>
+        <p:spPr>
+          <a:xfrm>
+            <a:off x="8626475" y="6339959"/>
+            <a:ext cx="301660" cy="369332"/>
+          </a:xfrm>
+          <a:prstGeom prst="rect">
+            <a:avLst/>
+          </a:prstGeom>
+          <a:noFill/>
+        </p:spPr>
+        <p:txBody>
+          <a:bodyPr wrap="none" rtlCol="0">
+            <a:spAutoFit/>
+          </a:bodyPr>
+          <a:lstStyle/>
+          <a:p>
+            <a:r>
+              <a:rPr lang="en-US" dirty="0"/>
+              <a:t>6</a:t>
+            </a:r>
+          </a:p>
+        </p:txBody>
+      </p:sp>
     </p:spTree>
     <p:extLst>
       <p:ext uri="{BB962C8B-B14F-4D97-AF65-F5344CB8AC3E}">
@@ -9811,7 +11085,7 @@
                             </p:stCondLst>
                             <p:childTnLst>
                               <p:par>
-                                <p:cTn id="5" presetID="12" presetClass="entr" presetSubtype="4" fill="hold" nodeType="clickEffect">
+                                <p:cTn id="5" presetID="1" presetClass="entr" presetSubtype="0" fill="hold" nodeType="clickEffect">
                                   <p:stCondLst>
                                     <p:cond delay="0"/>
                                   </p:stCondLst>
@@ -9834,49 +11108,18 @@
                                         <p:strVal val="visible"/>
                                       </p:to>
                                     </p:set>
-                                    <p:anim calcmode="lin" valueType="num">
-                                      <p:cBhvr additive="base">
-                                        <p:cTn id="7" dur="500"/>
-                                        <p:tgtEl>
-                                          <p:spTgt spid="9"/>
-                                        </p:tgtEl>
-                                        <p:attrNameLst>
-                                          <p:attrName>ppt_y</p:attrName>
-                                        </p:attrNameLst>
-                                      </p:cBhvr>
-                                      <p:tavLst>
-                                        <p:tav tm="0">
-                                          <p:val>
-                                            <p:strVal val="#ppt_y+#ppt_h*1.125000"/>
-                                          </p:val>
-                                        </p:tav>
-                                        <p:tav tm="100000">
-                                          <p:val>
-                                            <p:strVal val="#ppt_y"/>
-                                          </p:val>
-                                        </p:tav>
-                                      </p:tavLst>
-                                    </p:anim>
-                                    <p:animEffect transition="in" filter="wipe(up)">
-                                      <p:cBhvr>
-                                        <p:cTn id="8" dur="500"/>
-                                        <p:tgtEl>
-                                          <p:spTgt spid="9"/>
-                                        </p:tgtEl>
-                                      </p:cBhvr>
-                                    </p:animEffect>
                                   </p:childTnLst>
                                 </p:cTn>
                               </p:par>
                               <p:par>
-                                <p:cTn id="9" presetID="12" presetClass="entr" presetSubtype="4" fill="hold" nodeType="withEffect">
+                                <p:cTn id="7" presetID="1" presetClass="entr" presetSubtype="0" fill="hold" nodeType="withEffect">
                                   <p:stCondLst>
                                     <p:cond delay="0"/>
                                   </p:stCondLst>
                                   <p:childTnLst>
                                     <p:set>
                                       <p:cBhvr>
-                                        <p:cTn id="10" dur="1" fill="hold">
+                                        <p:cTn id="8" dur="1" fill="hold">
                                           <p:stCondLst>
                                             <p:cond delay="0"/>
                                           </p:stCondLst>
@@ -9892,37 +11135,6 @@
                                         <p:strVal val="visible"/>
                                       </p:to>
                                     </p:set>
-                                    <p:anim calcmode="lin" valueType="num">
-                                      <p:cBhvr additive="base">
-                                        <p:cTn id="11" dur="500"/>
-                                        <p:tgtEl>
-                                          <p:spTgt spid="11"/>
-                                        </p:tgtEl>
-                                        <p:attrNameLst>
-                                          <p:attrName>ppt_y</p:attrName>
-                                        </p:attrNameLst>
-                                      </p:cBhvr>
-                                      <p:tavLst>
-                                        <p:tav tm="0">
-                                          <p:val>
-                                            <p:strVal val="#ppt_y+#ppt_h*1.125000"/>
-                                          </p:val>
-                                        </p:tav>
-                                        <p:tav tm="100000">
-                                          <p:val>
-                                            <p:strVal val="#ppt_y"/>
-                                          </p:val>
-                                        </p:tav>
-                                      </p:tavLst>
-                                    </p:anim>
-                                    <p:animEffect transition="in" filter="wipe(up)">
-                                      <p:cBhvr>
-                                        <p:cTn id="12" dur="500"/>
-                                        <p:tgtEl>
-                                          <p:spTgt spid="11"/>
-                                        </p:tgtEl>
-                                      </p:cBhvr>
-                                    </p:animEffect>
                                   </p:childTnLst>
                                 </p:cTn>
                               </p:par>
@@ -9933,26 +11145,26 @@
                     </p:cTn>
                   </p:par>
                   <p:par>
-                    <p:cTn id="13" fill="hold">
+                    <p:cTn id="9" fill="hold">
                       <p:stCondLst>
                         <p:cond delay="indefinite"/>
                       </p:stCondLst>
                       <p:childTnLst>
                         <p:par>
-                          <p:cTn id="14" fill="hold">
+                          <p:cTn id="10" fill="hold">
                             <p:stCondLst>
                               <p:cond delay="0"/>
                             </p:stCondLst>
                             <p:childTnLst>
                               <p:par>
-                                <p:cTn id="15" presetID="12" presetClass="entr" presetSubtype="4" fill="hold" nodeType="clickEffect">
+                                <p:cTn id="11" presetID="1" presetClass="entr" presetSubtype="0" fill="hold" nodeType="clickEffect">
                                   <p:stCondLst>
                                     <p:cond delay="0"/>
                                   </p:stCondLst>
                                   <p:childTnLst>
                                     <p:set>
                                       <p:cBhvr>
-                                        <p:cTn id="16" dur="1" fill="hold">
+                                        <p:cTn id="12" dur="1" fill="hold">
                                           <p:stCondLst>
                                             <p:cond delay="0"/>
                                           </p:stCondLst>
@@ -9968,49 +11180,18 @@
                                         <p:strVal val="visible"/>
                                       </p:to>
                                     </p:set>
-                                    <p:anim calcmode="lin" valueType="num">
-                                      <p:cBhvr additive="base">
-                                        <p:cTn id="17" dur="500"/>
-                                        <p:tgtEl>
-                                          <p:spTgt spid="12"/>
-                                        </p:tgtEl>
-                                        <p:attrNameLst>
-                                          <p:attrName>ppt_y</p:attrName>
-                                        </p:attrNameLst>
-                                      </p:cBhvr>
-                                      <p:tavLst>
-                                        <p:tav tm="0">
-                                          <p:val>
-                                            <p:strVal val="#ppt_y+#ppt_h*1.125000"/>
-                                          </p:val>
-                                        </p:tav>
-                                        <p:tav tm="100000">
-                                          <p:val>
-                                            <p:strVal val="#ppt_y"/>
-                                          </p:val>
-                                        </p:tav>
-                                      </p:tavLst>
-                                    </p:anim>
-                                    <p:animEffect transition="in" filter="wipe(up)">
-                                      <p:cBhvr>
-                                        <p:cTn id="18" dur="500"/>
-                                        <p:tgtEl>
-                                          <p:spTgt spid="12"/>
-                                        </p:tgtEl>
-                                      </p:cBhvr>
-                                    </p:animEffect>
                                   </p:childTnLst>
                                 </p:cTn>
                               </p:par>
                               <p:par>
-                                <p:cTn id="19" presetID="12" presetClass="entr" presetSubtype="4" fill="hold" nodeType="withEffect">
+                                <p:cTn id="13" presetID="1" presetClass="entr" presetSubtype="0" fill="hold" nodeType="withEffect">
                                   <p:stCondLst>
                                     <p:cond delay="0"/>
                                   </p:stCondLst>
                                   <p:childTnLst>
                                     <p:set>
                                       <p:cBhvr>
-                                        <p:cTn id="20" dur="1" fill="hold">
+                                        <p:cTn id="14" dur="1" fill="hold">
                                           <p:stCondLst>
                                             <p:cond delay="0"/>
                                           </p:stCondLst>
@@ -10026,37 +11207,6 @@
                                         <p:strVal val="visible"/>
                                       </p:to>
                                     </p:set>
-                                    <p:anim calcmode="lin" valueType="num">
-                                      <p:cBhvr additive="base">
-                                        <p:cTn id="21" dur="500"/>
-                                        <p:tgtEl>
-                                          <p:spTgt spid="13"/>
-                                        </p:tgtEl>
-                                        <p:attrNameLst>
-                                          <p:attrName>ppt_y</p:attrName>
-                                        </p:attrNameLst>
-                                      </p:cBhvr>
-                                      <p:tavLst>
-                                        <p:tav tm="0">
-                                          <p:val>
-                                            <p:strVal val="#ppt_y+#ppt_h*1.125000"/>
-                                          </p:val>
-                                        </p:tav>
-                                        <p:tav tm="100000">
-                                          <p:val>
-                                            <p:strVal val="#ppt_y"/>
-                                          </p:val>
-                                        </p:tav>
-                                      </p:tavLst>
-                                    </p:anim>
-                                    <p:animEffect transition="in" filter="wipe(up)">
-                                      <p:cBhvr>
-                                        <p:cTn id="22" dur="500"/>
-                                        <p:tgtEl>
-                                          <p:spTgt spid="13"/>
-                                        </p:tgtEl>
-                                      </p:cBhvr>
-                                    </p:animEffect>
                                   </p:childTnLst>
                                 </p:cTn>
                               </p:par>
@@ -10067,26 +11217,26 @@
                     </p:cTn>
                   </p:par>
                   <p:par>
-                    <p:cTn id="23" fill="hold">
+                    <p:cTn id="15" fill="hold">
                       <p:stCondLst>
                         <p:cond delay="indefinite"/>
                       </p:stCondLst>
                       <p:childTnLst>
                         <p:par>
-                          <p:cTn id="24" fill="hold">
+                          <p:cTn id="16" fill="hold">
                             <p:stCondLst>
                               <p:cond delay="0"/>
                             </p:stCondLst>
                             <p:childTnLst>
                               <p:par>
-                                <p:cTn id="25" presetID="12" presetClass="entr" presetSubtype="4" fill="hold" nodeType="clickEffect">
+                                <p:cTn id="17" presetID="1" presetClass="entr" presetSubtype="0" fill="hold" nodeType="clickEffect">
                                   <p:stCondLst>
                                     <p:cond delay="0"/>
                                   </p:stCondLst>
                                   <p:childTnLst>
                                     <p:set>
                                       <p:cBhvr>
-                                        <p:cTn id="26" dur="1" fill="hold">
+                                        <p:cTn id="18" dur="1" fill="hold">
                                           <p:stCondLst>
                                             <p:cond delay="0"/>
                                           </p:stCondLst>
@@ -10102,49 +11252,18 @@
                                         <p:strVal val="visible"/>
                                       </p:to>
                                     </p:set>
-                                    <p:anim calcmode="lin" valueType="num">
-                                      <p:cBhvr additive="base">
-                                        <p:cTn id="27" dur="500"/>
-                                        <p:tgtEl>
-                                          <p:spTgt spid="17"/>
-                                        </p:tgtEl>
-                                        <p:attrNameLst>
-                                          <p:attrName>ppt_y</p:attrName>
-                                        </p:attrNameLst>
-                                      </p:cBhvr>
-                                      <p:tavLst>
-                                        <p:tav tm="0">
-                                          <p:val>
-                                            <p:strVal val="#ppt_y+#ppt_h*1.125000"/>
-                                          </p:val>
-                                        </p:tav>
-                                        <p:tav tm="100000">
-                                          <p:val>
-                                            <p:strVal val="#ppt_y"/>
-                                          </p:val>
-                                        </p:tav>
-                                      </p:tavLst>
-                                    </p:anim>
-                                    <p:animEffect transition="in" filter="wipe(up)">
-                                      <p:cBhvr>
-                                        <p:cTn id="28" dur="500"/>
-                                        <p:tgtEl>
-                                          <p:spTgt spid="17"/>
-                                        </p:tgtEl>
-                                      </p:cBhvr>
-                                    </p:animEffect>
                                   </p:childTnLst>
                                 </p:cTn>
                               </p:par>
                               <p:par>
-                                <p:cTn id="29" presetID="12" presetClass="entr" presetSubtype="4" fill="hold" nodeType="withEffect">
+                                <p:cTn id="19" presetID="1" presetClass="entr" presetSubtype="0" fill="hold" nodeType="withEffect">
                                   <p:stCondLst>
                                     <p:cond delay="0"/>
                                   </p:stCondLst>
                                   <p:childTnLst>
                                     <p:set>
                                       <p:cBhvr>
-                                        <p:cTn id="30" dur="1" fill="hold">
+                                        <p:cTn id="20" dur="1" fill="hold">
                                           <p:stCondLst>
                                             <p:cond delay="0"/>
                                           </p:stCondLst>
@@ -10160,49 +11279,18 @@
                                         <p:strVal val="visible"/>
                                       </p:to>
                                     </p:set>
-                                    <p:anim calcmode="lin" valueType="num">
-                                      <p:cBhvr additive="base">
-                                        <p:cTn id="31" dur="500"/>
-                                        <p:tgtEl>
-                                          <p:spTgt spid="29"/>
-                                        </p:tgtEl>
-                                        <p:attrNameLst>
-                                          <p:attrName>ppt_y</p:attrName>
-                                        </p:attrNameLst>
-                                      </p:cBhvr>
-                                      <p:tavLst>
-                                        <p:tav tm="0">
-                                          <p:val>
-                                            <p:strVal val="#ppt_y+#ppt_h*1.125000"/>
-                                          </p:val>
-                                        </p:tav>
-                                        <p:tav tm="100000">
-                                          <p:val>
-                                            <p:strVal val="#ppt_y"/>
-                                          </p:val>
-                                        </p:tav>
-                                      </p:tavLst>
-                                    </p:anim>
-                                    <p:animEffect transition="in" filter="wipe(up)">
-                                      <p:cBhvr>
-                                        <p:cTn id="32" dur="500"/>
-                                        <p:tgtEl>
-                                          <p:spTgt spid="29"/>
-                                        </p:tgtEl>
-                                      </p:cBhvr>
-                                    </p:animEffect>
                                   </p:childTnLst>
                                 </p:cTn>
                               </p:par>
                               <p:par>
-                                <p:cTn id="33" presetID="12" presetClass="entr" presetSubtype="4" fill="hold" nodeType="withEffect">
+                                <p:cTn id="21" presetID="1" presetClass="entr" presetSubtype="0" fill="hold" nodeType="withEffect">
                                   <p:stCondLst>
                                     <p:cond delay="0"/>
                                   </p:stCondLst>
                                   <p:childTnLst>
                                     <p:set>
                                       <p:cBhvr>
-                                        <p:cTn id="34" dur="1" fill="hold">
+                                        <p:cTn id="22" dur="1" fill="hold">
                                           <p:stCondLst>
                                             <p:cond delay="0"/>
                                           </p:stCondLst>
@@ -10218,37 +11306,6 @@
                                         <p:strVal val="visible"/>
                                       </p:to>
                                     </p:set>
-                                    <p:anim calcmode="lin" valueType="num">
-                                      <p:cBhvr additive="base">
-                                        <p:cTn id="35" dur="500"/>
-                                        <p:tgtEl>
-                                          <p:spTgt spid="20"/>
-                                        </p:tgtEl>
-                                        <p:attrNameLst>
-                                          <p:attrName>ppt_y</p:attrName>
-                                        </p:attrNameLst>
-                                      </p:cBhvr>
-                                      <p:tavLst>
-                                        <p:tav tm="0">
-                                          <p:val>
-                                            <p:strVal val="#ppt_y+#ppt_h*1.125000"/>
-                                          </p:val>
-                                        </p:tav>
-                                        <p:tav tm="100000">
-                                          <p:val>
-                                            <p:strVal val="#ppt_y"/>
-                                          </p:val>
-                                        </p:tav>
-                                      </p:tavLst>
-                                    </p:anim>
-                                    <p:animEffect transition="in" filter="wipe(up)">
-                                      <p:cBhvr>
-                                        <p:cTn id="36" dur="500"/>
-                                        <p:tgtEl>
-                                          <p:spTgt spid="20"/>
-                                        </p:tgtEl>
-                                      </p:cBhvr>
-                                    </p:animEffect>
                                   </p:childTnLst>
                                 </p:cTn>
                               </p:par>
@@ -10284,6 +11341,324 @@
 </file>
 
 <file path=ppt/slides/slide8.xml><?xml version="1.0" encoding="utf-8"?>
+<p:sld xmlns:a="http://schemas.openxmlformats.org/drawingml/2006/main" xmlns:r="http://schemas.openxmlformats.org/officeDocument/2006/relationships" xmlns:p="http://schemas.openxmlformats.org/presentationml/2006/main">
+  <p:cSld>
+    <p:spTree>
+      <p:nvGrpSpPr>
+        <p:cNvPr id="1" name=""/>
+        <p:cNvGrpSpPr/>
+        <p:nvPr/>
+      </p:nvGrpSpPr>
+      <p:grpSpPr>
+        <a:xfrm>
+          <a:off x="0" y="0"/>
+          <a:ext cx="0" cy="0"/>
+          <a:chOff x="0" y="0"/>
+          <a:chExt cx="0" cy="0"/>
+        </a:xfrm>
+      </p:grpSpPr>
+      <p:sp>
+        <p:nvSpPr>
+          <p:cNvPr id="2" name="Title 1"/>
+          <p:cNvSpPr>
+            <a:spLocks noGrp="1"/>
+          </p:cNvSpPr>
+          <p:nvPr>
+            <p:ph type="title"/>
+          </p:nvPr>
+        </p:nvSpPr>
+        <p:spPr/>
+        <p:txBody>
+          <a:bodyPr/>
+          <a:lstStyle/>
+          <a:p>
+            <a:r>
+              <a:rPr lang="en-US" dirty="0" smtClean="0"/>
+              <a:t>Dataset</a:t>
+            </a:r>
+            <a:endParaRPr lang="en-US" dirty="0"/>
+          </a:p>
+        </p:txBody>
+      </p:sp>
+      <p:grpSp>
+        <p:nvGrpSpPr>
+          <p:cNvPr id="32" name="Group 31"/>
+          <p:cNvGrpSpPr/>
+          <p:nvPr/>
+        </p:nvGrpSpPr>
+        <p:grpSpPr>
+          <a:xfrm>
+            <a:off x="117649" y="2346325"/>
+            <a:ext cx="3152601" cy="3529048"/>
+            <a:chOff x="117649" y="2346325"/>
+            <a:chExt cx="3152601" cy="3529048"/>
+          </a:xfrm>
+        </p:grpSpPr>
+        <p:pic>
+          <p:nvPicPr>
+            <p:cNvPr id="21" name="Picture 20" descr="axa-trip.png"/>
+            <p:cNvPicPr>
+              <a:picLocks noChangeAspect="1"/>
+            </p:cNvPicPr>
+            <p:nvPr/>
+          </p:nvPicPr>
+          <p:blipFill>
+            <a:blip r:embed="rId2">
+              <a:extLst>
+                <a:ext uri="{28A0092B-C50C-407E-A947-70E740481C1C}">
+                  <a14:useLocalDpi xmlns:a14="http://schemas.microsoft.com/office/drawing/2010/main" val="0"/>
+                </a:ext>
+              </a:extLst>
+            </a:blip>
+            <a:stretch>
+              <a:fillRect/>
+            </a:stretch>
+          </p:blipFill>
+          <p:spPr>
+            <a:xfrm>
+              <a:off x="117649" y="2856309"/>
+              <a:ext cx="3152601" cy="2955564"/>
+            </a:xfrm>
+            <a:prstGeom prst="rect">
+              <a:avLst/>
+            </a:prstGeom>
+          </p:spPr>
+        </p:pic>
+        <p:pic>
+          <p:nvPicPr>
+            <p:cNvPr id="20" name="Picture 19" descr="axa-logo.png"/>
+            <p:cNvPicPr>
+              <a:picLocks noChangeAspect="1"/>
+            </p:cNvPicPr>
+            <p:nvPr/>
+          </p:nvPicPr>
+          <p:blipFill>
+            <a:blip r:embed="rId3">
+              <a:extLst>
+                <a:ext uri="{28A0092B-C50C-407E-A947-70E740481C1C}">
+                  <a14:useLocalDpi xmlns:a14="http://schemas.microsoft.com/office/drawing/2010/main" val="0"/>
+                </a:ext>
+              </a:extLst>
+            </a:blip>
+            <a:stretch>
+              <a:fillRect/>
+            </a:stretch>
+          </p:blipFill>
+          <p:spPr>
+            <a:xfrm>
+              <a:off x="1160636" y="2346325"/>
+              <a:ext cx="873125" cy="873125"/>
+            </a:xfrm>
+            <a:prstGeom prst="rect">
+              <a:avLst/>
+            </a:prstGeom>
+          </p:spPr>
+        </p:pic>
+        <p:sp>
+          <p:nvSpPr>
+            <p:cNvPr id="22" name="TextBox 21"/>
+            <p:cNvSpPr txBox="1"/>
+            <p:nvPr/>
+          </p:nvSpPr>
+          <p:spPr>
+            <a:xfrm>
+              <a:off x="451024" y="5506041"/>
+              <a:ext cx="2136601" cy="369332"/>
+            </a:xfrm>
+            <a:prstGeom prst="rect">
+              <a:avLst/>
+            </a:prstGeom>
+            <a:noFill/>
+          </p:spPr>
+          <p:txBody>
+            <a:bodyPr wrap="square" rtlCol="0">
+              <a:spAutoFit/>
+            </a:bodyPr>
+            <a:lstStyle/>
+            <a:p>
+              <a:pPr algn="ctr"/>
+              <a:r>
+                <a:rPr lang="en-US" dirty="0" smtClean="0">
+                  <a:latin typeface="Times"/>
+                  <a:cs typeface="Times"/>
+                </a:rPr>
+                <a:t>Dataset</a:t>
+              </a:r>
+              <a:endParaRPr lang="en-US" dirty="0">
+                <a:latin typeface="Times"/>
+                <a:cs typeface="Times"/>
+              </a:endParaRPr>
+            </a:p>
+          </p:txBody>
+        </p:sp>
+      </p:grpSp>
+      <p:sp>
+        <p:nvSpPr>
+          <p:cNvPr id="31" name="TextBox 30"/>
+          <p:cNvSpPr txBox="1"/>
+          <p:nvPr/>
+        </p:nvSpPr>
+        <p:spPr>
+          <a:xfrm>
+            <a:off x="8626475" y="6339959"/>
+            <a:ext cx="301660" cy="369332"/>
+          </a:xfrm>
+          <a:prstGeom prst="rect">
+            <a:avLst/>
+          </a:prstGeom>
+          <a:noFill/>
+        </p:spPr>
+        <p:txBody>
+          <a:bodyPr wrap="none" rtlCol="0">
+            <a:spAutoFit/>
+          </a:bodyPr>
+          <a:lstStyle/>
+          <a:p>
+            <a:r>
+              <a:rPr lang="en-US" dirty="0"/>
+              <a:t>7</a:t>
+            </a:r>
+          </a:p>
+        </p:txBody>
+      </p:sp>
+      <p:sp>
+        <p:nvSpPr>
+          <p:cNvPr id="33" name="TextBox 32"/>
+          <p:cNvSpPr txBox="1"/>
+          <p:nvPr/>
+        </p:nvSpPr>
+        <p:spPr>
+          <a:xfrm>
+            <a:off x="3540125" y="2270036"/>
+            <a:ext cx="5258197" cy="3046988"/>
+          </a:xfrm>
+          <a:prstGeom prst="rect">
+            <a:avLst/>
+          </a:prstGeom>
+          <a:noFill/>
+        </p:spPr>
+        <p:txBody>
+          <a:bodyPr wrap="square" rtlCol="0">
+            <a:spAutoFit/>
+          </a:bodyPr>
+          <a:lstStyle/>
+          <a:p>
+            <a:pPr marL="457200" indent="-457200">
+              <a:buFont typeface="Arial"/>
+              <a:buChar char="•"/>
+            </a:pPr>
+            <a:r>
+              <a:rPr lang="en-US" sz="2400" dirty="0" smtClean="0"/>
+              <a:t>Provided by </a:t>
+            </a:r>
+            <a:r>
+              <a:rPr lang="en-US" sz="2400" dirty="0" err="1" smtClean="0"/>
+              <a:t>Kaggle.com</a:t>
+            </a:r>
+            <a:endParaRPr lang="en-US" sz="2400" dirty="0" smtClean="0"/>
+          </a:p>
+          <a:p>
+            <a:pPr marL="457200" indent="-457200">
+              <a:buFont typeface="Arial"/>
+              <a:buChar char="•"/>
+            </a:pPr>
+            <a:r>
+              <a:rPr lang="en-US" sz="2400" dirty="0" smtClean="0"/>
+              <a:t>5.92 GB</a:t>
+            </a:r>
+          </a:p>
+          <a:p>
+            <a:pPr marL="457200" indent="-457200">
+              <a:buFont typeface="Arial"/>
+              <a:buChar char="•"/>
+            </a:pPr>
+            <a:r>
+              <a:rPr lang="en-US" sz="2400" dirty="0" smtClean="0"/>
+              <a:t>2736 Driver</a:t>
+            </a:r>
+          </a:p>
+          <a:p>
+            <a:pPr marL="457200" indent="-457200">
+              <a:buFont typeface="Arial"/>
+              <a:buChar char="•"/>
+            </a:pPr>
+            <a:r>
+              <a:rPr lang="en-US" sz="2400" dirty="0" smtClean="0"/>
+              <a:t>200 Trips each</a:t>
+            </a:r>
+          </a:p>
+          <a:p>
+            <a:pPr marL="457200" indent="-457200">
+              <a:buFont typeface="Arial"/>
+              <a:buChar char="•"/>
+            </a:pPr>
+            <a:r>
+              <a:rPr lang="en-US" sz="2400" dirty="0" smtClean="0"/>
+              <a:t>X- / Y-coordinates</a:t>
+            </a:r>
+          </a:p>
+          <a:p>
+            <a:pPr marL="457200" indent="-457200">
+              <a:buFont typeface="Arial"/>
+              <a:buChar char="•"/>
+            </a:pPr>
+            <a:r>
+              <a:rPr lang="en-US" sz="2400" dirty="0"/>
+              <a:t>Folder- / File- based </a:t>
+            </a:r>
+            <a:r>
+              <a:rPr lang="en-US" sz="2400" dirty="0" smtClean="0"/>
+              <a:t>structure</a:t>
+            </a:r>
+          </a:p>
+          <a:p>
+            <a:pPr marL="457200" indent="-457200">
+              <a:buFont typeface="Arial"/>
+              <a:buChar char="•"/>
+            </a:pPr>
+            <a:r>
+              <a:rPr lang="en-US" sz="2400" dirty="0" err="1" smtClean="0"/>
+              <a:t>Anonymized</a:t>
+            </a:r>
+            <a:r>
+              <a:rPr lang="en-US" sz="2400" dirty="0" smtClean="0"/>
+              <a:t> by cropping &amp; rotation</a:t>
+            </a:r>
+          </a:p>
+          <a:p>
+            <a:pPr marL="457200" indent="-457200">
+              <a:buFont typeface="Arial"/>
+              <a:buChar char="•"/>
+            </a:pPr>
+            <a:r>
+              <a:rPr lang="en-US" sz="2400" dirty="0" smtClean="0"/>
+              <a:t>Trips start at (0,0)c</a:t>
+            </a:r>
+            <a:endParaRPr lang="en-US" sz="2400" dirty="0" smtClean="0"/>
+          </a:p>
+        </p:txBody>
+      </p:sp>
+    </p:spTree>
+    <p:extLst>
+      <p:ext uri="{BB962C8B-B14F-4D97-AF65-F5344CB8AC3E}">
+        <p14:creationId xmlns:p14="http://schemas.microsoft.com/office/powerpoint/2010/main" val="289123914"/>
+      </p:ext>
+    </p:extLst>
+  </p:cSld>
+  <p:clrMapOvr>
+    <a:masterClrMapping/>
+  </p:clrMapOvr>
+  <p:timing>
+    <p:tnLst>
+      <p:par>
+        <p:cTn xmlns:p14="http://schemas.microsoft.com/office/powerpoint/2010/main" id="1" dur="indefinite" restart="never" nodeType="tmRoot"/>
+      </p:par>
+    </p:tnLst>
+  </p:timing>
+</p:sld>
+</file>
+
+<file path=ppt/slides/slide9.xml><?xml version="1.0" encoding="utf-8"?>
 <p:sld xmlns:a="http://schemas.openxmlformats.org/drawingml/2006/main" xmlns:r="http://schemas.openxmlformats.org/officeDocument/2006/relationships" xmlns:p="http://schemas.openxmlformats.org/presentationml/2006/main">
   <p:cSld>
     <p:spTree>
@@ -10826,7 +12201,7 @@
             <p:nvPr>
               <p:extLst>
                 <p:ext uri="{D42A27DB-BD31-4B8C-83A1-F6EECF244321}">
-                  <p14:modId xmlns:p14="http://schemas.microsoft.com/office/powerpoint/2010/main" val="699722091"/>
+                  <p14:modId xmlns:p14="http://schemas.microsoft.com/office/powerpoint/2010/main" val="1433985131"/>
                 </p:ext>
               </p:extLst>
             </p:nvPr>
@@ -10839,7 +12214,7 @@
             <a:graphicData uri="http://schemas.openxmlformats.org/presentationml/2006/ole">
               <mc:AlternateContent xmlns:mc="http://schemas.openxmlformats.org/markup-compatibility/2006">
                 <mc:Choice xmlns:v="urn:schemas-microsoft-com:vml" Requires="v">
-                  <p:oleObj spid="_x0000_s3086" name="Equation" r:id="rId7" imgW="1981200" imgH="1397000" progId="Equation.3">
+                  <p:oleObj spid="_x0000_s1029" name="Equation" r:id="rId7" imgW="1981200" imgH="1397000" progId="Equation.3">
                     <p:embed/>
                   </p:oleObj>
                 </mc:Choice>
@@ -11257,10 +12632,67 @@
           </a:p>
         </p:txBody>
       </p:sp>
+      <p:sp>
+        <p:nvSpPr>
+          <p:cNvPr id="31" name="TextBox 30"/>
+          <p:cNvSpPr txBox="1"/>
+          <p:nvPr/>
+        </p:nvSpPr>
+        <p:spPr>
+          <a:xfrm>
+            <a:off x="8626475" y="6339959"/>
+            <a:ext cx="301660" cy="369332"/>
+          </a:xfrm>
+          <a:prstGeom prst="rect">
+            <a:avLst/>
+          </a:prstGeom>
+          <a:noFill/>
+        </p:spPr>
+        <p:txBody>
+          <a:bodyPr wrap="none" rtlCol="0">
+            <a:spAutoFit/>
+          </a:bodyPr>
+          <a:lstStyle/>
+          <a:p>
+            <a:r>
+              <a:rPr lang="en-US" dirty="0" smtClean="0"/>
+              <a:t>8</a:t>
+            </a:r>
+            <a:endParaRPr lang="en-US" dirty="0"/>
+          </a:p>
+        </p:txBody>
+      </p:sp>
+      <p:pic>
+        <p:nvPicPr>
+          <p:cNvPr id="6" name="Picture 5"/>
+          <p:cNvPicPr>
+            <a:picLocks noChangeAspect="1"/>
+          </p:cNvPicPr>
+          <p:nvPr/>
+        </p:nvPicPr>
+        <p:blipFill>
+          <a:blip r:embed="rId9"/>
+          <a:stretch>
+            <a:fillRect/>
+          </a:stretch>
+        </p:blipFill>
+        <p:spPr>
+          <a:xfrm>
+            <a:off x="7937500" y="949216"/>
+            <a:ext cx="789145" cy="415340"/>
+          </a:xfrm>
+          <a:prstGeom prst="rect">
+            <a:avLst/>
+          </a:prstGeom>
+          <a:solidFill>
+            <a:srgbClr val="FFFFFF"/>
+          </a:solidFill>
+        </p:spPr>
+      </p:pic>
     </p:spTree>
     <p:extLst>
       <p:ext uri="{BB962C8B-B14F-4D97-AF65-F5344CB8AC3E}">
-        <p14:creationId xmlns:p14="http://schemas.microsoft.com/office/powerpoint/2010/main" val="289123914"/>
+        <p14:creationId xmlns:p14="http://schemas.microsoft.com/office/powerpoint/2010/main" val="172350972"/>
       </p:ext>
     </p:extLst>
   </p:cSld>
@@ -11288,7 +12720,7 @@
                             </p:stCondLst>
                             <p:childTnLst>
                               <p:par>
-                                <p:cTn id="5" presetID="12" presetClass="entr" presetSubtype="4" fill="hold" nodeType="clickEffect">
+                                <p:cTn id="5" presetID="1" presetClass="entr" presetSubtype="0" fill="hold" nodeType="clickEffect">
                                   <p:stCondLst>
                                     <p:cond delay="0"/>
                                   </p:stCondLst>
@@ -11311,49 +12743,18 @@
                                         <p:strVal val="visible"/>
                                       </p:to>
                                     </p:set>
-                                    <p:anim calcmode="lin" valueType="num">
-                                      <p:cBhvr additive="base">
-                                        <p:cTn id="7" dur="500"/>
-                                        <p:tgtEl>
-                                          <p:spTgt spid="42"/>
-                                        </p:tgtEl>
-                                        <p:attrNameLst>
-                                          <p:attrName>ppt_y</p:attrName>
-                                        </p:attrNameLst>
-                                      </p:cBhvr>
-                                      <p:tavLst>
-                                        <p:tav tm="0">
-                                          <p:val>
-                                            <p:strVal val="#ppt_y+#ppt_h*1.125000"/>
-                                          </p:val>
-                                        </p:tav>
-                                        <p:tav tm="100000">
-                                          <p:val>
-                                            <p:strVal val="#ppt_y"/>
-                                          </p:val>
-                                        </p:tav>
-                                      </p:tavLst>
-                                    </p:anim>
-                                    <p:animEffect transition="in" filter="wipe(up)">
-                                      <p:cBhvr>
-                                        <p:cTn id="8" dur="500"/>
-                                        <p:tgtEl>
-                                          <p:spTgt spid="42"/>
-                                        </p:tgtEl>
-                                      </p:cBhvr>
-                                    </p:animEffect>
                                   </p:childTnLst>
                                 </p:cTn>
                               </p:par>
                               <p:par>
-                                <p:cTn id="9" presetID="12" presetClass="entr" presetSubtype="4" fill="hold" nodeType="withEffect">
+                                <p:cTn id="7" presetID="1" presetClass="entr" presetSubtype="0" fill="hold" nodeType="withEffect">
                                   <p:stCondLst>
                                     <p:cond delay="0"/>
                                   </p:stCondLst>
                                   <p:childTnLst>
                                     <p:set>
                                       <p:cBhvr>
-                                        <p:cTn id="10" dur="1" fill="hold">
+                                        <p:cTn id="8" dur="1" fill="hold">
                                           <p:stCondLst>
                                             <p:cond delay="0"/>
                                           </p:stCondLst>
@@ -11369,37 +12770,51 @@
                                         <p:strVal val="visible"/>
                                       </p:to>
                                     </p:set>
-                                    <p:anim calcmode="lin" valueType="num">
-                                      <p:cBhvr additive="base">
-                                        <p:cTn id="11" dur="500"/>
+                                  </p:childTnLst>
+                                </p:cTn>
+                              </p:par>
+                            </p:childTnLst>
+                          </p:cTn>
+                        </p:par>
+                      </p:childTnLst>
+                    </p:cTn>
+                  </p:par>
+                  <p:par>
+                    <p:cTn id="9" fill="hold">
+                      <p:stCondLst>
+                        <p:cond delay="indefinite"/>
+                      </p:stCondLst>
+                      <p:childTnLst>
+                        <p:par>
+                          <p:cTn id="10" fill="hold">
+                            <p:stCondLst>
+                              <p:cond delay="0"/>
+                            </p:stCondLst>
+                            <p:childTnLst>
+                              <p:par>
+                                <p:cTn id="11" presetID="1" presetClass="entr" presetSubtype="0" fill="hold" nodeType="clickEffect">
+                                  <p:stCondLst>
+                                    <p:cond delay="0"/>
+                                  </p:stCondLst>
+                                  <p:childTnLst>
+                                    <p:set>
+                                      <p:cBhvr>
+                                        <p:cTn id="12" dur="1" fill="hold">
+                                          <p:stCondLst>
+                                            <p:cond delay="0"/>
+                                          </p:stCondLst>
+                                        </p:cTn>
                                         <p:tgtEl>
-                                          <p:spTgt spid="34"/>
+                                          <p:spTgt spid="60"/>
                                         </p:tgtEl>
                                         <p:attrNameLst>
-                                          <p:attrName>ppt_y</p:attrName>
+                                          <p:attrName>style.visibility</p:attrName>
                                         </p:attrNameLst>
                                       </p:cBhvr>
-                                      <p:tavLst>
-                                        <p:tav tm="0">
-                                          <p:val>
-                                            <p:strVal val="#ppt_y+#ppt_h*1.125000"/>
-                                          </p:val>
-                                        </p:tav>
-                                        <p:tav tm="100000">
-                                          <p:val>
-                                            <p:strVal val="#ppt_y"/>
-                                          </p:val>
-                                        </p:tav>
-                                      </p:tavLst>
-                                    </p:anim>
-                                    <p:animEffect transition="in" filter="wipe(up)">
-                                      <p:cBhvr>
-                                        <p:cTn id="12" dur="500"/>
-                                        <p:tgtEl>
-                                          <p:spTgt spid="34"/>
-                                        </p:tgtEl>
-                                      </p:cBhvr>
-                                    </p:animEffect>
+                                      <p:to>
+                                        <p:strVal val="visible"/>
+                                      </p:to>
+                                    </p:set>
                                   </p:childTnLst>
                                 </p:cTn>
                               </p:par>
@@ -11422,7 +12837,7 @@
                             </p:stCondLst>
                             <p:childTnLst>
                               <p:par>
-                                <p:cTn id="15" presetID="12" presetClass="entr" presetSubtype="4" fill="hold" nodeType="clickEffect">
+                                <p:cTn id="15" presetID="1" presetClass="entr" presetSubtype="0" fill="hold" nodeType="clickEffect">
                                   <p:stCondLst>
                                     <p:cond delay="0"/>
                                   </p:stCondLst>
@@ -11430,82 +12845,6 @@
                                     <p:set>
                                       <p:cBhvr>
                                         <p:cTn id="16" dur="1" fill="hold">
-                                          <p:stCondLst>
-                                            <p:cond delay="0"/>
-                                          </p:stCondLst>
-                                        </p:cTn>
-                                        <p:tgtEl>
-                                          <p:spTgt spid="60"/>
-                                        </p:tgtEl>
-                                        <p:attrNameLst>
-                                          <p:attrName>style.visibility</p:attrName>
-                                        </p:attrNameLst>
-                                      </p:cBhvr>
-                                      <p:to>
-                                        <p:strVal val="visible"/>
-                                      </p:to>
-                                    </p:set>
-                                    <p:anim calcmode="lin" valueType="num">
-                                      <p:cBhvr additive="base">
-                                        <p:cTn id="17" dur="500"/>
-                                        <p:tgtEl>
-                                          <p:spTgt spid="60"/>
-                                        </p:tgtEl>
-                                        <p:attrNameLst>
-                                          <p:attrName>ppt_y</p:attrName>
-                                        </p:attrNameLst>
-                                      </p:cBhvr>
-                                      <p:tavLst>
-                                        <p:tav tm="0">
-                                          <p:val>
-                                            <p:strVal val="#ppt_y+#ppt_h*1.125000"/>
-                                          </p:val>
-                                        </p:tav>
-                                        <p:tav tm="100000">
-                                          <p:val>
-                                            <p:strVal val="#ppt_y"/>
-                                          </p:val>
-                                        </p:tav>
-                                      </p:tavLst>
-                                    </p:anim>
-                                    <p:animEffect transition="in" filter="wipe(up)">
-                                      <p:cBhvr>
-                                        <p:cTn id="18" dur="500"/>
-                                        <p:tgtEl>
-                                          <p:spTgt spid="60"/>
-                                        </p:tgtEl>
-                                      </p:cBhvr>
-                                    </p:animEffect>
-                                  </p:childTnLst>
-                                </p:cTn>
-                              </p:par>
-                            </p:childTnLst>
-                          </p:cTn>
-                        </p:par>
-                      </p:childTnLst>
-                    </p:cTn>
-                  </p:par>
-                  <p:par>
-                    <p:cTn id="19" fill="hold">
-                      <p:stCondLst>
-                        <p:cond delay="indefinite"/>
-                      </p:stCondLst>
-                      <p:childTnLst>
-                        <p:par>
-                          <p:cTn id="20" fill="hold">
-                            <p:stCondLst>
-                              <p:cond delay="0"/>
-                            </p:stCondLst>
-                            <p:childTnLst>
-                              <p:par>
-                                <p:cTn id="21" presetID="12" presetClass="entr" presetSubtype="4" fill="hold" nodeType="clickEffect">
-                                  <p:stCondLst>
-                                    <p:cond delay="0"/>
-                                  </p:stCondLst>
-                                  <p:childTnLst>
-                                    <p:set>
-                                      <p:cBhvr>
-                                        <p:cTn id="22" dur="1" fill="hold">
                                           <p:stCondLst>
                                             <p:cond delay="0"/>
                                           </p:stCondLst>
@@ -11521,49 +12860,18 @@
                                         <p:strVal val="visible"/>
                                       </p:to>
                                     </p:set>
-                                    <p:anim calcmode="lin" valueType="num">
-                                      <p:cBhvr additive="base">
-                                        <p:cTn id="23" dur="500"/>
-                                        <p:tgtEl>
-                                          <p:spTgt spid="43"/>
-                                        </p:tgtEl>
-                                        <p:attrNameLst>
-                                          <p:attrName>ppt_y</p:attrName>
-                                        </p:attrNameLst>
-                                      </p:cBhvr>
-                                      <p:tavLst>
-                                        <p:tav tm="0">
-                                          <p:val>
-                                            <p:strVal val="#ppt_y+#ppt_h*1.125000"/>
-                                          </p:val>
-                                        </p:tav>
-                                        <p:tav tm="100000">
-                                          <p:val>
-                                            <p:strVal val="#ppt_y"/>
-                                          </p:val>
-                                        </p:tav>
-                                      </p:tavLst>
-                                    </p:anim>
-                                    <p:animEffect transition="in" filter="wipe(up)">
-                                      <p:cBhvr>
-                                        <p:cTn id="24" dur="500"/>
-                                        <p:tgtEl>
-                                          <p:spTgt spid="43"/>
-                                        </p:tgtEl>
-                                      </p:cBhvr>
-                                    </p:animEffect>
                                   </p:childTnLst>
                                 </p:cTn>
                               </p:par>
                               <p:par>
-                                <p:cTn id="25" presetID="12" presetClass="entr" presetSubtype="4" fill="hold" nodeType="withEffect">
+                                <p:cTn id="17" presetID="1" presetClass="entr" presetSubtype="0" fill="hold" nodeType="withEffect">
                                   <p:stCondLst>
                                     <p:cond delay="0"/>
                                   </p:stCondLst>
                                   <p:childTnLst>
                                     <p:set>
                                       <p:cBhvr>
-                                        <p:cTn id="26" dur="1" fill="hold">
+                                        <p:cTn id="18" dur="1" fill="hold">
                                           <p:stCondLst>
                                             <p:cond delay="0"/>
                                           </p:stCondLst>
@@ -11579,49 +12887,18 @@
                                         <p:strVal val="visible"/>
                                       </p:to>
                                     </p:set>
-                                    <p:anim calcmode="lin" valueType="num">
-                                      <p:cBhvr additive="base">
-                                        <p:cTn id="27" dur="500"/>
-                                        <p:tgtEl>
-                                          <p:spTgt spid="4"/>
-                                        </p:tgtEl>
-                                        <p:attrNameLst>
-                                          <p:attrName>ppt_y</p:attrName>
-                                        </p:attrNameLst>
-                                      </p:cBhvr>
-                                      <p:tavLst>
-                                        <p:tav tm="0">
-                                          <p:val>
-                                            <p:strVal val="#ppt_y+#ppt_h*1.125000"/>
-                                          </p:val>
-                                        </p:tav>
-                                        <p:tav tm="100000">
-                                          <p:val>
-                                            <p:strVal val="#ppt_y"/>
-                                          </p:val>
-                                        </p:tav>
-                                      </p:tavLst>
-                                    </p:anim>
-                                    <p:animEffect transition="in" filter="wipe(up)">
-                                      <p:cBhvr>
-                                        <p:cTn id="28" dur="500"/>
-                                        <p:tgtEl>
-                                          <p:spTgt spid="4"/>
-                                        </p:tgtEl>
-                                      </p:cBhvr>
-                                    </p:animEffect>
                                   </p:childTnLst>
                                 </p:cTn>
                               </p:par>
                               <p:par>
-                                <p:cTn id="29" presetID="12" presetClass="entr" presetSubtype="4" fill="hold" grpId="0" nodeType="withEffect">
+                                <p:cTn id="19" presetID="1" presetClass="entr" presetSubtype="0" fill="hold" grpId="0" nodeType="withEffect">
                                   <p:stCondLst>
                                     <p:cond delay="0"/>
                                   </p:stCondLst>
                                   <p:childTnLst>
                                     <p:set>
                                       <p:cBhvr>
-                                        <p:cTn id="30" dur="1" fill="hold">
+                                        <p:cTn id="20" dur="1" fill="hold">
                                           <p:stCondLst>
                                             <p:cond delay="0"/>
                                           </p:stCondLst>
@@ -11637,49 +12914,18 @@
                                         <p:strVal val="visible"/>
                                       </p:to>
                                     </p:set>
-                                    <p:anim calcmode="lin" valueType="num">
-                                      <p:cBhvr additive="base">
-                                        <p:cTn id="31" dur="500"/>
-                                        <p:tgtEl>
-                                          <p:spTgt spid="52"/>
-                                        </p:tgtEl>
-                                        <p:attrNameLst>
-                                          <p:attrName>ppt_y</p:attrName>
-                                        </p:attrNameLst>
-                                      </p:cBhvr>
-                                      <p:tavLst>
-                                        <p:tav tm="0">
-                                          <p:val>
-                                            <p:strVal val="#ppt_y+#ppt_h*1.125000"/>
-                                          </p:val>
-                                        </p:tav>
-                                        <p:tav tm="100000">
-                                          <p:val>
-                                            <p:strVal val="#ppt_y"/>
-                                          </p:val>
-                                        </p:tav>
-                                      </p:tavLst>
-                                    </p:anim>
-                                    <p:animEffect transition="in" filter="wipe(up)">
-                                      <p:cBhvr>
-                                        <p:cTn id="32" dur="500"/>
-                                        <p:tgtEl>
-                                          <p:spTgt spid="52"/>
-                                        </p:tgtEl>
-                                      </p:cBhvr>
-                                    </p:animEffect>
                                   </p:childTnLst>
                                 </p:cTn>
                               </p:par>
                               <p:par>
-                                <p:cTn id="33" presetID="12" presetClass="entr" presetSubtype="4" fill="hold" grpId="0" nodeType="withEffect">
+                                <p:cTn id="21" presetID="1" presetClass="entr" presetSubtype="0" fill="hold" grpId="0" nodeType="withEffect">
                                   <p:stCondLst>
                                     <p:cond delay="0"/>
                                   </p:stCondLst>
                                   <p:childTnLst>
                                     <p:set>
                                       <p:cBhvr>
-                                        <p:cTn id="34" dur="1" fill="hold">
+                                        <p:cTn id="22" dur="1" fill="hold">
                                           <p:stCondLst>
                                             <p:cond delay="0"/>
                                           </p:stCondLst>
@@ -11695,37 +12941,33 @@
                                         <p:strVal val="visible"/>
                                       </p:to>
                                     </p:set>
-                                    <p:anim calcmode="lin" valueType="num">
-                                      <p:cBhvr additive="base">
-                                        <p:cTn id="35" dur="500"/>
+                                  </p:childTnLst>
+                                </p:cTn>
+                              </p:par>
+                              <p:par>
+                                <p:cTn id="23" presetID="1" presetClass="entr" presetSubtype="0" fill="hold" nodeType="withEffect">
+                                  <p:stCondLst>
+                                    <p:cond delay="0"/>
+                                  </p:stCondLst>
+                                  <p:childTnLst>
+                                    <p:set>
+                                      <p:cBhvr>
+                                        <p:cTn id="24" dur="1" fill="hold">
+                                          <p:stCondLst>
+                                            <p:cond delay="0"/>
+                                          </p:stCondLst>
+                                        </p:cTn>
                                         <p:tgtEl>
-                                          <p:spTgt spid="53"/>
+                                          <p:spTgt spid="6"/>
                                         </p:tgtEl>
                                         <p:attrNameLst>
-                                          <p:attrName>ppt_y</p:attrName>
+                                          <p:attrName>style.visibility</p:attrName>
                                         </p:attrNameLst>
                                       </p:cBhvr>
-                                      <p:tavLst>
-                                        <p:tav tm="0">
-                                          <p:val>
-                                            <p:strVal val="#ppt_y+#ppt_h*1.125000"/>
-                                          </p:val>
-                                        </p:tav>
-                                        <p:tav tm="100000">
-                                          <p:val>
-                                            <p:strVal val="#ppt_y"/>
-                                          </p:val>
-                                        </p:tav>
-                                      </p:tavLst>
-                                    </p:anim>
-                                    <p:animEffect transition="in" filter="wipe(up)">
-                                      <p:cBhvr>
-                                        <p:cTn id="36" dur="500"/>
-                                        <p:tgtEl>
-                                          <p:spTgt spid="53"/>
-                                        </p:tgtEl>
-                                      </p:cBhvr>
-                                    </p:animEffect>
+                                      <p:to>
+                                        <p:strVal val="visible"/>
+                                      </p:to>
+                                    </p:set>
                                   </p:childTnLst>
                                 </p:cTn>
                               </p:par>
@@ -11736,26 +12978,26 @@
                     </p:cTn>
                   </p:par>
                   <p:par>
-                    <p:cTn id="37" fill="hold">
+                    <p:cTn id="25" fill="hold">
                       <p:stCondLst>
                         <p:cond delay="indefinite"/>
                       </p:stCondLst>
                       <p:childTnLst>
                         <p:par>
-                          <p:cTn id="38" fill="hold">
+                          <p:cTn id="26" fill="hold">
                             <p:stCondLst>
                               <p:cond delay="0"/>
                             </p:stCondLst>
                             <p:childTnLst>
                               <p:par>
-                                <p:cTn id="39" presetID="12" presetClass="entr" presetSubtype="4" fill="hold" nodeType="clickEffect">
+                                <p:cTn id="27" presetID="1" presetClass="entr" presetSubtype="0" fill="hold" nodeType="clickEffect">
                                   <p:stCondLst>
                                     <p:cond delay="0"/>
                                   </p:stCondLst>
                                   <p:childTnLst>
                                     <p:set>
                                       <p:cBhvr>
-                                        <p:cTn id="40" dur="1" fill="hold">
+                                        <p:cTn id="28" dur="1" fill="hold">
                                           <p:stCondLst>
                                             <p:cond delay="0"/>
                                           </p:stCondLst>
@@ -11771,49 +13013,18 @@
                                         <p:strVal val="visible"/>
                                       </p:to>
                                     </p:set>
-                                    <p:anim calcmode="lin" valueType="num">
-                                      <p:cBhvr additive="base">
-                                        <p:cTn id="41" dur="500"/>
-                                        <p:tgtEl>
-                                          <p:spTgt spid="54"/>
-                                        </p:tgtEl>
-                                        <p:attrNameLst>
-                                          <p:attrName>ppt_y</p:attrName>
-                                        </p:attrNameLst>
-                                      </p:cBhvr>
-                                      <p:tavLst>
-                                        <p:tav tm="0">
-                                          <p:val>
-                                            <p:strVal val="#ppt_y+#ppt_h*1.125000"/>
-                                          </p:val>
-                                        </p:tav>
-                                        <p:tav tm="100000">
-                                          <p:val>
-                                            <p:strVal val="#ppt_y"/>
-                                          </p:val>
-                                        </p:tav>
-                                      </p:tavLst>
-                                    </p:anim>
-                                    <p:animEffect transition="in" filter="wipe(up)">
-                                      <p:cBhvr>
-                                        <p:cTn id="42" dur="500"/>
-                                        <p:tgtEl>
-                                          <p:spTgt spid="54"/>
-                                        </p:tgtEl>
-                                      </p:cBhvr>
-                                    </p:animEffect>
                                   </p:childTnLst>
                                 </p:cTn>
                               </p:par>
                               <p:par>
-                                <p:cTn id="43" presetID="12" presetClass="entr" presetSubtype="4" fill="hold" grpId="0" nodeType="withEffect">
+                                <p:cTn id="29" presetID="1" presetClass="entr" presetSubtype="0" fill="hold" grpId="0" nodeType="withEffect">
                                   <p:stCondLst>
                                     <p:cond delay="0"/>
                                   </p:stCondLst>
                                   <p:childTnLst>
                                     <p:set>
                                       <p:cBhvr>
-                                        <p:cTn id="44" dur="1" fill="hold">
+                                        <p:cTn id="30" dur="1" fill="hold">
                                           <p:stCondLst>
                                             <p:cond delay="0"/>
                                           </p:stCondLst>
@@ -11829,37 +13040,6 @@
                                         <p:strVal val="visible"/>
                                       </p:to>
                                     </p:set>
-                                    <p:anim calcmode="lin" valueType="num">
-                                      <p:cBhvr additive="base">
-                                        <p:cTn id="45" dur="500"/>
-                                        <p:tgtEl>
-                                          <p:spTgt spid="59"/>
-                                        </p:tgtEl>
-                                        <p:attrNameLst>
-                                          <p:attrName>ppt_y</p:attrName>
-                                        </p:attrNameLst>
-                                      </p:cBhvr>
-                                      <p:tavLst>
-                                        <p:tav tm="0">
-                                          <p:val>
-                                            <p:strVal val="#ppt_y+#ppt_h*1.125000"/>
-                                          </p:val>
-                                        </p:tav>
-                                        <p:tav tm="100000">
-                                          <p:val>
-                                            <p:strVal val="#ppt_y"/>
-                                          </p:val>
-                                        </p:tav>
-                                      </p:tavLst>
-                                    </p:anim>
-                                    <p:animEffect transition="in" filter="wipe(up)">
-                                      <p:cBhvr>
-                                        <p:cTn id="46" dur="500"/>
-                                        <p:tgtEl>
-                                          <p:spTgt spid="59"/>
-                                        </p:tgtEl>
-                                      </p:cBhvr>
-                                    </p:animEffect>
                                   </p:childTnLst>
                                 </p:cTn>
                               </p:par>
@@ -11894,1026 +13074,6 @@
       <p:bldP spid="52" grpId="0" animBg="1"/>
       <p:bldP spid="53" grpId="0"/>
       <p:bldP spid="59" grpId="0"/>
-    </p:bldLst>
-  </p:timing>
-</p:sld>
-</file>
-
-<file path=ppt/slides/slide9.xml><?xml version="1.0" encoding="utf-8"?>
-<p:sld xmlns:a="http://schemas.openxmlformats.org/drawingml/2006/main" xmlns:r="http://schemas.openxmlformats.org/officeDocument/2006/relationships" xmlns:p="http://schemas.openxmlformats.org/presentationml/2006/main">
-  <p:cSld>
-    <p:spTree>
-      <p:nvGrpSpPr>
-        <p:cNvPr id="1" name=""/>
-        <p:cNvGrpSpPr/>
-        <p:nvPr/>
-      </p:nvGrpSpPr>
-      <p:grpSpPr>
-        <a:xfrm>
-          <a:off x="0" y="0"/>
-          <a:ext cx="0" cy="0"/>
-          <a:chOff x="0" y="0"/>
-          <a:chExt cx="0" cy="0"/>
-        </a:xfrm>
-      </p:grpSpPr>
-      <p:sp>
-        <p:nvSpPr>
-          <p:cNvPr id="2" name="Title 1"/>
-          <p:cNvSpPr>
-            <a:spLocks noGrp="1"/>
-          </p:cNvSpPr>
-          <p:nvPr>
-            <p:ph type="title"/>
-          </p:nvPr>
-        </p:nvSpPr>
-        <p:spPr/>
-        <p:txBody>
-          <a:bodyPr/>
-          <a:lstStyle/>
-          <a:p>
-            <a:r>
-              <a:rPr lang="en-US" dirty="0" smtClean="0"/>
-              <a:t>1</a:t>
-            </a:r>
-            <a:r>
-              <a:rPr lang="en-US" baseline="30000" dirty="0" smtClean="0"/>
-              <a:t>st</a:t>
-            </a:r>
-            <a:r>
-              <a:rPr lang="en-US" dirty="0" smtClean="0"/>
-              <a:t> Experiment</a:t>
-            </a:r>
-            <a:endParaRPr lang="en-US" dirty="0"/>
-          </a:p>
-        </p:txBody>
-      </p:sp>
-      <p:pic>
-        <p:nvPicPr>
-          <p:cNvPr id="4" name="Picture 3" descr="h2o-logo.jpg"/>
-          <p:cNvPicPr>
-            <a:picLocks noChangeAspect="1"/>
-          </p:cNvPicPr>
-          <p:nvPr/>
-        </p:nvPicPr>
-        <p:blipFill>
-          <a:blip r:embed="rId3">
-            <a:extLst>
-              <a:ext uri="{28A0092B-C50C-407E-A947-70E740481C1C}">
-                <a14:useLocalDpi xmlns:a14="http://schemas.microsoft.com/office/drawing/2010/main" val="0"/>
-              </a:ext>
-            </a:extLst>
-          </a:blip>
-          <a:stretch>
-            <a:fillRect/>
-          </a:stretch>
-        </p:blipFill>
-        <p:spPr>
-          <a:xfrm>
-            <a:off x="6857999" y="1380431"/>
-            <a:ext cx="1090491" cy="1090491"/>
-          </a:xfrm>
-          <a:prstGeom prst="rect">
-            <a:avLst/>
-          </a:prstGeom>
-        </p:spPr>
-      </p:pic>
-      <p:cxnSp>
-        <p:nvCxnSpPr>
-          <p:cNvPr id="36" name="Straight Arrow Connector 35"/>
-          <p:cNvCxnSpPr/>
-          <p:nvPr/>
-        </p:nvCxnSpPr>
-        <p:spPr>
-          <a:xfrm>
-            <a:off x="5144857" y="2127250"/>
-            <a:ext cx="1078143" cy="0"/>
-          </a:xfrm>
-          <a:prstGeom prst="straightConnector1">
-            <a:avLst/>
-          </a:prstGeom>
-          <a:ln>
-            <a:solidFill>
-              <a:schemeClr val="bg1">
-                <a:lumMod val="50000"/>
-              </a:schemeClr>
-            </a:solidFill>
-            <a:tailEnd type="arrow"/>
-          </a:ln>
-        </p:spPr>
-        <p:style>
-          <a:lnRef idx="2">
-            <a:schemeClr val="accent1"/>
-          </a:lnRef>
-          <a:fillRef idx="0">
-            <a:schemeClr val="accent1"/>
-          </a:fillRef>
-          <a:effectRef idx="1">
-            <a:schemeClr val="accent1"/>
-          </a:effectRef>
-          <a:fontRef idx="minor">
-            <a:schemeClr val="tx1"/>
-          </a:fontRef>
-        </p:style>
-      </p:cxnSp>
-      <p:grpSp>
-        <p:nvGrpSpPr>
-          <p:cNvPr id="6" name="Group 5"/>
-          <p:cNvGrpSpPr/>
-          <p:nvPr/>
-        </p:nvGrpSpPr>
-        <p:grpSpPr>
-          <a:xfrm>
-            <a:off x="3380017" y="1401763"/>
-            <a:ext cx="1685465" cy="1632585"/>
-            <a:chOff x="4046767" y="4702508"/>
-            <a:chExt cx="1685465" cy="1632585"/>
-          </a:xfrm>
-        </p:grpSpPr>
-        <p:graphicFrame>
-          <p:nvGraphicFramePr>
-            <p:cNvPr id="35" name="Object 34"/>
-            <p:cNvGraphicFramePr>
-              <a:graphicFrameLocks noChangeAspect="1"/>
-            </p:cNvGraphicFramePr>
-            <p:nvPr>
-              <p:extLst>
-                <p:ext uri="{D42A27DB-BD31-4B8C-83A1-F6EECF244321}">
-                  <p14:modId xmlns:p14="http://schemas.microsoft.com/office/powerpoint/2010/main" val="3323711360"/>
-                </p:ext>
-              </p:extLst>
-            </p:nvPr>
-          </p:nvGraphicFramePr>
-          <p:xfrm>
-            <a:off x="4127500" y="4702508"/>
-            <a:ext cx="1573281" cy="1109365"/>
-          </p:xfrm>
-          <a:graphic>
-            <a:graphicData uri="http://schemas.openxmlformats.org/presentationml/2006/ole">
-              <mc:AlternateContent xmlns:mc="http://schemas.openxmlformats.org/markup-compatibility/2006">
-                <mc:Choice xmlns:v="urn:schemas-microsoft-com:vml" Requires="v">
-                  <p:oleObj spid="_x0000_s5132" name="Equation" r:id="rId4" imgW="1981200" imgH="1397000" progId="Equation.3">
-                    <p:embed/>
-                  </p:oleObj>
-                </mc:Choice>
-                <mc:Fallback>
-                  <p:oleObj name="Equation" r:id="rId4" imgW="1981200" imgH="1397000" progId="Equation.3">
-                    <p:embed/>
-                    <p:pic>
-                      <p:nvPicPr>
-                        <p:cNvPr id="0" name=""/>
-                        <p:cNvPicPr/>
-                        <p:nvPr/>
-                      </p:nvPicPr>
-                      <p:blipFill>
-                        <a:blip r:embed="rId5"/>
-                        <a:stretch>
-                          <a:fillRect/>
-                        </a:stretch>
-                      </p:blipFill>
-                      <p:spPr>
-                        <a:xfrm>
-                          <a:off x="4127500" y="4702508"/>
-                          <a:ext cx="1573281" cy="1109365"/>
-                        </a:xfrm>
-                        <a:prstGeom prst="rect">
-                          <a:avLst/>
-                        </a:prstGeom>
-                      </p:spPr>
-                    </p:pic>
-                  </p:oleObj>
-                </mc:Fallback>
-              </mc:AlternateContent>
-            </a:graphicData>
-          </a:graphic>
-        </p:graphicFrame>
-        <p:sp>
-          <p:nvSpPr>
-            <p:cNvPr id="44" name="TextBox 43"/>
-            <p:cNvSpPr txBox="1"/>
-            <p:nvPr/>
-          </p:nvSpPr>
-          <p:spPr>
-            <a:xfrm>
-              <a:off x="4046767" y="5811873"/>
-              <a:ext cx="1685465" cy="523220"/>
-            </a:xfrm>
-            <a:prstGeom prst="rect">
-              <a:avLst/>
-            </a:prstGeom>
-            <a:noFill/>
-          </p:spPr>
-          <p:txBody>
-            <a:bodyPr wrap="square" rtlCol="0">
-              <a:spAutoFit/>
-            </a:bodyPr>
-            <a:lstStyle/>
-            <a:p>
-              <a:pPr algn="ctr"/>
-              <a:r>
-                <a:rPr lang="en-US" sz="1400" dirty="0" smtClean="0">
-                  <a:latin typeface="Times"/>
-                  <a:cs typeface="Times"/>
-                </a:rPr>
-                <a:t>Sample x Dimension matrix</a:t>
-              </a:r>
-              <a:endParaRPr lang="en-US" sz="1400" dirty="0">
-                <a:latin typeface="Times"/>
-                <a:cs typeface="Times"/>
-              </a:endParaRPr>
-            </a:p>
-          </p:txBody>
-        </p:sp>
-      </p:grpSp>
-      <p:sp>
-        <p:nvSpPr>
-          <p:cNvPr id="52" name="Rectangle 51"/>
-          <p:cNvSpPr/>
-          <p:nvPr/>
-        </p:nvSpPr>
-        <p:spPr>
-          <a:xfrm>
-            <a:off x="6429375" y="1291531"/>
-            <a:ext cx="1931380" cy="1660028"/>
-          </a:xfrm>
-          <a:prstGeom prst="rect">
-            <a:avLst/>
-          </a:prstGeom>
-          <a:noFill/>
-          <a:ln>
-            <a:solidFill>
-              <a:schemeClr val="tx1"/>
-            </a:solidFill>
-          </a:ln>
-        </p:spPr>
-        <p:style>
-          <a:lnRef idx="1">
-            <a:schemeClr val="accent1"/>
-          </a:lnRef>
-          <a:fillRef idx="3">
-            <a:schemeClr val="accent1"/>
-          </a:fillRef>
-          <a:effectRef idx="2">
-            <a:schemeClr val="accent1"/>
-          </a:effectRef>
-          <a:fontRef idx="minor">
-            <a:schemeClr val="lt1"/>
-          </a:fontRef>
-        </p:style>
-        <p:txBody>
-          <a:bodyPr rtlCol="0" anchor="ctr"/>
-          <a:lstStyle/>
-          <a:p>
-            <a:pPr algn="ctr"/>
-            <a:endParaRPr lang="en-US"/>
-          </a:p>
-        </p:txBody>
-      </p:sp>
-      <p:sp>
-        <p:nvSpPr>
-          <p:cNvPr id="53" name="TextBox 52"/>
-          <p:cNvSpPr txBox="1"/>
-          <p:nvPr/>
-        </p:nvSpPr>
-        <p:spPr>
-          <a:xfrm>
-            <a:off x="6492876" y="2500450"/>
-            <a:ext cx="2003424" cy="338554"/>
-          </a:xfrm>
-          <a:prstGeom prst="rect">
-            <a:avLst/>
-          </a:prstGeom>
-          <a:noFill/>
-        </p:spPr>
-        <p:txBody>
-          <a:bodyPr wrap="square" rtlCol="0">
-            <a:spAutoFit/>
-          </a:bodyPr>
-          <a:lstStyle/>
-          <a:p>
-            <a:r>
-              <a:rPr lang="en-US" sz="1600" dirty="0" smtClean="0">
-                <a:latin typeface="Times"/>
-                <a:cs typeface="Times"/>
-              </a:rPr>
-              <a:t>H</a:t>
-            </a:r>
-            <a:r>
-              <a:rPr lang="en-US" sz="1600" baseline="-25000" dirty="0" smtClean="0">
-                <a:latin typeface="Times"/>
-                <a:cs typeface="Times"/>
-              </a:rPr>
-              <a:t>2</a:t>
-            </a:r>
-            <a:r>
-              <a:rPr lang="en-US" sz="1600" dirty="0" smtClean="0">
-                <a:latin typeface="Times"/>
-                <a:cs typeface="Times"/>
-              </a:rPr>
-              <a:t>O.ai auto-encoder</a:t>
-            </a:r>
-            <a:endParaRPr lang="en-US" sz="1600" dirty="0">
-              <a:latin typeface="Times"/>
-              <a:cs typeface="Times"/>
-            </a:endParaRPr>
-          </a:p>
-        </p:txBody>
-      </p:sp>
-      <p:cxnSp>
-        <p:nvCxnSpPr>
-          <p:cNvPr id="55" name="Straight Arrow Connector 54"/>
-          <p:cNvCxnSpPr/>
-          <p:nvPr/>
-        </p:nvCxnSpPr>
-        <p:spPr>
-          <a:xfrm flipH="1">
-            <a:off x="5365750" y="3219450"/>
-            <a:ext cx="2047875" cy="304800"/>
-          </a:xfrm>
-          <a:prstGeom prst="straightConnector1">
-            <a:avLst/>
-          </a:prstGeom>
-          <a:ln>
-            <a:solidFill>
-              <a:schemeClr val="bg1">
-                <a:lumMod val="50000"/>
-              </a:schemeClr>
-            </a:solidFill>
-            <a:tailEnd type="arrow"/>
-          </a:ln>
-        </p:spPr>
-        <p:style>
-          <a:lnRef idx="2">
-            <a:schemeClr val="accent1"/>
-          </a:lnRef>
-          <a:fillRef idx="0">
-            <a:schemeClr val="accent1"/>
-          </a:fillRef>
-          <a:effectRef idx="1">
-            <a:schemeClr val="accent1"/>
-          </a:effectRef>
-          <a:fontRef idx="minor">
-            <a:schemeClr val="tx1"/>
-          </a:fontRef>
-        </p:style>
-      </p:cxnSp>
-      <p:sp>
-        <p:nvSpPr>
-          <p:cNvPr id="59" name="TextBox 58"/>
-          <p:cNvSpPr txBox="1"/>
-          <p:nvPr/>
-        </p:nvSpPr>
-        <p:spPr>
-          <a:xfrm>
-            <a:off x="3059329" y="3441700"/>
-            <a:ext cx="2069653" cy="1754327"/>
-          </a:xfrm>
-          <a:prstGeom prst="rect">
-            <a:avLst/>
-          </a:prstGeom>
-          <a:noFill/>
-        </p:spPr>
-        <p:txBody>
-          <a:bodyPr wrap="square" rtlCol="0">
-            <a:spAutoFit/>
-          </a:bodyPr>
-          <a:lstStyle/>
-          <a:p>
-            <a:pPr algn="ctr"/>
-            <a:r>
-              <a:rPr lang="en-US" dirty="0" smtClean="0">
-                <a:latin typeface="Times"/>
-                <a:cs typeface="Times"/>
-              </a:rPr>
-              <a:t>0.0021</a:t>
-            </a:r>
-          </a:p>
-          <a:p>
-            <a:pPr algn="ctr"/>
-            <a:r>
-              <a:rPr lang="en-US" dirty="0" smtClean="0">
-                <a:latin typeface="Times"/>
-                <a:cs typeface="Times"/>
-              </a:rPr>
-              <a:t>0.0170</a:t>
-            </a:r>
-          </a:p>
-          <a:p>
-            <a:pPr algn="ctr"/>
-            <a:r>
-              <a:rPr lang="en-US" dirty="0" smtClean="0">
-                <a:latin typeface="Times"/>
-                <a:cs typeface="Times"/>
-              </a:rPr>
-              <a:t>0.0019</a:t>
-            </a:r>
-          </a:p>
-          <a:p>
-            <a:pPr algn="ctr"/>
-            <a:r>
-              <a:rPr lang="en-US" dirty="0" smtClean="0">
-                <a:latin typeface="Times"/>
-                <a:cs typeface="Times"/>
-              </a:rPr>
-              <a:t>.</a:t>
-            </a:r>
-          </a:p>
-          <a:p>
-            <a:pPr algn="ctr"/>
-            <a:r>
-              <a:rPr lang="en-US" dirty="0" smtClean="0">
-                <a:latin typeface="Times"/>
-                <a:cs typeface="Times"/>
-              </a:rPr>
-              <a:t>.</a:t>
-            </a:r>
-          </a:p>
-          <a:p>
-            <a:pPr algn="ctr"/>
-            <a:r>
-              <a:rPr lang="en-US" sz="1600" dirty="0" smtClean="0">
-                <a:latin typeface="Times"/>
-                <a:cs typeface="Times"/>
-              </a:rPr>
-              <a:t>Confidence Scores</a:t>
-            </a:r>
-            <a:endParaRPr lang="en-US" sz="1600" dirty="0">
-              <a:latin typeface="Times"/>
-              <a:cs typeface="Times"/>
-            </a:endParaRPr>
-          </a:p>
-        </p:txBody>
-      </p:sp>
-      <p:sp>
-        <p:nvSpPr>
-          <p:cNvPr id="10" name="TextBox 9"/>
-          <p:cNvSpPr txBox="1"/>
-          <p:nvPr/>
-        </p:nvSpPr>
-        <p:spPr>
-          <a:xfrm>
-            <a:off x="285750" y="2084388"/>
-            <a:ext cx="3095625" cy="3108544"/>
-          </a:xfrm>
-          <a:prstGeom prst="rect">
-            <a:avLst/>
-          </a:prstGeom>
-          <a:noFill/>
-        </p:spPr>
-        <p:txBody>
-          <a:bodyPr wrap="square" rtlCol="0">
-            <a:spAutoFit/>
-          </a:bodyPr>
-          <a:lstStyle/>
-          <a:p>
-            <a:pPr marL="342900" indent="-342900">
-              <a:buFont typeface="Arial"/>
-              <a:buChar char="•"/>
-            </a:pPr>
-            <a:r>
-              <a:rPr lang="en-US" sz="2800" dirty="0" smtClean="0"/>
-              <a:t>One general model for all drivers</a:t>
-            </a:r>
-          </a:p>
-          <a:p>
-            <a:pPr marL="342900" indent="-342900">
-              <a:buFont typeface="Arial"/>
-              <a:buChar char="•"/>
-            </a:pPr>
-            <a:r>
-              <a:rPr lang="en-US" sz="2800" dirty="0" smtClean="0"/>
-              <a:t>Normalization of resulting confidence scores  </a:t>
-            </a:r>
-            <a:endParaRPr lang="en-US" sz="2800" dirty="0"/>
-          </a:p>
-        </p:txBody>
-      </p:sp>
-      <p:cxnSp>
-        <p:nvCxnSpPr>
-          <p:cNvPr id="38" name="Straight Arrow Connector 37"/>
-          <p:cNvCxnSpPr/>
-          <p:nvPr/>
-        </p:nvCxnSpPr>
-        <p:spPr>
-          <a:xfrm>
-            <a:off x="4669136" y="4017671"/>
-            <a:ext cx="983192" cy="490829"/>
-          </a:xfrm>
-          <a:prstGeom prst="straightConnector1">
-            <a:avLst/>
-          </a:prstGeom>
-          <a:ln>
-            <a:solidFill>
-              <a:srgbClr val="FF0000"/>
-            </a:solidFill>
-            <a:tailEnd type="arrow"/>
-          </a:ln>
-        </p:spPr>
-        <p:style>
-          <a:lnRef idx="2">
-            <a:schemeClr val="accent1"/>
-          </a:lnRef>
-          <a:fillRef idx="0">
-            <a:schemeClr val="accent1"/>
-          </a:fillRef>
-          <a:effectRef idx="1">
-            <a:schemeClr val="accent1"/>
-          </a:effectRef>
-          <a:fontRef idx="minor">
-            <a:schemeClr val="tx1"/>
-          </a:fontRef>
-        </p:style>
-      </p:cxnSp>
-      <p:pic>
-        <p:nvPicPr>
-          <p:cNvPr id="13" name="Picture 12" descr="kaggle-result-1.png"/>
-          <p:cNvPicPr>
-            <a:picLocks noChangeAspect="1"/>
-          </p:cNvPicPr>
-          <p:nvPr/>
-        </p:nvPicPr>
-        <p:blipFill>
-          <a:blip r:embed="rId6">
-            <a:alphaModFix amt="65000"/>
-            <a:extLst>
-              <a:ext uri="{28A0092B-C50C-407E-A947-70E740481C1C}">
-                <a14:useLocalDpi xmlns:a14="http://schemas.microsoft.com/office/drawing/2010/main" val="0"/>
-              </a:ext>
-            </a:extLst>
-          </a:blip>
-          <a:stretch>
-            <a:fillRect/>
-          </a:stretch>
-        </p:blipFill>
-        <p:spPr>
-          <a:xfrm>
-            <a:off x="6223000" y="4391915"/>
-            <a:ext cx="2537433" cy="801017"/>
-          </a:xfrm>
-          <a:prstGeom prst="rect">
-            <a:avLst/>
-          </a:prstGeom>
-        </p:spPr>
-      </p:pic>
-      <p:sp>
-        <p:nvSpPr>
-          <p:cNvPr id="15" name="Oval 14"/>
-          <p:cNvSpPr/>
-          <p:nvPr/>
-        </p:nvSpPr>
-        <p:spPr>
-          <a:xfrm>
-            <a:off x="5849937" y="3952887"/>
-            <a:ext cx="3127375" cy="1802968"/>
-          </a:xfrm>
-          <a:prstGeom prst="ellipse">
-            <a:avLst/>
-          </a:prstGeom>
-          <a:solidFill>
-            <a:schemeClr val="bg1">
-              <a:alpha val="0"/>
-            </a:schemeClr>
-          </a:solidFill>
-          <a:ln>
-            <a:solidFill>
-              <a:srgbClr val="FF0000"/>
-            </a:solidFill>
-          </a:ln>
-        </p:spPr>
-        <p:style>
-          <a:lnRef idx="1">
-            <a:schemeClr val="accent1"/>
-          </a:lnRef>
-          <a:fillRef idx="3">
-            <a:schemeClr val="accent1"/>
-          </a:fillRef>
-          <a:effectRef idx="2">
-            <a:schemeClr val="accent1"/>
-          </a:effectRef>
-          <a:fontRef idx="minor">
-            <a:schemeClr val="lt1"/>
-          </a:fontRef>
-        </p:style>
-        <p:txBody>
-          <a:bodyPr rtlCol="0" anchor="ctr"/>
-          <a:lstStyle/>
-          <a:p>
-            <a:pPr algn="ctr"/>
-            <a:endParaRPr lang="en-US"/>
-          </a:p>
-        </p:txBody>
-      </p:sp>
-      <p:sp>
-        <p:nvSpPr>
-          <p:cNvPr id="18" name="TextBox 17"/>
-          <p:cNvSpPr txBox="1"/>
-          <p:nvPr/>
-        </p:nvSpPr>
-        <p:spPr>
-          <a:xfrm>
-            <a:off x="6635750" y="4277739"/>
-            <a:ext cx="1555750" cy="523220"/>
-          </a:xfrm>
-          <a:prstGeom prst="rect">
-            <a:avLst/>
-          </a:prstGeom>
-          <a:noFill/>
-        </p:spPr>
-        <p:txBody>
-          <a:bodyPr wrap="square" rtlCol="0">
-            <a:spAutoFit/>
-          </a:bodyPr>
-          <a:lstStyle/>
-          <a:p>
-            <a:r>
-              <a:rPr lang="en-US" sz="2800" b="1" dirty="0" smtClean="0"/>
-              <a:t>0.53014</a:t>
-            </a:r>
-            <a:endParaRPr lang="en-US" sz="2800" b="1" dirty="0"/>
-          </a:p>
-        </p:txBody>
-      </p:sp>
-      <p:sp>
-        <p:nvSpPr>
-          <p:cNvPr id="19" name="TextBox 18"/>
-          <p:cNvSpPr txBox="1"/>
-          <p:nvPr/>
-        </p:nvSpPr>
-        <p:spPr>
-          <a:xfrm>
-            <a:off x="6445251" y="4815026"/>
-            <a:ext cx="1915504" cy="377905"/>
-          </a:xfrm>
-          <a:prstGeom prst="rect">
-            <a:avLst/>
-          </a:prstGeom>
-          <a:noFill/>
-        </p:spPr>
-        <p:txBody>
-          <a:bodyPr wrap="square" rtlCol="0">
-            <a:spAutoFit/>
-          </a:bodyPr>
-          <a:lstStyle/>
-          <a:p>
-            <a:pPr algn="ctr"/>
-            <a:r>
-              <a:rPr lang="en-US" b="1" dirty="0" smtClean="0"/>
-              <a:t>AUC value</a:t>
-            </a:r>
-            <a:endParaRPr lang="en-US" b="1" dirty="0"/>
-          </a:p>
-        </p:txBody>
-      </p:sp>
-    </p:spTree>
-    <p:extLst>
-      <p:ext uri="{BB962C8B-B14F-4D97-AF65-F5344CB8AC3E}">
-        <p14:creationId xmlns:p14="http://schemas.microsoft.com/office/powerpoint/2010/main" val="1259661460"/>
-      </p:ext>
-    </p:extLst>
-  </p:cSld>
-  <p:clrMapOvr>
-    <a:masterClrMapping/>
-  </p:clrMapOvr>
-  <p:timing>
-    <p:tnLst>
-      <p:par>
-        <p:cTn xmlns:p14="http://schemas.microsoft.com/office/powerpoint/2010/main" id="1" dur="indefinite" restart="never" nodeType="tmRoot">
-          <p:childTnLst>
-            <p:seq concurrent="1" nextAc="seek">
-              <p:cTn id="2" dur="indefinite" nodeType="mainSeq">
-                <p:childTnLst>
-                  <p:par>
-                    <p:cTn id="3" fill="hold">
-                      <p:stCondLst>
-                        <p:cond delay="indefinite"/>
-                      </p:stCondLst>
-                      <p:childTnLst>
-                        <p:par>
-                          <p:cTn id="4" fill="hold">
-                            <p:stCondLst>
-                              <p:cond delay="0"/>
-                            </p:stCondLst>
-                            <p:childTnLst>
-                              <p:par>
-                                <p:cTn id="5" presetID="12" presetClass="entr" presetSubtype="4" fill="hold" nodeType="clickEffect">
-                                  <p:stCondLst>
-                                    <p:cond delay="0"/>
-                                  </p:stCondLst>
-                                  <p:childTnLst>
-                                    <p:set>
-                                      <p:cBhvr>
-                                        <p:cTn id="6" dur="1" fill="hold">
-                                          <p:stCondLst>
-                                            <p:cond delay="0"/>
-                                          </p:stCondLst>
-                                        </p:cTn>
-                                        <p:tgtEl>
-                                          <p:spTgt spid="38"/>
-                                        </p:tgtEl>
-                                        <p:attrNameLst>
-                                          <p:attrName>style.visibility</p:attrName>
-                                        </p:attrNameLst>
-                                      </p:cBhvr>
-                                      <p:to>
-                                        <p:strVal val="visible"/>
-                                      </p:to>
-                                    </p:set>
-                                    <p:anim calcmode="lin" valueType="num">
-                                      <p:cBhvr additive="base">
-                                        <p:cTn id="7" dur="500"/>
-                                        <p:tgtEl>
-                                          <p:spTgt spid="38"/>
-                                        </p:tgtEl>
-                                        <p:attrNameLst>
-                                          <p:attrName>ppt_y</p:attrName>
-                                        </p:attrNameLst>
-                                      </p:cBhvr>
-                                      <p:tavLst>
-                                        <p:tav tm="0">
-                                          <p:val>
-                                            <p:strVal val="#ppt_y+#ppt_h*1.125000"/>
-                                          </p:val>
-                                        </p:tav>
-                                        <p:tav tm="100000">
-                                          <p:val>
-                                            <p:strVal val="#ppt_y"/>
-                                          </p:val>
-                                        </p:tav>
-                                      </p:tavLst>
-                                    </p:anim>
-                                    <p:animEffect transition="in" filter="wipe(up)">
-                                      <p:cBhvr>
-                                        <p:cTn id="8" dur="500"/>
-                                        <p:tgtEl>
-                                          <p:spTgt spid="38"/>
-                                        </p:tgtEl>
-                                      </p:cBhvr>
-                                    </p:animEffect>
-                                  </p:childTnLst>
-                                </p:cTn>
-                              </p:par>
-                              <p:par>
-                                <p:cTn id="9" presetID="12" presetClass="entr" presetSubtype="4" fill="hold" nodeType="withEffect">
-                                  <p:stCondLst>
-                                    <p:cond delay="0"/>
-                                  </p:stCondLst>
-                                  <p:childTnLst>
-                                    <p:set>
-                                      <p:cBhvr>
-                                        <p:cTn id="10" dur="1" fill="hold">
-                                          <p:stCondLst>
-                                            <p:cond delay="0"/>
-                                          </p:stCondLst>
-                                        </p:cTn>
-                                        <p:tgtEl>
-                                          <p:spTgt spid="13"/>
-                                        </p:tgtEl>
-                                        <p:attrNameLst>
-                                          <p:attrName>style.visibility</p:attrName>
-                                        </p:attrNameLst>
-                                      </p:cBhvr>
-                                      <p:to>
-                                        <p:strVal val="visible"/>
-                                      </p:to>
-                                    </p:set>
-                                    <p:anim calcmode="lin" valueType="num">
-                                      <p:cBhvr additive="base">
-                                        <p:cTn id="11" dur="500"/>
-                                        <p:tgtEl>
-                                          <p:spTgt spid="13"/>
-                                        </p:tgtEl>
-                                        <p:attrNameLst>
-                                          <p:attrName>ppt_y</p:attrName>
-                                        </p:attrNameLst>
-                                      </p:cBhvr>
-                                      <p:tavLst>
-                                        <p:tav tm="0">
-                                          <p:val>
-                                            <p:strVal val="#ppt_y+#ppt_h*1.125000"/>
-                                          </p:val>
-                                        </p:tav>
-                                        <p:tav tm="100000">
-                                          <p:val>
-                                            <p:strVal val="#ppt_y"/>
-                                          </p:val>
-                                        </p:tav>
-                                      </p:tavLst>
-                                    </p:anim>
-                                    <p:animEffect transition="in" filter="wipe(up)">
-                                      <p:cBhvr>
-                                        <p:cTn id="12" dur="500"/>
-                                        <p:tgtEl>
-                                          <p:spTgt spid="13"/>
-                                        </p:tgtEl>
-                                      </p:cBhvr>
-                                    </p:animEffect>
-                                  </p:childTnLst>
-                                </p:cTn>
-                              </p:par>
-                              <p:par>
-                                <p:cTn id="13" presetID="12" presetClass="entr" presetSubtype="4" fill="hold" grpId="0" nodeType="withEffect">
-                                  <p:stCondLst>
-                                    <p:cond delay="0"/>
-                                  </p:stCondLst>
-                                  <p:childTnLst>
-                                    <p:set>
-                                      <p:cBhvr>
-                                        <p:cTn id="14" dur="1" fill="hold">
-                                          <p:stCondLst>
-                                            <p:cond delay="0"/>
-                                          </p:stCondLst>
-                                        </p:cTn>
-                                        <p:tgtEl>
-                                          <p:spTgt spid="15"/>
-                                        </p:tgtEl>
-                                        <p:attrNameLst>
-                                          <p:attrName>style.visibility</p:attrName>
-                                        </p:attrNameLst>
-                                      </p:cBhvr>
-                                      <p:to>
-                                        <p:strVal val="visible"/>
-                                      </p:to>
-                                    </p:set>
-                                    <p:anim calcmode="lin" valueType="num">
-                                      <p:cBhvr additive="base">
-                                        <p:cTn id="15" dur="500"/>
-                                        <p:tgtEl>
-                                          <p:spTgt spid="15"/>
-                                        </p:tgtEl>
-                                        <p:attrNameLst>
-                                          <p:attrName>ppt_y</p:attrName>
-                                        </p:attrNameLst>
-                                      </p:cBhvr>
-                                      <p:tavLst>
-                                        <p:tav tm="0">
-                                          <p:val>
-                                            <p:strVal val="#ppt_y+#ppt_h*1.125000"/>
-                                          </p:val>
-                                        </p:tav>
-                                        <p:tav tm="100000">
-                                          <p:val>
-                                            <p:strVal val="#ppt_y"/>
-                                          </p:val>
-                                        </p:tav>
-                                      </p:tavLst>
-                                    </p:anim>
-                                    <p:animEffect transition="in" filter="wipe(up)">
-                                      <p:cBhvr>
-                                        <p:cTn id="16" dur="500"/>
-                                        <p:tgtEl>
-                                          <p:spTgt spid="15"/>
-                                        </p:tgtEl>
-                                      </p:cBhvr>
-                                    </p:animEffect>
-                                  </p:childTnLst>
-                                </p:cTn>
-                              </p:par>
-                              <p:par>
-                                <p:cTn id="17" presetID="12" presetClass="entr" presetSubtype="4" fill="hold" grpId="0" nodeType="withEffect">
-                                  <p:stCondLst>
-                                    <p:cond delay="0"/>
-                                  </p:stCondLst>
-                                  <p:childTnLst>
-                                    <p:set>
-                                      <p:cBhvr>
-                                        <p:cTn id="18" dur="1" fill="hold">
-                                          <p:stCondLst>
-                                            <p:cond delay="0"/>
-                                          </p:stCondLst>
-                                        </p:cTn>
-                                        <p:tgtEl>
-                                          <p:spTgt spid="18"/>
-                                        </p:tgtEl>
-                                        <p:attrNameLst>
-                                          <p:attrName>style.visibility</p:attrName>
-                                        </p:attrNameLst>
-                                      </p:cBhvr>
-                                      <p:to>
-                                        <p:strVal val="visible"/>
-                                      </p:to>
-                                    </p:set>
-                                    <p:anim calcmode="lin" valueType="num">
-                                      <p:cBhvr additive="base">
-                                        <p:cTn id="19" dur="500"/>
-                                        <p:tgtEl>
-                                          <p:spTgt spid="18"/>
-                                        </p:tgtEl>
-                                        <p:attrNameLst>
-                                          <p:attrName>ppt_y</p:attrName>
-                                        </p:attrNameLst>
-                                      </p:cBhvr>
-                                      <p:tavLst>
-                                        <p:tav tm="0">
-                                          <p:val>
-                                            <p:strVal val="#ppt_y+#ppt_h*1.125000"/>
-                                          </p:val>
-                                        </p:tav>
-                                        <p:tav tm="100000">
-                                          <p:val>
-                                            <p:strVal val="#ppt_y"/>
-                                          </p:val>
-                                        </p:tav>
-                                      </p:tavLst>
-                                    </p:anim>
-                                    <p:animEffect transition="in" filter="wipe(up)">
-                                      <p:cBhvr>
-                                        <p:cTn id="20" dur="500"/>
-                                        <p:tgtEl>
-                                          <p:spTgt spid="18"/>
-                                        </p:tgtEl>
-                                      </p:cBhvr>
-                                    </p:animEffect>
-                                  </p:childTnLst>
-                                </p:cTn>
-                              </p:par>
-                              <p:par>
-                                <p:cTn id="21" presetID="12" presetClass="entr" presetSubtype="4" fill="hold" grpId="0" nodeType="withEffect">
-                                  <p:stCondLst>
-                                    <p:cond delay="0"/>
-                                  </p:stCondLst>
-                                  <p:childTnLst>
-                                    <p:set>
-                                      <p:cBhvr>
-                                        <p:cTn id="22" dur="1" fill="hold">
-                                          <p:stCondLst>
-                                            <p:cond delay="0"/>
-                                          </p:stCondLst>
-                                        </p:cTn>
-                                        <p:tgtEl>
-                                          <p:spTgt spid="19"/>
-                                        </p:tgtEl>
-                                        <p:attrNameLst>
-                                          <p:attrName>style.visibility</p:attrName>
-                                        </p:attrNameLst>
-                                      </p:cBhvr>
-                                      <p:to>
-                                        <p:strVal val="visible"/>
-                                      </p:to>
-                                    </p:set>
-                                    <p:anim calcmode="lin" valueType="num">
-                                      <p:cBhvr additive="base">
-                                        <p:cTn id="23" dur="500"/>
-                                        <p:tgtEl>
-                                          <p:spTgt spid="19"/>
-                                        </p:tgtEl>
-                                        <p:attrNameLst>
-                                          <p:attrName>ppt_y</p:attrName>
-                                        </p:attrNameLst>
-                                      </p:cBhvr>
-                                      <p:tavLst>
-                                        <p:tav tm="0">
-                                          <p:val>
-                                            <p:strVal val="#ppt_y+#ppt_h*1.125000"/>
-                                          </p:val>
-                                        </p:tav>
-                                        <p:tav tm="100000">
-                                          <p:val>
-                                            <p:strVal val="#ppt_y"/>
-                                          </p:val>
-                                        </p:tav>
-                                      </p:tavLst>
-                                    </p:anim>
-                                    <p:animEffect transition="in" filter="wipe(up)">
-                                      <p:cBhvr>
-                                        <p:cTn id="24" dur="500"/>
-                                        <p:tgtEl>
-                                          <p:spTgt spid="19"/>
-                                        </p:tgtEl>
-                                      </p:cBhvr>
-                                    </p:animEffect>
-                                  </p:childTnLst>
-                                </p:cTn>
-                              </p:par>
-                            </p:childTnLst>
-                          </p:cTn>
-                        </p:par>
-                      </p:childTnLst>
-                    </p:cTn>
-                  </p:par>
-                </p:childTnLst>
-              </p:cTn>
-              <p:prevCondLst>
-                <p:cond evt="onPrev" delay="0">
-                  <p:tgtEl>
-                    <p:sldTgt/>
-                  </p:tgtEl>
-                </p:cond>
-              </p:prevCondLst>
-              <p:nextCondLst>
-                <p:cond evt="onNext" delay="0">
-                  <p:tgtEl>
-                    <p:sldTgt/>
-                  </p:tgtEl>
-                </p:cond>
-              </p:nextCondLst>
-            </p:seq>
-          </p:childTnLst>
-        </p:cTn>
-      </p:par>
-    </p:tnLst>
-    <p:bldLst>
-      <p:bldP spid="15" grpId="0" animBg="1"/>
-      <p:bldP spid="18" grpId="0"/>
-      <p:bldP spid="19" grpId="0"/>
     </p:bldLst>
   </p:timing>
 </p:sld>

--- a/report/02-presentation/presentation.pptx
+++ b/report/02-presentation/presentation.pptx
@@ -4157,7 +4157,7 @@
             <a:graphicData uri="http://schemas.openxmlformats.org/presentationml/2006/ole">
               <mc:AlternateContent xmlns:mc="http://schemas.openxmlformats.org/markup-compatibility/2006">
                 <mc:Choice xmlns:v="urn:schemas-microsoft-com:vml" Requires="v">
-                  <p:oleObj spid="_x0000_s5141" name="Equation" r:id="rId4" imgW="1981200" imgH="1397000" progId="Equation.3">
+                  <p:oleObj spid="_x0000_s5145" name="Equation" r:id="rId4" imgW="1981200" imgH="1397000" progId="Equation.3">
                     <p:embed/>
                   </p:oleObj>
                 </mc:Choice>
@@ -5228,7 +5228,7 @@
             <a:graphicData uri="http://schemas.openxmlformats.org/presentationml/2006/ole">
               <mc:AlternateContent xmlns:mc="http://schemas.openxmlformats.org/markup-compatibility/2006">
                 <mc:Choice xmlns:v="urn:schemas-microsoft-com:vml" Requires="v">
-                  <p:oleObj spid="_x0000_s7186" name="Equation" r:id="rId4" imgW="1981200" imgH="1397000" progId="Equation.3">
+                  <p:oleObj spid="_x0000_s7190" name="Equation" r:id="rId4" imgW="1981200" imgH="1397000" progId="Equation.3">
                     <p:embed/>
                   </p:oleObj>
                 </mc:Choice>
@@ -6880,7 +6880,7 @@
             <a:graphicData uri="http://schemas.openxmlformats.org/presentationml/2006/ole">
               <mc:AlternateContent xmlns:mc="http://schemas.openxmlformats.org/markup-compatibility/2006">
                 <mc:Choice xmlns:v="urn:schemas-microsoft-com:vml" Requires="v">
-                  <p:oleObj spid="_x0000_s8208" name="Equation" r:id="rId6" imgW="1981200" imgH="1397000" progId="Equation.3">
+                  <p:oleObj spid="_x0000_s8212" name="Equation" r:id="rId6" imgW="1981200" imgH="1397000" progId="Equation.3">
                     <p:embed/>
                   </p:oleObj>
                 </mc:Choice>
@@ -8685,18 +8685,9 @@
             </a:pPr>
             <a:r>
               <a:rPr lang="en-US" dirty="0" smtClean="0"/>
-              <a:t>Experiments</a:t>
-            </a:r>
-          </a:p>
-          <a:p>
-            <a:pPr marL="514350" indent="-514350">
-              <a:buFont typeface="+mj-lt"/>
-              <a:buAutoNum type="arabicPeriod"/>
-            </a:pPr>
-            <a:r>
-              <a:rPr lang="en-US" dirty="0" smtClean="0"/>
-              <a:t>Results</a:t>
-            </a:r>
+              <a:t>Experiments &amp; Results</a:t>
+            </a:r>
+            <a:endParaRPr lang="en-US" dirty="0" smtClean="0"/>
           </a:p>
           <a:p>
             <a:pPr marL="514350" indent="-514350">
@@ -10551,7 +10542,15 @@
           <a:p>
             <a:r>
               <a:rPr lang="en-US" sz="3600" dirty="0" smtClean="0"/>
-              <a:t>Foundations: Deep Learning Auto Encoder</a:t>
+              <a:t>Foundations: Deep </a:t>
+            </a:r>
+            <a:r>
+              <a:rPr lang="en-US" sz="3600" smtClean="0"/>
+              <a:t>Learning </a:t>
+            </a:r>
+            <a:r>
+              <a:rPr lang="en-US" sz="3600" smtClean="0"/>
+              <a:t>Auto-Encoder</a:t>
             </a:r>
             <a:endParaRPr lang="en-US" sz="3600" dirty="0"/>
           </a:p>
@@ -10691,7 +10690,7 @@
           <a:graphicData uri="http://schemas.openxmlformats.org/presentationml/2006/ole">
             <mc:AlternateContent xmlns:mc="http://schemas.openxmlformats.org/markup-compatibility/2006">
               <mc:Choice xmlns:v="urn:schemas-microsoft-com:vml" Requires="v">
-                <p:oleObj spid="_x0000_s2121" name="Equation" r:id="rId4" imgW="1625600" imgH="1130300" progId="Equation.3">
+                <p:oleObj spid="_x0000_s2133" name="Equation" r:id="rId4" imgW="1625600" imgH="1130300" progId="Equation.3">
                   <p:embed/>
                 </p:oleObj>
               </mc:Choice>
@@ -10820,7 +10819,7 @@
           <a:graphicData uri="http://schemas.openxmlformats.org/presentationml/2006/ole">
             <mc:AlternateContent xmlns:mc="http://schemas.openxmlformats.org/markup-compatibility/2006">
               <mc:Choice xmlns:v="urn:schemas-microsoft-com:vml" Requires="v">
-                <p:oleObj spid="_x0000_s2122" name="Equation" r:id="rId6" imgW="2336800" imgH="1130300" progId="Equation.3">
+                <p:oleObj spid="_x0000_s2134" name="Equation" r:id="rId6" imgW="2336800" imgH="1130300" progId="Equation.3">
                   <p:embed/>
                 </p:oleObj>
               </mc:Choice>
@@ -10990,7 +10989,7 @@
           <a:graphicData uri="http://schemas.openxmlformats.org/presentationml/2006/ole">
             <mc:AlternateContent xmlns:mc="http://schemas.openxmlformats.org/markup-compatibility/2006">
               <mc:Choice xmlns:v="urn:schemas-microsoft-com:vml" Requires="v">
-                <p:oleObj spid="_x0000_s2123" name="Equation" r:id="rId8" imgW="266700" imgH="203200" progId="Equation.3">
+                <p:oleObj spid="_x0000_s2135" name="Equation" r:id="rId8" imgW="266700" imgH="203200" progId="Equation.3">
                   <p:embed/>
                 </p:oleObj>
               </mc:Choice>
@@ -11632,7 +11631,7 @@
             </a:pPr>
             <a:r>
               <a:rPr lang="en-US" sz="2400" dirty="0" smtClean="0"/>
-              <a:t>Trips start at (0,0)c</a:t>
+              <a:t>Trips start at (0,0)</a:t>
             </a:r>
             <a:endParaRPr lang="en-US" sz="2400" dirty="0" smtClean="0"/>
           </a:p>
@@ -12214,7 +12213,7 @@
             <a:graphicData uri="http://schemas.openxmlformats.org/presentationml/2006/ole">
               <mc:AlternateContent xmlns:mc="http://schemas.openxmlformats.org/markup-compatibility/2006">
                 <mc:Choice xmlns:v="urn:schemas-microsoft-com:vml" Requires="v">
-                  <p:oleObj spid="_x0000_s1029" name="Equation" r:id="rId7" imgW="1981200" imgH="1397000" progId="Equation.3">
+                  <p:oleObj spid="_x0000_s1033" name="Equation" r:id="rId7" imgW="1981200" imgH="1397000" progId="Equation.3">
                     <p:embed/>
                   </p:oleObj>
                 </mc:Choice>

--- a/report/02-presentation/presentation.pptx
+++ b/report/02-presentation/presentation.pptx
@@ -4157,7 +4157,7 @@
             <a:graphicData uri="http://schemas.openxmlformats.org/presentationml/2006/ole">
               <mc:AlternateContent xmlns:mc="http://schemas.openxmlformats.org/markup-compatibility/2006">
                 <mc:Choice xmlns:v="urn:schemas-microsoft-com:vml" Requires="v">
-                  <p:oleObj spid="_x0000_s5145" name="Equation" r:id="rId4" imgW="1981200" imgH="1397000" progId="Equation.3">
+                  <p:oleObj spid="_x0000_s5147" name="Equation" r:id="rId4" imgW="1981200" imgH="1397000" progId="Equation.3">
                     <p:embed/>
                   </p:oleObj>
                 </mc:Choice>
@@ -4699,6 +4699,33 @@
           </a:p>
         </p:txBody>
       </p:sp>
+      <p:pic>
+        <p:nvPicPr>
+          <p:cNvPr id="21" name="Picture 20"/>
+          <p:cNvPicPr>
+            <a:picLocks noChangeAspect="1"/>
+          </p:cNvPicPr>
+          <p:nvPr/>
+        </p:nvPicPr>
+        <p:blipFill>
+          <a:blip r:embed="rId7"/>
+          <a:stretch>
+            <a:fillRect/>
+          </a:stretch>
+        </p:blipFill>
+        <p:spPr>
+          <a:xfrm>
+            <a:off x="7826375" y="949216"/>
+            <a:ext cx="789145" cy="415340"/>
+          </a:xfrm>
+          <a:prstGeom prst="rect">
+            <a:avLst/>
+          </a:prstGeom>
+          <a:solidFill>
+            <a:srgbClr val="FFFFFF"/>
+          </a:solidFill>
+        </p:spPr>
+      </p:pic>
     </p:spTree>
     <p:extLst>
       <p:ext uri="{BB962C8B-B14F-4D97-AF65-F5344CB8AC3E}">
@@ -5228,7 +5255,7 @@
             <a:graphicData uri="http://schemas.openxmlformats.org/presentationml/2006/ole">
               <mc:AlternateContent xmlns:mc="http://schemas.openxmlformats.org/markup-compatibility/2006">
                 <mc:Choice xmlns:v="urn:schemas-microsoft-com:vml" Requires="v">
-                  <p:oleObj spid="_x0000_s7190" name="Equation" r:id="rId4" imgW="1981200" imgH="1397000" progId="Equation.3">
+                  <p:oleObj spid="_x0000_s7192" name="Equation" r:id="rId4" imgW="1981200" imgH="1397000" progId="Equation.3">
                     <p:embed/>
                   </p:oleObj>
                 </mc:Choice>
@@ -5770,6 +5797,33 @@
           </a:p>
         </p:txBody>
       </p:sp>
+      <p:pic>
+        <p:nvPicPr>
+          <p:cNvPr id="21" name="Picture 20"/>
+          <p:cNvPicPr>
+            <a:picLocks noChangeAspect="1"/>
+          </p:cNvPicPr>
+          <p:nvPr/>
+        </p:nvPicPr>
+        <p:blipFill>
+          <a:blip r:embed="rId7"/>
+          <a:stretch>
+            <a:fillRect/>
+          </a:stretch>
+        </p:blipFill>
+        <p:spPr>
+          <a:xfrm>
+            <a:off x="7826375" y="949216"/>
+            <a:ext cx="789145" cy="415340"/>
+          </a:xfrm>
+          <a:prstGeom prst="rect">
+            <a:avLst/>
+          </a:prstGeom>
+          <a:solidFill>
+            <a:srgbClr val="FFFFFF"/>
+          </a:solidFill>
+        </p:spPr>
+      </p:pic>
     </p:spTree>
     <p:extLst>
       <p:ext uri="{BB962C8B-B14F-4D97-AF65-F5344CB8AC3E}">
@@ -6880,7 +6934,7 @@
             <a:graphicData uri="http://schemas.openxmlformats.org/presentationml/2006/ole">
               <mc:AlternateContent xmlns:mc="http://schemas.openxmlformats.org/markup-compatibility/2006">
                 <mc:Choice xmlns:v="urn:schemas-microsoft-com:vml" Requires="v">
-                  <p:oleObj spid="_x0000_s8212" name="Equation" r:id="rId6" imgW="1981200" imgH="1397000" progId="Equation.3">
+                  <p:oleObj spid="_x0000_s8214" name="Equation" r:id="rId6" imgW="1981200" imgH="1397000" progId="Equation.3">
                     <p:embed/>
                   </p:oleObj>
                 </mc:Choice>
@@ -7461,6 +7515,33 @@
           </a:p>
         </p:txBody>
       </p:sp>
+      <p:pic>
+        <p:nvPicPr>
+          <p:cNvPr id="21" name="Picture 20"/>
+          <p:cNvPicPr>
+            <a:picLocks noChangeAspect="1"/>
+          </p:cNvPicPr>
+          <p:nvPr/>
+        </p:nvPicPr>
+        <p:blipFill>
+          <a:blip r:embed="rId8"/>
+          <a:stretch>
+            <a:fillRect/>
+          </a:stretch>
+        </p:blipFill>
+        <p:spPr>
+          <a:xfrm>
+            <a:off x="7826375" y="949216"/>
+            <a:ext cx="789145" cy="415340"/>
+          </a:xfrm>
+          <a:prstGeom prst="rect">
+            <a:avLst/>
+          </a:prstGeom>
+          <a:solidFill>
+            <a:srgbClr val="FFFFFF"/>
+          </a:solidFill>
+        </p:spPr>
+      </p:pic>
     </p:spTree>
     <p:extLst>
       <p:ext uri="{BB962C8B-B14F-4D97-AF65-F5344CB8AC3E}">
@@ -10545,11 +10626,11 @@
               <a:t>Foundations: Deep </a:t>
             </a:r>
             <a:r>
-              <a:rPr lang="en-US" sz="3600" smtClean="0"/>
+              <a:rPr lang="en-US" sz="3600" dirty="0" smtClean="0"/>
               <a:t>Learning </a:t>
             </a:r>
             <a:r>
-              <a:rPr lang="en-US" sz="3600" smtClean="0"/>
+              <a:rPr lang="en-US" sz="3600" dirty="0" smtClean="0"/>
               <a:t>Auto-Encoder</a:t>
             </a:r>
             <a:endParaRPr lang="en-US" sz="3600" dirty="0"/>
@@ -10690,7 +10771,7 @@
           <a:graphicData uri="http://schemas.openxmlformats.org/presentationml/2006/ole">
             <mc:AlternateContent xmlns:mc="http://schemas.openxmlformats.org/markup-compatibility/2006">
               <mc:Choice xmlns:v="urn:schemas-microsoft-com:vml" Requires="v">
-                <p:oleObj spid="_x0000_s2133" name="Equation" r:id="rId4" imgW="1625600" imgH="1130300" progId="Equation.3">
+                <p:oleObj spid="_x0000_s2139" name="Equation" r:id="rId4" imgW="1625600" imgH="1130300" progId="Equation.3">
                   <p:embed/>
                 </p:oleObj>
               </mc:Choice>
@@ -10819,7 +10900,7 @@
           <a:graphicData uri="http://schemas.openxmlformats.org/presentationml/2006/ole">
             <mc:AlternateContent xmlns:mc="http://schemas.openxmlformats.org/markup-compatibility/2006">
               <mc:Choice xmlns:v="urn:schemas-microsoft-com:vml" Requires="v">
-                <p:oleObj spid="_x0000_s2134" name="Equation" r:id="rId6" imgW="2336800" imgH="1130300" progId="Equation.3">
+                <p:oleObj spid="_x0000_s2140" name="Equation" r:id="rId6" imgW="2336800" imgH="1130300" progId="Equation.3">
                   <p:embed/>
                 </p:oleObj>
               </mc:Choice>
@@ -10989,7 +11070,7 @@
           <a:graphicData uri="http://schemas.openxmlformats.org/presentationml/2006/ole">
             <mc:AlternateContent xmlns:mc="http://schemas.openxmlformats.org/markup-compatibility/2006">
               <mc:Choice xmlns:v="urn:schemas-microsoft-com:vml" Requires="v">
-                <p:oleObj spid="_x0000_s2135" name="Equation" r:id="rId8" imgW="266700" imgH="203200" progId="Equation.3">
+                <p:oleObj spid="_x0000_s2141" name="Equation" r:id="rId8" imgW="266700" imgH="203200" progId="Equation.3">
                   <p:embed/>
                 </p:oleObj>
               </mc:Choice>
@@ -12213,7 +12294,7 @@
             <a:graphicData uri="http://schemas.openxmlformats.org/presentationml/2006/ole">
               <mc:AlternateContent xmlns:mc="http://schemas.openxmlformats.org/markup-compatibility/2006">
                 <mc:Choice xmlns:v="urn:schemas-microsoft-com:vml" Requires="v">
-                  <p:oleObj spid="_x0000_s1033" name="Equation" r:id="rId7" imgW="1981200" imgH="1397000" progId="Equation.3">
+                  <p:oleObj spid="_x0000_s1035" name="Equation" r:id="rId7" imgW="1981200" imgH="1397000" progId="Equation.3">
                     <p:embed/>
                   </p:oleObj>
                 </mc:Choice>
